--- a/Presentation/Kingdom of Souls.pptx
+++ b/Presentation/Kingdom of Souls.pptx
@@ -2,7 +2,7 @@
 <file path=ppt/presentation.xml><?xml version="1.0" encoding="utf-8"?>
 <p:presentation xmlns:a="http://schemas.openxmlformats.org/drawingml/2006/main" xmlns:r="http://schemas.openxmlformats.org/officeDocument/2006/relationships" xmlns:p="http://schemas.openxmlformats.org/presentationml/2006/main" saveSubsetFonts="1">
   <p:sldMasterIdLst>
-    <p:sldMasterId id="2147483648" r:id="rId1"/>
+    <p:sldMasterId id="2147483732" r:id="rId1"/>
   </p:sldMasterIdLst>
   <p:sldIdLst>
     <p:sldId id="256" r:id="rId2"/>
@@ -10,16 +10,16 @@
     <p:sldId id="260" r:id="rId4"/>
     <p:sldId id="261" r:id="rId5"/>
     <p:sldId id="262" r:id="rId6"/>
-    <p:sldId id="258" r:id="rId7"/>
-    <p:sldId id="259" r:id="rId8"/>
+    <p:sldId id="263" r:id="rId7"/>
+    <p:sldId id="258" r:id="rId8"/>
   </p:sldIdLst>
   <p:sldSz cx="12192000" cy="6858000"/>
   <p:notesSz cx="6858000" cy="9144000"/>
   <p:defaultTextStyle>
     <a:defPPr>
-      <a:defRPr lang="de-DE"/>
+      <a:defRPr lang="en-US"/>
     </a:defPPr>
-    <a:lvl1pPr marL="0" algn="l" defTabSz="914400" rtl="0" eaLnBrk="1" latinLnBrk="0" hangingPunct="1">
+    <a:lvl1pPr marL="0" algn="l" defTabSz="457200" rtl="0" eaLnBrk="1" latinLnBrk="0" hangingPunct="1">
       <a:defRPr sz="1800" kern="1200">
         <a:solidFill>
           <a:schemeClr val="tx1"/>
@@ -29,7 +29,7 @@
         <a:cs typeface="+mn-cs"/>
       </a:defRPr>
     </a:lvl1pPr>
-    <a:lvl2pPr marL="457200" algn="l" defTabSz="914400" rtl="0" eaLnBrk="1" latinLnBrk="0" hangingPunct="1">
+    <a:lvl2pPr marL="457200" algn="l" defTabSz="457200" rtl="0" eaLnBrk="1" latinLnBrk="0" hangingPunct="1">
       <a:defRPr sz="1800" kern="1200">
         <a:solidFill>
           <a:schemeClr val="tx1"/>
@@ -39,7 +39,7 @@
         <a:cs typeface="+mn-cs"/>
       </a:defRPr>
     </a:lvl2pPr>
-    <a:lvl3pPr marL="914400" algn="l" defTabSz="914400" rtl="0" eaLnBrk="1" latinLnBrk="0" hangingPunct="1">
+    <a:lvl3pPr marL="914400" algn="l" defTabSz="457200" rtl="0" eaLnBrk="1" latinLnBrk="0" hangingPunct="1">
       <a:defRPr sz="1800" kern="1200">
         <a:solidFill>
           <a:schemeClr val="tx1"/>
@@ -49,7 +49,7 @@
         <a:cs typeface="+mn-cs"/>
       </a:defRPr>
     </a:lvl3pPr>
-    <a:lvl4pPr marL="1371600" algn="l" defTabSz="914400" rtl="0" eaLnBrk="1" latinLnBrk="0" hangingPunct="1">
+    <a:lvl4pPr marL="1371600" algn="l" defTabSz="457200" rtl="0" eaLnBrk="1" latinLnBrk="0" hangingPunct="1">
       <a:defRPr sz="1800" kern="1200">
         <a:solidFill>
           <a:schemeClr val="tx1"/>
@@ -59,7 +59,7 @@
         <a:cs typeface="+mn-cs"/>
       </a:defRPr>
     </a:lvl4pPr>
-    <a:lvl5pPr marL="1828800" algn="l" defTabSz="914400" rtl="0" eaLnBrk="1" latinLnBrk="0" hangingPunct="1">
+    <a:lvl5pPr marL="1828800" algn="l" defTabSz="457200" rtl="0" eaLnBrk="1" latinLnBrk="0" hangingPunct="1">
       <a:defRPr sz="1800" kern="1200">
         <a:solidFill>
           <a:schemeClr val="tx1"/>
@@ -69,7 +69,7 @@
         <a:cs typeface="+mn-cs"/>
       </a:defRPr>
     </a:lvl5pPr>
-    <a:lvl6pPr marL="2286000" algn="l" defTabSz="914400" rtl="0" eaLnBrk="1" latinLnBrk="0" hangingPunct="1">
+    <a:lvl6pPr marL="2286000" algn="l" defTabSz="457200" rtl="0" eaLnBrk="1" latinLnBrk="0" hangingPunct="1">
       <a:defRPr sz="1800" kern="1200">
         <a:solidFill>
           <a:schemeClr val="tx1"/>
@@ -79,7 +79,7 @@
         <a:cs typeface="+mn-cs"/>
       </a:defRPr>
     </a:lvl6pPr>
-    <a:lvl7pPr marL="2743200" algn="l" defTabSz="914400" rtl="0" eaLnBrk="1" latinLnBrk="0" hangingPunct="1">
+    <a:lvl7pPr marL="2743200" algn="l" defTabSz="457200" rtl="0" eaLnBrk="1" latinLnBrk="0" hangingPunct="1">
       <a:defRPr sz="1800" kern="1200">
         <a:solidFill>
           <a:schemeClr val="tx1"/>
@@ -89,7 +89,7 @@
         <a:cs typeface="+mn-cs"/>
       </a:defRPr>
     </a:lvl7pPr>
-    <a:lvl8pPr marL="3200400" algn="l" defTabSz="914400" rtl="0" eaLnBrk="1" latinLnBrk="0" hangingPunct="1">
+    <a:lvl8pPr marL="3200400" algn="l" defTabSz="457200" rtl="0" eaLnBrk="1" latinLnBrk="0" hangingPunct="1">
       <a:defRPr sz="1800" kern="1200">
         <a:solidFill>
           <a:schemeClr val="tx1"/>
@@ -99,7 +99,7 @@
         <a:cs typeface="+mn-cs"/>
       </a:defRPr>
     </a:lvl8pPr>
-    <a:lvl9pPr marL="3657600" algn="l" defTabSz="914400" rtl="0" eaLnBrk="1" latinLnBrk="0" hangingPunct="1">
+    <a:lvl9pPr marL="3657600" algn="l" defTabSz="457200" rtl="0" eaLnBrk="1" latinLnBrk="0" hangingPunct="1">
       <a:defRPr sz="1800" kern="1200">
         <a:solidFill>
           <a:schemeClr val="tx1"/>
@@ -110,6 +110,11 @@
       </a:defRPr>
     </a:lvl9pPr>
   </p:defaultTextStyle>
+  <p:extLst>
+    <p:ext uri="{EFAFB233-063F-42B5-8137-9DF3F51BA10A}">
+      <p15:sldGuideLst xmlns:p15="http://schemas.microsoft.com/office/powerpoint/2012/main"/>
+    </p:ext>
+  </p:extLst>
 </p:presentation>
 </file>
 
@@ -132,13 +137,7 @@
       </p:grpSpPr>
       <p:sp>
         <p:nvSpPr>
-          <p:cNvPr id="2" name="Titel 1">
-            <a:extLst>
-              <a:ext uri="{FF2B5EF4-FFF2-40B4-BE49-F238E27FC236}">
-                <a16:creationId xmlns:a16="http://schemas.microsoft.com/office/drawing/2014/main" id="{D94A587D-BCB2-CCDC-CC3D-6AF03068BA57}"/>
-              </a:ext>
-            </a:extLst>
-          </p:cNvPr>
+          <p:cNvPr id="2" name="Title 1"/>
           <p:cNvSpPr>
             <a:spLocks noGrp="1"/>
           </p:cNvSpPr>
@@ -148,15 +147,17 @@
         </p:nvSpPr>
         <p:spPr>
           <a:xfrm>
-            <a:off x="1524000" y="1122363"/>
-            <a:ext cx="9144000" cy="2387600"/>
+            <a:off x="1370693" y="1769540"/>
+            <a:ext cx="9440034" cy="1828801"/>
           </a:xfrm>
         </p:spPr>
         <p:txBody>
-          <a:bodyPr anchor="b"/>
+          <a:bodyPr anchor="b">
+            <a:normAutofit/>
+          </a:bodyPr>
           <a:lstStyle>
             <a:lvl1pPr algn="ctr">
-              <a:defRPr sz="6000"/>
+              <a:defRPr sz="5400"/>
             </a:lvl1pPr>
           </a:lstStyle>
           <a:p>
@@ -164,19 +165,13 @@
               <a:rPr lang="de-DE"/>
               <a:t>Mastertitelformat bearbeiten</a:t>
             </a:r>
-            <a:endParaRPr lang="de-AT"/>
-          </a:p>
-        </p:txBody>
-      </p:sp>
-      <p:sp>
-        <p:nvSpPr>
-          <p:cNvPr id="3" name="Untertitel 2">
-            <a:extLst>
-              <a:ext uri="{FF2B5EF4-FFF2-40B4-BE49-F238E27FC236}">
-                <a16:creationId xmlns:a16="http://schemas.microsoft.com/office/drawing/2014/main" id="{DBA993CC-B938-E5E2-D56F-FDB53069DED6}"/>
-              </a:ext>
-            </a:extLst>
-          </p:cNvPr>
+            <a:endParaRPr lang="en-US" dirty="0"/>
+          </a:p>
+        </p:txBody>
+      </p:sp>
+      <p:sp>
+        <p:nvSpPr>
+          <p:cNvPr id="3" name="Subtitle 2"/>
           <p:cNvSpPr>
             <a:spLocks noGrp="1"/>
           </p:cNvSpPr>
@@ -186,48 +181,100 @@
         </p:nvSpPr>
         <p:spPr>
           <a:xfrm>
-            <a:off x="1524000" y="3602038"/>
-            <a:ext cx="9144000" cy="1655762"/>
+            <a:off x="1370693" y="3598339"/>
+            <a:ext cx="9440034" cy="1049867"/>
           </a:xfrm>
         </p:spPr>
         <p:txBody>
-          <a:bodyPr/>
+          <a:bodyPr anchor="t"/>
           <a:lstStyle>
             <a:lvl1pPr marL="0" indent="0" algn="ctr">
               <a:buNone/>
-              <a:defRPr sz="2400"/>
+              <a:defRPr>
+                <a:solidFill>
+                  <a:schemeClr val="tx1"/>
+                </a:solidFill>
+              </a:defRPr>
             </a:lvl1pPr>
             <a:lvl2pPr marL="457200" indent="0" algn="ctr">
               <a:buNone/>
-              <a:defRPr sz="2000"/>
+              <a:defRPr>
+                <a:solidFill>
+                  <a:schemeClr val="tx1">
+                    <a:tint val="75000"/>
+                  </a:schemeClr>
+                </a:solidFill>
+              </a:defRPr>
             </a:lvl2pPr>
             <a:lvl3pPr marL="914400" indent="0" algn="ctr">
               <a:buNone/>
-              <a:defRPr sz="1800"/>
+              <a:defRPr>
+                <a:solidFill>
+                  <a:schemeClr val="tx1">
+                    <a:tint val="75000"/>
+                  </a:schemeClr>
+                </a:solidFill>
+              </a:defRPr>
             </a:lvl3pPr>
             <a:lvl4pPr marL="1371600" indent="0" algn="ctr">
               <a:buNone/>
-              <a:defRPr sz="1600"/>
+              <a:defRPr>
+                <a:solidFill>
+                  <a:schemeClr val="tx1">
+                    <a:tint val="75000"/>
+                  </a:schemeClr>
+                </a:solidFill>
+              </a:defRPr>
             </a:lvl4pPr>
             <a:lvl5pPr marL="1828800" indent="0" algn="ctr">
               <a:buNone/>
-              <a:defRPr sz="1600"/>
+              <a:defRPr>
+                <a:solidFill>
+                  <a:schemeClr val="tx1">
+                    <a:tint val="75000"/>
+                  </a:schemeClr>
+                </a:solidFill>
+              </a:defRPr>
             </a:lvl5pPr>
             <a:lvl6pPr marL="2286000" indent="0" algn="ctr">
               <a:buNone/>
-              <a:defRPr sz="1600"/>
+              <a:defRPr>
+                <a:solidFill>
+                  <a:schemeClr val="tx1">
+                    <a:tint val="75000"/>
+                  </a:schemeClr>
+                </a:solidFill>
+              </a:defRPr>
             </a:lvl6pPr>
             <a:lvl7pPr marL="2743200" indent="0" algn="ctr">
               <a:buNone/>
-              <a:defRPr sz="1600"/>
+              <a:defRPr>
+                <a:solidFill>
+                  <a:schemeClr val="tx1">
+                    <a:tint val="75000"/>
+                  </a:schemeClr>
+                </a:solidFill>
+              </a:defRPr>
             </a:lvl7pPr>
             <a:lvl8pPr marL="3200400" indent="0" algn="ctr">
               <a:buNone/>
-              <a:defRPr sz="1600"/>
+              <a:defRPr>
+                <a:solidFill>
+                  <a:schemeClr val="tx1">
+                    <a:tint val="75000"/>
+                  </a:schemeClr>
+                </a:solidFill>
+              </a:defRPr>
             </a:lvl8pPr>
             <a:lvl9pPr marL="3657600" indent="0" algn="ctr">
               <a:buNone/>
-              <a:defRPr sz="1600"/>
+              <a:defRPr>
+                <a:solidFill>
+                  <a:schemeClr val="tx1">
+                    <a:tint val="75000"/>
+                  </a:schemeClr>
+                </a:solidFill>
+              </a:defRPr>
             </a:lvl9pPr>
           </a:lstStyle>
           <a:p>
@@ -235,19 +282,13 @@
               <a:rPr lang="de-DE"/>
               <a:t>Master-Untertitelformat bearbeiten</a:t>
             </a:r>
-            <a:endParaRPr lang="de-AT"/>
-          </a:p>
-        </p:txBody>
-      </p:sp>
-      <p:sp>
-        <p:nvSpPr>
-          <p:cNvPr id="4" name="Datumsplatzhalter 3">
-            <a:extLst>
-              <a:ext uri="{FF2B5EF4-FFF2-40B4-BE49-F238E27FC236}">
-                <a16:creationId xmlns:a16="http://schemas.microsoft.com/office/drawing/2014/main" id="{19EE7734-72BE-8356-9D3D-60ACB5F23101}"/>
-              </a:ext>
-            </a:extLst>
-          </p:cNvPr>
+            <a:endParaRPr lang="en-US" dirty="0"/>
+          </a:p>
+        </p:txBody>
+      </p:sp>
+      <p:sp>
+        <p:nvSpPr>
+          <p:cNvPr id="4" name="Date Placeholder 3"/>
           <p:cNvSpPr>
             <a:spLocks noGrp="1"/>
           </p:cNvSpPr>
@@ -270,13 +311,7 @@
       </p:sp>
       <p:sp>
         <p:nvSpPr>
-          <p:cNvPr id="5" name="Fußzeilenplatzhalter 4">
-            <a:extLst>
-              <a:ext uri="{FF2B5EF4-FFF2-40B4-BE49-F238E27FC236}">
-                <a16:creationId xmlns:a16="http://schemas.microsoft.com/office/drawing/2014/main" id="{66651FA3-C444-A8C7-09CF-53A3D07093C3}"/>
-              </a:ext>
-            </a:extLst>
-          </p:cNvPr>
+          <p:cNvPr id="5" name="Footer Placeholder 4"/>
           <p:cNvSpPr>
             <a:spLocks noGrp="1"/>
           </p:cNvSpPr>
@@ -295,13 +330,7 @@
       </p:sp>
       <p:sp>
         <p:nvSpPr>
-          <p:cNvPr id="6" name="Foliennummernplatzhalter 5">
-            <a:extLst>
-              <a:ext uri="{FF2B5EF4-FFF2-40B4-BE49-F238E27FC236}">
-                <a16:creationId xmlns:a16="http://schemas.microsoft.com/office/drawing/2014/main" id="{2284643E-F122-4268-0FE8-221C5530A3F3}"/>
-              </a:ext>
-            </a:extLst>
-          </p:cNvPr>
+          <p:cNvPr id="6" name="Slide Number Placeholder 5"/>
           <p:cNvSpPr>
             <a:spLocks noGrp="1"/>
           </p:cNvSpPr>
@@ -325,7 +354,7 @@
     </p:spTree>
     <p:extLst>
       <p:ext uri="{BB962C8B-B14F-4D97-AF65-F5344CB8AC3E}">
-        <p14:creationId xmlns:p14="http://schemas.microsoft.com/office/powerpoint/2010/main" val="748487008"/>
+        <p14:creationId xmlns:p14="http://schemas.microsoft.com/office/powerpoint/2010/main" val="2474565514"/>
       </p:ext>
     </p:extLst>
   </p:cSld>
@@ -336,6 +365,2582 @@
 </file>
 
 <file path=ppt/slideLayouts/slideLayout10.xml><?xml version="1.0" encoding="utf-8"?>
+<p:sldLayout xmlns:a="http://schemas.openxmlformats.org/drawingml/2006/main" xmlns:r="http://schemas.openxmlformats.org/officeDocument/2006/relationships" xmlns:p="http://schemas.openxmlformats.org/presentationml/2006/main" preserve="1">
+  <p:cSld name="Panoramabild mit Beschriftung">
+    <p:spTree>
+      <p:nvGrpSpPr>
+        <p:cNvPr id="1" name=""/>
+        <p:cNvGrpSpPr/>
+        <p:nvPr/>
+      </p:nvGrpSpPr>
+      <p:grpSpPr>
+        <a:xfrm>
+          <a:off x="0" y="0"/>
+          <a:ext cx="0" cy="0"/>
+          <a:chOff x="0" y="0"/>
+          <a:chExt cx="0" cy="0"/>
+        </a:xfrm>
+      </p:grpSpPr>
+      <p:pic>
+        <p:nvPicPr>
+          <p:cNvPr id="16" name="Picture 15" descr="Slate-V2-HD-panoPhotoInset.png"/>
+          <p:cNvPicPr>
+            <a:picLocks noChangeAspect="1"/>
+          </p:cNvPicPr>
+          <p:nvPr/>
+        </p:nvPicPr>
+        <p:blipFill>
+          <a:blip r:embed="rId2">
+            <a:extLst>
+              <a:ext uri="{28A0092B-C50C-407E-A947-70E740481C1C}">
+                <a14:useLocalDpi xmlns:a14="http://schemas.microsoft.com/office/drawing/2010/main" val="0"/>
+              </a:ext>
+            </a:extLst>
+          </a:blip>
+          <a:stretch>
+            <a:fillRect/>
+          </a:stretch>
+        </p:blipFill>
+        <p:spPr>
+          <a:xfrm>
+            <a:off x="1013883" y="547807"/>
+            <a:ext cx="10141799" cy="3816806"/>
+          </a:xfrm>
+          <a:prstGeom prst="rect">
+            <a:avLst/>
+          </a:prstGeom>
+        </p:spPr>
+      </p:pic>
+      <p:sp>
+        <p:nvSpPr>
+          <p:cNvPr id="2" name="Title 1"/>
+          <p:cNvSpPr>
+            <a:spLocks noGrp="1"/>
+          </p:cNvSpPr>
+          <p:nvPr>
+            <p:ph type="title"/>
+          </p:nvPr>
+        </p:nvSpPr>
+        <p:spPr>
+          <a:xfrm>
+            <a:off x="913806" y="4565255"/>
+            <a:ext cx="10355326" cy="543472"/>
+          </a:xfrm>
+        </p:spPr>
+        <p:txBody>
+          <a:bodyPr anchor="b">
+            <a:normAutofit/>
+          </a:bodyPr>
+          <a:lstStyle>
+            <a:lvl1pPr algn="ctr">
+              <a:defRPr sz="2800"/>
+            </a:lvl1pPr>
+          </a:lstStyle>
+          <a:p>
+            <a:r>
+              <a:rPr lang="de-DE"/>
+              <a:t>Mastertitelformat bearbeiten</a:t>
+            </a:r>
+            <a:endParaRPr lang="en-US" dirty="0"/>
+          </a:p>
+        </p:txBody>
+      </p:sp>
+      <p:sp>
+        <p:nvSpPr>
+          <p:cNvPr id="3" name="Picture Placeholder 2"/>
+          <p:cNvSpPr>
+            <a:spLocks noGrp="1" noChangeAspect="1"/>
+          </p:cNvSpPr>
+          <p:nvPr>
+            <p:ph type="pic" idx="1"/>
+          </p:nvPr>
+        </p:nvSpPr>
+        <p:spPr>
+          <a:xfrm>
+            <a:off x="1169349" y="695009"/>
+            <a:ext cx="9845346" cy="3525671"/>
+          </a:xfrm>
+          <a:effectLst>
+            <a:outerShdw blurRad="38100" dist="25400" dir="4440000">
+              <a:srgbClr val="000000">
+                <a:alpha val="36000"/>
+              </a:srgbClr>
+            </a:outerShdw>
+          </a:effectLst>
+        </p:spPr>
+        <p:txBody>
+          <a:bodyPr anchor="t">
+            <a:normAutofit/>
+          </a:bodyPr>
+          <a:lstStyle>
+            <a:lvl1pPr marL="0" indent="0" algn="ctr">
+              <a:buNone/>
+              <a:defRPr sz="2000"/>
+            </a:lvl1pPr>
+            <a:lvl2pPr marL="457200" indent="0">
+              <a:buNone/>
+              <a:defRPr sz="2000"/>
+            </a:lvl2pPr>
+            <a:lvl3pPr marL="914400" indent="0">
+              <a:buNone/>
+              <a:defRPr sz="2000"/>
+            </a:lvl3pPr>
+            <a:lvl4pPr marL="1371600" indent="0">
+              <a:buNone/>
+              <a:defRPr sz="2000"/>
+            </a:lvl4pPr>
+            <a:lvl5pPr marL="1828800" indent="0">
+              <a:buNone/>
+              <a:defRPr sz="2000"/>
+            </a:lvl5pPr>
+            <a:lvl6pPr marL="2286000" indent="0">
+              <a:buNone/>
+              <a:defRPr sz="2000"/>
+            </a:lvl6pPr>
+            <a:lvl7pPr marL="2743200" indent="0">
+              <a:buNone/>
+              <a:defRPr sz="2000"/>
+            </a:lvl7pPr>
+            <a:lvl8pPr marL="3200400" indent="0">
+              <a:buNone/>
+              <a:defRPr sz="2000"/>
+            </a:lvl8pPr>
+            <a:lvl9pPr marL="3657600" indent="0">
+              <a:buNone/>
+              <a:defRPr sz="2000"/>
+            </a:lvl9pPr>
+          </a:lstStyle>
+          <a:p>
+            <a:r>
+              <a:rPr lang="de-DE"/>
+              <a:t>Bild durch Klicken auf Symbol hinzufügen</a:t>
+            </a:r>
+            <a:endParaRPr lang="en-US" dirty="0"/>
+          </a:p>
+        </p:txBody>
+      </p:sp>
+      <p:sp>
+        <p:nvSpPr>
+          <p:cNvPr id="4" name="Text Placeholder 3"/>
+          <p:cNvSpPr>
+            <a:spLocks noGrp="1"/>
+          </p:cNvSpPr>
+          <p:nvPr>
+            <p:ph type="body" sz="half" idx="2"/>
+          </p:nvPr>
+        </p:nvSpPr>
+        <p:spPr>
+          <a:xfrm>
+            <a:off x="913795" y="5108728"/>
+            <a:ext cx="10353762" cy="682472"/>
+          </a:xfrm>
+        </p:spPr>
+        <p:txBody>
+          <a:bodyPr anchor="t"/>
+          <a:lstStyle>
+            <a:lvl1pPr marL="0" indent="0" algn="ctr">
+              <a:buNone/>
+              <a:defRPr sz="1600"/>
+            </a:lvl1pPr>
+            <a:lvl2pPr marL="457200" indent="0">
+              <a:buNone/>
+              <a:defRPr sz="1400"/>
+            </a:lvl2pPr>
+            <a:lvl3pPr marL="914400" indent="0">
+              <a:buNone/>
+              <a:defRPr sz="1200"/>
+            </a:lvl3pPr>
+            <a:lvl4pPr marL="1371600" indent="0">
+              <a:buNone/>
+              <a:defRPr sz="1000"/>
+            </a:lvl4pPr>
+            <a:lvl5pPr marL="1828800" indent="0">
+              <a:buNone/>
+              <a:defRPr sz="1000"/>
+            </a:lvl5pPr>
+            <a:lvl6pPr marL="2286000" indent="0">
+              <a:buNone/>
+              <a:defRPr sz="1000"/>
+            </a:lvl6pPr>
+            <a:lvl7pPr marL="2743200" indent="0">
+              <a:buNone/>
+              <a:defRPr sz="1000"/>
+            </a:lvl7pPr>
+            <a:lvl8pPr marL="3200400" indent="0">
+              <a:buNone/>
+              <a:defRPr sz="1000"/>
+            </a:lvl8pPr>
+            <a:lvl9pPr marL="3657600" indent="0">
+              <a:buNone/>
+              <a:defRPr sz="1000"/>
+            </a:lvl9pPr>
+          </a:lstStyle>
+          <a:p>
+            <a:pPr lvl="0"/>
+            <a:r>
+              <a:rPr lang="de-DE"/>
+              <a:t>Mastertextformat bearbeiten</a:t>
+            </a:r>
+          </a:p>
+        </p:txBody>
+      </p:sp>
+      <p:sp>
+        <p:nvSpPr>
+          <p:cNvPr id="5" name="Date Placeholder 4"/>
+          <p:cNvSpPr>
+            <a:spLocks noGrp="1"/>
+          </p:cNvSpPr>
+          <p:nvPr>
+            <p:ph type="dt" sz="half" idx="10"/>
+          </p:nvPr>
+        </p:nvSpPr>
+        <p:spPr/>
+        <p:txBody>
+          <a:bodyPr/>
+          <a:lstStyle/>
+          <a:p>
+            <a:fld id="{9379C374-18C6-4E53-9ACF-4A8973656D85}" type="datetimeFigureOut">
+              <a:rPr lang="de-AT" smtClean="0"/>
+              <a:t>23.06.2022</a:t>
+            </a:fld>
+            <a:endParaRPr lang="de-AT"/>
+          </a:p>
+        </p:txBody>
+      </p:sp>
+      <p:sp>
+        <p:nvSpPr>
+          <p:cNvPr id="6" name="Footer Placeholder 5"/>
+          <p:cNvSpPr>
+            <a:spLocks noGrp="1"/>
+          </p:cNvSpPr>
+          <p:nvPr>
+            <p:ph type="ftr" sz="quarter" idx="11"/>
+          </p:nvPr>
+        </p:nvSpPr>
+        <p:spPr/>
+        <p:txBody>
+          <a:bodyPr/>
+          <a:lstStyle/>
+          <a:p>
+            <a:endParaRPr lang="de-AT"/>
+          </a:p>
+        </p:txBody>
+      </p:sp>
+      <p:sp>
+        <p:nvSpPr>
+          <p:cNvPr id="7" name="Slide Number Placeholder 6"/>
+          <p:cNvSpPr>
+            <a:spLocks noGrp="1"/>
+          </p:cNvSpPr>
+          <p:nvPr>
+            <p:ph type="sldNum" sz="quarter" idx="12"/>
+          </p:nvPr>
+        </p:nvSpPr>
+        <p:spPr/>
+        <p:txBody>
+          <a:bodyPr/>
+          <a:lstStyle/>
+          <a:p>
+            <a:fld id="{B24A26D1-6409-480D-9B61-F7326584115D}" type="slidenum">
+              <a:rPr lang="de-AT" smtClean="0"/>
+              <a:t>‹Nr.›</a:t>
+            </a:fld>
+            <a:endParaRPr lang="de-AT"/>
+          </a:p>
+        </p:txBody>
+      </p:sp>
+    </p:spTree>
+    <p:extLst>
+      <p:ext uri="{BB962C8B-B14F-4D97-AF65-F5344CB8AC3E}">
+        <p14:creationId xmlns:p14="http://schemas.microsoft.com/office/powerpoint/2010/main" val="3189399164"/>
+      </p:ext>
+    </p:extLst>
+  </p:cSld>
+  <p:clrMapOvr>
+    <a:masterClrMapping/>
+  </p:clrMapOvr>
+</p:sldLayout>
+</file>
+
+<file path=ppt/slideLayouts/slideLayout11.xml><?xml version="1.0" encoding="utf-8"?>
+<p:sldLayout xmlns:a="http://schemas.openxmlformats.org/drawingml/2006/main" xmlns:r="http://schemas.openxmlformats.org/officeDocument/2006/relationships" xmlns:p="http://schemas.openxmlformats.org/presentationml/2006/main" preserve="1">
+  <p:cSld name="Titel und Beschriftung">
+    <p:spTree>
+      <p:nvGrpSpPr>
+        <p:cNvPr id="1" name=""/>
+        <p:cNvGrpSpPr/>
+        <p:nvPr/>
+      </p:nvGrpSpPr>
+      <p:grpSpPr>
+        <a:xfrm>
+          <a:off x="0" y="0"/>
+          <a:ext cx="0" cy="0"/>
+          <a:chOff x="0" y="0"/>
+          <a:chExt cx="0" cy="0"/>
+        </a:xfrm>
+      </p:grpSpPr>
+      <p:sp>
+        <p:nvSpPr>
+          <p:cNvPr id="2" name="Title 1"/>
+          <p:cNvSpPr>
+            <a:spLocks noGrp="1"/>
+          </p:cNvSpPr>
+          <p:nvPr>
+            <p:ph type="title"/>
+          </p:nvPr>
+        </p:nvSpPr>
+        <p:spPr>
+          <a:xfrm>
+            <a:off x="913795" y="608437"/>
+            <a:ext cx="10353762" cy="3534344"/>
+          </a:xfrm>
+        </p:spPr>
+        <p:txBody>
+          <a:bodyPr anchor="ctr"/>
+          <a:lstStyle>
+            <a:lvl1pPr>
+              <a:defRPr sz="3200"/>
+            </a:lvl1pPr>
+          </a:lstStyle>
+          <a:p>
+            <a:r>
+              <a:rPr lang="de-DE"/>
+              <a:t>Mastertitelformat bearbeiten</a:t>
+            </a:r>
+            <a:endParaRPr lang="en-US" dirty="0"/>
+          </a:p>
+        </p:txBody>
+      </p:sp>
+      <p:sp>
+        <p:nvSpPr>
+          <p:cNvPr id="4" name="Text Placeholder 3"/>
+          <p:cNvSpPr>
+            <a:spLocks noGrp="1"/>
+          </p:cNvSpPr>
+          <p:nvPr>
+            <p:ph type="body" sz="half" idx="2"/>
+          </p:nvPr>
+        </p:nvSpPr>
+        <p:spPr>
+          <a:xfrm>
+            <a:off x="913794" y="4295180"/>
+            <a:ext cx="10353763" cy="1501826"/>
+          </a:xfrm>
+        </p:spPr>
+        <p:txBody>
+          <a:bodyPr anchor="ctr"/>
+          <a:lstStyle>
+            <a:lvl1pPr marL="0" indent="0" algn="ctr">
+              <a:buNone/>
+              <a:defRPr sz="1600"/>
+            </a:lvl1pPr>
+            <a:lvl2pPr marL="457200" indent="0">
+              <a:buNone/>
+              <a:defRPr sz="1400"/>
+            </a:lvl2pPr>
+            <a:lvl3pPr marL="914400" indent="0">
+              <a:buNone/>
+              <a:defRPr sz="1200"/>
+            </a:lvl3pPr>
+            <a:lvl4pPr marL="1371600" indent="0">
+              <a:buNone/>
+              <a:defRPr sz="1000"/>
+            </a:lvl4pPr>
+            <a:lvl5pPr marL="1828800" indent="0">
+              <a:buNone/>
+              <a:defRPr sz="1000"/>
+            </a:lvl5pPr>
+            <a:lvl6pPr marL="2286000" indent="0">
+              <a:buNone/>
+              <a:defRPr sz="1000"/>
+            </a:lvl6pPr>
+            <a:lvl7pPr marL="2743200" indent="0">
+              <a:buNone/>
+              <a:defRPr sz="1000"/>
+            </a:lvl7pPr>
+            <a:lvl8pPr marL="3200400" indent="0">
+              <a:buNone/>
+              <a:defRPr sz="1000"/>
+            </a:lvl8pPr>
+            <a:lvl9pPr marL="3657600" indent="0">
+              <a:buNone/>
+              <a:defRPr sz="1000"/>
+            </a:lvl9pPr>
+          </a:lstStyle>
+          <a:p>
+            <a:pPr lvl="0"/>
+            <a:r>
+              <a:rPr lang="de-DE"/>
+              <a:t>Mastertextformat bearbeiten</a:t>
+            </a:r>
+          </a:p>
+        </p:txBody>
+      </p:sp>
+      <p:sp>
+        <p:nvSpPr>
+          <p:cNvPr id="5" name="Date Placeholder 4"/>
+          <p:cNvSpPr>
+            <a:spLocks noGrp="1"/>
+          </p:cNvSpPr>
+          <p:nvPr>
+            <p:ph type="dt" sz="half" idx="10"/>
+          </p:nvPr>
+        </p:nvSpPr>
+        <p:spPr/>
+        <p:txBody>
+          <a:bodyPr/>
+          <a:lstStyle/>
+          <a:p>
+            <a:fld id="{9379C374-18C6-4E53-9ACF-4A8973656D85}" type="datetimeFigureOut">
+              <a:rPr lang="de-AT" smtClean="0"/>
+              <a:t>23.06.2022</a:t>
+            </a:fld>
+            <a:endParaRPr lang="de-AT"/>
+          </a:p>
+        </p:txBody>
+      </p:sp>
+      <p:sp>
+        <p:nvSpPr>
+          <p:cNvPr id="6" name="Footer Placeholder 5"/>
+          <p:cNvSpPr>
+            <a:spLocks noGrp="1"/>
+          </p:cNvSpPr>
+          <p:nvPr>
+            <p:ph type="ftr" sz="quarter" idx="11"/>
+          </p:nvPr>
+        </p:nvSpPr>
+        <p:spPr/>
+        <p:txBody>
+          <a:bodyPr/>
+          <a:lstStyle/>
+          <a:p>
+            <a:endParaRPr lang="de-AT"/>
+          </a:p>
+        </p:txBody>
+      </p:sp>
+      <p:sp>
+        <p:nvSpPr>
+          <p:cNvPr id="7" name="Slide Number Placeholder 6"/>
+          <p:cNvSpPr>
+            <a:spLocks noGrp="1"/>
+          </p:cNvSpPr>
+          <p:nvPr>
+            <p:ph type="sldNum" sz="quarter" idx="12"/>
+          </p:nvPr>
+        </p:nvSpPr>
+        <p:spPr/>
+        <p:txBody>
+          <a:bodyPr/>
+          <a:lstStyle/>
+          <a:p>
+            <a:fld id="{B24A26D1-6409-480D-9B61-F7326584115D}" type="slidenum">
+              <a:rPr lang="de-AT" smtClean="0"/>
+              <a:t>‹Nr.›</a:t>
+            </a:fld>
+            <a:endParaRPr lang="de-AT"/>
+          </a:p>
+        </p:txBody>
+      </p:sp>
+    </p:spTree>
+    <p:extLst>
+      <p:ext uri="{BB962C8B-B14F-4D97-AF65-F5344CB8AC3E}">
+        <p14:creationId xmlns:p14="http://schemas.microsoft.com/office/powerpoint/2010/main" val="940178240"/>
+      </p:ext>
+    </p:extLst>
+  </p:cSld>
+  <p:clrMapOvr>
+    <a:masterClrMapping/>
+  </p:clrMapOvr>
+</p:sldLayout>
+</file>
+
+<file path=ppt/slideLayouts/slideLayout12.xml><?xml version="1.0" encoding="utf-8"?>
+<p:sldLayout xmlns:a="http://schemas.openxmlformats.org/drawingml/2006/main" xmlns:r="http://schemas.openxmlformats.org/officeDocument/2006/relationships" xmlns:p="http://schemas.openxmlformats.org/presentationml/2006/main" preserve="1">
+  <p:cSld name="Zitat mit Beschriftung">
+    <p:spTree>
+      <p:nvGrpSpPr>
+        <p:cNvPr id="1" name=""/>
+        <p:cNvGrpSpPr/>
+        <p:nvPr/>
+      </p:nvGrpSpPr>
+      <p:grpSpPr>
+        <a:xfrm>
+          <a:off x="0" y="0"/>
+          <a:ext cx="0" cy="0"/>
+          <a:chOff x="0" y="0"/>
+          <a:chExt cx="0" cy="0"/>
+        </a:xfrm>
+      </p:grpSpPr>
+      <p:sp>
+        <p:nvSpPr>
+          <p:cNvPr id="2" name="Title 1"/>
+          <p:cNvSpPr>
+            <a:spLocks noGrp="1"/>
+          </p:cNvSpPr>
+          <p:nvPr>
+            <p:ph type="title"/>
+          </p:nvPr>
+        </p:nvSpPr>
+        <p:spPr>
+          <a:xfrm>
+            <a:off x="1446212" y="609600"/>
+            <a:ext cx="9302752" cy="2992904"/>
+          </a:xfrm>
+        </p:spPr>
+        <p:txBody>
+          <a:bodyPr anchor="ctr"/>
+          <a:lstStyle>
+            <a:lvl1pPr>
+              <a:defRPr sz="3200"/>
+            </a:lvl1pPr>
+          </a:lstStyle>
+          <a:p>
+            <a:r>
+              <a:rPr lang="de-DE"/>
+              <a:t>Mastertitelformat bearbeiten</a:t>
+            </a:r>
+            <a:endParaRPr lang="en-US" dirty="0"/>
+          </a:p>
+        </p:txBody>
+      </p:sp>
+      <p:sp>
+        <p:nvSpPr>
+          <p:cNvPr id="12" name="Text Placeholder 3"/>
+          <p:cNvSpPr>
+            <a:spLocks noGrp="1"/>
+          </p:cNvSpPr>
+          <p:nvPr>
+            <p:ph type="body" sz="half" idx="13"/>
+          </p:nvPr>
+        </p:nvSpPr>
+        <p:spPr>
+          <a:xfrm>
+            <a:off x="1720644" y="3610032"/>
+            <a:ext cx="8752299" cy="532749"/>
+          </a:xfrm>
+        </p:spPr>
+        <p:txBody>
+          <a:bodyPr anchor="t">
+            <a:normAutofit/>
+          </a:bodyPr>
+          <a:lstStyle>
+            <a:lvl1pPr marL="0" indent="0" algn="r">
+              <a:buNone/>
+              <a:defRPr sz="1400"/>
+            </a:lvl1pPr>
+            <a:lvl2pPr marL="457200" indent="0">
+              <a:buNone/>
+              <a:defRPr sz="1400"/>
+            </a:lvl2pPr>
+            <a:lvl3pPr marL="914400" indent="0">
+              <a:buNone/>
+              <a:defRPr sz="1200"/>
+            </a:lvl3pPr>
+            <a:lvl4pPr marL="1371600" indent="0">
+              <a:buNone/>
+              <a:defRPr sz="1000"/>
+            </a:lvl4pPr>
+            <a:lvl5pPr marL="1828800" indent="0">
+              <a:buNone/>
+              <a:defRPr sz="1000"/>
+            </a:lvl5pPr>
+            <a:lvl6pPr marL="2286000" indent="0">
+              <a:buNone/>
+              <a:defRPr sz="1000"/>
+            </a:lvl6pPr>
+            <a:lvl7pPr marL="2743200" indent="0">
+              <a:buNone/>
+              <a:defRPr sz="1000"/>
+            </a:lvl7pPr>
+            <a:lvl8pPr marL="3200400" indent="0">
+              <a:buNone/>
+              <a:defRPr sz="1000"/>
+            </a:lvl8pPr>
+            <a:lvl9pPr marL="3657600" indent="0">
+              <a:buNone/>
+              <a:defRPr sz="1000"/>
+            </a:lvl9pPr>
+          </a:lstStyle>
+          <a:p>
+            <a:pPr lvl="0"/>
+            <a:r>
+              <a:rPr lang="de-DE"/>
+              <a:t>Mastertextformat bearbeiten</a:t>
+            </a:r>
+          </a:p>
+        </p:txBody>
+      </p:sp>
+      <p:sp>
+        <p:nvSpPr>
+          <p:cNvPr id="4" name="Text Placeholder 3"/>
+          <p:cNvSpPr>
+            <a:spLocks noGrp="1"/>
+          </p:cNvSpPr>
+          <p:nvPr>
+            <p:ph type="body" sz="half" idx="2"/>
+          </p:nvPr>
+        </p:nvSpPr>
+        <p:spPr>
+          <a:xfrm>
+            <a:off x="913794" y="4304353"/>
+            <a:ext cx="10353763" cy="1489496"/>
+          </a:xfrm>
+        </p:spPr>
+        <p:txBody>
+          <a:bodyPr anchor="ctr">
+            <a:normAutofit/>
+          </a:bodyPr>
+          <a:lstStyle>
+            <a:lvl1pPr marL="0" indent="0" algn="ctr">
+              <a:buNone/>
+              <a:defRPr sz="1600"/>
+            </a:lvl1pPr>
+            <a:lvl2pPr marL="457200" indent="0">
+              <a:buNone/>
+              <a:defRPr sz="1400"/>
+            </a:lvl2pPr>
+            <a:lvl3pPr marL="914400" indent="0">
+              <a:buNone/>
+              <a:defRPr sz="1200"/>
+            </a:lvl3pPr>
+            <a:lvl4pPr marL="1371600" indent="0">
+              <a:buNone/>
+              <a:defRPr sz="1000"/>
+            </a:lvl4pPr>
+            <a:lvl5pPr marL="1828800" indent="0">
+              <a:buNone/>
+              <a:defRPr sz="1000"/>
+            </a:lvl5pPr>
+            <a:lvl6pPr marL="2286000" indent="0">
+              <a:buNone/>
+              <a:defRPr sz="1000"/>
+            </a:lvl6pPr>
+            <a:lvl7pPr marL="2743200" indent="0">
+              <a:buNone/>
+              <a:defRPr sz="1000"/>
+            </a:lvl7pPr>
+            <a:lvl8pPr marL="3200400" indent="0">
+              <a:buNone/>
+              <a:defRPr sz="1000"/>
+            </a:lvl8pPr>
+            <a:lvl9pPr marL="3657600" indent="0">
+              <a:buNone/>
+              <a:defRPr sz="1000"/>
+            </a:lvl9pPr>
+          </a:lstStyle>
+          <a:p>
+            <a:pPr lvl="0"/>
+            <a:r>
+              <a:rPr lang="de-DE"/>
+              <a:t>Mastertextformat bearbeiten</a:t>
+            </a:r>
+          </a:p>
+        </p:txBody>
+      </p:sp>
+      <p:sp>
+        <p:nvSpPr>
+          <p:cNvPr id="5" name="Date Placeholder 4"/>
+          <p:cNvSpPr>
+            <a:spLocks noGrp="1"/>
+          </p:cNvSpPr>
+          <p:nvPr>
+            <p:ph type="dt" sz="half" idx="10"/>
+          </p:nvPr>
+        </p:nvSpPr>
+        <p:spPr/>
+        <p:txBody>
+          <a:bodyPr/>
+          <a:lstStyle/>
+          <a:p>
+            <a:fld id="{9379C374-18C6-4E53-9ACF-4A8973656D85}" type="datetimeFigureOut">
+              <a:rPr lang="de-AT" smtClean="0"/>
+              <a:t>23.06.2022</a:t>
+            </a:fld>
+            <a:endParaRPr lang="de-AT"/>
+          </a:p>
+        </p:txBody>
+      </p:sp>
+      <p:sp>
+        <p:nvSpPr>
+          <p:cNvPr id="6" name="Footer Placeholder 5"/>
+          <p:cNvSpPr>
+            <a:spLocks noGrp="1"/>
+          </p:cNvSpPr>
+          <p:nvPr>
+            <p:ph type="ftr" sz="quarter" idx="11"/>
+          </p:nvPr>
+        </p:nvSpPr>
+        <p:spPr/>
+        <p:txBody>
+          <a:bodyPr/>
+          <a:lstStyle/>
+          <a:p>
+            <a:endParaRPr lang="de-AT"/>
+          </a:p>
+        </p:txBody>
+      </p:sp>
+      <p:sp>
+        <p:nvSpPr>
+          <p:cNvPr id="7" name="Slide Number Placeholder 6"/>
+          <p:cNvSpPr>
+            <a:spLocks noGrp="1"/>
+          </p:cNvSpPr>
+          <p:nvPr>
+            <p:ph type="sldNum" sz="quarter" idx="12"/>
+          </p:nvPr>
+        </p:nvSpPr>
+        <p:spPr/>
+        <p:txBody>
+          <a:bodyPr/>
+          <a:lstStyle/>
+          <a:p>
+            <a:fld id="{B24A26D1-6409-480D-9B61-F7326584115D}" type="slidenum">
+              <a:rPr lang="de-AT" smtClean="0"/>
+              <a:t>‹Nr.›</a:t>
+            </a:fld>
+            <a:endParaRPr lang="de-AT"/>
+          </a:p>
+        </p:txBody>
+      </p:sp>
+      <p:sp>
+        <p:nvSpPr>
+          <p:cNvPr id="11" name="TextBox 10"/>
+          <p:cNvSpPr txBox="1"/>
+          <p:nvPr/>
+        </p:nvSpPr>
+        <p:spPr>
+          <a:xfrm>
+            <a:off x="990600" y="884796"/>
+            <a:ext cx="609600" cy="584776"/>
+          </a:xfrm>
+          <a:prstGeom prst="rect">
+            <a:avLst/>
+          </a:prstGeom>
+        </p:spPr>
+        <p:txBody>
+          <a:bodyPr vert="horz" lIns="91440" tIns="45720" rIns="91440" bIns="45720" rtlCol="0" anchor="ctr">
+            <a:noAutofit/>
+          </a:bodyPr>
+          <a:lstStyle>
+            <a:lvl1pPr>
+              <a:spcBef>
+                <a:spcPct val="0"/>
+              </a:spcBef>
+              <a:buNone/>
+              <a:defRPr sz="3200" b="0" cap="all">
+                <a:ln w="3175" cmpd="sng">
+                  <a:noFill/>
+                </a:ln>
+                <a:effectLst>
+                  <a:glow rad="38100">
+                    <a:schemeClr val="bg1">
+                      <a:lumMod val="65000"/>
+                      <a:lumOff val="35000"/>
+                      <a:alpha val="40000"/>
+                    </a:schemeClr>
+                  </a:glow>
+                  <a:outerShdw blurRad="28575" dist="38100" dir="14040000" algn="tl" rotWithShape="0">
+                    <a:srgbClr val="000000">
+                      <a:alpha val="25000"/>
+                    </a:srgbClr>
+                  </a:outerShdw>
+                </a:effectLst>
+              </a:defRPr>
+            </a:lvl1pPr>
+            <a:lvl2pPr>
+              <a:defRPr>
+                <a:solidFill>
+                  <a:schemeClr val="tx2"/>
+                </a:solidFill>
+              </a:defRPr>
+            </a:lvl2pPr>
+            <a:lvl3pPr>
+              <a:defRPr>
+                <a:solidFill>
+                  <a:schemeClr val="tx2"/>
+                </a:solidFill>
+              </a:defRPr>
+            </a:lvl3pPr>
+            <a:lvl4pPr>
+              <a:defRPr>
+                <a:solidFill>
+                  <a:schemeClr val="tx2"/>
+                </a:solidFill>
+              </a:defRPr>
+            </a:lvl4pPr>
+            <a:lvl5pPr>
+              <a:defRPr>
+                <a:solidFill>
+                  <a:schemeClr val="tx2"/>
+                </a:solidFill>
+              </a:defRPr>
+            </a:lvl5pPr>
+            <a:lvl6pPr>
+              <a:defRPr>
+                <a:solidFill>
+                  <a:schemeClr val="tx2"/>
+                </a:solidFill>
+              </a:defRPr>
+            </a:lvl6pPr>
+            <a:lvl7pPr>
+              <a:defRPr>
+                <a:solidFill>
+                  <a:schemeClr val="tx2"/>
+                </a:solidFill>
+              </a:defRPr>
+            </a:lvl7pPr>
+            <a:lvl8pPr>
+              <a:defRPr>
+                <a:solidFill>
+                  <a:schemeClr val="tx2"/>
+                </a:solidFill>
+              </a:defRPr>
+            </a:lvl8pPr>
+            <a:lvl9pPr>
+              <a:defRPr>
+                <a:solidFill>
+                  <a:schemeClr val="tx2"/>
+                </a:solidFill>
+              </a:defRPr>
+            </a:lvl9pPr>
+          </a:lstStyle>
+          <a:p>
+            <a:pPr lvl="0"/>
+            <a:r>
+              <a:rPr lang="en-US" sz="8000" dirty="0">
+                <a:solidFill>
+                  <a:schemeClr val="tx1"/>
+                </a:solidFill>
+                <a:effectLst/>
+              </a:rPr>
+              <a:t>“</a:t>
+            </a:r>
+          </a:p>
+        </p:txBody>
+      </p:sp>
+      <p:sp>
+        <p:nvSpPr>
+          <p:cNvPr id="13" name="TextBox 12"/>
+          <p:cNvSpPr txBox="1"/>
+          <p:nvPr/>
+        </p:nvSpPr>
+        <p:spPr>
+          <a:xfrm>
+            <a:off x="10504716" y="2928258"/>
+            <a:ext cx="609600" cy="584776"/>
+          </a:xfrm>
+          <a:prstGeom prst="rect">
+            <a:avLst/>
+          </a:prstGeom>
+        </p:spPr>
+        <p:txBody>
+          <a:bodyPr vert="horz" lIns="91440" tIns="45720" rIns="91440" bIns="45720" rtlCol="0" anchor="ctr">
+            <a:noAutofit/>
+          </a:bodyPr>
+          <a:lstStyle>
+            <a:lvl1pPr>
+              <a:spcBef>
+                <a:spcPct val="0"/>
+              </a:spcBef>
+              <a:buNone/>
+              <a:defRPr sz="3200" b="0" cap="all">
+                <a:ln w="3175" cmpd="sng">
+                  <a:noFill/>
+                </a:ln>
+                <a:effectLst>
+                  <a:glow rad="38100">
+                    <a:schemeClr val="bg1">
+                      <a:lumMod val="65000"/>
+                      <a:lumOff val="35000"/>
+                      <a:alpha val="40000"/>
+                    </a:schemeClr>
+                  </a:glow>
+                  <a:outerShdw blurRad="28575" dist="38100" dir="14040000" algn="tl" rotWithShape="0">
+                    <a:srgbClr val="000000">
+                      <a:alpha val="25000"/>
+                    </a:srgbClr>
+                  </a:outerShdw>
+                </a:effectLst>
+              </a:defRPr>
+            </a:lvl1pPr>
+            <a:lvl2pPr>
+              <a:defRPr>
+                <a:solidFill>
+                  <a:schemeClr val="tx2"/>
+                </a:solidFill>
+              </a:defRPr>
+            </a:lvl2pPr>
+            <a:lvl3pPr>
+              <a:defRPr>
+                <a:solidFill>
+                  <a:schemeClr val="tx2"/>
+                </a:solidFill>
+              </a:defRPr>
+            </a:lvl3pPr>
+            <a:lvl4pPr>
+              <a:defRPr>
+                <a:solidFill>
+                  <a:schemeClr val="tx2"/>
+                </a:solidFill>
+              </a:defRPr>
+            </a:lvl4pPr>
+            <a:lvl5pPr>
+              <a:defRPr>
+                <a:solidFill>
+                  <a:schemeClr val="tx2"/>
+                </a:solidFill>
+              </a:defRPr>
+            </a:lvl5pPr>
+            <a:lvl6pPr>
+              <a:defRPr>
+                <a:solidFill>
+                  <a:schemeClr val="tx2"/>
+                </a:solidFill>
+              </a:defRPr>
+            </a:lvl6pPr>
+            <a:lvl7pPr>
+              <a:defRPr>
+                <a:solidFill>
+                  <a:schemeClr val="tx2"/>
+                </a:solidFill>
+              </a:defRPr>
+            </a:lvl7pPr>
+            <a:lvl8pPr>
+              <a:defRPr>
+                <a:solidFill>
+                  <a:schemeClr val="tx2"/>
+                </a:solidFill>
+              </a:defRPr>
+            </a:lvl8pPr>
+            <a:lvl9pPr>
+              <a:defRPr>
+                <a:solidFill>
+                  <a:schemeClr val="tx2"/>
+                </a:solidFill>
+              </a:defRPr>
+            </a:lvl9pPr>
+          </a:lstStyle>
+          <a:p>
+            <a:pPr lvl="0" algn="r"/>
+            <a:r>
+              <a:rPr lang="en-US" sz="8000" dirty="0">
+                <a:solidFill>
+                  <a:schemeClr val="tx1"/>
+                </a:solidFill>
+                <a:effectLst/>
+              </a:rPr>
+              <a:t>”</a:t>
+            </a:r>
+          </a:p>
+        </p:txBody>
+      </p:sp>
+    </p:spTree>
+    <p:extLst>
+      <p:ext uri="{BB962C8B-B14F-4D97-AF65-F5344CB8AC3E}">
+        <p14:creationId xmlns:p14="http://schemas.microsoft.com/office/powerpoint/2010/main" val="4289553098"/>
+      </p:ext>
+    </p:extLst>
+  </p:cSld>
+  <p:clrMapOvr>
+    <a:masterClrMapping/>
+  </p:clrMapOvr>
+</p:sldLayout>
+</file>
+
+<file path=ppt/slideLayouts/slideLayout13.xml><?xml version="1.0" encoding="utf-8"?>
+<p:sldLayout xmlns:a="http://schemas.openxmlformats.org/drawingml/2006/main" xmlns:r="http://schemas.openxmlformats.org/officeDocument/2006/relationships" xmlns:p="http://schemas.openxmlformats.org/presentationml/2006/main" preserve="1">
+  <p:cSld name="Namenskarte">
+    <p:spTree>
+      <p:nvGrpSpPr>
+        <p:cNvPr id="1" name=""/>
+        <p:cNvGrpSpPr/>
+        <p:nvPr/>
+      </p:nvGrpSpPr>
+      <p:grpSpPr>
+        <a:xfrm>
+          <a:off x="0" y="0"/>
+          <a:ext cx="0" cy="0"/>
+          <a:chOff x="0" y="0"/>
+          <a:chExt cx="0" cy="0"/>
+        </a:xfrm>
+      </p:grpSpPr>
+      <p:sp>
+        <p:nvSpPr>
+          <p:cNvPr id="2" name="Title 1"/>
+          <p:cNvSpPr>
+            <a:spLocks noGrp="1"/>
+          </p:cNvSpPr>
+          <p:nvPr>
+            <p:ph type="title"/>
+          </p:nvPr>
+        </p:nvSpPr>
+        <p:spPr>
+          <a:xfrm>
+            <a:off x="913794" y="2126942"/>
+            <a:ext cx="10353763" cy="2511835"/>
+          </a:xfrm>
+        </p:spPr>
+        <p:txBody>
+          <a:bodyPr anchor="b"/>
+          <a:lstStyle>
+            <a:lvl1pPr>
+              <a:defRPr sz="3200"/>
+            </a:lvl1pPr>
+          </a:lstStyle>
+          <a:p>
+            <a:r>
+              <a:rPr lang="de-DE"/>
+              <a:t>Mastertitelformat bearbeiten</a:t>
+            </a:r>
+            <a:endParaRPr lang="en-US" dirty="0"/>
+          </a:p>
+        </p:txBody>
+      </p:sp>
+      <p:sp>
+        <p:nvSpPr>
+          <p:cNvPr id="4" name="Text Placeholder 3"/>
+          <p:cNvSpPr>
+            <a:spLocks noGrp="1"/>
+          </p:cNvSpPr>
+          <p:nvPr>
+            <p:ph type="body" sz="half" idx="2"/>
+          </p:nvPr>
+        </p:nvSpPr>
+        <p:spPr>
+          <a:xfrm>
+            <a:off x="913784" y="4650556"/>
+            <a:ext cx="10352199" cy="1140644"/>
+          </a:xfrm>
+        </p:spPr>
+        <p:txBody>
+          <a:bodyPr anchor="t"/>
+          <a:lstStyle>
+            <a:lvl1pPr marL="0" indent="0" algn="ctr">
+              <a:buNone/>
+              <a:defRPr sz="1600"/>
+            </a:lvl1pPr>
+            <a:lvl2pPr marL="457200" indent="0">
+              <a:buNone/>
+              <a:defRPr sz="1400"/>
+            </a:lvl2pPr>
+            <a:lvl3pPr marL="914400" indent="0">
+              <a:buNone/>
+              <a:defRPr sz="1200"/>
+            </a:lvl3pPr>
+            <a:lvl4pPr marL="1371600" indent="0">
+              <a:buNone/>
+              <a:defRPr sz="1000"/>
+            </a:lvl4pPr>
+            <a:lvl5pPr marL="1828800" indent="0">
+              <a:buNone/>
+              <a:defRPr sz="1000"/>
+            </a:lvl5pPr>
+            <a:lvl6pPr marL="2286000" indent="0">
+              <a:buNone/>
+              <a:defRPr sz="1000"/>
+            </a:lvl6pPr>
+            <a:lvl7pPr marL="2743200" indent="0">
+              <a:buNone/>
+              <a:defRPr sz="1000"/>
+            </a:lvl7pPr>
+            <a:lvl8pPr marL="3200400" indent="0">
+              <a:buNone/>
+              <a:defRPr sz="1000"/>
+            </a:lvl8pPr>
+            <a:lvl9pPr marL="3657600" indent="0">
+              <a:buNone/>
+              <a:defRPr sz="1000"/>
+            </a:lvl9pPr>
+          </a:lstStyle>
+          <a:p>
+            <a:pPr lvl="0"/>
+            <a:r>
+              <a:rPr lang="de-DE"/>
+              <a:t>Mastertextformat bearbeiten</a:t>
+            </a:r>
+          </a:p>
+        </p:txBody>
+      </p:sp>
+      <p:sp>
+        <p:nvSpPr>
+          <p:cNvPr id="5" name="Date Placeholder 4"/>
+          <p:cNvSpPr>
+            <a:spLocks noGrp="1"/>
+          </p:cNvSpPr>
+          <p:nvPr>
+            <p:ph type="dt" sz="half" idx="10"/>
+          </p:nvPr>
+        </p:nvSpPr>
+        <p:spPr/>
+        <p:txBody>
+          <a:bodyPr/>
+          <a:lstStyle/>
+          <a:p>
+            <a:fld id="{9379C374-18C6-4E53-9ACF-4A8973656D85}" type="datetimeFigureOut">
+              <a:rPr lang="de-AT" smtClean="0"/>
+              <a:t>23.06.2022</a:t>
+            </a:fld>
+            <a:endParaRPr lang="de-AT"/>
+          </a:p>
+        </p:txBody>
+      </p:sp>
+      <p:sp>
+        <p:nvSpPr>
+          <p:cNvPr id="6" name="Footer Placeholder 5"/>
+          <p:cNvSpPr>
+            <a:spLocks noGrp="1"/>
+          </p:cNvSpPr>
+          <p:nvPr>
+            <p:ph type="ftr" sz="quarter" idx="11"/>
+          </p:nvPr>
+        </p:nvSpPr>
+        <p:spPr/>
+        <p:txBody>
+          <a:bodyPr/>
+          <a:lstStyle/>
+          <a:p>
+            <a:endParaRPr lang="de-AT"/>
+          </a:p>
+        </p:txBody>
+      </p:sp>
+      <p:sp>
+        <p:nvSpPr>
+          <p:cNvPr id="7" name="Slide Number Placeholder 6"/>
+          <p:cNvSpPr>
+            <a:spLocks noGrp="1"/>
+          </p:cNvSpPr>
+          <p:nvPr>
+            <p:ph type="sldNum" sz="quarter" idx="12"/>
+          </p:nvPr>
+        </p:nvSpPr>
+        <p:spPr/>
+        <p:txBody>
+          <a:bodyPr/>
+          <a:lstStyle/>
+          <a:p>
+            <a:fld id="{B24A26D1-6409-480D-9B61-F7326584115D}" type="slidenum">
+              <a:rPr lang="de-AT" smtClean="0"/>
+              <a:t>‹Nr.›</a:t>
+            </a:fld>
+            <a:endParaRPr lang="de-AT"/>
+          </a:p>
+        </p:txBody>
+      </p:sp>
+    </p:spTree>
+    <p:extLst>
+      <p:ext uri="{BB962C8B-B14F-4D97-AF65-F5344CB8AC3E}">
+        <p14:creationId xmlns:p14="http://schemas.microsoft.com/office/powerpoint/2010/main" val="352809903"/>
+      </p:ext>
+    </p:extLst>
+  </p:cSld>
+  <p:clrMapOvr>
+    <a:masterClrMapping/>
+  </p:clrMapOvr>
+</p:sldLayout>
+</file>
+
+<file path=ppt/slideLayouts/slideLayout14.xml><?xml version="1.0" encoding="utf-8"?>
+<p:sldLayout xmlns:a="http://schemas.openxmlformats.org/drawingml/2006/main" xmlns:r="http://schemas.openxmlformats.org/officeDocument/2006/relationships" xmlns:p="http://schemas.openxmlformats.org/presentationml/2006/main" preserve="1">
+  <p:cSld name="3 Spalte">
+    <p:spTree>
+      <p:nvGrpSpPr>
+        <p:cNvPr id="1" name=""/>
+        <p:cNvGrpSpPr/>
+        <p:nvPr/>
+      </p:nvGrpSpPr>
+      <p:grpSpPr>
+        <a:xfrm>
+          <a:off x="0" y="0"/>
+          <a:ext cx="0" cy="0"/>
+          <a:chOff x="0" y="0"/>
+          <a:chExt cx="0" cy="0"/>
+        </a:xfrm>
+      </p:grpSpPr>
+      <p:sp>
+        <p:nvSpPr>
+          <p:cNvPr id="15" name="Title 1"/>
+          <p:cNvSpPr>
+            <a:spLocks noGrp="1"/>
+          </p:cNvSpPr>
+          <p:nvPr>
+            <p:ph type="title"/>
+          </p:nvPr>
+        </p:nvSpPr>
+        <p:spPr>
+          <a:xfrm>
+            <a:off x="913795" y="609600"/>
+            <a:ext cx="10353762" cy="970450"/>
+          </a:xfrm>
+        </p:spPr>
+        <p:txBody>
+          <a:bodyPr/>
+          <a:lstStyle/>
+          <a:p>
+            <a:r>
+              <a:rPr lang="de-DE"/>
+              <a:t>Mastertitelformat bearbeiten</a:t>
+            </a:r>
+            <a:endParaRPr lang="en-US" dirty="0"/>
+          </a:p>
+        </p:txBody>
+      </p:sp>
+      <p:sp>
+        <p:nvSpPr>
+          <p:cNvPr id="7" name="Text Placeholder 2"/>
+          <p:cNvSpPr>
+            <a:spLocks noGrp="1"/>
+          </p:cNvSpPr>
+          <p:nvPr>
+            <p:ph type="body" idx="1"/>
+          </p:nvPr>
+        </p:nvSpPr>
+        <p:spPr>
+          <a:xfrm>
+            <a:off x="913795" y="1885950"/>
+            <a:ext cx="3300984" cy="576262"/>
+          </a:xfrm>
+        </p:spPr>
+        <p:txBody>
+          <a:bodyPr anchor="b">
+            <a:noAutofit/>
+          </a:bodyPr>
+          <a:lstStyle>
+            <a:lvl1pPr marL="0" indent="0" algn="ctr">
+              <a:buNone/>
+              <a:defRPr sz="2400" b="0">
+                <a:solidFill>
+                  <a:schemeClr val="tx1"/>
+                </a:solidFill>
+              </a:defRPr>
+            </a:lvl1pPr>
+            <a:lvl2pPr marL="457200" indent="0">
+              <a:buNone/>
+              <a:defRPr sz="2000" b="1"/>
+            </a:lvl2pPr>
+            <a:lvl3pPr marL="914400" indent="0">
+              <a:buNone/>
+              <a:defRPr sz="1800" b="1"/>
+            </a:lvl3pPr>
+            <a:lvl4pPr marL="1371600" indent="0">
+              <a:buNone/>
+              <a:defRPr sz="1600" b="1"/>
+            </a:lvl4pPr>
+            <a:lvl5pPr marL="1828800" indent="0">
+              <a:buNone/>
+              <a:defRPr sz="1600" b="1"/>
+            </a:lvl5pPr>
+            <a:lvl6pPr marL="2286000" indent="0">
+              <a:buNone/>
+              <a:defRPr sz="1600" b="1"/>
+            </a:lvl6pPr>
+            <a:lvl7pPr marL="2743200" indent="0">
+              <a:buNone/>
+              <a:defRPr sz="1600" b="1"/>
+            </a:lvl7pPr>
+            <a:lvl8pPr marL="3200400" indent="0">
+              <a:buNone/>
+              <a:defRPr sz="1600" b="1"/>
+            </a:lvl8pPr>
+            <a:lvl9pPr marL="3657600" indent="0">
+              <a:buNone/>
+              <a:defRPr sz="1600" b="1"/>
+            </a:lvl9pPr>
+          </a:lstStyle>
+          <a:p>
+            <a:pPr lvl="0"/>
+            <a:r>
+              <a:rPr lang="de-DE"/>
+              <a:t>Mastertextformat bearbeiten</a:t>
+            </a:r>
+          </a:p>
+        </p:txBody>
+      </p:sp>
+      <p:sp>
+        <p:nvSpPr>
+          <p:cNvPr id="8" name="Text Placeholder 3"/>
+          <p:cNvSpPr>
+            <a:spLocks noGrp="1"/>
+          </p:cNvSpPr>
+          <p:nvPr>
+            <p:ph type="body" sz="half" idx="15"/>
+          </p:nvPr>
+        </p:nvSpPr>
+        <p:spPr>
+          <a:xfrm>
+            <a:off x="913795" y="2571750"/>
+            <a:ext cx="3300984" cy="3219450"/>
+          </a:xfrm>
+        </p:spPr>
+        <p:txBody>
+          <a:bodyPr anchor="t">
+            <a:normAutofit/>
+          </a:bodyPr>
+          <a:lstStyle>
+            <a:lvl1pPr marL="0" indent="0" algn="ctr">
+              <a:buNone/>
+              <a:defRPr sz="1400"/>
+            </a:lvl1pPr>
+            <a:lvl2pPr marL="457200" indent="0">
+              <a:buNone/>
+              <a:defRPr sz="1200"/>
+            </a:lvl2pPr>
+            <a:lvl3pPr marL="914400" indent="0">
+              <a:buNone/>
+              <a:defRPr sz="1000"/>
+            </a:lvl3pPr>
+            <a:lvl4pPr marL="1371600" indent="0">
+              <a:buNone/>
+              <a:defRPr sz="900"/>
+            </a:lvl4pPr>
+            <a:lvl5pPr marL="1828800" indent="0">
+              <a:buNone/>
+              <a:defRPr sz="900"/>
+            </a:lvl5pPr>
+            <a:lvl6pPr marL="2286000" indent="0">
+              <a:buNone/>
+              <a:defRPr sz="900"/>
+            </a:lvl6pPr>
+            <a:lvl7pPr marL="2743200" indent="0">
+              <a:buNone/>
+              <a:defRPr sz="900"/>
+            </a:lvl7pPr>
+            <a:lvl8pPr marL="3200400" indent="0">
+              <a:buNone/>
+              <a:defRPr sz="900"/>
+            </a:lvl8pPr>
+            <a:lvl9pPr marL="3657600" indent="0">
+              <a:buNone/>
+              <a:defRPr sz="900"/>
+            </a:lvl9pPr>
+          </a:lstStyle>
+          <a:p>
+            <a:pPr lvl="0"/>
+            <a:r>
+              <a:rPr lang="de-DE"/>
+              <a:t>Mastertextformat bearbeiten</a:t>
+            </a:r>
+          </a:p>
+        </p:txBody>
+      </p:sp>
+      <p:sp>
+        <p:nvSpPr>
+          <p:cNvPr id="9" name="Text Placeholder 4"/>
+          <p:cNvSpPr>
+            <a:spLocks noGrp="1"/>
+          </p:cNvSpPr>
+          <p:nvPr>
+            <p:ph type="body" sz="quarter" idx="3"/>
+          </p:nvPr>
+        </p:nvSpPr>
+        <p:spPr>
+          <a:xfrm>
+            <a:off x="4446711" y="1885950"/>
+            <a:ext cx="3300984" cy="576262"/>
+          </a:xfrm>
+        </p:spPr>
+        <p:txBody>
+          <a:bodyPr anchor="b">
+            <a:noAutofit/>
+          </a:bodyPr>
+          <a:lstStyle>
+            <a:lvl1pPr marL="0" indent="0" algn="ctr">
+              <a:buNone/>
+              <a:defRPr sz="2400" b="0">
+                <a:solidFill>
+                  <a:schemeClr val="tx1"/>
+                </a:solidFill>
+              </a:defRPr>
+            </a:lvl1pPr>
+            <a:lvl2pPr marL="457200" indent="0">
+              <a:buNone/>
+              <a:defRPr sz="2000" b="1"/>
+            </a:lvl2pPr>
+            <a:lvl3pPr marL="914400" indent="0">
+              <a:buNone/>
+              <a:defRPr sz="1800" b="1"/>
+            </a:lvl3pPr>
+            <a:lvl4pPr marL="1371600" indent="0">
+              <a:buNone/>
+              <a:defRPr sz="1600" b="1"/>
+            </a:lvl4pPr>
+            <a:lvl5pPr marL="1828800" indent="0">
+              <a:buNone/>
+              <a:defRPr sz="1600" b="1"/>
+            </a:lvl5pPr>
+            <a:lvl6pPr marL="2286000" indent="0">
+              <a:buNone/>
+              <a:defRPr sz="1600" b="1"/>
+            </a:lvl6pPr>
+            <a:lvl7pPr marL="2743200" indent="0">
+              <a:buNone/>
+              <a:defRPr sz="1600" b="1"/>
+            </a:lvl7pPr>
+            <a:lvl8pPr marL="3200400" indent="0">
+              <a:buNone/>
+              <a:defRPr sz="1600" b="1"/>
+            </a:lvl8pPr>
+            <a:lvl9pPr marL="3657600" indent="0">
+              <a:buNone/>
+              <a:defRPr sz="1600" b="1"/>
+            </a:lvl9pPr>
+          </a:lstStyle>
+          <a:p>
+            <a:pPr lvl="0"/>
+            <a:r>
+              <a:rPr lang="de-DE"/>
+              <a:t>Mastertextformat bearbeiten</a:t>
+            </a:r>
+          </a:p>
+        </p:txBody>
+      </p:sp>
+      <p:sp>
+        <p:nvSpPr>
+          <p:cNvPr id="10" name="Text Placeholder 3"/>
+          <p:cNvSpPr>
+            <a:spLocks noGrp="1"/>
+          </p:cNvSpPr>
+          <p:nvPr>
+            <p:ph type="body" sz="half" idx="16"/>
+          </p:nvPr>
+        </p:nvSpPr>
+        <p:spPr>
+          <a:xfrm>
+            <a:off x="4441435" y="2571750"/>
+            <a:ext cx="3300984" cy="3219450"/>
+          </a:xfrm>
+        </p:spPr>
+        <p:txBody>
+          <a:bodyPr anchor="t">
+            <a:normAutofit/>
+          </a:bodyPr>
+          <a:lstStyle>
+            <a:lvl1pPr marL="0" indent="0" algn="ctr">
+              <a:buNone/>
+              <a:defRPr sz="1400"/>
+            </a:lvl1pPr>
+            <a:lvl2pPr marL="457200" indent="0">
+              <a:buNone/>
+              <a:defRPr sz="1200"/>
+            </a:lvl2pPr>
+            <a:lvl3pPr marL="914400" indent="0">
+              <a:buNone/>
+              <a:defRPr sz="1000"/>
+            </a:lvl3pPr>
+            <a:lvl4pPr marL="1371600" indent="0">
+              <a:buNone/>
+              <a:defRPr sz="900"/>
+            </a:lvl4pPr>
+            <a:lvl5pPr marL="1828800" indent="0">
+              <a:buNone/>
+              <a:defRPr sz="900"/>
+            </a:lvl5pPr>
+            <a:lvl6pPr marL="2286000" indent="0">
+              <a:buNone/>
+              <a:defRPr sz="900"/>
+            </a:lvl6pPr>
+            <a:lvl7pPr marL="2743200" indent="0">
+              <a:buNone/>
+              <a:defRPr sz="900"/>
+            </a:lvl7pPr>
+            <a:lvl8pPr marL="3200400" indent="0">
+              <a:buNone/>
+              <a:defRPr sz="900"/>
+            </a:lvl8pPr>
+            <a:lvl9pPr marL="3657600" indent="0">
+              <a:buNone/>
+              <a:defRPr sz="900"/>
+            </a:lvl9pPr>
+          </a:lstStyle>
+          <a:p>
+            <a:pPr lvl="0"/>
+            <a:r>
+              <a:rPr lang="de-DE"/>
+              <a:t>Mastertextformat bearbeiten</a:t>
+            </a:r>
+          </a:p>
+        </p:txBody>
+      </p:sp>
+      <p:sp>
+        <p:nvSpPr>
+          <p:cNvPr id="11" name="Text Placeholder 4"/>
+          <p:cNvSpPr>
+            <a:spLocks noGrp="1"/>
+          </p:cNvSpPr>
+          <p:nvPr>
+            <p:ph type="body" sz="quarter" idx="13"/>
+          </p:nvPr>
+        </p:nvSpPr>
+        <p:spPr>
+          <a:xfrm>
+            <a:off x="7966572" y="1885950"/>
+            <a:ext cx="3300984" cy="576262"/>
+          </a:xfrm>
+        </p:spPr>
+        <p:txBody>
+          <a:bodyPr anchor="b">
+            <a:noAutofit/>
+          </a:bodyPr>
+          <a:lstStyle>
+            <a:lvl1pPr marL="0" indent="0" algn="ctr">
+              <a:buNone/>
+              <a:defRPr sz="2400" b="0">
+                <a:solidFill>
+                  <a:schemeClr val="tx1"/>
+                </a:solidFill>
+              </a:defRPr>
+            </a:lvl1pPr>
+            <a:lvl2pPr marL="457200" indent="0">
+              <a:buNone/>
+              <a:defRPr sz="2000" b="1"/>
+            </a:lvl2pPr>
+            <a:lvl3pPr marL="914400" indent="0">
+              <a:buNone/>
+              <a:defRPr sz="1800" b="1"/>
+            </a:lvl3pPr>
+            <a:lvl4pPr marL="1371600" indent="0">
+              <a:buNone/>
+              <a:defRPr sz="1600" b="1"/>
+            </a:lvl4pPr>
+            <a:lvl5pPr marL="1828800" indent="0">
+              <a:buNone/>
+              <a:defRPr sz="1600" b="1"/>
+            </a:lvl5pPr>
+            <a:lvl6pPr marL="2286000" indent="0">
+              <a:buNone/>
+              <a:defRPr sz="1600" b="1"/>
+            </a:lvl6pPr>
+            <a:lvl7pPr marL="2743200" indent="0">
+              <a:buNone/>
+              <a:defRPr sz="1600" b="1"/>
+            </a:lvl7pPr>
+            <a:lvl8pPr marL="3200400" indent="0">
+              <a:buNone/>
+              <a:defRPr sz="1600" b="1"/>
+            </a:lvl8pPr>
+            <a:lvl9pPr marL="3657600" indent="0">
+              <a:buNone/>
+              <a:defRPr sz="1600" b="1"/>
+            </a:lvl9pPr>
+          </a:lstStyle>
+          <a:p>
+            <a:pPr lvl="0"/>
+            <a:r>
+              <a:rPr lang="de-DE"/>
+              <a:t>Mastertextformat bearbeiten</a:t>
+            </a:r>
+          </a:p>
+        </p:txBody>
+      </p:sp>
+      <p:sp>
+        <p:nvSpPr>
+          <p:cNvPr id="12" name="Text Placeholder 3"/>
+          <p:cNvSpPr>
+            <a:spLocks noGrp="1"/>
+          </p:cNvSpPr>
+          <p:nvPr>
+            <p:ph type="body" sz="half" idx="17"/>
+          </p:nvPr>
+        </p:nvSpPr>
+        <p:spPr>
+          <a:xfrm>
+            <a:off x="7966572" y="2571750"/>
+            <a:ext cx="3300984" cy="3219450"/>
+          </a:xfrm>
+        </p:spPr>
+        <p:txBody>
+          <a:bodyPr anchor="t">
+            <a:normAutofit/>
+          </a:bodyPr>
+          <a:lstStyle>
+            <a:lvl1pPr marL="0" indent="0" algn="ctr">
+              <a:buNone/>
+              <a:defRPr sz="1400"/>
+            </a:lvl1pPr>
+            <a:lvl2pPr marL="457200" indent="0">
+              <a:buNone/>
+              <a:defRPr sz="1200"/>
+            </a:lvl2pPr>
+            <a:lvl3pPr marL="914400" indent="0">
+              <a:buNone/>
+              <a:defRPr sz="1000"/>
+            </a:lvl3pPr>
+            <a:lvl4pPr marL="1371600" indent="0">
+              <a:buNone/>
+              <a:defRPr sz="900"/>
+            </a:lvl4pPr>
+            <a:lvl5pPr marL="1828800" indent="0">
+              <a:buNone/>
+              <a:defRPr sz="900"/>
+            </a:lvl5pPr>
+            <a:lvl6pPr marL="2286000" indent="0">
+              <a:buNone/>
+              <a:defRPr sz="900"/>
+            </a:lvl6pPr>
+            <a:lvl7pPr marL="2743200" indent="0">
+              <a:buNone/>
+              <a:defRPr sz="900"/>
+            </a:lvl7pPr>
+            <a:lvl8pPr marL="3200400" indent="0">
+              <a:buNone/>
+              <a:defRPr sz="900"/>
+            </a:lvl8pPr>
+            <a:lvl9pPr marL="3657600" indent="0">
+              <a:buNone/>
+              <a:defRPr sz="900"/>
+            </a:lvl9pPr>
+          </a:lstStyle>
+          <a:p>
+            <a:pPr lvl="0"/>
+            <a:r>
+              <a:rPr lang="de-DE"/>
+              <a:t>Mastertextformat bearbeiten</a:t>
+            </a:r>
+          </a:p>
+        </p:txBody>
+      </p:sp>
+      <p:sp>
+        <p:nvSpPr>
+          <p:cNvPr id="3" name="Date Placeholder 2"/>
+          <p:cNvSpPr>
+            <a:spLocks noGrp="1"/>
+          </p:cNvSpPr>
+          <p:nvPr>
+            <p:ph type="dt" sz="half" idx="10"/>
+          </p:nvPr>
+        </p:nvSpPr>
+        <p:spPr/>
+        <p:txBody>
+          <a:bodyPr/>
+          <a:lstStyle/>
+          <a:p>
+            <a:fld id="{9379C374-18C6-4E53-9ACF-4A8973656D85}" type="datetimeFigureOut">
+              <a:rPr lang="de-AT" smtClean="0"/>
+              <a:t>23.06.2022</a:t>
+            </a:fld>
+            <a:endParaRPr lang="de-AT"/>
+          </a:p>
+        </p:txBody>
+      </p:sp>
+      <p:sp>
+        <p:nvSpPr>
+          <p:cNvPr id="4" name="Footer Placeholder 3"/>
+          <p:cNvSpPr>
+            <a:spLocks noGrp="1"/>
+          </p:cNvSpPr>
+          <p:nvPr>
+            <p:ph type="ftr" sz="quarter" idx="11"/>
+          </p:nvPr>
+        </p:nvSpPr>
+        <p:spPr/>
+        <p:txBody>
+          <a:bodyPr/>
+          <a:lstStyle/>
+          <a:p>
+            <a:endParaRPr lang="de-AT"/>
+          </a:p>
+        </p:txBody>
+      </p:sp>
+      <p:sp>
+        <p:nvSpPr>
+          <p:cNvPr id="5" name="Slide Number Placeholder 4"/>
+          <p:cNvSpPr>
+            <a:spLocks noGrp="1"/>
+          </p:cNvSpPr>
+          <p:nvPr>
+            <p:ph type="sldNum" sz="quarter" idx="12"/>
+          </p:nvPr>
+        </p:nvSpPr>
+        <p:spPr/>
+        <p:txBody>
+          <a:bodyPr/>
+          <a:lstStyle/>
+          <a:p>
+            <a:fld id="{B24A26D1-6409-480D-9B61-F7326584115D}" type="slidenum">
+              <a:rPr lang="de-AT" smtClean="0"/>
+              <a:t>‹Nr.›</a:t>
+            </a:fld>
+            <a:endParaRPr lang="de-AT"/>
+          </a:p>
+        </p:txBody>
+      </p:sp>
+    </p:spTree>
+    <p:extLst>
+      <p:ext uri="{BB962C8B-B14F-4D97-AF65-F5344CB8AC3E}">
+        <p14:creationId xmlns:p14="http://schemas.microsoft.com/office/powerpoint/2010/main" val="1830787915"/>
+      </p:ext>
+    </p:extLst>
+  </p:cSld>
+  <p:clrMapOvr>
+    <a:masterClrMapping/>
+  </p:clrMapOvr>
+</p:sldLayout>
+</file>
+
+<file path=ppt/slideLayouts/slideLayout15.xml><?xml version="1.0" encoding="utf-8"?>
+<p:sldLayout xmlns:a="http://schemas.openxmlformats.org/drawingml/2006/main" xmlns:r="http://schemas.openxmlformats.org/officeDocument/2006/relationships" xmlns:p="http://schemas.openxmlformats.org/presentationml/2006/main" preserve="1">
+  <p:cSld name="3 Bildspalte">
+    <p:spTree>
+      <p:nvGrpSpPr>
+        <p:cNvPr id="1" name=""/>
+        <p:cNvGrpSpPr/>
+        <p:nvPr/>
+      </p:nvGrpSpPr>
+      <p:grpSpPr>
+        <a:xfrm>
+          <a:off x="0" y="0"/>
+          <a:ext cx="0" cy="0"/>
+          <a:chOff x="0" y="0"/>
+          <a:chExt cx="0" cy="0"/>
+        </a:xfrm>
+      </p:grpSpPr>
+      <p:pic>
+        <p:nvPicPr>
+          <p:cNvPr id="2" name="Picture 1" descr="Slate-V2-HD-3colPhotoInset.png"/>
+          <p:cNvPicPr>
+            <a:picLocks noChangeAspect="1"/>
+          </p:cNvPicPr>
+          <p:nvPr/>
+        </p:nvPicPr>
+        <p:blipFill>
+          <a:blip r:embed="rId2">
+            <a:extLst>
+              <a:ext uri="{28A0092B-C50C-407E-A947-70E740481C1C}">
+                <a14:useLocalDpi xmlns:a14="http://schemas.microsoft.com/office/drawing/2010/main" val="0"/>
+              </a:ext>
+            </a:extLst>
+          </a:blip>
+          <a:stretch>
+            <a:fillRect/>
+          </a:stretch>
+        </p:blipFill>
+        <p:spPr>
+          <a:xfrm>
+            <a:off x="897962" y="1818214"/>
+            <a:ext cx="3339972" cy="1847851"/>
+          </a:xfrm>
+          <a:prstGeom prst="rect">
+            <a:avLst/>
+          </a:prstGeom>
+        </p:spPr>
+      </p:pic>
+      <p:pic>
+        <p:nvPicPr>
+          <p:cNvPr id="36" name="Picture 35" descr="Slate-V2-HD-3colPhotoInset.png"/>
+          <p:cNvPicPr>
+            <a:picLocks noChangeAspect="1"/>
+          </p:cNvPicPr>
+          <p:nvPr/>
+        </p:nvPicPr>
+        <p:blipFill>
+          <a:blip r:embed="rId2">
+            <a:extLst>
+              <a:ext uri="{28A0092B-C50C-407E-A947-70E740481C1C}">
+                <a14:useLocalDpi xmlns:a14="http://schemas.microsoft.com/office/drawing/2010/main" val="0"/>
+              </a:ext>
+            </a:extLst>
+          </a:blip>
+          <a:stretch>
+            <a:fillRect/>
+          </a:stretch>
+        </p:blipFill>
+        <p:spPr>
+          <a:xfrm>
+            <a:off x="4403800" y="1818214"/>
+            <a:ext cx="3339972" cy="1847851"/>
+          </a:xfrm>
+          <a:prstGeom prst="rect">
+            <a:avLst/>
+          </a:prstGeom>
+        </p:spPr>
+      </p:pic>
+      <p:pic>
+        <p:nvPicPr>
+          <p:cNvPr id="37" name="Picture 36" descr="Slate-V2-HD-3colPhotoInset.png"/>
+          <p:cNvPicPr>
+            <a:picLocks noChangeAspect="1"/>
+          </p:cNvPicPr>
+          <p:nvPr/>
+        </p:nvPicPr>
+        <p:blipFill>
+          <a:blip r:embed="rId2">
+            <a:extLst>
+              <a:ext uri="{28A0092B-C50C-407E-A947-70E740481C1C}">
+                <a14:useLocalDpi xmlns:a14="http://schemas.microsoft.com/office/drawing/2010/main" val="0"/>
+              </a:ext>
+            </a:extLst>
+          </a:blip>
+          <a:stretch>
+            <a:fillRect/>
+          </a:stretch>
+        </p:blipFill>
+        <p:spPr>
+          <a:xfrm>
+            <a:off x="7936051" y="1818214"/>
+            <a:ext cx="3339972" cy="1847851"/>
+          </a:xfrm>
+          <a:prstGeom prst="rect">
+            <a:avLst/>
+          </a:prstGeom>
+        </p:spPr>
+      </p:pic>
+      <p:sp>
+        <p:nvSpPr>
+          <p:cNvPr id="30" name="Title 1"/>
+          <p:cNvSpPr>
+            <a:spLocks noGrp="1"/>
+          </p:cNvSpPr>
+          <p:nvPr>
+            <p:ph type="title"/>
+          </p:nvPr>
+        </p:nvSpPr>
+        <p:spPr>
+          <a:xfrm>
+            <a:off x="913794" y="609600"/>
+            <a:ext cx="10353763" cy="970450"/>
+          </a:xfrm>
+        </p:spPr>
+        <p:txBody>
+          <a:bodyPr/>
+          <a:lstStyle/>
+          <a:p>
+            <a:r>
+              <a:rPr lang="de-DE"/>
+              <a:t>Mastertitelformat bearbeiten</a:t>
+            </a:r>
+            <a:endParaRPr lang="en-US" dirty="0"/>
+          </a:p>
+        </p:txBody>
+      </p:sp>
+      <p:sp>
+        <p:nvSpPr>
+          <p:cNvPr id="19" name="Text Placeholder 2"/>
+          <p:cNvSpPr>
+            <a:spLocks noGrp="1"/>
+          </p:cNvSpPr>
+          <p:nvPr>
+            <p:ph type="body" idx="1"/>
+          </p:nvPr>
+        </p:nvSpPr>
+        <p:spPr>
+          <a:xfrm>
+            <a:off x="913795" y="3904106"/>
+            <a:ext cx="3300984" cy="576262"/>
+          </a:xfrm>
+        </p:spPr>
+        <p:txBody>
+          <a:bodyPr anchor="b">
+            <a:noAutofit/>
+          </a:bodyPr>
+          <a:lstStyle>
+            <a:lvl1pPr marL="0" indent="0" algn="ctr">
+              <a:buNone/>
+              <a:defRPr sz="2000" b="0">
+                <a:solidFill>
+                  <a:schemeClr val="tx1"/>
+                </a:solidFill>
+              </a:defRPr>
+            </a:lvl1pPr>
+            <a:lvl2pPr marL="457200" indent="0">
+              <a:buNone/>
+              <a:defRPr sz="2000" b="1"/>
+            </a:lvl2pPr>
+            <a:lvl3pPr marL="914400" indent="0">
+              <a:buNone/>
+              <a:defRPr sz="1800" b="1"/>
+            </a:lvl3pPr>
+            <a:lvl4pPr marL="1371600" indent="0">
+              <a:buNone/>
+              <a:defRPr sz="1600" b="1"/>
+            </a:lvl4pPr>
+            <a:lvl5pPr marL="1828800" indent="0">
+              <a:buNone/>
+              <a:defRPr sz="1600" b="1"/>
+            </a:lvl5pPr>
+            <a:lvl6pPr marL="2286000" indent="0">
+              <a:buNone/>
+              <a:defRPr sz="1600" b="1"/>
+            </a:lvl6pPr>
+            <a:lvl7pPr marL="2743200" indent="0">
+              <a:buNone/>
+              <a:defRPr sz="1600" b="1"/>
+            </a:lvl7pPr>
+            <a:lvl8pPr marL="3200400" indent="0">
+              <a:buNone/>
+              <a:defRPr sz="1600" b="1"/>
+            </a:lvl8pPr>
+            <a:lvl9pPr marL="3657600" indent="0">
+              <a:buNone/>
+              <a:defRPr sz="1600" b="1"/>
+            </a:lvl9pPr>
+          </a:lstStyle>
+          <a:p>
+            <a:pPr lvl="0"/>
+            <a:r>
+              <a:rPr lang="de-DE"/>
+              <a:t>Mastertextformat bearbeiten</a:t>
+            </a:r>
+          </a:p>
+        </p:txBody>
+      </p:sp>
+      <p:sp>
+        <p:nvSpPr>
+          <p:cNvPr id="20" name="Picture Placeholder 2"/>
+          <p:cNvSpPr>
+            <a:spLocks noGrp="1" noChangeAspect="1"/>
+          </p:cNvSpPr>
+          <p:nvPr>
+            <p:ph type="pic" idx="15"/>
+          </p:nvPr>
+        </p:nvSpPr>
+        <p:spPr>
+          <a:xfrm>
+            <a:off x="1018102" y="1938918"/>
+            <a:ext cx="3092368" cy="1602954"/>
+          </a:xfrm>
+          <a:prstGeom prst="roundRect">
+            <a:avLst>
+              <a:gd name="adj" fmla="val 1858"/>
+            </a:avLst>
+          </a:prstGeom>
+          <a:effectLst>
+            <a:outerShdw blurRad="38100" dist="25400" dir="4440000">
+              <a:srgbClr val="000000">
+                <a:alpha val="36000"/>
+              </a:srgbClr>
+            </a:outerShdw>
+          </a:effectLst>
+        </p:spPr>
+        <p:txBody>
+          <a:bodyPr anchor="t">
+            <a:normAutofit/>
+          </a:bodyPr>
+          <a:lstStyle>
+            <a:lvl1pPr marL="0" indent="0" algn="ctr">
+              <a:buNone/>
+              <a:defRPr sz="1600"/>
+            </a:lvl1pPr>
+            <a:lvl2pPr marL="457200" indent="0">
+              <a:buNone/>
+              <a:defRPr sz="1600"/>
+            </a:lvl2pPr>
+            <a:lvl3pPr marL="914400" indent="0">
+              <a:buNone/>
+              <a:defRPr sz="1600"/>
+            </a:lvl3pPr>
+            <a:lvl4pPr marL="1371600" indent="0">
+              <a:buNone/>
+              <a:defRPr sz="1600"/>
+            </a:lvl4pPr>
+            <a:lvl5pPr marL="1828800" indent="0">
+              <a:buNone/>
+              <a:defRPr sz="1600"/>
+            </a:lvl5pPr>
+            <a:lvl6pPr marL="2286000" indent="0">
+              <a:buNone/>
+              <a:defRPr sz="1600"/>
+            </a:lvl6pPr>
+            <a:lvl7pPr marL="2743200" indent="0">
+              <a:buNone/>
+              <a:defRPr sz="1600"/>
+            </a:lvl7pPr>
+            <a:lvl8pPr marL="3200400" indent="0">
+              <a:buNone/>
+              <a:defRPr sz="1600"/>
+            </a:lvl8pPr>
+            <a:lvl9pPr marL="3657600" indent="0">
+              <a:buNone/>
+              <a:defRPr sz="1600"/>
+            </a:lvl9pPr>
+          </a:lstStyle>
+          <a:p>
+            <a:r>
+              <a:rPr lang="de-DE"/>
+              <a:t>Bild durch Klicken auf Symbol hinzufügen</a:t>
+            </a:r>
+            <a:endParaRPr lang="en-US" dirty="0"/>
+          </a:p>
+        </p:txBody>
+      </p:sp>
+      <p:sp>
+        <p:nvSpPr>
+          <p:cNvPr id="21" name="Text Placeholder 3"/>
+          <p:cNvSpPr>
+            <a:spLocks noGrp="1"/>
+          </p:cNvSpPr>
+          <p:nvPr>
+            <p:ph type="body" sz="half" idx="18"/>
+          </p:nvPr>
+        </p:nvSpPr>
+        <p:spPr>
+          <a:xfrm>
+            <a:off x="913795" y="4480368"/>
+            <a:ext cx="3300984" cy="1310833"/>
+          </a:xfrm>
+        </p:spPr>
+        <p:txBody>
+          <a:bodyPr anchor="t">
+            <a:normAutofit/>
+          </a:bodyPr>
+          <a:lstStyle>
+            <a:lvl1pPr marL="0" indent="0" algn="ctr">
+              <a:buNone/>
+              <a:defRPr sz="1400"/>
+            </a:lvl1pPr>
+            <a:lvl2pPr marL="457200" indent="0">
+              <a:buNone/>
+              <a:defRPr sz="1200"/>
+            </a:lvl2pPr>
+            <a:lvl3pPr marL="914400" indent="0">
+              <a:buNone/>
+              <a:defRPr sz="1000"/>
+            </a:lvl3pPr>
+            <a:lvl4pPr marL="1371600" indent="0">
+              <a:buNone/>
+              <a:defRPr sz="900"/>
+            </a:lvl4pPr>
+            <a:lvl5pPr marL="1828800" indent="0">
+              <a:buNone/>
+              <a:defRPr sz="900"/>
+            </a:lvl5pPr>
+            <a:lvl6pPr marL="2286000" indent="0">
+              <a:buNone/>
+              <a:defRPr sz="900"/>
+            </a:lvl6pPr>
+            <a:lvl7pPr marL="2743200" indent="0">
+              <a:buNone/>
+              <a:defRPr sz="900"/>
+            </a:lvl7pPr>
+            <a:lvl8pPr marL="3200400" indent="0">
+              <a:buNone/>
+              <a:defRPr sz="900"/>
+            </a:lvl8pPr>
+            <a:lvl9pPr marL="3657600" indent="0">
+              <a:buNone/>
+              <a:defRPr sz="900"/>
+            </a:lvl9pPr>
+          </a:lstStyle>
+          <a:p>
+            <a:pPr lvl="0"/>
+            <a:r>
+              <a:rPr lang="de-DE"/>
+              <a:t>Mastertextformat bearbeiten</a:t>
+            </a:r>
+          </a:p>
+        </p:txBody>
+      </p:sp>
+      <p:sp>
+        <p:nvSpPr>
+          <p:cNvPr id="22" name="Text Placeholder 4"/>
+          <p:cNvSpPr>
+            <a:spLocks noGrp="1"/>
+          </p:cNvSpPr>
+          <p:nvPr>
+            <p:ph type="body" sz="quarter" idx="3"/>
+          </p:nvPr>
+        </p:nvSpPr>
+        <p:spPr>
+          <a:xfrm>
+            <a:off x="4442788" y="3904106"/>
+            <a:ext cx="3300984" cy="576262"/>
+          </a:xfrm>
+        </p:spPr>
+        <p:txBody>
+          <a:bodyPr anchor="b">
+            <a:noAutofit/>
+          </a:bodyPr>
+          <a:lstStyle>
+            <a:lvl1pPr marL="0" indent="0" algn="ctr">
+              <a:buNone/>
+              <a:defRPr sz="2000" b="0">
+                <a:solidFill>
+                  <a:schemeClr val="tx1"/>
+                </a:solidFill>
+              </a:defRPr>
+            </a:lvl1pPr>
+            <a:lvl2pPr marL="457200" indent="0">
+              <a:buNone/>
+              <a:defRPr sz="2000" b="1"/>
+            </a:lvl2pPr>
+            <a:lvl3pPr marL="914400" indent="0">
+              <a:buNone/>
+              <a:defRPr sz="1800" b="1"/>
+            </a:lvl3pPr>
+            <a:lvl4pPr marL="1371600" indent="0">
+              <a:buNone/>
+              <a:defRPr sz="1600" b="1"/>
+            </a:lvl4pPr>
+            <a:lvl5pPr marL="1828800" indent="0">
+              <a:buNone/>
+              <a:defRPr sz="1600" b="1"/>
+            </a:lvl5pPr>
+            <a:lvl6pPr marL="2286000" indent="0">
+              <a:buNone/>
+              <a:defRPr sz="1600" b="1"/>
+            </a:lvl6pPr>
+            <a:lvl7pPr marL="2743200" indent="0">
+              <a:buNone/>
+              <a:defRPr sz="1600" b="1"/>
+            </a:lvl7pPr>
+            <a:lvl8pPr marL="3200400" indent="0">
+              <a:buNone/>
+              <a:defRPr sz="1600" b="1"/>
+            </a:lvl8pPr>
+            <a:lvl9pPr marL="3657600" indent="0">
+              <a:buNone/>
+              <a:defRPr sz="1600" b="1"/>
+            </a:lvl9pPr>
+          </a:lstStyle>
+          <a:p>
+            <a:pPr lvl="0"/>
+            <a:r>
+              <a:rPr lang="de-DE"/>
+              <a:t>Mastertextformat bearbeiten</a:t>
+            </a:r>
+          </a:p>
+        </p:txBody>
+      </p:sp>
+      <p:sp>
+        <p:nvSpPr>
+          <p:cNvPr id="23" name="Picture Placeholder 2"/>
+          <p:cNvSpPr>
+            <a:spLocks noGrp="1" noChangeAspect="1"/>
+          </p:cNvSpPr>
+          <p:nvPr>
+            <p:ph type="pic" idx="21"/>
+          </p:nvPr>
+        </p:nvSpPr>
+        <p:spPr>
+          <a:xfrm>
+            <a:off x="4545743" y="1939094"/>
+            <a:ext cx="3092368" cy="1608164"/>
+          </a:xfrm>
+          <a:prstGeom prst="roundRect">
+            <a:avLst>
+              <a:gd name="adj" fmla="val 1858"/>
+            </a:avLst>
+          </a:prstGeom>
+          <a:effectLst>
+            <a:outerShdw blurRad="38100" dist="25400" dir="4440000">
+              <a:srgbClr val="000000">
+                <a:alpha val="36000"/>
+              </a:srgbClr>
+            </a:outerShdw>
+          </a:effectLst>
+        </p:spPr>
+        <p:txBody>
+          <a:bodyPr anchor="t">
+            <a:normAutofit/>
+          </a:bodyPr>
+          <a:lstStyle>
+            <a:lvl1pPr marL="0" indent="0" algn="ctr">
+              <a:buNone/>
+              <a:defRPr sz="1600"/>
+            </a:lvl1pPr>
+            <a:lvl2pPr marL="457200" indent="0">
+              <a:buNone/>
+              <a:defRPr sz="1600"/>
+            </a:lvl2pPr>
+            <a:lvl3pPr marL="914400" indent="0">
+              <a:buNone/>
+              <a:defRPr sz="1600"/>
+            </a:lvl3pPr>
+            <a:lvl4pPr marL="1371600" indent="0">
+              <a:buNone/>
+              <a:defRPr sz="1600"/>
+            </a:lvl4pPr>
+            <a:lvl5pPr marL="1828800" indent="0">
+              <a:buNone/>
+              <a:defRPr sz="1600"/>
+            </a:lvl5pPr>
+            <a:lvl6pPr marL="2286000" indent="0">
+              <a:buNone/>
+              <a:defRPr sz="1600"/>
+            </a:lvl6pPr>
+            <a:lvl7pPr marL="2743200" indent="0">
+              <a:buNone/>
+              <a:defRPr sz="1600"/>
+            </a:lvl7pPr>
+            <a:lvl8pPr marL="3200400" indent="0">
+              <a:buNone/>
+              <a:defRPr sz="1600"/>
+            </a:lvl8pPr>
+            <a:lvl9pPr marL="3657600" indent="0">
+              <a:buNone/>
+              <a:defRPr sz="1600"/>
+            </a:lvl9pPr>
+          </a:lstStyle>
+          <a:p>
+            <a:r>
+              <a:rPr lang="de-DE"/>
+              <a:t>Bild durch Klicken auf Symbol hinzufügen</a:t>
+            </a:r>
+            <a:endParaRPr lang="en-US" dirty="0"/>
+          </a:p>
+        </p:txBody>
+      </p:sp>
+      <p:sp>
+        <p:nvSpPr>
+          <p:cNvPr id="24" name="Text Placeholder 3"/>
+          <p:cNvSpPr>
+            <a:spLocks noGrp="1"/>
+          </p:cNvSpPr>
+          <p:nvPr>
+            <p:ph type="body" sz="half" idx="19"/>
+          </p:nvPr>
+        </p:nvSpPr>
+        <p:spPr>
+          <a:xfrm>
+            <a:off x="4441435" y="4480367"/>
+            <a:ext cx="3300984" cy="1310833"/>
+          </a:xfrm>
+        </p:spPr>
+        <p:txBody>
+          <a:bodyPr anchor="t">
+            <a:normAutofit/>
+          </a:bodyPr>
+          <a:lstStyle>
+            <a:lvl1pPr marL="0" indent="0" algn="ctr">
+              <a:buNone/>
+              <a:defRPr sz="1400"/>
+            </a:lvl1pPr>
+            <a:lvl2pPr marL="457200" indent="0">
+              <a:buNone/>
+              <a:defRPr sz="1200"/>
+            </a:lvl2pPr>
+            <a:lvl3pPr marL="914400" indent="0">
+              <a:buNone/>
+              <a:defRPr sz="1000"/>
+            </a:lvl3pPr>
+            <a:lvl4pPr marL="1371600" indent="0">
+              <a:buNone/>
+              <a:defRPr sz="900"/>
+            </a:lvl4pPr>
+            <a:lvl5pPr marL="1828800" indent="0">
+              <a:buNone/>
+              <a:defRPr sz="900"/>
+            </a:lvl5pPr>
+            <a:lvl6pPr marL="2286000" indent="0">
+              <a:buNone/>
+              <a:defRPr sz="900"/>
+            </a:lvl6pPr>
+            <a:lvl7pPr marL="2743200" indent="0">
+              <a:buNone/>
+              <a:defRPr sz="900"/>
+            </a:lvl7pPr>
+            <a:lvl8pPr marL="3200400" indent="0">
+              <a:buNone/>
+              <a:defRPr sz="900"/>
+            </a:lvl8pPr>
+            <a:lvl9pPr marL="3657600" indent="0">
+              <a:buNone/>
+              <a:defRPr sz="900"/>
+            </a:lvl9pPr>
+          </a:lstStyle>
+          <a:p>
+            <a:pPr lvl="0"/>
+            <a:r>
+              <a:rPr lang="de-DE"/>
+              <a:t>Mastertextformat bearbeiten</a:t>
+            </a:r>
+          </a:p>
+        </p:txBody>
+      </p:sp>
+      <p:sp>
+        <p:nvSpPr>
+          <p:cNvPr id="25" name="Text Placeholder 4"/>
+          <p:cNvSpPr>
+            <a:spLocks noGrp="1"/>
+          </p:cNvSpPr>
+          <p:nvPr>
+            <p:ph type="body" sz="quarter" idx="13"/>
+          </p:nvPr>
+        </p:nvSpPr>
+        <p:spPr>
+          <a:xfrm>
+            <a:off x="7966697" y="3904106"/>
+            <a:ext cx="3300984" cy="576262"/>
+          </a:xfrm>
+        </p:spPr>
+        <p:txBody>
+          <a:bodyPr anchor="b">
+            <a:noAutofit/>
+          </a:bodyPr>
+          <a:lstStyle>
+            <a:lvl1pPr marL="0" indent="0" algn="ctr">
+              <a:buNone/>
+              <a:defRPr sz="2000" b="0">
+                <a:solidFill>
+                  <a:schemeClr val="tx1"/>
+                </a:solidFill>
+              </a:defRPr>
+            </a:lvl1pPr>
+            <a:lvl2pPr marL="457200" indent="0">
+              <a:buNone/>
+              <a:defRPr sz="2000" b="1"/>
+            </a:lvl2pPr>
+            <a:lvl3pPr marL="914400" indent="0">
+              <a:buNone/>
+              <a:defRPr sz="1800" b="1"/>
+            </a:lvl3pPr>
+            <a:lvl4pPr marL="1371600" indent="0">
+              <a:buNone/>
+              <a:defRPr sz="1600" b="1"/>
+            </a:lvl4pPr>
+            <a:lvl5pPr marL="1828800" indent="0">
+              <a:buNone/>
+              <a:defRPr sz="1600" b="1"/>
+            </a:lvl5pPr>
+            <a:lvl6pPr marL="2286000" indent="0">
+              <a:buNone/>
+              <a:defRPr sz="1600" b="1"/>
+            </a:lvl6pPr>
+            <a:lvl7pPr marL="2743200" indent="0">
+              <a:buNone/>
+              <a:defRPr sz="1600" b="1"/>
+            </a:lvl7pPr>
+            <a:lvl8pPr marL="3200400" indent="0">
+              <a:buNone/>
+              <a:defRPr sz="1600" b="1"/>
+            </a:lvl8pPr>
+            <a:lvl9pPr marL="3657600" indent="0">
+              <a:buNone/>
+              <a:defRPr sz="1600" b="1"/>
+            </a:lvl9pPr>
+          </a:lstStyle>
+          <a:p>
+            <a:pPr lvl="0"/>
+            <a:r>
+              <a:rPr lang="de-DE"/>
+              <a:t>Mastertextformat bearbeiten</a:t>
+            </a:r>
+          </a:p>
+        </p:txBody>
+      </p:sp>
+      <p:sp>
+        <p:nvSpPr>
+          <p:cNvPr id="26" name="Picture Placeholder 2"/>
+          <p:cNvSpPr>
+            <a:spLocks noGrp="1" noChangeAspect="1"/>
+          </p:cNvSpPr>
+          <p:nvPr>
+            <p:ph type="pic" idx="22"/>
+          </p:nvPr>
+        </p:nvSpPr>
+        <p:spPr>
+          <a:xfrm>
+            <a:off x="8075698" y="1934432"/>
+            <a:ext cx="3092368" cy="1607294"/>
+          </a:xfrm>
+          <a:prstGeom prst="roundRect">
+            <a:avLst>
+              <a:gd name="adj" fmla="val 1858"/>
+            </a:avLst>
+          </a:prstGeom>
+          <a:effectLst>
+            <a:outerShdw blurRad="38100" dist="25400" dir="4440000">
+              <a:srgbClr val="000000">
+                <a:alpha val="36000"/>
+              </a:srgbClr>
+            </a:outerShdw>
+          </a:effectLst>
+        </p:spPr>
+        <p:txBody>
+          <a:bodyPr anchor="t">
+            <a:normAutofit/>
+          </a:bodyPr>
+          <a:lstStyle>
+            <a:lvl1pPr marL="0" indent="0" algn="ctr">
+              <a:buNone/>
+              <a:defRPr sz="1600"/>
+            </a:lvl1pPr>
+            <a:lvl2pPr marL="457200" indent="0">
+              <a:buNone/>
+              <a:defRPr sz="1600"/>
+            </a:lvl2pPr>
+            <a:lvl3pPr marL="914400" indent="0">
+              <a:buNone/>
+              <a:defRPr sz="1600"/>
+            </a:lvl3pPr>
+            <a:lvl4pPr marL="1371600" indent="0">
+              <a:buNone/>
+              <a:defRPr sz="1600"/>
+            </a:lvl4pPr>
+            <a:lvl5pPr marL="1828800" indent="0">
+              <a:buNone/>
+              <a:defRPr sz="1600"/>
+            </a:lvl5pPr>
+            <a:lvl6pPr marL="2286000" indent="0">
+              <a:buNone/>
+              <a:defRPr sz="1600"/>
+            </a:lvl6pPr>
+            <a:lvl7pPr marL="2743200" indent="0">
+              <a:buNone/>
+              <a:defRPr sz="1600"/>
+            </a:lvl7pPr>
+            <a:lvl8pPr marL="3200400" indent="0">
+              <a:buNone/>
+              <a:defRPr sz="1600"/>
+            </a:lvl8pPr>
+            <a:lvl9pPr marL="3657600" indent="0">
+              <a:buNone/>
+              <a:defRPr sz="1600"/>
+            </a:lvl9pPr>
+          </a:lstStyle>
+          <a:p>
+            <a:r>
+              <a:rPr lang="de-DE"/>
+              <a:t>Bild durch Klicken auf Symbol hinzufügen</a:t>
+            </a:r>
+            <a:endParaRPr lang="en-US" dirty="0"/>
+          </a:p>
+        </p:txBody>
+      </p:sp>
+      <p:sp>
+        <p:nvSpPr>
+          <p:cNvPr id="27" name="Text Placeholder 3"/>
+          <p:cNvSpPr>
+            <a:spLocks noGrp="1"/>
+          </p:cNvSpPr>
+          <p:nvPr>
+            <p:ph type="body" sz="half" idx="20"/>
+          </p:nvPr>
+        </p:nvSpPr>
+        <p:spPr>
+          <a:xfrm>
+            <a:off x="7966572" y="4480365"/>
+            <a:ext cx="3300984" cy="1310835"/>
+          </a:xfrm>
+        </p:spPr>
+        <p:txBody>
+          <a:bodyPr anchor="t">
+            <a:normAutofit/>
+          </a:bodyPr>
+          <a:lstStyle>
+            <a:lvl1pPr marL="0" indent="0" algn="ctr">
+              <a:buNone/>
+              <a:defRPr sz="1400"/>
+            </a:lvl1pPr>
+            <a:lvl2pPr marL="457200" indent="0">
+              <a:buNone/>
+              <a:defRPr sz="1200"/>
+            </a:lvl2pPr>
+            <a:lvl3pPr marL="914400" indent="0">
+              <a:buNone/>
+              <a:defRPr sz="1000"/>
+            </a:lvl3pPr>
+            <a:lvl4pPr marL="1371600" indent="0">
+              <a:buNone/>
+              <a:defRPr sz="900"/>
+            </a:lvl4pPr>
+            <a:lvl5pPr marL="1828800" indent="0">
+              <a:buNone/>
+              <a:defRPr sz="900"/>
+            </a:lvl5pPr>
+            <a:lvl6pPr marL="2286000" indent="0">
+              <a:buNone/>
+              <a:defRPr sz="900"/>
+            </a:lvl6pPr>
+            <a:lvl7pPr marL="2743200" indent="0">
+              <a:buNone/>
+              <a:defRPr sz="900"/>
+            </a:lvl7pPr>
+            <a:lvl8pPr marL="3200400" indent="0">
+              <a:buNone/>
+              <a:defRPr sz="900"/>
+            </a:lvl8pPr>
+            <a:lvl9pPr marL="3657600" indent="0">
+              <a:buNone/>
+              <a:defRPr sz="900"/>
+            </a:lvl9pPr>
+          </a:lstStyle>
+          <a:p>
+            <a:pPr lvl="0"/>
+            <a:r>
+              <a:rPr lang="de-DE"/>
+              <a:t>Mastertextformat bearbeiten</a:t>
+            </a:r>
+          </a:p>
+        </p:txBody>
+      </p:sp>
+      <p:sp>
+        <p:nvSpPr>
+          <p:cNvPr id="3" name="Date Placeholder 2"/>
+          <p:cNvSpPr>
+            <a:spLocks noGrp="1"/>
+          </p:cNvSpPr>
+          <p:nvPr>
+            <p:ph type="dt" sz="half" idx="10"/>
+          </p:nvPr>
+        </p:nvSpPr>
+        <p:spPr/>
+        <p:txBody>
+          <a:bodyPr/>
+          <a:lstStyle/>
+          <a:p>
+            <a:fld id="{9379C374-18C6-4E53-9ACF-4A8973656D85}" type="datetimeFigureOut">
+              <a:rPr lang="de-AT" smtClean="0"/>
+              <a:t>23.06.2022</a:t>
+            </a:fld>
+            <a:endParaRPr lang="de-AT"/>
+          </a:p>
+        </p:txBody>
+      </p:sp>
+      <p:sp>
+        <p:nvSpPr>
+          <p:cNvPr id="4" name="Footer Placeholder 3"/>
+          <p:cNvSpPr>
+            <a:spLocks noGrp="1"/>
+          </p:cNvSpPr>
+          <p:nvPr>
+            <p:ph type="ftr" sz="quarter" idx="11"/>
+          </p:nvPr>
+        </p:nvSpPr>
+        <p:spPr/>
+        <p:txBody>
+          <a:bodyPr/>
+          <a:lstStyle/>
+          <a:p>
+            <a:endParaRPr lang="de-AT"/>
+          </a:p>
+        </p:txBody>
+      </p:sp>
+      <p:sp>
+        <p:nvSpPr>
+          <p:cNvPr id="5" name="Slide Number Placeholder 4"/>
+          <p:cNvSpPr>
+            <a:spLocks noGrp="1"/>
+          </p:cNvSpPr>
+          <p:nvPr>
+            <p:ph type="sldNum" sz="quarter" idx="12"/>
+          </p:nvPr>
+        </p:nvSpPr>
+        <p:spPr/>
+        <p:txBody>
+          <a:bodyPr/>
+          <a:lstStyle/>
+          <a:p>
+            <a:fld id="{B24A26D1-6409-480D-9B61-F7326584115D}" type="slidenum">
+              <a:rPr lang="de-AT" smtClean="0"/>
+              <a:t>‹Nr.›</a:t>
+            </a:fld>
+            <a:endParaRPr lang="de-AT"/>
+          </a:p>
+        </p:txBody>
+      </p:sp>
+    </p:spTree>
+    <p:extLst>
+      <p:ext uri="{BB962C8B-B14F-4D97-AF65-F5344CB8AC3E}">
+        <p14:creationId xmlns:p14="http://schemas.microsoft.com/office/powerpoint/2010/main" val="976584831"/>
+      </p:ext>
+    </p:extLst>
+  </p:cSld>
+  <p:clrMapOvr>
+    <a:masterClrMapping/>
+  </p:clrMapOvr>
+</p:sldLayout>
+</file>
+
+<file path=ppt/slideLayouts/slideLayout16.xml><?xml version="1.0" encoding="utf-8"?>
 <p:sldLayout xmlns:a="http://schemas.openxmlformats.org/drawingml/2006/main" xmlns:r="http://schemas.openxmlformats.org/officeDocument/2006/relationships" xmlns:p="http://schemas.openxmlformats.org/presentationml/2006/main" type="vertTx" preserve="1">
   <p:cSld name="Titel und vertikaler Text">
     <p:spTree>
@@ -354,13 +2959,7 @@
       </p:grpSpPr>
       <p:sp>
         <p:nvSpPr>
-          <p:cNvPr id="2" name="Titel 1">
-            <a:extLst>
-              <a:ext uri="{FF2B5EF4-FFF2-40B4-BE49-F238E27FC236}">
-                <a16:creationId xmlns:a16="http://schemas.microsoft.com/office/drawing/2014/main" id="{DBF460BC-95E9-233C-6D52-872CB4774F4B}"/>
-              </a:ext>
-            </a:extLst>
-          </p:cNvPr>
+          <p:cNvPr id="2" name="Title 1"/>
           <p:cNvSpPr>
             <a:spLocks noGrp="1"/>
           </p:cNvSpPr>
@@ -377,19 +2976,13 @@
               <a:rPr lang="de-DE"/>
               <a:t>Mastertitelformat bearbeiten</a:t>
             </a:r>
-            <a:endParaRPr lang="de-AT"/>
-          </a:p>
-        </p:txBody>
-      </p:sp>
-      <p:sp>
-        <p:nvSpPr>
-          <p:cNvPr id="3" name="Vertikaler Textplatzhalter 2">
-            <a:extLst>
-              <a:ext uri="{FF2B5EF4-FFF2-40B4-BE49-F238E27FC236}">
-                <a16:creationId xmlns:a16="http://schemas.microsoft.com/office/drawing/2014/main" id="{65688A42-7112-3248-22CE-73CDF5522DDC}"/>
-              </a:ext>
-            </a:extLst>
-          </p:cNvPr>
+            <a:endParaRPr lang="en-US" dirty="0"/>
+          </a:p>
+        </p:txBody>
+      </p:sp>
+      <p:sp>
+        <p:nvSpPr>
+          <p:cNvPr id="3" name="Vertical Text Placeholder 2"/>
           <p:cNvSpPr>
             <a:spLocks noGrp="1"/>
           </p:cNvSpPr>
@@ -399,7 +2992,7 @@
         </p:nvSpPr>
         <p:spPr/>
         <p:txBody>
-          <a:bodyPr vert="eaVert"/>
+          <a:bodyPr vert="eaVert" anchor="t"/>
           <a:lstStyle/>
           <a:p>
             <a:pPr lvl="0"/>
@@ -435,19 +3028,13 @@
               <a:rPr lang="de-DE"/>
               <a:t>Fünfte Ebene</a:t>
             </a:r>
-            <a:endParaRPr lang="de-AT"/>
-          </a:p>
-        </p:txBody>
-      </p:sp>
-      <p:sp>
-        <p:nvSpPr>
-          <p:cNvPr id="4" name="Datumsplatzhalter 3">
-            <a:extLst>
-              <a:ext uri="{FF2B5EF4-FFF2-40B4-BE49-F238E27FC236}">
-                <a16:creationId xmlns:a16="http://schemas.microsoft.com/office/drawing/2014/main" id="{9609FA86-EA4E-0CFE-C38F-51453A98BFE9}"/>
-              </a:ext>
-            </a:extLst>
-          </p:cNvPr>
+            <a:endParaRPr lang="en-US" dirty="0"/>
+          </a:p>
+        </p:txBody>
+      </p:sp>
+      <p:sp>
+        <p:nvSpPr>
+          <p:cNvPr id="4" name="Date Placeholder 3"/>
           <p:cNvSpPr>
             <a:spLocks noGrp="1"/>
           </p:cNvSpPr>
@@ -470,13 +3057,7 @@
       </p:sp>
       <p:sp>
         <p:nvSpPr>
-          <p:cNvPr id="5" name="Fußzeilenplatzhalter 4">
-            <a:extLst>
-              <a:ext uri="{FF2B5EF4-FFF2-40B4-BE49-F238E27FC236}">
-                <a16:creationId xmlns:a16="http://schemas.microsoft.com/office/drawing/2014/main" id="{DC08EA3A-45A2-6038-D308-D8A87A1441A4}"/>
-              </a:ext>
-            </a:extLst>
-          </p:cNvPr>
+          <p:cNvPr id="5" name="Footer Placeholder 4"/>
           <p:cNvSpPr>
             <a:spLocks noGrp="1"/>
           </p:cNvSpPr>
@@ -495,13 +3076,7 @@
       </p:sp>
       <p:sp>
         <p:nvSpPr>
-          <p:cNvPr id="6" name="Foliennummernplatzhalter 5">
-            <a:extLst>
-              <a:ext uri="{FF2B5EF4-FFF2-40B4-BE49-F238E27FC236}">
-                <a16:creationId xmlns:a16="http://schemas.microsoft.com/office/drawing/2014/main" id="{BF50D8FE-D3A0-B850-7869-0662429ABA41}"/>
-              </a:ext>
-            </a:extLst>
-          </p:cNvPr>
+          <p:cNvPr id="6" name="Slide Number Placeholder 5"/>
           <p:cNvSpPr>
             <a:spLocks noGrp="1"/>
           </p:cNvSpPr>
@@ -525,7 +3100,7 @@
     </p:spTree>
     <p:extLst>
       <p:ext uri="{BB962C8B-B14F-4D97-AF65-F5344CB8AC3E}">
-        <p14:creationId xmlns:p14="http://schemas.microsoft.com/office/powerpoint/2010/main" val="3869186188"/>
+        <p14:creationId xmlns:p14="http://schemas.microsoft.com/office/powerpoint/2010/main" val="2080857455"/>
       </p:ext>
     </p:extLst>
   </p:cSld>
@@ -535,7 +3110,7 @@
 </p:sldLayout>
 </file>
 
-<file path=ppt/slideLayouts/slideLayout11.xml><?xml version="1.0" encoding="utf-8"?>
+<file path=ppt/slideLayouts/slideLayout17.xml><?xml version="1.0" encoding="utf-8"?>
 <p:sldLayout xmlns:a="http://schemas.openxmlformats.org/drawingml/2006/main" xmlns:r="http://schemas.openxmlformats.org/officeDocument/2006/relationships" xmlns:p="http://schemas.openxmlformats.org/presentationml/2006/main" type="vertTitleAndTx" preserve="1">
   <p:cSld name="Vertikaler Titel und Text">
     <p:spTree>
@@ -554,13 +3129,7 @@
       </p:grpSpPr>
       <p:sp>
         <p:nvSpPr>
-          <p:cNvPr id="2" name="Vertikaler Titel 1">
-            <a:extLst>
-              <a:ext uri="{FF2B5EF4-FFF2-40B4-BE49-F238E27FC236}">
-                <a16:creationId xmlns:a16="http://schemas.microsoft.com/office/drawing/2014/main" id="{32452B69-2E33-0557-74EA-5740B7DA0DDD}"/>
-              </a:ext>
-            </a:extLst>
-          </p:cNvPr>
+          <p:cNvPr id="2" name="Vertical Title 1"/>
           <p:cNvSpPr>
             <a:spLocks noGrp="1"/>
           </p:cNvSpPr>
@@ -570,31 +3139,29 @@
         </p:nvSpPr>
         <p:spPr>
           <a:xfrm>
-            <a:off x="8724900" y="365125"/>
-            <a:ext cx="2628900" cy="5811838"/>
+            <a:off x="8983068" y="609599"/>
+            <a:ext cx="2284487" cy="5181601"/>
           </a:xfrm>
         </p:spPr>
         <p:txBody>
           <a:bodyPr vert="eaVert"/>
-          <a:lstStyle/>
+          <a:lstStyle>
+            <a:lvl1pPr algn="l">
+              <a:defRPr/>
+            </a:lvl1pPr>
+          </a:lstStyle>
           <a:p>
             <a:r>
               <a:rPr lang="de-DE"/>
               <a:t>Mastertitelformat bearbeiten</a:t>
             </a:r>
-            <a:endParaRPr lang="de-AT"/>
-          </a:p>
-        </p:txBody>
-      </p:sp>
-      <p:sp>
-        <p:nvSpPr>
-          <p:cNvPr id="3" name="Vertikaler Textplatzhalter 2">
-            <a:extLst>
-              <a:ext uri="{FF2B5EF4-FFF2-40B4-BE49-F238E27FC236}">
-                <a16:creationId xmlns:a16="http://schemas.microsoft.com/office/drawing/2014/main" id="{F4EF2FC9-B43E-F4DD-1F95-A0AF84ED305E}"/>
-              </a:ext>
-            </a:extLst>
-          </p:cNvPr>
+            <a:endParaRPr lang="en-US" dirty="0"/>
+          </a:p>
+        </p:txBody>
+      </p:sp>
+      <p:sp>
+        <p:nvSpPr>
+          <p:cNvPr id="3" name="Vertical Text Placeholder 2"/>
           <p:cNvSpPr>
             <a:spLocks noGrp="1"/>
           </p:cNvSpPr>
@@ -604,12 +3171,12 @@
         </p:nvSpPr>
         <p:spPr>
           <a:xfrm>
-            <a:off x="838200" y="365125"/>
-            <a:ext cx="7734300" cy="5811838"/>
+            <a:off x="913796" y="609599"/>
+            <a:ext cx="7916872" cy="5181601"/>
           </a:xfrm>
         </p:spPr>
         <p:txBody>
-          <a:bodyPr vert="eaVert"/>
+          <a:bodyPr vert="eaVert" anchor="t"/>
           <a:lstStyle/>
           <a:p>
             <a:pPr lvl="0"/>
@@ -645,19 +3212,13 @@
               <a:rPr lang="de-DE"/>
               <a:t>Fünfte Ebene</a:t>
             </a:r>
-            <a:endParaRPr lang="de-AT"/>
-          </a:p>
-        </p:txBody>
-      </p:sp>
-      <p:sp>
-        <p:nvSpPr>
-          <p:cNvPr id="4" name="Datumsplatzhalter 3">
-            <a:extLst>
-              <a:ext uri="{FF2B5EF4-FFF2-40B4-BE49-F238E27FC236}">
-                <a16:creationId xmlns:a16="http://schemas.microsoft.com/office/drawing/2014/main" id="{3731676B-659D-407A-D939-690DA573A42A}"/>
-              </a:ext>
-            </a:extLst>
-          </p:cNvPr>
+            <a:endParaRPr lang="en-US" dirty="0"/>
+          </a:p>
+        </p:txBody>
+      </p:sp>
+      <p:sp>
+        <p:nvSpPr>
+          <p:cNvPr id="4" name="Date Placeholder 3"/>
           <p:cNvSpPr>
             <a:spLocks noGrp="1"/>
           </p:cNvSpPr>
@@ -680,13 +3241,7 @@
       </p:sp>
       <p:sp>
         <p:nvSpPr>
-          <p:cNvPr id="5" name="Fußzeilenplatzhalter 4">
-            <a:extLst>
-              <a:ext uri="{FF2B5EF4-FFF2-40B4-BE49-F238E27FC236}">
-                <a16:creationId xmlns:a16="http://schemas.microsoft.com/office/drawing/2014/main" id="{48BE2087-EC80-50E5-51E7-85F8242A0F96}"/>
-              </a:ext>
-            </a:extLst>
-          </p:cNvPr>
+          <p:cNvPr id="5" name="Footer Placeholder 4"/>
           <p:cNvSpPr>
             <a:spLocks noGrp="1"/>
           </p:cNvSpPr>
@@ -705,13 +3260,7 @@
       </p:sp>
       <p:sp>
         <p:nvSpPr>
-          <p:cNvPr id="6" name="Foliennummernplatzhalter 5">
-            <a:extLst>
-              <a:ext uri="{FF2B5EF4-FFF2-40B4-BE49-F238E27FC236}">
-                <a16:creationId xmlns:a16="http://schemas.microsoft.com/office/drawing/2014/main" id="{2C3D6976-15F8-82DF-74A0-907E199E3F04}"/>
-              </a:ext>
-            </a:extLst>
-          </p:cNvPr>
+          <p:cNvPr id="6" name="Slide Number Placeholder 5"/>
           <p:cNvSpPr>
             <a:spLocks noGrp="1"/>
           </p:cNvSpPr>
@@ -735,7 +3284,7 @@
     </p:spTree>
     <p:extLst>
       <p:ext uri="{BB962C8B-B14F-4D97-AF65-F5344CB8AC3E}">
-        <p14:creationId xmlns:p14="http://schemas.microsoft.com/office/powerpoint/2010/main" val="3482379740"/>
+        <p14:creationId xmlns:p14="http://schemas.microsoft.com/office/powerpoint/2010/main" val="1387436101"/>
       </p:ext>
     </p:extLst>
   </p:cSld>
@@ -764,13 +3313,7 @@
       </p:grpSpPr>
       <p:sp>
         <p:nvSpPr>
-          <p:cNvPr id="2" name="Titel 1">
-            <a:extLst>
-              <a:ext uri="{FF2B5EF4-FFF2-40B4-BE49-F238E27FC236}">
-                <a16:creationId xmlns:a16="http://schemas.microsoft.com/office/drawing/2014/main" id="{260CDF84-0332-68C1-E8FE-058AFA6AE34E}"/>
-              </a:ext>
-            </a:extLst>
-          </p:cNvPr>
+          <p:cNvPr id="2" name="Title 1"/>
           <p:cNvSpPr>
             <a:spLocks noGrp="1"/>
           </p:cNvSpPr>
@@ -787,19 +3330,13 @@
               <a:rPr lang="de-DE"/>
               <a:t>Mastertitelformat bearbeiten</a:t>
             </a:r>
-            <a:endParaRPr lang="de-AT"/>
-          </a:p>
-        </p:txBody>
-      </p:sp>
-      <p:sp>
-        <p:nvSpPr>
-          <p:cNvPr id="3" name="Inhaltsplatzhalter 2">
-            <a:extLst>
-              <a:ext uri="{FF2B5EF4-FFF2-40B4-BE49-F238E27FC236}">
-                <a16:creationId xmlns:a16="http://schemas.microsoft.com/office/drawing/2014/main" id="{588CA745-71A2-FF71-1131-FCB0ED118C96}"/>
-              </a:ext>
-            </a:extLst>
-          </p:cNvPr>
+            <a:endParaRPr lang="en-US" dirty="0"/>
+          </a:p>
+        </p:txBody>
+      </p:sp>
+      <p:sp>
+        <p:nvSpPr>
+          <p:cNvPr id="3" name="Content Placeholder 2"/>
           <p:cNvSpPr>
             <a:spLocks noGrp="1"/>
           </p:cNvSpPr>
@@ -845,19 +3382,13 @@
               <a:rPr lang="de-DE"/>
               <a:t>Fünfte Ebene</a:t>
             </a:r>
-            <a:endParaRPr lang="de-AT"/>
-          </a:p>
-        </p:txBody>
-      </p:sp>
-      <p:sp>
-        <p:nvSpPr>
-          <p:cNvPr id="4" name="Datumsplatzhalter 3">
-            <a:extLst>
-              <a:ext uri="{FF2B5EF4-FFF2-40B4-BE49-F238E27FC236}">
-                <a16:creationId xmlns:a16="http://schemas.microsoft.com/office/drawing/2014/main" id="{EEABBF87-464F-2A95-344D-5BE6FBFA88D3}"/>
-              </a:ext>
-            </a:extLst>
-          </p:cNvPr>
+            <a:endParaRPr lang="en-US" dirty="0"/>
+          </a:p>
+        </p:txBody>
+      </p:sp>
+      <p:sp>
+        <p:nvSpPr>
+          <p:cNvPr id="4" name="Date Placeholder 3"/>
           <p:cNvSpPr>
             <a:spLocks noGrp="1"/>
           </p:cNvSpPr>
@@ -880,13 +3411,7 @@
       </p:sp>
       <p:sp>
         <p:nvSpPr>
-          <p:cNvPr id="5" name="Fußzeilenplatzhalter 4">
-            <a:extLst>
-              <a:ext uri="{FF2B5EF4-FFF2-40B4-BE49-F238E27FC236}">
-                <a16:creationId xmlns:a16="http://schemas.microsoft.com/office/drawing/2014/main" id="{3E260BAF-7535-DF0C-5F67-E5BFF7AC50AB}"/>
-              </a:ext>
-            </a:extLst>
-          </p:cNvPr>
+          <p:cNvPr id="5" name="Footer Placeholder 4"/>
           <p:cNvSpPr>
             <a:spLocks noGrp="1"/>
           </p:cNvSpPr>
@@ -905,13 +3430,7 @@
       </p:sp>
       <p:sp>
         <p:nvSpPr>
-          <p:cNvPr id="6" name="Foliennummernplatzhalter 5">
-            <a:extLst>
-              <a:ext uri="{FF2B5EF4-FFF2-40B4-BE49-F238E27FC236}">
-                <a16:creationId xmlns:a16="http://schemas.microsoft.com/office/drawing/2014/main" id="{4B27B522-66FB-947B-6715-A4D16B4CC728}"/>
-              </a:ext>
-            </a:extLst>
-          </p:cNvPr>
+          <p:cNvPr id="6" name="Slide Number Placeholder 5"/>
           <p:cNvSpPr>
             <a:spLocks noGrp="1"/>
           </p:cNvSpPr>
@@ -935,7 +3454,7 @@
     </p:spTree>
     <p:extLst>
       <p:ext uri="{BB962C8B-B14F-4D97-AF65-F5344CB8AC3E}">
-        <p14:creationId xmlns:p14="http://schemas.microsoft.com/office/powerpoint/2010/main" val="3402348893"/>
+        <p14:creationId xmlns:p14="http://schemas.microsoft.com/office/powerpoint/2010/main" val="2079580906"/>
       </p:ext>
     </p:extLst>
   </p:cSld>
@@ -964,13 +3483,7 @@
       </p:grpSpPr>
       <p:sp>
         <p:nvSpPr>
-          <p:cNvPr id="2" name="Titel 1">
-            <a:extLst>
-              <a:ext uri="{FF2B5EF4-FFF2-40B4-BE49-F238E27FC236}">
-                <a16:creationId xmlns:a16="http://schemas.microsoft.com/office/drawing/2014/main" id="{B804F0B1-E91F-72D7-0104-AC15F83CB690}"/>
-              </a:ext>
-            </a:extLst>
-          </p:cNvPr>
+          <p:cNvPr id="2" name="Title 1"/>
           <p:cNvSpPr>
             <a:spLocks noGrp="1"/>
           </p:cNvSpPr>
@@ -980,15 +3493,15 @@
         </p:nvSpPr>
         <p:spPr>
           <a:xfrm>
-            <a:off x="831850" y="1709738"/>
-            <a:ext cx="10515600" cy="2852737"/>
+            <a:off x="1295401" y="1761067"/>
+            <a:ext cx="9590550" cy="1828813"/>
           </a:xfrm>
         </p:spPr>
         <p:txBody>
           <a:bodyPr anchor="b"/>
           <a:lstStyle>
-            <a:lvl1pPr>
-              <a:defRPr sz="6000"/>
+            <a:lvl1pPr algn="ctr">
+              <a:defRPr sz="4000" b="0" cap="none"/>
             </a:lvl1pPr>
           </a:lstStyle>
           <a:p>
@@ -996,19 +3509,13 @@
               <a:rPr lang="de-DE"/>
               <a:t>Mastertitelformat bearbeiten</a:t>
             </a:r>
-            <a:endParaRPr lang="de-AT"/>
-          </a:p>
-        </p:txBody>
-      </p:sp>
-      <p:sp>
-        <p:nvSpPr>
-          <p:cNvPr id="3" name="Textplatzhalter 2">
-            <a:extLst>
-              <a:ext uri="{FF2B5EF4-FFF2-40B4-BE49-F238E27FC236}">
-                <a16:creationId xmlns:a16="http://schemas.microsoft.com/office/drawing/2014/main" id="{38989F14-C6B5-1FC2-22B9-949D3AE9590C}"/>
-              </a:ext>
-            </a:extLst>
-          </p:cNvPr>
+            <a:endParaRPr lang="en-US" dirty="0"/>
+          </a:p>
+        </p:txBody>
+      </p:sp>
+      <p:sp>
+        <p:nvSpPr>
+          <p:cNvPr id="3" name="Text Placeholder 2"/>
           <p:cNvSpPr>
             <a:spLocks noGrp="1"/>
           </p:cNvSpPr>
@@ -1018,26 +3525,24 @@
         </p:nvSpPr>
         <p:spPr>
           <a:xfrm>
-            <a:off x="831850" y="4589463"/>
-            <a:ext cx="10515600" cy="1500187"/>
+            <a:off x="1295401" y="3589879"/>
+            <a:ext cx="9590550" cy="1507054"/>
           </a:xfrm>
         </p:spPr>
         <p:txBody>
-          <a:bodyPr/>
+          <a:bodyPr anchor="t"/>
           <a:lstStyle>
-            <a:lvl1pPr marL="0" indent="0">
-              <a:buNone/>
-              <a:defRPr sz="2400">
+            <a:lvl1pPr marL="0" indent="0" algn="ctr">
+              <a:buNone/>
+              <a:defRPr sz="2000">
                 <a:solidFill>
-                  <a:schemeClr val="tx1">
-                    <a:tint val="75000"/>
-                  </a:schemeClr>
+                  <a:schemeClr val="tx1"/>
                 </a:solidFill>
               </a:defRPr>
             </a:lvl1pPr>
             <a:lvl2pPr marL="457200" indent="0">
               <a:buNone/>
-              <a:defRPr sz="2000">
+              <a:defRPr sz="1800">
                 <a:solidFill>
                   <a:schemeClr val="tx1">
                     <a:tint val="75000"/>
@@ -1047,7 +3552,7 @@
             </a:lvl2pPr>
             <a:lvl3pPr marL="914400" indent="0">
               <a:buNone/>
-              <a:defRPr sz="1800">
+              <a:defRPr sz="1600">
                 <a:solidFill>
                   <a:schemeClr val="tx1">
                     <a:tint val="75000"/>
@@ -1057,7 +3562,7 @@
             </a:lvl3pPr>
             <a:lvl4pPr marL="1371600" indent="0">
               <a:buNone/>
-              <a:defRPr sz="1600">
+              <a:defRPr sz="1400">
                 <a:solidFill>
                   <a:schemeClr val="tx1">
                     <a:tint val="75000"/>
@@ -1067,7 +3572,7 @@
             </a:lvl4pPr>
             <a:lvl5pPr marL="1828800" indent="0">
               <a:buNone/>
-              <a:defRPr sz="1600">
+              <a:defRPr sz="1400">
                 <a:solidFill>
                   <a:schemeClr val="tx1">
                     <a:tint val="75000"/>
@@ -1077,7 +3582,7 @@
             </a:lvl5pPr>
             <a:lvl6pPr marL="2286000" indent="0">
               <a:buNone/>
-              <a:defRPr sz="1600">
+              <a:defRPr sz="1400">
                 <a:solidFill>
                   <a:schemeClr val="tx1">
                     <a:tint val="75000"/>
@@ -1087,7 +3592,7 @@
             </a:lvl6pPr>
             <a:lvl7pPr marL="2743200" indent="0">
               <a:buNone/>
-              <a:defRPr sz="1600">
+              <a:defRPr sz="1400">
                 <a:solidFill>
                   <a:schemeClr val="tx1">
                     <a:tint val="75000"/>
@@ -1097,7 +3602,7 @@
             </a:lvl7pPr>
             <a:lvl8pPr marL="3200400" indent="0">
               <a:buNone/>
-              <a:defRPr sz="1600">
+              <a:defRPr sz="1400">
                 <a:solidFill>
                   <a:schemeClr val="tx1">
                     <a:tint val="75000"/>
@@ -1107,7 +3612,7 @@
             </a:lvl8pPr>
             <a:lvl9pPr marL="3657600" indent="0">
               <a:buNone/>
-              <a:defRPr sz="1600">
+              <a:defRPr sz="1400">
                 <a:solidFill>
                   <a:schemeClr val="tx1">
                     <a:tint val="75000"/>
@@ -1127,13 +3632,7 @@
       </p:sp>
       <p:sp>
         <p:nvSpPr>
-          <p:cNvPr id="4" name="Datumsplatzhalter 3">
-            <a:extLst>
-              <a:ext uri="{FF2B5EF4-FFF2-40B4-BE49-F238E27FC236}">
-                <a16:creationId xmlns:a16="http://schemas.microsoft.com/office/drawing/2014/main" id="{BEF83F20-F45A-3241-68E7-53B8FB473C1B}"/>
-              </a:ext>
-            </a:extLst>
-          </p:cNvPr>
+          <p:cNvPr id="4" name="Date Placeholder 3"/>
           <p:cNvSpPr>
             <a:spLocks noGrp="1"/>
           </p:cNvSpPr>
@@ -1156,13 +3655,7 @@
       </p:sp>
       <p:sp>
         <p:nvSpPr>
-          <p:cNvPr id="5" name="Fußzeilenplatzhalter 4">
-            <a:extLst>
-              <a:ext uri="{FF2B5EF4-FFF2-40B4-BE49-F238E27FC236}">
-                <a16:creationId xmlns:a16="http://schemas.microsoft.com/office/drawing/2014/main" id="{51498561-9491-81F8-B2FB-CC2ABB818B9B}"/>
-              </a:ext>
-            </a:extLst>
-          </p:cNvPr>
+          <p:cNvPr id="5" name="Footer Placeholder 4"/>
           <p:cNvSpPr>
             <a:spLocks noGrp="1"/>
           </p:cNvSpPr>
@@ -1181,13 +3674,7 @@
       </p:sp>
       <p:sp>
         <p:nvSpPr>
-          <p:cNvPr id="6" name="Foliennummernplatzhalter 5">
-            <a:extLst>
-              <a:ext uri="{FF2B5EF4-FFF2-40B4-BE49-F238E27FC236}">
-                <a16:creationId xmlns:a16="http://schemas.microsoft.com/office/drawing/2014/main" id="{E3479F16-D173-4854-1A38-250AE3115614}"/>
-              </a:ext>
-            </a:extLst>
-          </p:cNvPr>
+          <p:cNvPr id="6" name="Slide Number Placeholder 5"/>
           <p:cNvSpPr>
             <a:spLocks noGrp="1"/>
           </p:cNvSpPr>
@@ -1211,7 +3698,7 @@
     </p:spTree>
     <p:extLst>
       <p:ext uri="{BB962C8B-B14F-4D97-AF65-F5344CB8AC3E}">
-        <p14:creationId xmlns:p14="http://schemas.microsoft.com/office/powerpoint/2010/main" val="214925322"/>
+        <p14:creationId xmlns:p14="http://schemas.microsoft.com/office/powerpoint/2010/main" val="1252910573"/>
       </p:ext>
     </p:extLst>
   </p:cSld>
@@ -1240,13 +3727,7 @@
       </p:grpSpPr>
       <p:sp>
         <p:nvSpPr>
-          <p:cNvPr id="2" name="Titel 1">
-            <a:extLst>
-              <a:ext uri="{FF2B5EF4-FFF2-40B4-BE49-F238E27FC236}">
-                <a16:creationId xmlns:a16="http://schemas.microsoft.com/office/drawing/2014/main" id="{77054905-1402-A40F-2883-5AB0DF2B9123}"/>
-              </a:ext>
-            </a:extLst>
-          </p:cNvPr>
+          <p:cNvPr id="2" name="Title 1"/>
           <p:cNvSpPr>
             <a:spLocks noGrp="1"/>
           </p:cNvSpPr>
@@ -1263,19 +3744,13 @@
               <a:rPr lang="de-DE"/>
               <a:t>Mastertitelformat bearbeiten</a:t>
             </a:r>
-            <a:endParaRPr lang="de-AT"/>
-          </a:p>
-        </p:txBody>
-      </p:sp>
-      <p:sp>
-        <p:nvSpPr>
-          <p:cNvPr id="3" name="Inhaltsplatzhalter 2">
-            <a:extLst>
-              <a:ext uri="{FF2B5EF4-FFF2-40B4-BE49-F238E27FC236}">
-                <a16:creationId xmlns:a16="http://schemas.microsoft.com/office/drawing/2014/main" id="{E26C154C-25ED-1E7F-8273-DF521CEC2A83}"/>
-              </a:ext>
-            </a:extLst>
-          </p:cNvPr>
+            <a:endParaRPr lang="en-US" dirty="0"/>
+          </a:p>
+        </p:txBody>
+      </p:sp>
+      <p:sp>
+        <p:nvSpPr>
+          <p:cNvPr id="3" name="Content Placeholder 2"/>
           <p:cNvSpPr>
             <a:spLocks noGrp="1"/>
           </p:cNvSpPr>
@@ -1285,12 +3760,14 @@
         </p:nvSpPr>
         <p:spPr>
           <a:xfrm>
-            <a:off x="838200" y="1825625"/>
-            <a:ext cx="5181600" cy="4351338"/>
+            <a:off x="913795" y="1732449"/>
+            <a:ext cx="5060497" cy="4058750"/>
           </a:xfrm>
         </p:spPr>
         <p:txBody>
-          <a:bodyPr/>
+          <a:bodyPr anchor="t">
+            <a:normAutofit/>
+          </a:bodyPr>
           <a:lstStyle/>
           <a:p>
             <a:pPr lvl="0"/>
@@ -1326,19 +3803,13 @@
               <a:rPr lang="de-DE"/>
               <a:t>Fünfte Ebene</a:t>
             </a:r>
-            <a:endParaRPr lang="de-AT"/>
-          </a:p>
-        </p:txBody>
-      </p:sp>
-      <p:sp>
-        <p:nvSpPr>
-          <p:cNvPr id="4" name="Inhaltsplatzhalter 3">
-            <a:extLst>
-              <a:ext uri="{FF2B5EF4-FFF2-40B4-BE49-F238E27FC236}">
-                <a16:creationId xmlns:a16="http://schemas.microsoft.com/office/drawing/2014/main" id="{83EEAC2E-7DA7-5B07-5F13-C8EA2FB6CDBB}"/>
-              </a:ext>
-            </a:extLst>
-          </p:cNvPr>
+            <a:endParaRPr lang="en-US" dirty="0"/>
+          </a:p>
+        </p:txBody>
+      </p:sp>
+      <p:sp>
+        <p:nvSpPr>
+          <p:cNvPr id="4" name="Content Placeholder 3"/>
           <p:cNvSpPr>
             <a:spLocks noGrp="1"/>
           </p:cNvSpPr>
@@ -1348,12 +3819,14 @@
         </p:nvSpPr>
         <p:spPr>
           <a:xfrm>
-            <a:off x="6172200" y="1825625"/>
-            <a:ext cx="5181600" cy="4351338"/>
+            <a:off x="6202892" y="1732449"/>
+            <a:ext cx="5064665" cy="4058751"/>
           </a:xfrm>
         </p:spPr>
         <p:txBody>
-          <a:bodyPr/>
+          <a:bodyPr anchor="t">
+            <a:normAutofit/>
+          </a:bodyPr>
           <a:lstStyle/>
           <a:p>
             <a:pPr lvl="0"/>
@@ -1389,19 +3862,13 @@
               <a:rPr lang="de-DE"/>
               <a:t>Fünfte Ebene</a:t>
             </a:r>
-            <a:endParaRPr lang="de-AT"/>
-          </a:p>
-        </p:txBody>
-      </p:sp>
-      <p:sp>
-        <p:nvSpPr>
-          <p:cNvPr id="5" name="Datumsplatzhalter 4">
-            <a:extLst>
-              <a:ext uri="{FF2B5EF4-FFF2-40B4-BE49-F238E27FC236}">
-                <a16:creationId xmlns:a16="http://schemas.microsoft.com/office/drawing/2014/main" id="{140BD1B2-BAB7-D747-5CB5-CC77162CE07F}"/>
-              </a:ext>
-            </a:extLst>
-          </p:cNvPr>
+            <a:endParaRPr lang="en-US" dirty="0"/>
+          </a:p>
+        </p:txBody>
+      </p:sp>
+      <p:sp>
+        <p:nvSpPr>
+          <p:cNvPr id="5" name="Date Placeholder 4"/>
           <p:cNvSpPr>
             <a:spLocks noGrp="1"/>
           </p:cNvSpPr>
@@ -1424,13 +3891,7 @@
       </p:sp>
       <p:sp>
         <p:nvSpPr>
-          <p:cNvPr id="6" name="Fußzeilenplatzhalter 5">
-            <a:extLst>
-              <a:ext uri="{FF2B5EF4-FFF2-40B4-BE49-F238E27FC236}">
-                <a16:creationId xmlns:a16="http://schemas.microsoft.com/office/drawing/2014/main" id="{51FE9AA6-F57C-2606-88EC-5DC592374015}"/>
-              </a:ext>
-            </a:extLst>
-          </p:cNvPr>
+          <p:cNvPr id="6" name="Footer Placeholder 5"/>
           <p:cNvSpPr>
             <a:spLocks noGrp="1"/>
           </p:cNvSpPr>
@@ -1449,13 +3910,7 @@
       </p:sp>
       <p:sp>
         <p:nvSpPr>
-          <p:cNvPr id="7" name="Foliennummernplatzhalter 6">
-            <a:extLst>
-              <a:ext uri="{FF2B5EF4-FFF2-40B4-BE49-F238E27FC236}">
-                <a16:creationId xmlns:a16="http://schemas.microsoft.com/office/drawing/2014/main" id="{00F73BA8-B445-CE6E-5550-CE88A520B117}"/>
-              </a:ext>
-            </a:extLst>
-          </p:cNvPr>
+          <p:cNvPr id="7" name="Slide Number Placeholder 6"/>
           <p:cNvSpPr>
             <a:spLocks noGrp="1"/>
           </p:cNvSpPr>
@@ -1479,7 +3934,7 @@
     </p:spTree>
     <p:extLst>
       <p:ext uri="{BB962C8B-B14F-4D97-AF65-F5344CB8AC3E}">
-        <p14:creationId xmlns:p14="http://schemas.microsoft.com/office/powerpoint/2010/main" val="1058144025"/>
+        <p14:creationId xmlns:p14="http://schemas.microsoft.com/office/powerpoint/2010/main" val="850644191"/>
       </p:ext>
     </p:extLst>
   </p:cSld>
@@ -1506,68 +3961,117 @@
           <a:chExt cx="0" cy="0"/>
         </a:xfrm>
       </p:grpSpPr>
-      <p:sp>
-        <p:nvSpPr>
-          <p:cNvPr id="2" name="Titel 1">
+      <p:pic>
+        <p:nvPicPr>
+          <p:cNvPr id="20" name="Picture 19" descr="Slate-V2-HD-compPhotoInset.png"/>
+          <p:cNvPicPr>
+            <a:picLocks noChangeAspect="1"/>
+          </p:cNvPicPr>
+          <p:nvPr/>
+        </p:nvPicPr>
+        <p:blipFill>
+          <a:blip r:embed="rId2">
             <a:extLst>
-              <a:ext uri="{FF2B5EF4-FFF2-40B4-BE49-F238E27FC236}">
-                <a16:creationId xmlns:a16="http://schemas.microsoft.com/office/drawing/2014/main" id="{75891C86-DB9B-67B0-268A-0125772A43C6}"/>
+              <a:ext uri="{28A0092B-C50C-407E-A947-70E740481C1C}">
+                <a14:useLocalDpi xmlns:a14="http://schemas.microsoft.com/office/drawing/2010/main" val="0"/>
               </a:ext>
             </a:extLst>
-          </p:cNvPr>
-          <p:cNvSpPr>
-            <a:spLocks noGrp="1"/>
-          </p:cNvSpPr>
-          <p:nvPr>
-            <p:ph type="title"/>
-          </p:nvPr>
-        </p:nvSpPr>
+          </a:blip>
+          <a:stretch>
+            <a:fillRect/>
+          </a:stretch>
+        </p:blipFill>
         <p:spPr>
           <a:xfrm>
-            <a:off x="839788" y="365125"/>
-            <a:ext cx="10515600" cy="1325563"/>
+            <a:off x="913795" y="1734506"/>
+            <a:ext cx="5089072" cy="4148769"/>
+          </a:xfrm>
+          <a:prstGeom prst="rect">
+            <a:avLst/>
+          </a:prstGeom>
+        </p:spPr>
+      </p:pic>
+      <p:pic>
+        <p:nvPicPr>
+          <p:cNvPr id="21" name="Picture 20" descr="Slate-V2-HD-compPhotoInset.png"/>
+          <p:cNvPicPr>
+            <a:picLocks noChangeAspect="1"/>
+          </p:cNvPicPr>
+          <p:nvPr/>
+        </p:nvPicPr>
+        <p:blipFill>
+          <a:blip r:embed="rId2">
+            <a:extLst>
+              <a:ext uri="{28A0092B-C50C-407E-A947-70E740481C1C}">
+                <a14:useLocalDpi xmlns:a14="http://schemas.microsoft.com/office/drawing/2010/main" val="0"/>
+              </a:ext>
+            </a:extLst>
+          </a:blip>
+          <a:stretch>
+            <a:fillRect/>
+          </a:stretch>
+        </p:blipFill>
+        <p:spPr>
+          <a:xfrm>
+            <a:off x="6178485" y="1734506"/>
+            <a:ext cx="5089072" cy="4148769"/>
+          </a:xfrm>
+          <a:prstGeom prst="rect">
+            <a:avLst/>
+          </a:prstGeom>
+        </p:spPr>
+      </p:pic>
+      <p:sp>
+        <p:nvSpPr>
+          <p:cNvPr id="2" name="Title 1"/>
+          <p:cNvSpPr>
+            <a:spLocks noGrp="1"/>
+          </p:cNvSpPr>
+          <p:nvPr>
+            <p:ph type="title"/>
+          </p:nvPr>
+        </p:nvSpPr>
+        <p:spPr/>
+        <p:txBody>
+          <a:bodyPr/>
+          <a:lstStyle>
+            <a:lvl1pPr>
+              <a:defRPr/>
+            </a:lvl1pPr>
+          </a:lstStyle>
+          <a:p>
+            <a:r>
+              <a:rPr lang="de-DE"/>
+              <a:t>Mastertitelformat bearbeiten</a:t>
+            </a:r>
+            <a:endParaRPr lang="en-US" dirty="0"/>
+          </a:p>
+        </p:txBody>
+      </p:sp>
+      <p:sp>
+        <p:nvSpPr>
+          <p:cNvPr id="3" name="Text Placeholder 2"/>
+          <p:cNvSpPr>
+            <a:spLocks noGrp="1"/>
+          </p:cNvSpPr>
+          <p:nvPr>
+            <p:ph type="body" idx="1"/>
+          </p:nvPr>
+        </p:nvSpPr>
+        <p:spPr>
+          <a:xfrm>
+            <a:off x="1005872" y="1835254"/>
+            <a:ext cx="4876344" cy="544884"/>
           </a:xfrm>
         </p:spPr>
         <p:txBody>
-          <a:bodyPr/>
-          <a:lstStyle/>
-          <a:p>
-            <a:r>
-              <a:rPr lang="de-DE"/>
-              <a:t>Mastertitelformat bearbeiten</a:t>
-            </a:r>
-            <a:endParaRPr lang="de-AT"/>
-          </a:p>
-        </p:txBody>
-      </p:sp>
-      <p:sp>
-        <p:nvSpPr>
-          <p:cNvPr id="3" name="Textplatzhalter 2">
-            <a:extLst>
-              <a:ext uri="{FF2B5EF4-FFF2-40B4-BE49-F238E27FC236}">
-                <a16:creationId xmlns:a16="http://schemas.microsoft.com/office/drawing/2014/main" id="{4C761BAF-6918-C2E2-04A7-9CDAB5E022FD}"/>
-              </a:ext>
-            </a:extLst>
-          </p:cNvPr>
-          <p:cNvSpPr>
-            <a:spLocks noGrp="1"/>
-          </p:cNvSpPr>
-          <p:nvPr>
-            <p:ph type="body" idx="1"/>
-          </p:nvPr>
-        </p:nvSpPr>
-        <p:spPr>
-          <a:xfrm>
-            <a:off x="839788" y="1681163"/>
-            <a:ext cx="5157787" cy="823912"/>
-          </a:xfrm>
-        </p:spPr>
-        <p:txBody>
-          <a:bodyPr anchor="b"/>
+          <a:bodyPr anchor="b">
+            <a:noAutofit/>
+          </a:bodyPr>
           <a:lstStyle>
-            <a:lvl1pPr marL="0" indent="0">
-              <a:buNone/>
-              <a:defRPr sz="2400" b="1"/>
+            <a:lvl1pPr marL="0" indent="0" algn="ctr">
+              <a:buNone/>
+              <a:defRPr sz="2400" b="0"/>
             </a:lvl1pPr>
             <a:lvl2pPr marL="457200" indent="0">
               <a:buNone/>
@@ -1613,13 +4117,7 @@
       </p:sp>
       <p:sp>
         <p:nvSpPr>
-          <p:cNvPr id="4" name="Inhaltsplatzhalter 3">
-            <a:extLst>
-              <a:ext uri="{FF2B5EF4-FFF2-40B4-BE49-F238E27FC236}">
-                <a16:creationId xmlns:a16="http://schemas.microsoft.com/office/drawing/2014/main" id="{C547494B-412D-EDED-2D35-81F62D0CA2BD}"/>
-              </a:ext>
-            </a:extLst>
-          </p:cNvPr>
+          <p:cNvPr id="4" name="Content Placeholder 3"/>
           <p:cNvSpPr>
             <a:spLocks noGrp="1"/>
           </p:cNvSpPr>
@@ -1629,13 +4127,31 @@
         </p:nvSpPr>
         <p:spPr>
           <a:xfrm>
-            <a:off x="839788" y="2505075"/>
-            <a:ext cx="5157787" cy="3684588"/>
+            <a:off x="1005872" y="2380137"/>
+            <a:ext cx="4876344" cy="3411063"/>
           </a:xfrm>
         </p:spPr>
         <p:txBody>
-          <a:bodyPr/>
-          <a:lstStyle/>
+          <a:bodyPr anchor="t">
+            <a:normAutofit/>
+          </a:bodyPr>
+          <a:lstStyle>
+            <a:lvl1pPr>
+              <a:defRPr sz="1800"/>
+            </a:lvl1pPr>
+            <a:lvl2pPr>
+              <a:defRPr sz="1600"/>
+            </a:lvl2pPr>
+            <a:lvl3pPr>
+              <a:defRPr sz="1400"/>
+            </a:lvl3pPr>
+            <a:lvl4pPr>
+              <a:defRPr sz="1200"/>
+            </a:lvl4pPr>
+            <a:lvl5pPr>
+              <a:defRPr sz="1200"/>
+            </a:lvl5pPr>
+          </a:lstStyle>
           <a:p>
             <a:pPr lvl="0"/>
             <a:r>
@@ -1670,19 +4186,13 @@
               <a:rPr lang="de-DE"/>
               <a:t>Fünfte Ebene</a:t>
             </a:r>
-            <a:endParaRPr lang="de-AT"/>
-          </a:p>
-        </p:txBody>
-      </p:sp>
-      <p:sp>
-        <p:nvSpPr>
-          <p:cNvPr id="5" name="Textplatzhalter 4">
-            <a:extLst>
-              <a:ext uri="{FF2B5EF4-FFF2-40B4-BE49-F238E27FC236}">
-                <a16:creationId xmlns:a16="http://schemas.microsoft.com/office/drawing/2014/main" id="{C8B31C40-7F42-F783-D837-D525C48A5A55}"/>
-              </a:ext>
-            </a:extLst>
-          </p:cNvPr>
+            <a:endParaRPr lang="en-US" dirty="0"/>
+          </a:p>
+        </p:txBody>
+      </p:sp>
+      <p:sp>
+        <p:nvSpPr>
+          <p:cNvPr id="5" name="Text Placeholder 4"/>
           <p:cNvSpPr>
             <a:spLocks noGrp="1"/>
           </p:cNvSpPr>
@@ -1692,16 +4202,18 @@
         </p:nvSpPr>
         <p:spPr>
           <a:xfrm>
-            <a:off x="6172200" y="1681163"/>
-            <a:ext cx="5183188" cy="823912"/>
+            <a:off x="6294967" y="1835254"/>
+            <a:ext cx="4895330" cy="544883"/>
           </a:xfrm>
         </p:spPr>
         <p:txBody>
-          <a:bodyPr anchor="b"/>
+          <a:bodyPr anchor="b">
+            <a:noAutofit/>
+          </a:bodyPr>
           <a:lstStyle>
-            <a:lvl1pPr marL="0" indent="0">
-              <a:buNone/>
-              <a:defRPr sz="2400" b="1"/>
+            <a:lvl1pPr marL="0" indent="0" algn="ctr">
+              <a:buNone/>
+              <a:defRPr sz="2400" b="0"/>
             </a:lvl1pPr>
             <a:lvl2pPr marL="457200" indent="0">
               <a:buNone/>
@@ -1747,13 +4259,7 @@
       </p:sp>
       <p:sp>
         <p:nvSpPr>
-          <p:cNvPr id="6" name="Inhaltsplatzhalter 5">
-            <a:extLst>
-              <a:ext uri="{FF2B5EF4-FFF2-40B4-BE49-F238E27FC236}">
-                <a16:creationId xmlns:a16="http://schemas.microsoft.com/office/drawing/2014/main" id="{7D28D565-1B3D-D86F-A37A-D0F4B74AFF0D}"/>
-              </a:ext>
-            </a:extLst>
-          </p:cNvPr>
+          <p:cNvPr id="6" name="Content Placeholder 5"/>
           <p:cNvSpPr>
             <a:spLocks noGrp="1"/>
           </p:cNvSpPr>
@@ -1763,13 +4269,31 @@
         </p:nvSpPr>
         <p:spPr>
           <a:xfrm>
-            <a:off x="6172200" y="2505075"/>
-            <a:ext cx="5183188" cy="3684588"/>
+            <a:off x="6294967" y="2380137"/>
+            <a:ext cx="4895330" cy="3411063"/>
           </a:xfrm>
         </p:spPr>
         <p:txBody>
-          <a:bodyPr/>
-          <a:lstStyle/>
+          <a:bodyPr anchor="t">
+            <a:normAutofit/>
+          </a:bodyPr>
+          <a:lstStyle>
+            <a:lvl1pPr>
+              <a:defRPr sz="1800"/>
+            </a:lvl1pPr>
+            <a:lvl2pPr>
+              <a:defRPr sz="1600"/>
+            </a:lvl2pPr>
+            <a:lvl3pPr>
+              <a:defRPr sz="1400"/>
+            </a:lvl3pPr>
+            <a:lvl4pPr>
+              <a:defRPr sz="1200"/>
+            </a:lvl4pPr>
+            <a:lvl5pPr>
+              <a:defRPr sz="1200"/>
+            </a:lvl5pPr>
+          </a:lstStyle>
           <a:p>
             <a:pPr lvl="0"/>
             <a:r>
@@ -1804,19 +4328,13 @@
               <a:rPr lang="de-DE"/>
               <a:t>Fünfte Ebene</a:t>
             </a:r>
-            <a:endParaRPr lang="de-AT"/>
-          </a:p>
-        </p:txBody>
-      </p:sp>
-      <p:sp>
-        <p:nvSpPr>
-          <p:cNvPr id="7" name="Datumsplatzhalter 6">
-            <a:extLst>
-              <a:ext uri="{FF2B5EF4-FFF2-40B4-BE49-F238E27FC236}">
-                <a16:creationId xmlns:a16="http://schemas.microsoft.com/office/drawing/2014/main" id="{C7DB48C7-FA03-63D3-1CA2-DA88EB2EB3E2}"/>
-              </a:ext>
-            </a:extLst>
-          </p:cNvPr>
+            <a:endParaRPr lang="en-US" dirty="0"/>
+          </a:p>
+        </p:txBody>
+      </p:sp>
+      <p:sp>
+        <p:nvSpPr>
+          <p:cNvPr id="7" name="Date Placeholder 6"/>
           <p:cNvSpPr>
             <a:spLocks noGrp="1"/>
           </p:cNvSpPr>
@@ -1839,13 +4357,7 @@
       </p:sp>
       <p:sp>
         <p:nvSpPr>
-          <p:cNvPr id="8" name="Fußzeilenplatzhalter 7">
-            <a:extLst>
-              <a:ext uri="{FF2B5EF4-FFF2-40B4-BE49-F238E27FC236}">
-                <a16:creationId xmlns:a16="http://schemas.microsoft.com/office/drawing/2014/main" id="{A7894DBA-9B2A-E3C1-CD1A-FB3BBFF1D5B7}"/>
-              </a:ext>
-            </a:extLst>
-          </p:cNvPr>
+          <p:cNvPr id="8" name="Footer Placeholder 7"/>
           <p:cNvSpPr>
             <a:spLocks noGrp="1"/>
           </p:cNvSpPr>
@@ -1864,13 +4376,7 @@
       </p:sp>
       <p:sp>
         <p:nvSpPr>
-          <p:cNvPr id="9" name="Foliennummernplatzhalter 8">
-            <a:extLst>
-              <a:ext uri="{FF2B5EF4-FFF2-40B4-BE49-F238E27FC236}">
-                <a16:creationId xmlns:a16="http://schemas.microsoft.com/office/drawing/2014/main" id="{98105647-EED3-B387-042D-FE0C1FBC5FE7}"/>
-              </a:ext>
-            </a:extLst>
-          </p:cNvPr>
+          <p:cNvPr id="9" name="Slide Number Placeholder 8"/>
           <p:cNvSpPr>
             <a:spLocks noGrp="1"/>
           </p:cNvSpPr>
@@ -1894,7 +4400,7 @@
     </p:spTree>
     <p:extLst>
       <p:ext uri="{BB962C8B-B14F-4D97-AF65-F5344CB8AC3E}">
-        <p14:creationId xmlns:p14="http://schemas.microsoft.com/office/powerpoint/2010/main" val="654313806"/>
+        <p14:creationId xmlns:p14="http://schemas.microsoft.com/office/powerpoint/2010/main" val="3458019297"/>
       </p:ext>
     </p:extLst>
   </p:cSld>
@@ -1923,13 +4429,7 @@
       </p:grpSpPr>
       <p:sp>
         <p:nvSpPr>
-          <p:cNvPr id="2" name="Titel 1">
-            <a:extLst>
-              <a:ext uri="{FF2B5EF4-FFF2-40B4-BE49-F238E27FC236}">
-                <a16:creationId xmlns:a16="http://schemas.microsoft.com/office/drawing/2014/main" id="{30726959-4742-A148-1F3E-27CB856D5AF6}"/>
-              </a:ext>
-            </a:extLst>
-          </p:cNvPr>
+          <p:cNvPr id="2" name="Title 1"/>
           <p:cNvSpPr>
             <a:spLocks noGrp="1"/>
           </p:cNvSpPr>
@@ -1946,19 +4446,13 @@
               <a:rPr lang="de-DE"/>
               <a:t>Mastertitelformat bearbeiten</a:t>
             </a:r>
-            <a:endParaRPr lang="de-AT"/>
-          </a:p>
-        </p:txBody>
-      </p:sp>
-      <p:sp>
-        <p:nvSpPr>
-          <p:cNvPr id="3" name="Datumsplatzhalter 2">
-            <a:extLst>
-              <a:ext uri="{FF2B5EF4-FFF2-40B4-BE49-F238E27FC236}">
-                <a16:creationId xmlns:a16="http://schemas.microsoft.com/office/drawing/2014/main" id="{3244A860-426C-5601-6509-A6D248BA719E}"/>
-              </a:ext>
-            </a:extLst>
-          </p:cNvPr>
+            <a:endParaRPr lang="en-US" dirty="0"/>
+          </a:p>
+        </p:txBody>
+      </p:sp>
+      <p:sp>
+        <p:nvSpPr>
+          <p:cNvPr id="3" name="Date Placeholder 2"/>
           <p:cNvSpPr>
             <a:spLocks noGrp="1"/>
           </p:cNvSpPr>
@@ -1981,13 +4475,7 @@
       </p:sp>
       <p:sp>
         <p:nvSpPr>
-          <p:cNvPr id="4" name="Fußzeilenplatzhalter 3">
-            <a:extLst>
-              <a:ext uri="{FF2B5EF4-FFF2-40B4-BE49-F238E27FC236}">
-                <a16:creationId xmlns:a16="http://schemas.microsoft.com/office/drawing/2014/main" id="{3B27C894-43A1-446D-A491-80E0C19A2E80}"/>
-              </a:ext>
-            </a:extLst>
-          </p:cNvPr>
+          <p:cNvPr id="4" name="Footer Placeholder 3"/>
           <p:cNvSpPr>
             <a:spLocks noGrp="1"/>
           </p:cNvSpPr>
@@ -2006,13 +4494,7 @@
       </p:sp>
       <p:sp>
         <p:nvSpPr>
-          <p:cNvPr id="5" name="Foliennummernplatzhalter 4">
-            <a:extLst>
-              <a:ext uri="{FF2B5EF4-FFF2-40B4-BE49-F238E27FC236}">
-                <a16:creationId xmlns:a16="http://schemas.microsoft.com/office/drawing/2014/main" id="{4423C62C-A5AC-08D4-CB31-D0DB97921233}"/>
-              </a:ext>
-            </a:extLst>
-          </p:cNvPr>
+          <p:cNvPr id="5" name="Slide Number Placeholder 4"/>
           <p:cNvSpPr>
             <a:spLocks noGrp="1"/>
           </p:cNvSpPr>
@@ -2036,7 +4518,7 @@
     </p:spTree>
     <p:extLst>
       <p:ext uri="{BB962C8B-B14F-4D97-AF65-F5344CB8AC3E}">
-        <p14:creationId xmlns:p14="http://schemas.microsoft.com/office/powerpoint/2010/main" val="2012239271"/>
+        <p14:creationId xmlns:p14="http://schemas.microsoft.com/office/powerpoint/2010/main" val="127916848"/>
       </p:ext>
     </p:extLst>
   </p:cSld>
@@ -2065,13 +4547,7 @@
       </p:grpSpPr>
       <p:sp>
         <p:nvSpPr>
-          <p:cNvPr id="2" name="Datumsplatzhalter 1">
-            <a:extLst>
-              <a:ext uri="{FF2B5EF4-FFF2-40B4-BE49-F238E27FC236}">
-                <a16:creationId xmlns:a16="http://schemas.microsoft.com/office/drawing/2014/main" id="{EC59B872-1E88-5230-809A-5B9E22B5D270}"/>
-              </a:ext>
-            </a:extLst>
-          </p:cNvPr>
+          <p:cNvPr id="2" name="Date Placeholder 1"/>
           <p:cNvSpPr>
             <a:spLocks noGrp="1"/>
           </p:cNvSpPr>
@@ -2094,13 +4570,7 @@
       </p:sp>
       <p:sp>
         <p:nvSpPr>
-          <p:cNvPr id="3" name="Fußzeilenplatzhalter 2">
-            <a:extLst>
-              <a:ext uri="{FF2B5EF4-FFF2-40B4-BE49-F238E27FC236}">
-                <a16:creationId xmlns:a16="http://schemas.microsoft.com/office/drawing/2014/main" id="{C322AAD6-E40F-854E-80DE-58EE8DFC2890}"/>
-              </a:ext>
-            </a:extLst>
-          </p:cNvPr>
+          <p:cNvPr id="3" name="Footer Placeholder 2"/>
           <p:cNvSpPr>
             <a:spLocks noGrp="1"/>
           </p:cNvSpPr>
@@ -2119,13 +4589,7 @@
       </p:sp>
       <p:sp>
         <p:nvSpPr>
-          <p:cNvPr id="4" name="Foliennummernplatzhalter 3">
-            <a:extLst>
-              <a:ext uri="{FF2B5EF4-FFF2-40B4-BE49-F238E27FC236}">
-                <a16:creationId xmlns:a16="http://schemas.microsoft.com/office/drawing/2014/main" id="{DAE20FC6-3FD7-9197-8362-4D4763D3C0BE}"/>
-              </a:ext>
-            </a:extLst>
-          </p:cNvPr>
+          <p:cNvPr id="4" name="Slide Number Placeholder 3"/>
           <p:cNvSpPr>
             <a:spLocks noGrp="1"/>
           </p:cNvSpPr>
@@ -2149,7 +4613,7 @@
     </p:spTree>
     <p:extLst>
       <p:ext uri="{BB962C8B-B14F-4D97-AF65-F5344CB8AC3E}">
-        <p14:creationId xmlns:p14="http://schemas.microsoft.com/office/powerpoint/2010/main" val="488808539"/>
+        <p14:creationId xmlns:p14="http://schemas.microsoft.com/office/powerpoint/2010/main" val="470482852"/>
       </p:ext>
     </p:extLst>
   </p:cSld>
@@ -2178,13 +4642,7 @@
       </p:grpSpPr>
       <p:sp>
         <p:nvSpPr>
-          <p:cNvPr id="2" name="Titel 1">
-            <a:extLst>
-              <a:ext uri="{FF2B5EF4-FFF2-40B4-BE49-F238E27FC236}">
-                <a16:creationId xmlns:a16="http://schemas.microsoft.com/office/drawing/2014/main" id="{00C46F7E-2465-6395-D2E9-8474FCEF828E}"/>
-              </a:ext>
-            </a:extLst>
-          </p:cNvPr>
+          <p:cNvPr id="2" name="Title 1"/>
           <p:cNvSpPr>
             <a:spLocks noGrp="1"/>
           </p:cNvSpPr>
@@ -2194,15 +4652,17 @@
         </p:nvSpPr>
         <p:spPr>
           <a:xfrm>
-            <a:off x="839788" y="457200"/>
-            <a:ext cx="3932237" cy="1600200"/>
+            <a:off x="913795" y="609600"/>
+            <a:ext cx="3706889" cy="1821918"/>
           </a:xfrm>
         </p:spPr>
         <p:txBody>
-          <a:bodyPr anchor="b"/>
+          <a:bodyPr anchor="b">
+            <a:normAutofit/>
+          </a:bodyPr>
           <a:lstStyle>
-            <a:lvl1pPr>
-              <a:defRPr sz="3200"/>
+            <a:lvl1pPr algn="ctr">
+              <a:defRPr sz="2400" b="0"/>
             </a:lvl1pPr>
           </a:lstStyle>
           <a:p>
@@ -2210,19 +4670,13 @@
               <a:rPr lang="de-DE"/>
               <a:t>Mastertitelformat bearbeiten</a:t>
             </a:r>
-            <a:endParaRPr lang="de-AT"/>
-          </a:p>
-        </p:txBody>
-      </p:sp>
-      <p:sp>
-        <p:nvSpPr>
-          <p:cNvPr id="3" name="Inhaltsplatzhalter 2">
-            <a:extLst>
-              <a:ext uri="{FF2B5EF4-FFF2-40B4-BE49-F238E27FC236}">
-                <a16:creationId xmlns:a16="http://schemas.microsoft.com/office/drawing/2014/main" id="{A1FF17DD-CDC2-FD38-2B56-A55D72E04E36}"/>
-              </a:ext>
-            </a:extLst>
-          </p:cNvPr>
+            <a:endParaRPr lang="en-US" dirty="0"/>
+          </a:p>
+        </p:txBody>
+      </p:sp>
+      <p:sp>
+        <p:nvSpPr>
+          <p:cNvPr id="3" name="Content Placeholder 2"/>
           <p:cNvSpPr>
             <a:spLocks noGrp="1"/>
           </p:cNvSpPr>
@@ -2232,41 +4686,15 @@
         </p:nvSpPr>
         <p:spPr>
           <a:xfrm>
-            <a:off x="5183188" y="987425"/>
-            <a:ext cx="6172200" cy="4873625"/>
+            <a:off x="4855633" y="609600"/>
+            <a:ext cx="6411924" cy="5181600"/>
           </a:xfrm>
         </p:spPr>
         <p:txBody>
-          <a:bodyPr/>
-          <a:lstStyle>
-            <a:lvl1pPr>
-              <a:defRPr sz="3200"/>
-            </a:lvl1pPr>
-            <a:lvl2pPr>
-              <a:defRPr sz="2800"/>
-            </a:lvl2pPr>
-            <a:lvl3pPr>
-              <a:defRPr sz="2400"/>
-            </a:lvl3pPr>
-            <a:lvl4pPr>
-              <a:defRPr sz="2000"/>
-            </a:lvl4pPr>
-            <a:lvl5pPr>
-              <a:defRPr sz="2000"/>
-            </a:lvl5pPr>
-            <a:lvl6pPr>
-              <a:defRPr sz="2000"/>
-            </a:lvl6pPr>
-            <a:lvl7pPr>
-              <a:defRPr sz="2000"/>
-            </a:lvl7pPr>
-            <a:lvl8pPr>
-              <a:defRPr sz="2000"/>
-            </a:lvl8pPr>
-            <a:lvl9pPr>
-              <a:defRPr sz="2000"/>
-            </a:lvl9pPr>
-          </a:lstStyle>
+          <a:bodyPr>
+            <a:normAutofit/>
+          </a:bodyPr>
+          <a:lstStyle/>
           <a:p>
             <a:pPr lvl="0"/>
             <a:r>
@@ -2301,19 +4729,13 @@
               <a:rPr lang="de-DE"/>
               <a:t>Fünfte Ebene</a:t>
             </a:r>
-            <a:endParaRPr lang="de-AT"/>
-          </a:p>
-        </p:txBody>
-      </p:sp>
-      <p:sp>
-        <p:nvSpPr>
-          <p:cNvPr id="4" name="Textplatzhalter 3">
-            <a:extLst>
-              <a:ext uri="{FF2B5EF4-FFF2-40B4-BE49-F238E27FC236}">
-                <a16:creationId xmlns:a16="http://schemas.microsoft.com/office/drawing/2014/main" id="{BE899DBA-EFAE-418C-E711-F37F6D2DF54F}"/>
-              </a:ext>
-            </a:extLst>
-          </p:cNvPr>
+            <a:endParaRPr lang="en-US" dirty="0"/>
+          </a:p>
+        </p:txBody>
+      </p:sp>
+      <p:sp>
+        <p:nvSpPr>
+          <p:cNvPr id="4" name="Text Placeholder 3"/>
           <p:cNvSpPr>
             <a:spLocks noGrp="1"/>
           </p:cNvSpPr>
@@ -2323,48 +4745,50 @@
         </p:nvSpPr>
         <p:spPr>
           <a:xfrm>
-            <a:off x="839788" y="2057400"/>
-            <a:ext cx="3932237" cy="3811588"/>
+            <a:off x="913795" y="2431518"/>
+            <a:ext cx="3706889" cy="3359681"/>
           </a:xfrm>
         </p:spPr>
         <p:txBody>
-          <a:bodyPr/>
+          <a:bodyPr anchor="t">
+            <a:normAutofit/>
+          </a:bodyPr>
           <a:lstStyle>
-            <a:lvl1pPr marL="0" indent="0">
+            <a:lvl1pPr marL="0" indent="0" algn="ctr">
               <a:buNone/>
               <a:defRPr sz="1600"/>
             </a:lvl1pPr>
             <a:lvl2pPr marL="457200" indent="0">
               <a:buNone/>
-              <a:defRPr sz="1400"/>
+              <a:defRPr sz="1200"/>
             </a:lvl2pPr>
             <a:lvl3pPr marL="914400" indent="0">
               <a:buNone/>
-              <a:defRPr sz="1200"/>
+              <a:defRPr sz="1000"/>
             </a:lvl3pPr>
             <a:lvl4pPr marL="1371600" indent="0">
               <a:buNone/>
-              <a:defRPr sz="1000"/>
+              <a:defRPr sz="900"/>
             </a:lvl4pPr>
             <a:lvl5pPr marL="1828800" indent="0">
               <a:buNone/>
-              <a:defRPr sz="1000"/>
+              <a:defRPr sz="900"/>
             </a:lvl5pPr>
             <a:lvl6pPr marL="2286000" indent="0">
               <a:buNone/>
-              <a:defRPr sz="1000"/>
+              <a:defRPr sz="900"/>
             </a:lvl6pPr>
             <a:lvl7pPr marL="2743200" indent="0">
               <a:buNone/>
-              <a:defRPr sz="1000"/>
+              <a:defRPr sz="900"/>
             </a:lvl7pPr>
             <a:lvl8pPr marL="3200400" indent="0">
               <a:buNone/>
-              <a:defRPr sz="1000"/>
+              <a:defRPr sz="900"/>
             </a:lvl8pPr>
             <a:lvl9pPr marL="3657600" indent="0">
               <a:buNone/>
-              <a:defRPr sz="1000"/>
+              <a:defRPr sz="900"/>
             </a:lvl9pPr>
           </a:lstStyle>
           <a:p>
@@ -2378,13 +4802,7 @@
       </p:sp>
       <p:sp>
         <p:nvSpPr>
-          <p:cNvPr id="5" name="Datumsplatzhalter 4">
-            <a:extLst>
-              <a:ext uri="{FF2B5EF4-FFF2-40B4-BE49-F238E27FC236}">
-                <a16:creationId xmlns:a16="http://schemas.microsoft.com/office/drawing/2014/main" id="{31B64E1C-DCEE-8BF3-5D31-8BA4A06FECB1}"/>
-              </a:ext>
-            </a:extLst>
-          </p:cNvPr>
+          <p:cNvPr id="5" name="Date Placeholder 4"/>
           <p:cNvSpPr>
             <a:spLocks noGrp="1"/>
           </p:cNvSpPr>
@@ -2407,13 +4825,7 @@
       </p:sp>
       <p:sp>
         <p:nvSpPr>
-          <p:cNvPr id="6" name="Fußzeilenplatzhalter 5">
-            <a:extLst>
-              <a:ext uri="{FF2B5EF4-FFF2-40B4-BE49-F238E27FC236}">
-                <a16:creationId xmlns:a16="http://schemas.microsoft.com/office/drawing/2014/main" id="{6A78F7DB-8F66-2FBD-DF02-BC29ED95C679}"/>
-              </a:ext>
-            </a:extLst>
-          </p:cNvPr>
+          <p:cNvPr id="6" name="Footer Placeholder 5"/>
           <p:cNvSpPr>
             <a:spLocks noGrp="1"/>
           </p:cNvSpPr>
@@ -2432,13 +4844,7 @@
       </p:sp>
       <p:sp>
         <p:nvSpPr>
-          <p:cNvPr id="7" name="Foliennummernplatzhalter 6">
-            <a:extLst>
-              <a:ext uri="{FF2B5EF4-FFF2-40B4-BE49-F238E27FC236}">
-                <a16:creationId xmlns:a16="http://schemas.microsoft.com/office/drawing/2014/main" id="{B9648540-3EC8-F173-14EF-842BCB107631}"/>
-              </a:ext>
-            </a:extLst>
-          </p:cNvPr>
+          <p:cNvPr id="7" name="Slide Number Placeholder 6"/>
           <p:cNvSpPr>
             <a:spLocks noGrp="1"/>
           </p:cNvSpPr>
@@ -2462,7 +4868,7 @@
     </p:spTree>
     <p:extLst>
       <p:ext uri="{BB962C8B-B14F-4D97-AF65-F5344CB8AC3E}">
-        <p14:creationId xmlns:p14="http://schemas.microsoft.com/office/powerpoint/2010/main" val="1131852447"/>
+        <p14:creationId xmlns:p14="http://schemas.microsoft.com/office/powerpoint/2010/main" val="1614261602"/>
       </p:ext>
     </p:extLst>
   </p:cSld>
@@ -2489,33 +4895,59 @@
           <a:chExt cx="0" cy="0"/>
         </a:xfrm>
       </p:grpSpPr>
-      <p:sp>
-        <p:nvSpPr>
-          <p:cNvPr id="2" name="Titel 1">
+      <p:pic>
+        <p:nvPicPr>
+          <p:cNvPr id="22" name="Picture 21" descr="Slate-V2-HD-vertPhotoInset.png"/>
+          <p:cNvPicPr>
+            <a:picLocks noChangeAspect="1"/>
+          </p:cNvPicPr>
+          <p:nvPr/>
+        </p:nvPicPr>
+        <p:blipFill>
+          <a:blip r:embed="rId2">
             <a:extLst>
-              <a:ext uri="{FF2B5EF4-FFF2-40B4-BE49-F238E27FC236}">
-                <a16:creationId xmlns:a16="http://schemas.microsoft.com/office/drawing/2014/main" id="{BBF3081C-2F0A-B1D6-3CA2-D3030D2953D2}"/>
+              <a:ext uri="{28A0092B-C50C-407E-A947-70E740481C1C}">
+                <a14:useLocalDpi xmlns:a14="http://schemas.microsoft.com/office/drawing/2010/main" val="0"/>
               </a:ext>
             </a:extLst>
-          </p:cNvPr>
-          <p:cNvSpPr>
-            <a:spLocks noGrp="1"/>
-          </p:cNvSpPr>
-          <p:nvPr>
-            <p:ph type="title"/>
-          </p:nvPr>
-        </p:nvSpPr>
+          </a:blip>
+          <a:stretch>
+            <a:fillRect/>
+          </a:stretch>
+        </p:blipFill>
         <p:spPr>
           <a:xfrm>
-            <a:off x="839788" y="457200"/>
-            <a:ext cx="3932237" cy="1600200"/>
+            <a:off x="7293665" y="609600"/>
+            <a:ext cx="3584166" cy="5204832"/>
+          </a:xfrm>
+          <a:prstGeom prst="rect">
+            <a:avLst/>
+          </a:prstGeom>
+        </p:spPr>
+      </p:pic>
+      <p:sp>
+        <p:nvSpPr>
+          <p:cNvPr id="2" name="Title 1"/>
+          <p:cNvSpPr>
+            <a:spLocks noGrp="1"/>
+          </p:cNvSpPr>
+          <p:nvPr>
+            <p:ph type="title"/>
+          </p:nvPr>
+        </p:nvSpPr>
+        <p:spPr>
+          <a:xfrm>
+            <a:off x="913795" y="609923"/>
+            <a:ext cx="5934949" cy="1829338"/>
           </a:xfrm>
         </p:spPr>
         <p:txBody>
-          <a:bodyPr anchor="b"/>
+          <a:bodyPr anchor="b">
+            <a:noAutofit/>
+          </a:bodyPr>
           <a:lstStyle>
-            <a:lvl1pPr>
-              <a:defRPr sz="3200"/>
+            <a:lvl1pPr algn="ctr">
+              <a:defRPr sz="3200" b="0"/>
             </a:lvl1pPr>
           </a:lstStyle>
           <a:p>
@@ -2523,21 +4955,15 @@
               <a:rPr lang="de-DE"/>
               <a:t>Mastertitelformat bearbeiten</a:t>
             </a:r>
-            <a:endParaRPr lang="de-AT"/>
-          </a:p>
-        </p:txBody>
-      </p:sp>
-      <p:sp>
-        <p:nvSpPr>
-          <p:cNvPr id="3" name="Bildplatzhalter 2">
-            <a:extLst>
-              <a:ext uri="{FF2B5EF4-FFF2-40B4-BE49-F238E27FC236}">
-                <a16:creationId xmlns:a16="http://schemas.microsoft.com/office/drawing/2014/main" id="{B961540F-BB71-CCA5-26A3-BE9D3A6E7EAB}"/>
-              </a:ext>
-            </a:extLst>
-          </p:cNvPr>
-          <p:cNvSpPr>
-            <a:spLocks noGrp="1"/>
+            <a:endParaRPr lang="en-US" dirty="0"/>
+          </a:p>
+        </p:txBody>
+      </p:sp>
+      <p:sp>
+        <p:nvSpPr>
+          <p:cNvPr id="3" name="Picture Placeholder 2"/>
+          <p:cNvSpPr>
+            <a:spLocks noGrp="1" noChangeAspect="1"/>
           </p:cNvSpPr>
           <p:nvPr>
             <p:ph type="pic" idx="1"/>
@@ -2545,118 +4971,127 @@
         </p:nvSpPr>
         <p:spPr>
           <a:xfrm>
-            <a:off x="5183188" y="987425"/>
-            <a:ext cx="6172200" cy="4873625"/>
+            <a:off x="7442551" y="763702"/>
+            <a:ext cx="3275751" cy="4912822"/>
           </a:xfrm>
+          <a:effectLst>
+            <a:outerShdw blurRad="38100" dist="25400" dir="4440000">
+              <a:srgbClr val="000000">
+                <a:alpha val="36000"/>
+              </a:srgbClr>
+            </a:outerShdw>
+          </a:effectLst>
         </p:spPr>
         <p:txBody>
-          <a:bodyPr/>
+          <a:bodyPr anchor="t">
+            <a:normAutofit/>
+          </a:bodyPr>
           <a:lstStyle>
-            <a:lvl1pPr marL="0" indent="0">
-              <a:buNone/>
-              <a:defRPr sz="3200"/>
-            </a:lvl1pPr>
-            <a:lvl2pPr marL="457200" indent="0">
-              <a:buNone/>
-              <a:defRPr sz="2800"/>
-            </a:lvl2pPr>
-            <a:lvl3pPr marL="914400" indent="0">
-              <a:buNone/>
-              <a:defRPr sz="2400"/>
-            </a:lvl3pPr>
-            <a:lvl4pPr marL="1371600" indent="0">
-              <a:buNone/>
-              <a:defRPr sz="2000"/>
-            </a:lvl4pPr>
-            <a:lvl5pPr marL="1828800" indent="0">
-              <a:buNone/>
-              <a:defRPr sz="2000"/>
-            </a:lvl5pPr>
-            <a:lvl6pPr marL="2286000" indent="0">
-              <a:buNone/>
-              <a:defRPr sz="2000"/>
-            </a:lvl6pPr>
-            <a:lvl7pPr marL="2743200" indent="0">
-              <a:buNone/>
-              <a:defRPr sz="2000"/>
-            </a:lvl7pPr>
-            <a:lvl8pPr marL="3200400" indent="0">
-              <a:buNone/>
-              <a:defRPr sz="2000"/>
-            </a:lvl8pPr>
-            <a:lvl9pPr marL="3657600" indent="0">
-              <a:buNone/>
-              <a:defRPr sz="2000"/>
-            </a:lvl9pPr>
-          </a:lstStyle>
-          <a:p>
-            <a:endParaRPr lang="de-AT"/>
-          </a:p>
-        </p:txBody>
-      </p:sp>
-      <p:sp>
-        <p:nvSpPr>
-          <p:cNvPr id="4" name="Textplatzhalter 3">
-            <a:extLst>
-              <a:ext uri="{FF2B5EF4-FFF2-40B4-BE49-F238E27FC236}">
-                <a16:creationId xmlns:a16="http://schemas.microsoft.com/office/drawing/2014/main" id="{55F0A218-A95C-8C6F-6295-64E192C864FC}"/>
-              </a:ext>
-            </a:extLst>
-          </p:cNvPr>
-          <p:cNvSpPr>
-            <a:spLocks noGrp="1"/>
-          </p:cNvSpPr>
-          <p:nvPr>
-            <p:ph type="body" sz="half" idx="2"/>
-          </p:nvPr>
-        </p:nvSpPr>
-        <p:spPr>
-          <a:xfrm>
-            <a:off x="839788" y="2057400"/>
-            <a:ext cx="3932237" cy="3811588"/>
-          </a:xfrm>
-        </p:spPr>
-        <p:txBody>
-          <a:bodyPr/>
-          <a:lstStyle>
-            <a:lvl1pPr marL="0" indent="0">
+            <a:lvl1pPr marL="0" indent="0" algn="ctr">
               <a:buNone/>
               <a:defRPr sz="1600"/>
             </a:lvl1pPr>
             <a:lvl2pPr marL="457200" indent="0">
               <a:buNone/>
-              <a:defRPr sz="1400"/>
+              <a:defRPr sz="1600"/>
             </a:lvl2pPr>
             <a:lvl3pPr marL="914400" indent="0">
               <a:buNone/>
-              <a:defRPr sz="1200"/>
+              <a:defRPr sz="1600"/>
             </a:lvl3pPr>
             <a:lvl4pPr marL="1371600" indent="0">
               <a:buNone/>
-              <a:defRPr sz="1000"/>
+              <a:defRPr sz="1600"/>
             </a:lvl4pPr>
             <a:lvl5pPr marL="1828800" indent="0">
               <a:buNone/>
-              <a:defRPr sz="1000"/>
+              <a:defRPr sz="1600"/>
             </a:lvl5pPr>
             <a:lvl6pPr marL="2286000" indent="0">
               <a:buNone/>
-              <a:defRPr sz="1000"/>
+              <a:defRPr sz="1600"/>
             </a:lvl6pPr>
             <a:lvl7pPr marL="2743200" indent="0">
               <a:buNone/>
-              <a:defRPr sz="1000"/>
+              <a:defRPr sz="1600"/>
             </a:lvl7pPr>
             <a:lvl8pPr marL="3200400" indent="0">
               <a:buNone/>
-              <a:defRPr sz="1000"/>
+              <a:defRPr sz="1600"/>
             </a:lvl8pPr>
             <a:lvl9pPr marL="3657600" indent="0">
               <a:buNone/>
-              <a:defRPr sz="1000"/>
+              <a:defRPr sz="1600"/>
             </a:lvl9pPr>
           </a:lstStyle>
           <a:p>
+            <a:r>
+              <a:rPr lang="de-DE"/>
+              <a:t>Bild durch Klicken auf Symbol hinzufügen</a:t>
+            </a:r>
+            <a:endParaRPr lang="en-US" dirty="0"/>
+          </a:p>
+        </p:txBody>
+      </p:sp>
+      <p:sp>
+        <p:nvSpPr>
+          <p:cNvPr id="4" name="Text Placeholder 3"/>
+          <p:cNvSpPr>
+            <a:spLocks noGrp="1"/>
+          </p:cNvSpPr>
+          <p:nvPr>
+            <p:ph type="body" sz="half" idx="2"/>
+          </p:nvPr>
+        </p:nvSpPr>
+        <p:spPr>
+          <a:xfrm>
+            <a:off x="913795" y="2439261"/>
+            <a:ext cx="5934949" cy="3376134"/>
+          </a:xfrm>
+        </p:spPr>
+        <p:txBody>
+          <a:bodyPr anchor="t">
+            <a:normAutofit/>
+          </a:bodyPr>
+          <a:lstStyle>
+            <a:lvl1pPr marL="0" indent="0" algn="ctr">
+              <a:buNone/>
+              <a:defRPr sz="1600"/>
+            </a:lvl1pPr>
+            <a:lvl2pPr marL="457200" indent="0">
+              <a:buNone/>
+              <a:defRPr sz="1200"/>
+            </a:lvl2pPr>
+            <a:lvl3pPr marL="914400" indent="0">
+              <a:buNone/>
+              <a:defRPr sz="1000"/>
+            </a:lvl3pPr>
+            <a:lvl4pPr marL="1371600" indent="0">
+              <a:buNone/>
+              <a:defRPr sz="900"/>
+            </a:lvl4pPr>
+            <a:lvl5pPr marL="1828800" indent="0">
+              <a:buNone/>
+              <a:defRPr sz="900"/>
+            </a:lvl5pPr>
+            <a:lvl6pPr marL="2286000" indent="0">
+              <a:buNone/>
+              <a:defRPr sz="900"/>
+            </a:lvl6pPr>
+            <a:lvl7pPr marL="2743200" indent="0">
+              <a:buNone/>
+              <a:defRPr sz="900"/>
+            </a:lvl7pPr>
+            <a:lvl8pPr marL="3200400" indent="0">
+              <a:buNone/>
+              <a:defRPr sz="900"/>
+            </a:lvl8pPr>
+            <a:lvl9pPr marL="3657600" indent="0">
+              <a:buNone/>
+              <a:defRPr sz="900"/>
+            </a:lvl9pPr>
+          </a:lstStyle>
+          <a:p>
             <a:pPr lvl="0"/>
             <a:r>
               <a:rPr lang="de-DE"/>
@@ -2667,13 +5102,7 @@
       </p:sp>
       <p:sp>
         <p:nvSpPr>
-          <p:cNvPr id="5" name="Datumsplatzhalter 4">
-            <a:extLst>
-              <a:ext uri="{FF2B5EF4-FFF2-40B4-BE49-F238E27FC236}">
-                <a16:creationId xmlns:a16="http://schemas.microsoft.com/office/drawing/2014/main" id="{8F084A03-9786-DF5F-6F4A-78E8B598E952}"/>
-              </a:ext>
-            </a:extLst>
-          </p:cNvPr>
+          <p:cNvPr id="5" name="Date Placeholder 4"/>
           <p:cNvSpPr>
             <a:spLocks noGrp="1"/>
           </p:cNvSpPr>
@@ -2696,13 +5125,7 @@
       </p:sp>
       <p:sp>
         <p:nvSpPr>
-          <p:cNvPr id="6" name="Fußzeilenplatzhalter 5">
-            <a:extLst>
-              <a:ext uri="{FF2B5EF4-FFF2-40B4-BE49-F238E27FC236}">
-                <a16:creationId xmlns:a16="http://schemas.microsoft.com/office/drawing/2014/main" id="{936BEEEC-845C-F2CE-60A9-33A8F4CF87BA}"/>
-              </a:ext>
-            </a:extLst>
-          </p:cNvPr>
+          <p:cNvPr id="6" name="Footer Placeholder 5"/>
           <p:cNvSpPr>
             <a:spLocks noGrp="1"/>
           </p:cNvSpPr>
@@ -2721,13 +5144,7 @@
       </p:sp>
       <p:sp>
         <p:nvSpPr>
-          <p:cNvPr id="7" name="Foliennummernplatzhalter 6">
-            <a:extLst>
-              <a:ext uri="{FF2B5EF4-FFF2-40B4-BE49-F238E27FC236}">
-                <a16:creationId xmlns:a16="http://schemas.microsoft.com/office/drawing/2014/main" id="{41F75213-DE29-CFFF-CAB8-EF7662EF38FB}"/>
-              </a:ext>
-            </a:extLst>
-          </p:cNvPr>
+          <p:cNvPr id="7" name="Slide Number Placeholder 6"/>
           <p:cNvSpPr>
             <a:spLocks noGrp="1"/>
           </p:cNvSpPr>
@@ -2751,7 +5168,7 @@
     </p:spTree>
     <p:extLst>
       <p:ext uri="{BB962C8B-B14F-4D97-AF65-F5344CB8AC3E}">
-        <p14:creationId xmlns:p14="http://schemas.microsoft.com/office/powerpoint/2010/main" val="2378471274"/>
+        <p14:creationId xmlns:p14="http://schemas.microsoft.com/office/powerpoint/2010/main" val="1411860725"/>
       </p:ext>
     </p:extLst>
   </p:cSld>
@@ -2765,8 +5182,8 @@
 <p:sldMaster xmlns:a="http://schemas.openxmlformats.org/drawingml/2006/main" xmlns:r="http://schemas.openxmlformats.org/officeDocument/2006/relationships" xmlns:p="http://schemas.openxmlformats.org/presentationml/2006/main">
   <p:cSld>
     <p:bg>
-      <p:bgRef idx="1001">
-        <a:schemeClr val="bg1"/>
+      <p:bgRef idx="1003">
+        <a:schemeClr val="bg2"/>
       </p:bgRef>
     </p:bg>
     <p:spTree>
@@ -2785,13 +5202,7 @@
       </p:grpSpPr>
       <p:sp>
         <p:nvSpPr>
-          <p:cNvPr id="2" name="Titelplatzhalter 1">
-            <a:extLst>
-              <a:ext uri="{FF2B5EF4-FFF2-40B4-BE49-F238E27FC236}">
-                <a16:creationId xmlns:a16="http://schemas.microsoft.com/office/drawing/2014/main" id="{22FF6856-6644-A898-4279-114C3C0DDCCF}"/>
-              </a:ext>
-            </a:extLst>
-          </p:cNvPr>
+          <p:cNvPr id="2" name="Title Placeholder 1"/>
           <p:cNvSpPr>
             <a:spLocks noGrp="1"/>
           </p:cNvSpPr>
@@ -2801,12 +5212,19 @@
         </p:nvSpPr>
         <p:spPr>
           <a:xfrm>
-            <a:off x="838200" y="365125"/>
-            <a:ext cx="10515600" cy="1325563"/>
+            <a:off x="913795" y="609600"/>
+            <a:ext cx="10353762" cy="970450"/>
           </a:xfrm>
           <a:prstGeom prst="rect">
             <a:avLst/>
           </a:prstGeom>
+          <a:effectLst>
+            <a:outerShdw blurRad="25400" dir="17880000">
+              <a:srgbClr val="000000">
+                <a:alpha val="46000"/>
+              </a:srgbClr>
+            </a:outerShdw>
+          </a:effectLst>
         </p:spPr>
         <p:txBody>
           <a:bodyPr vert="horz" lIns="91440" tIns="45720" rIns="91440" bIns="45720" rtlCol="0" anchor="ctr">
@@ -2818,19 +5236,13 @@
               <a:rPr lang="de-DE"/>
               <a:t>Mastertitelformat bearbeiten</a:t>
             </a:r>
-            <a:endParaRPr lang="de-AT"/>
-          </a:p>
-        </p:txBody>
-      </p:sp>
-      <p:sp>
-        <p:nvSpPr>
-          <p:cNvPr id="3" name="Textplatzhalter 2">
-            <a:extLst>
-              <a:ext uri="{FF2B5EF4-FFF2-40B4-BE49-F238E27FC236}">
-                <a16:creationId xmlns:a16="http://schemas.microsoft.com/office/drawing/2014/main" id="{00E8CA3E-8936-D08F-D689-A8F559113A71}"/>
-              </a:ext>
-            </a:extLst>
-          </p:cNvPr>
+            <a:endParaRPr lang="en-US" dirty="0"/>
+          </a:p>
+        </p:txBody>
+      </p:sp>
+      <p:sp>
+        <p:nvSpPr>
+          <p:cNvPr id="3" name="Text Placeholder 2"/>
           <p:cNvSpPr>
             <a:spLocks noGrp="1"/>
           </p:cNvSpPr>
@@ -2840,15 +5252,22 @@
         </p:nvSpPr>
         <p:spPr>
           <a:xfrm>
-            <a:off x="838200" y="1825625"/>
-            <a:ext cx="10515600" cy="4351338"/>
+            <a:off x="913795" y="1732449"/>
+            <a:ext cx="10353762" cy="4058751"/>
           </a:xfrm>
           <a:prstGeom prst="rect">
             <a:avLst/>
           </a:prstGeom>
+          <a:effectLst>
+            <a:outerShdw blurRad="25400" dir="17880000">
+              <a:srgbClr val="000000">
+                <a:alpha val="46000"/>
+              </a:srgbClr>
+            </a:outerShdw>
+          </a:effectLst>
         </p:spPr>
         <p:txBody>
-          <a:bodyPr vert="horz" lIns="91440" tIns="45720" rIns="91440" bIns="45720" rtlCol="0">
+          <a:bodyPr vert="horz" lIns="91440" tIns="45720" rIns="91440" bIns="45720" rtlCol="0" anchor="t">
             <a:normAutofit/>
           </a:bodyPr>
           <a:lstStyle/>
@@ -2886,19 +5305,13 @@
               <a:rPr lang="de-DE"/>
               <a:t>Fünfte Ebene</a:t>
             </a:r>
-            <a:endParaRPr lang="de-AT"/>
-          </a:p>
-        </p:txBody>
-      </p:sp>
-      <p:sp>
-        <p:nvSpPr>
-          <p:cNvPr id="4" name="Datumsplatzhalter 3">
-            <a:extLst>
-              <a:ext uri="{FF2B5EF4-FFF2-40B4-BE49-F238E27FC236}">
-                <a16:creationId xmlns:a16="http://schemas.microsoft.com/office/drawing/2014/main" id="{CF55B0AD-5386-5AEA-F129-1BBA40FF3CEB}"/>
-              </a:ext>
-            </a:extLst>
-          </p:cNvPr>
+            <a:endParaRPr lang="en-US" dirty="0"/>
+          </a:p>
+        </p:txBody>
+      </p:sp>
+      <p:sp>
+        <p:nvSpPr>
+          <p:cNvPr id="4" name="Date Placeholder 3"/>
           <p:cNvSpPr>
             <a:spLocks noGrp="1"/>
           </p:cNvSpPr>
@@ -2908,7 +5321,7 @@
         </p:nvSpPr>
         <p:spPr>
           <a:xfrm>
-            <a:off x="838200" y="6356350"/>
+            <a:off x="7678736" y="5883275"/>
             <a:ext cx="2743200" cy="365125"/>
           </a:xfrm>
           <a:prstGeom prst="rect">
@@ -2918,13 +5331,20 @@
         <p:txBody>
           <a:bodyPr vert="horz" lIns="91440" tIns="45720" rIns="91440" bIns="45720" rtlCol="0" anchor="ctr"/>
           <a:lstStyle>
-            <a:lvl1pPr algn="l">
-              <a:defRPr sz="1200">
+            <a:lvl1pPr algn="r">
+              <a:defRPr sz="1000">
                 <a:solidFill>
                   <a:schemeClr val="tx1">
-                    <a:tint val="75000"/>
+                    <a:lumMod val="95000"/>
                   </a:schemeClr>
                 </a:solidFill>
+                <a:effectLst>
+                  <a:outerShdw blurRad="50800" dist="38100" dir="2700000" algn="tl" rotWithShape="0">
+                    <a:schemeClr val="bg1">
+                      <a:alpha val="43000"/>
+                    </a:schemeClr>
+                  </a:outerShdw>
+                </a:effectLst>
               </a:defRPr>
             </a:lvl1pPr>
           </a:lstStyle>
@@ -2939,13 +5359,7 @@
       </p:sp>
       <p:sp>
         <p:nvSpPr>
-          <p:cNvPr id="5" name="Fußzeilenplatzhalter 4">
-            <a:extLst>
-              <a:ext uri="{FF2B5EF4-FFF2-40B4-BE49-F238E27FC236}">
-                <a16:creationId xmlns:a16="http://schemas.microsoft.com/office/drawing/2014/main" id="{CB7B5F40-AF31-798B-1C95-504B1D01C34B}"/>
-              </a:ext>
-            </a:extLst>
-          </p:cNvPr>
+          <p:cNvPr id="5" name="Footer Placeholder 4"/>
           <p:cNvSpPr>
             <a:spLocks noGrp="1"/>
           </p:cNvSpPr>
@@ -2955,8 +5369,8 @@
         </p:nvSpPr>
         <p:spPr>
           <a:xfrm>
-            <a:off x="4038600" y="6356350"/>
-            <a:ext cx="4114800" cy="365125"/>
+            <a:off x="913795" y="5883275"/>
+            <a:ext cx="6672865" cy="365125"/>
           </a:xfrm>
           <a:prstGeom prst="rect">
             <a:avLst/>
@@ -2965,13 +5379,20 @@
         <p:txBody>
           <a:bodyPr vert="horz" lIns="91440" tIns="45720" rIns="91440" bIns="45720" rtlCol="0" anchor="ctr"/>
           <a:lstStyle>
-            <a:lvl1pPr algn="ctr">
-              <a:defRPr sz="1200">
+            <a:lvl1pPr algn="l">
+              <a:defRPr sz="1000">
                 <a:solidFill>
                   <a:schemeClr val="tx1">
-                    <a:tint val="75000"/>
+                    <a:lumMod val="95000"/>
                   </a:schemeClr>
                 </a:solidFill>
+                <a:effectLst>
+                  <a:outerShdw blurRad="50800" dist="38100" dir="2700000" algn="tl" rotWithShape="0">
+                    <a:schemeClr val="bg1">
+                      <a:alpha val="43000"/>
+                    </a:schemeClr>
+                  </a:outerShdw>
+                </a:effectLst>
               </a:defRPr>
             </a:lvl1pPr>
           </a:lstStyle>
@@ -2982,13 +5403,7 @@
       </p:sp>
       <p:sp>
         <p:nvSpPr>
-          <p:cNvPr id="6" name="Foliennummernplatzhalter 5">
-            <a:extLst>
-              <a:ext uri="{FF2B5EF4-FFF2-40B4-BE49-F238E27FC236}">
-                <a16:creationId xmlns:a16="http://schemas.microsoft.com/office/drawing/2014/main" id="{AD686B09-8EDA-8CCA-390A-295798EC3256}"/>
-              </a:ext>
-            </a:extLst>
-          </p:cNvPr>
+          <p:cNvPr id="6" name="Slide Number Placeholder 5"/>
           <p:cNvSpPr>
             <a:spLocks noGrp="1"/>
           </p:cNvSpPr>
@@ -2998,8 +5413,8 @@
         </p:nvSpPr>
         <p:spPr>
           <a:xfrm>
-            <a:off x="8610600" y="6356350"/>
-            <a:ext cx="2743200" cy="365125"/>
+            <a:off x="10514011" y="5883275"/>
+            <a:ext cx="753545" cy="365125"/>
           </a:xfrm>
           <a:prstGeom prst="rect">
             <a:avLst/>
@@ -3009,12 +5424,19 @@
           <a:bodyPr vert="horz" lIns="91440" tIns="45720" rIns="91440" bIns="45720" rtlCol="0" anchor="ctr"/>
           <a:lstStyle>
             <a:lvl1pPr algn="r">
-              <a:defRPr sz="1200">
+              <a:defRPr sz="1000">
                 <a:solidFill>
                   <a:schemeClr val="tx1">
-                    <a:tint val="75000"/>
+                    <a:lumMod val="95000"/>
                   </a:schemeClr>
                 </a:solidFill>
+                <a:effectLst>
+                  <a:outerShdw blurRad="50800" dist="38100" dir="2700000" algn="tl" rotWithShape="0">
+                    <a:schemeClr val="bg1">
+                      <a:alpha val="43000"/>
+                    </a:schemeClr>
+                  </a:outerShdw>
+                </a:effectLst>
               </a:defRPr>
             </a:lvl1pPr>
           </a:lstStyle>
@@ -3030,55 +5452,469 @@
     </p:spTree>
     <p:extLst>
       <p:ext uri="{BB962C8B-B14F-4D97-AF65-F5344CB8AC3E}">
-        <p14:creationId xmlns:p14="http://schemas.microsoft.com/office/powerpoint/2010/main" val="230427667"/>
+        <p14:creationId xmlns:p14="http://schemas.microsoft.com/office/powerpoint/2010/main" val="3859983728"/>
       </p:ext>
     </p:extLst>
   </p:cSld>
-  <p:clrMap bg1="lt1" tx1="dk1" bg2="lt2" tx2="dk2" accent1="accent1" accent2="accent2" accent3="accent3" accent4="accent4" accent5="accent5" accent6="accent6" hlink="hlink" folHlink="folHlink"/>
+  <p:clrMap bg1="dk1" tx1="lt1" bg2="dk2" tx2="lt2" accent1="accent1" accent2="accent2" accent3="accent3" accent4="accent4" accent5="accent5" accent6="accent6" hlink="hlink" folHlink="folHlink"/>
   <p:sldLayoutIdLst>
-    <p:sldLayoutId id="2147483649" r:id="rId1"/>
-    <p:sldLayoutId id="2147483650" r:id="rId2"/>
-    <p:sldLayoutId id="2147483651" r:id="rId3"/>
-    <p:sldLayoutId id="2147483652" r:id="rId4"/>
-    <p:sldLayoutId id="2147483653" r:id="rId5"/>
-    <p:sldLayoutId id="2147483654" r:id="rId6"/>
-    <p:sldLayoutId id="2147483655" r:id="rId7"/>
-    <p:sldLayoutId id="2147483656" r:id="rId8"/>
-    <p:sldLayoutId id="2147483657" r:id="rId9"/>
-    <p:sldLayoutId id="2147483658" r:id="rId10"/>
-    <p:sldLayoutId id="2147483659" r:id="rId11"/>
+    <p:sldLayoutId id="2147483733" r:id="rId1"/>
+    <p:sldLayoutId id="2147483734" r:id="rId2"/>
+    <p:sldLayoutId id="2147483735" r:id="rId3"/>
+    <p:sldLayoutId id="2147483736" r:id="rId4"/>
+    <p:sldLayoutId id="2147483737" r:id="rId5"/>
+    <p:sldLayoutId id="2147483738" r:id="rId6"/>
+    <p:sldLayoutId id="2147483739" r:id="rId7"/>
+    <p:sldLayoutId id="2147483740" r:id="rId8"/>
+    <p:sldLayoutId id="2147483741" r:id="rId9"/>
+    <p:sldLayoutId id="2147483742" r:id="rId10"/>
+    <p:sldLayoutId id="2147483743" r:id="rId11"/>
+    <p:sldLayoutId id="2147483744" r:id="rId12"/>
+    <p:sldLayoutId id="2147483745" r:id="rId13"/>
+    <p:sldLayoutId id="2147483746" r:id="rId14"/>
+    <p:sldLayoutId id="2147483747" r:id="rId15"/>
+    <p:sldLayoutId id="2147483748" r:id="rId16"/>
+    <p:sldLayoutId id="2147483749" r:id="rId17"/>
   </p:sldLayoutIdLst>
   <p:txStyles>
     <p:titleStyle>
-      <a:lvl1pPr algn="l" defTabSz="914400" rtl="0" eaLnBrk="1" latinLnBrk="0" hangingPunct="1">
-        <a:lnSpc>
-          <a:spcPct val="90000"/>
-        </a:lnSpc>
+      <a:lvl1pPr algn="ctr" defTabSz="457200" rtl="0" eaLnBrk="1" latinLnBrk="0" hangingPunct="1">
         <a:spcBef>
           <a:spcPct val="0"/>
         </a:spcBef>
         <a:buNone/>
-        <a:defRPr sz="4400" kern="1200">
+        <a:defRPr sz="4000" kern="1200">
+          <a:ln>
+            <a:solidFill>
+              <a:schemeClr val="bg1">
+                <a:lumMod val="75000"/>
+                <a:lumOff val="25000"/>
+                <a:alpha val="10000"/>
+              </a:schemeClr>
+            </a:solidFill>
+          </a:ln>
           <a:solidFill>
-            <a:schemeClr val="tx1"/>
+            <a:schemeClr val="tx2"/>
           </a:solidFill>
+          <a:effectLst>
+            <a:outerShdw blurRad="9525" dist="25400" dir="14640000" algn="tl" rotWithShape="0">
+              <a:schemeClr val="bg1">
+                <a:alpha val="30000"/>
+              </a:schemeClr>
+            </a:outerShdw>
+          </a:effectLst>
           <a:latin typeface="+mj-lt"/>
           <a:ea typeface="+mj-ea"/>
-          <a:cs typeface="+mj-cs"/>
+          <a:cs typeface="Trebuchet MS"/>
         </a:defRPr>
       </a:lvl1pPr>
+      <a:lvl2pPr eaLnBrk="1" hangingPunct="1">
+        <a:defRPr>
+          <a:solidFill>
+            <a:schemeClr val="tx2"/>
+          </a:solidFill>
+        </a:defRPr>
+      </a:lvl2pPr>
+      <a:lvl3pPr eaLnBrk="1" hangingPunct="1">
+        <a:defRPr>
+          <a:solidFill>
+            <a:schemeClr val="tx2"/>
+          </a:solidFill>
+        </a:defRPr>
+      </a:lvl3pPr>
+      <a:lvl4pPr eaLnBrk="1" hangingPunct="1">
+        <a:defRPr>
+          <a:solidFill>
+            <a:schemeClr val="tx2"/>
+          </a:solidFill>
+        </a:defRPr>
+      </a:lvl4pPr>
+      <a:lvl5pPr eaLnBrk="1" hangingPunct="1">
+        <a:defRPr>
+          <a:solidFill>
+            <a:schemeClr val="tx2"/>
+          </a:solidFill>
+        </a:defRPr>
+      </a:lvl5pPr>
+      <a:lvl6pPr eaLnBrk="1" hangingPunct="1">
+        <a:defRPr>
+          <a:solidFill>
+            <a:schemeClr val="tx2"/>
+          </a:solidFill>
+        </a:defRPr>
+      </a:lvl6pPr>
+      <a:lvl7pPr eaLnBrk="1" hangingPunct="1">
+        <a:defRPr>
+          <a:solidFill>
+            <a:schemeClr val="tx2"/>
+          </a:solidFill>
+        </a:defRPr>
+      </a:lvl7pPr>
+      <a:lvl8pPr eaLnBrk="1" hangingPunct="1">
+        <a:defRPr>
+          <a:solidFill>
+            <a:schemeClr val="tx2"/>
+          </a:solidFill>
+        </a:defRPr>
+      </a:lvl8pPr>
+      <a:lvl9pPr eaLnBrk="1" hangingPunct="1">
+        <a:defRPr>
+          <a:solidFill>
+            <a:schemeClr val="tx2"/>
+          </a:solidFill>
+        </a:defRPr>
+      </a:lvl9pPr>
     </p:titleStyle>
     <p:bodyStyle>
-      <a:lvl1pPr marL="228600" indent="-228600" algn="l" defTabSz="914400" rtl="0" eaLnBrk="1" latinLnBrk="0" hangingPunct="1">
-        <a:lnSpc>
-          <a:spcPct val="90000"/>
-        </a:lnSpc>
+      <a:lvl1pPr marL="342900" indent="-306000" algn="l" defTabSz="457200" rtl="0" eaLnBrk="1" latinLnBrk="0" hangingPunct="1">
         <a:spcBef>
-          <a:spcPts val="1000"/>
+          <a:spcPct val="20000"/>
         </a:spcBef>
-        <a:buFont typeface="Arial" panose="020B0604020202020204" pitchFamily="34" charset="0"/>
-        <a:buChar char="•"/>
-        <a:defRPr sz="2800" kern="1200">
+        <a:spcAft>
+          <a:spcPts val="600"/>
+        </a:spcAft>
+        <a:buClr>
+          <a:schemeClr val="tx2"/>
+        </a:buClr>
+        <a:buSzPct val="70000"/>
+        <a:buFont typeface="Wingdings 2" charset="2"/>
+        <a:buChar char=""/>
+        <a:defRPr sz="2000" kern="1200">
+          <a:ln>
+            <a:solidFill>
+              <a:schemeClr val="bg1">
+                <a:lumMod val="75000"/>
+                <a:lumOff val="25000"/>
+                <a:alpha val="10000"/>
+              </a:schemeClr>
+            </a:solidFill>
+          </a:ln>
+          <a:solidFill>
+            <a:schemeClr val="tx2"/>
+          </a:solidFill>
+          <a:effectLst>
+            <a:outerShdw blurRad="9525" dist="25400" dir="14640000" algn="tl" rotWithShape="0">
+              <a:schemeClr val="bg1">
+                <a:alpha val="30000"/>
+              </a:schemeClr>
+            </a:outerShdw>
+          </a:effectLst>
+          <a:latin typeface="+mn-lt"/>
+          <a:ea typeface="+mn-ea"/>
+          <a:cs typeface="+mn-cs"/>
+        </a:defRPr>
+      </a:lvl1pPr>
+      <a:lvl2pPr marL="720000" indent="-270000" algn="l" defTabSz="457200" rtl="0" eaLnBrk="1" latinLnBrk="0" hangingPunct="1">
+        <a:spcBef>
+          <a:spcPct val="20000"/>
+        </a:spcBef>
+        <a:spcAft>
+          <a:spcPts val="600"/>
+        </a:spcAft>
+        <a:buClr>
+          <a:schemeClr val="tx2"/>
+        </a:buClr>
+        <a:buSzPct val="70000"/>
+        <a:buFont typeface="Wingdings 2" charset="2"/>
+        <a:buChar char=""/>
+        <a:defRPr sz="1800" kern="1200">
+          <a:ln>
+            <a:solidFill>
+              <a:schemeClr val="bg1">
+                <a:lumMod val="75000"/>
+                <a:lumOff val="25000"/>
+                <a:alpha val="10000"/>
+              </a:schemeClr>
+            </a:solidFill>
+          </a:ln>
+          <a:solidFill>
+            <a:schemeClr val="tx2"/>
+          </a:solidFill>
+          <a:effectLst>
+            <a:outerShdw blurRad="9525" dist="25400" dir="14640000" algn="tl" rotWithShape="0">
+              <a:schemeClr val="bg1">
+                <a:alpha val="30000"/>
+              </a:schemeClr>
+            </a:outerShdw>
+          </a:effectLst>
+          <a:latin typeface="+mn-lt"/>
+          <a:ea typeface="+mn-ea"/>
+          <a:cs typeface="+mn-cs"/>
+        </a:defRPr>
+      </a:lvl2pPr>
+      <a:lvl3pPr marL="1026000" indent="-216000" algn="l" defTabSz="457200" rtl="0" eaLnBrk="1" latinLnBrk="0" hangingPunct="1">
+        <a:spcBef>
+          <a:spcPct val="20000"/>
+        </a:spcBef>
+        <a:spcAft>
+          <a:spcPts val="600"/>
+        </a:spcAft>
+        <a:buClr>
+          <a:schemeClr val="tx2"/>
+        </a:buClr>
+        <a:buSzPct val="70000"/>
+        <a:buFont typeface="Wingdings 2" charset="2"/>
+        <a:buChar char=""/>
+        <a:defRPr sz="1600" kern="1200">
+          <a:ln>
+            <a:solidFill>
+              <a:schemeClr val="bg1">
+                <a:lumMod val="75000"/>
+                <a:lumOff val="25000"/>
+                <a:alpha val="10000"/>
+              </a:schemeClr>
+            </a:solidFill>
+          </a:ln>
+          <a:solidFill>
+            <a:schemeClr val="tx2"/>
+          </a:solidFill>
+          <a:effectLst>
+            <a:outerShdw blurRad="9525" dist="25400" dir="14640000" algn="tl" rotWithShape="0">
+              <a:schemeClr val="bg1">
+                <a:alpha val="30000"/>
+              </a:schemeClr>
+            </a:outerShdw>
+          </a:effectLst>
+          <a:latin typeface="+mn-lt"/>
+          <a:ea typeface="+mn-ea"/>
+          <a:cs typeface="+mn-cs"/>
+        </a:defRPr>
+      </a:lvl3pPr>
+      <a:lvl4pPr marL="1386000" indent="-216000" algn="l" defTabSz="457200" rtl="0" eaLnBrk="1" latinLnBrk="0" hangingPunct="1">
+        <a:spcBef>
+          <a:spcPct val="20000"/>
+        </a:spcBef>
+        <a:spcAft>
+          <a:spcPts val="600"/>
+        </a:spcAft>
+        <a:buClr>
+          <a:schemeClr val="tx2"/>
+        </a:buClr>
+        <a:buSzPct val="70000"/>
+        <a:buFont typeface="Wingdings 2" charset="2"/>
+        <a:buChar char=""/>
+        <a:defRPr sz="1400" kern="1200">
+          <a:ln>
+            <a:solidFill>
+              <a:schemeClr val="bg1">
+                <a:lumMod val="75000"/>
+                <a:lumOff val="25000"/>
+                <a:alpha val="10000"/>
+              </a:schemeClr>
+            </a:solidFill>
+          </a:ln>
+          <a:solidFill>
+            <a:schemeClr val="tx2"/>
+          </a:solidFill>
+          <a:effectLst>
+            <a:outerShdw blurRad="9525" dist="25400" dir="14640000" algn="tl" rotWithShape="0">
+              <a:schemeClr val="bg1">
+                <a:alpha val="30000"/>
+              </a:schemeClr>
+            </a:outerShdw>
+          </a:effectLst>
+          <a:latin typeface="+mn-lt"/>
+          <a:ea typeface="+mn-ea"/>
+          <a:cs typeface="+mn-cs"/>
+        </a:defRPr>
+      </a:lvl4pPr>
+      <a:lvl5pPr marL="1674000" indent="-216000" algn="l" defTabSz="457200" rtl="0" eaLnBrk="1" latinLnBrk="0" hangingPunct="1">
+        <a:spcBef>
+          <a:spcPct val="20000"/>
+        </a:spcBef>
+        <a:spcAft>
+          <a:spcPts val="600"/>
+        </a:spcAft>
+        <a:buClr>
+          <a:schemeClr val="tx2"/>
+        </a:buClr>
+        <a:buSzPct val="70000"/>
+        <a:buFont typeface="Wingdings 2" charset="2"/>
+        <a:buChar char=""/>
+        <a:defRPr sz="1400" kern="1200">
+          <a:ln>
+            <a:solidFill>
+              <a:schemeClr val="bg1">
+                <a:lumMod val="75000"/>
+                <a:lumOff val="25000"/>
+                <a:alpha val="10000"/>
+              </a:schemeClr>
+            </a:solidFill>
+          </a:ln>
+          <a:solidFill>
+            <a:schemeClr val="tx2"/>
+          </a:solidFill>
+          <a:effectLst>
+            <a:outerShdw blurRad="9525" dist="25400" dir="14640000" algn="tl" rotWithShape="0">
+              <a:schemeClr val="bg1">
+                <a:alpha val="30000"/>
+              </a:schemeClr>
+            </a:outerShdw>
+          </a:effectLst>
+          <a:latin typeface="+mn-lt"/>
+          <a:ea typeface="+mn-ea"/>
+          <a:cs typeface="+mn-cs"/>
+        </a:defRPr>
+      </a:lvl5pPr>
+      <a:lvl6pPr marL="2014600" indent="-228600" algn="l" defTabSz="457200" rtl="0" eaLnBrk="1" latinLnBrk="0" hangingPunct="1">
+        <a:spcBef>
+          <a:spcPct val="20000"/>
+        </a:spcBef>
+        <a:spcAft>
+          <a:spcPts val="600"/>
+        </a:spcAft>
+        <a:buClr>
+          <a:schemeClr val="tx2"/>
+        </a:buClr>
+        <a:buSzPct val="70000"/>
+        <a:buFont typeface="Wingdings 2" charset="2"/>
+        <a:buChar char=""/>
+        <a:defRPr sz="1400" kern="1200">
+          <a:ln>
+            <a:solidFill>
+              <a:schemeClr val="bg1">
+                <a:lumMod val="75000"/>
+                <a:lumOff val="25000"/>
+                <a:alpha val="10000"/>
+              </a:schemeClr>
+            </a:solidFill>
+          </a:ln>
+          <a:solidFill>
+            <a:schemeClr val="tx2"/>
+          </a:solidFill>
+          <a:effectLst>
+            <a:outerShdw blurRad="9525" dist="25400" dir="14640000" algn="tl" rotWithShape="0">
+              <a:schemeClr val="bg1">
+                <a:alpha val="30000"/>
+              </a:schemeClr>
+            </a:outerShdw>
+          </a:effectLst>
+          <a:latin typeface="+mn-lt"/>
+          <a:ea typeface="+mn-ea"/>
+          <a:cs typeface="+mn-cs"/>
+        </a:defRPr>
+      </a:lvl6pPr>
+      <a:lvl7pPr marL="2401800" indent="-228600" algn="l" defTabSz="457200" rtl="0" eaLnBrk="1" latinLnBrk="0" hangingPunct="1">
+        <a:spcBef>
+          <a:spcPct val="20000"/>
+        </a:spcBef>
+        <a:spcAft>
+          <a:spcPts val="600"/>
+        </a:spcAft>
+        <a:buClr>
+          <a:schemeClr val="tx2"/>
+        </a:buClr>
+        <a:buSzPct val="70000"/>
+        <a:buFont typeface="Wingdings 2" charset="2"/>
+        <a:buChar char=""/>
+        <a:defRPr sz="1400" kern="1200">
+          <a:ln>
+            <a:solidFill>
+              <a:schemeClr val="bg1">
+                <a:lumMod val="75000"/>
+                <a:lumOff val="25000"/>
+                <a:alpha val="10000"/>
+              </a:schemeClr>
+            </a:solidFill>
+          </a:ln>
+          <a:solidFill>
+            <a:schemeClr val="tx2"/>
+          </a:solidFill>
+          <a:effectLst>
+            <a:outerShdw blurRad="9525" dist="25400" dir="14640000" algn="tl" rotWithShape="0">
+              <a:schemeClr val="bg1">
+                <a:alpha val="30000"/>
+              </a:schemeClr>
+            </a:outerShdw>
+          </a:effectLst>
+          <a:latin typeface="+mn-lt"/>
+          <a:ea typeface="+mn-ea"/>
+          <a:cs typeface="+mn-cs"/>
+        </a:defRPr>
+      </a:lvl7pPr>
+      <a:lvl8pPr marL="2789000" indent="-228600" algn="l" defTabSz="457200" rtl="0" eaLnBrk="1" latinLnBrk="0" hangingPunct="1">
+        <a:spcBef>
+          <a:spcPct val="20000"/>
+        </a:spcBef>
+        <a:spcAft>
+          <a:spcPts val="600"/>
+        </a:spcAft>
+        <a:buClr>
+          <a:schemeClr val="tx2"/>
+        </a:buClr>
+        <a:buSzPct val="70000"/>
+        <a:buFont typeface="Wingdings 2" charset="2"/>
+        <a:buChar char=""/>
+        <a:defRPr sz="1400" kern="1200">
+          <a:ln>
+            <a:solidFill>
+              <a:schemeClr val="bg1">
+                <a:lumMod val="75000"/>
+                <a:lumOff val="25000"/>
+                <a:alpha val="10000"/>
+              </a:schemeClr>
+            </a:solidFill>
+          </a:ln>
+          <a:solidFill>
+            <a:schemeClr val="tx2"/>
+          </a:solidFill>
+          <a:effectLst>
+            <a:outerShdw blurRad="9525" dist="25400" dir="14640000" algn="tl" rotWithShape="0">
+              <a:schemeClr val="bg1">
+                <a:alpha val="30000"/>
+              </a:schemeClr>
+            </a:outerShdw>
+          </a:effectLst>
+          <a:latin typeface="+mn-lt"/>
+          <a:ea typeface="+mn-ea"/>
+          <a:cs typeface="+mn-cs"/>
+        </a:defRPr>
+      </a:lvl8pPr>
+      <a:lvl9pPr marL="3106200" indent="-228600" algn="l" defTabSz="457200" rtl="0" eaLnBrk="1" latinLnBrk="0" hangingPunct="1">
+        <a:spcBef>
+          <a:spcPct val="20000"/>
+        </a:spcBef>
+        <a:spcAft>
+          <a:spcPts val="600"/>
+        </a:spcAft>
+        <a:buClr>
+          <a:schemeClr val="tx2"/>
+        </a:buClr>
+        <a:buSzPct val="70000"/>
+        <a:buFont typeface="Wingdings 2" charset="2"/>
+        <a:buChar char=""/>
+        <a:defRPr sz="1400" kern="1200">
+          <a:ln>
+            <a:solidFill>
+              <a:schemeClr val="bg1">
+                <a:lumMod val="75000"/>
+                <a:lumOff val="25000"/>
+                <a:alpha val="10000"/>
+              </a:schemeClr>
+            </a:solidFill>
+          </a:ln>
+          <a:solidFill>
+            <a:schemeClr val="tx2"/>
+          </a:solidFill>
+          <a:effectLst>
+            <a:outerShdw blurRad="9525" dist="25400" dir="14640000" algn="tl" rotWithShape="0">
+              <a:schemeClr val="bg1">
+                <a:alpha val="30000"/>
+              </a:schemeClr>
+            </a:outerShdw>
+          </a:effectLst>
+          <a:latin typeface="+mn-lt"/>
+          <a:ea typeface="+mn-ea"/>
+          <a:cs typeface="+mn-cs"/>
+        </a:defRPr>
+      </a:lvl9pPr>
+    </p:bodyStyle>
+    <p:otherStyle>
+      <a:defPPr>
+        <a:defRPr lang="en-US"/>
+      </a:defPPr>
+      <a:lvl1pPr marL="0" algn="l" defTabSz="457200" rtl="0" eaLnBrk="1" latinLnBrk="0" hangingPunct="1">
+        <a:defRPr sz="1800" kern="1200">
           <a:solidFill>
             <a:schemeClr val="tx1"/>
           </a:solidFill>
@@ -3087,16 +5923,8 @@
           <a:cs typeface="+mn-cs"/>
         </a:defRPr>
       </a:lvl1pPr>
-      <a:lvl2pPr marL="685800" indent="-228600" algn="l" defTabSz="914400" rtl="0" eaLnBrk="1" latinLnBrk="0" hangingPunct="1">
-        <a:lnSpc>
-          <a:spcPct val="90000"/>
-        </a:lnSpc>
-        <a:spcBef>
-          <a:spcPts val="500"/>
-        </a:spcBef>
-        <a:buFont typeface="Arial" panose="020B0604020202020204" pitchFamily="34" charset="0"/>
-        <a:buChar char="•"/>
-        <a:defRPr sz="2400" kern="1200">
+      <a:lvl2pPr marL="457200" algn="l" defTabSz="457200" rtl="0" eaLnBrk="1" latinLnBrk="0" hangingPunct="1">
+        <a:defRPr sz="1800" kern="1200">
           <a:solidFill>
             <a:schemeClr val="tx1"/>
           </a:solidFill>
@@ -3105,16 +5933,8 @@
           <a:cs typeface="+mn-cs"/>
         </a:defRPr>
       </a:lvl2pPr>
-      <a:lvl3pPr marL="1143000" indent="-228600" algn="l" defTabSz="914400" rtl="0" eaLnBrk="1" latinLnBrk="0" hangingPunct="1">
-        <a:lnSpc>
-          <a:spcPct val="90000"/>
-        </a:lnSpc>
-        <a:spcBef>
-          <a:spcPts val="500"/>
-        </a:spcBef>
-        <a:buFont typeface="Arial" panose="020B0604020202020204" pitchFamily="34" charset="0"/>
-        <a:buChar char="•"/>
-        <a:defRPr sz="2000" kern="1200">
+      <a:lvl3pPr marL="914400" algn="l" defTabSz="457200" rtl="0" eaLnBrk="1" latinLnBrk="0" hangingPunct="1">
+        <a:defRPr sz="1800" kern="1200">
           <a:solidFill>
             <a:schemeClr val="tx1"/>
           </a:solidFill>
@@ -3123,15 +5943,7 @@
           <a:cs typeface="+mn-cs"/>
         </a:defRPr>
       </a:lvl3pPr>
-      <a:lvl4pPr marL="1600200" indent="-228600" algn="l" defTabSz="914400" rtl="0" eaLnBrk="1" latinLnBrk="0" hangingPunct="1">
-        <a:lnSpc>
-          <a:spcPct val="90000"/>
-        </a:lnSpc>
-        <a:spcBef>
-          <a:spcPts val="500"/>
-        </a:spcBef>
-        <a:buFont typeface="Arial" panose="020B0604020202020204" pitchFamily="34" charset="0"/>
-        <a:buChar char="•"/>
+      <a:lvl4pPr marL="1371600" algn="l" defTabSz="457200" rtl="0" eaLnBrk="1" latinLnBrk="0" hangingPunct="1">
         <a:defRPr sz="1800" kern="1200">
           <a:solidFill>
             <a:schemeClr val="tx1"/>
@@ -3141,15 +5953,7 @@
           <a:cs typeface="+mn-cs"/>
         </a:defRPr>
       </a:lvl4pPr>
-      <a:lvl5pPr marL="2057400" indent="-228600" algn="l" defTabSz="914400" rtl="0" eaLnBrk="1" latinLnBrk="0" hangingPunct="1">
-        <a:lnSpc>
-          <a:spcPct val="90000"/>
-        </a:lnSpc>
-        <a:spcBef>
-          <a:spcPts val="500"/>
-        </a:spcBef>
-        <a:buFont typeface="Arial" panose="020B0604020202020204" pitchFamily="34" charset="0"/>
-        <a:buChar char="•"/>
+      <a:lvl5pPr marL="1828800" algn="l" defTabSz="457200" rtl="0" eaLnBrk="1" latinLnBrk="0" hangingPunct="1">
         <a:defRPr sz="1800" kern="1200">
           <a:solidFill>
             <a:schemeClr val="tx1"/>
@@ -3159,15 +5963,7 @@
           <a:cs typeface="+mn-cs"/>
         </a:defRPr>
       </a:lvl5pPr>
-      <a:lvl6pPr marL="2514600" indent="-228600" algn="l" defTabSz="914400" rtl="0" eaLnBrk="1" latinLnBrk="0" hangingPunct="1">
-        <a:lnSpc>
-          <a:spcPct val="90000"/>
-        </a:lnSpc>
-        <a:spcBef>
-          <a:spcPts val="500"/>
-        </a:spcBef>
-        <a:buFont typeface="Arial" panose="020B0604020202020204" pitchFamily="34" charset="0"/>
-        <a:buChar char="•"/>
+      <a:lvl6pPr marL="2286000" algn="l" defTabSz="457200" rtl="0" eaLnBrk="1" latinLnBrk="0" hangingPunct="1">
         <a:defRPr sz="1800" kern="1200">
           <a:solidFill>
             <a:schemeClr val="tx1"/>
@@ -3177,15 +5973,7 @@
           <a:cs typeface="+mn-cs"/>
         </a:defRPr>
       </a:lvl6pPr>
-      <a:lvl7pPr marL="2971800" indent="-228600" algn="l" defTabSz="914400" rtl="0" eaLnBrk="1" latinLnBrk="0" hangingPunct="1">
-        <a:lnSpc>
-          <a:spcPct val="90000"/>
-        </a:lnSpc>
-        <a:spcBef>
-          <a:spcPts val="500"/>
-        </a:spcBef>
-        <a:buFont typeface="Arial" panose="020B0604020202020204" pitchFamily="34" charset="0"/>
-        <a:buChar char="•"/>
+      <a:lvl7pPr marL="2743200" algn="l" defTabSz="457200" rtl="0" eaLnBrk="1" latinLnBrk="0" hangingPunct="1">
         <a:defRPr sz="1800" kern="1200">
           <a:solidFill>
             <a:schemeClr val="tx1"/>
@@ -3195,15 +5983,7 @@
           <a:cs typeface="+mn-cs"/>
         </a:defRPr>
       </a:lvl7pPr>
-      <a:lvl8pPr marL="3429000" indent="-228600" algn="l" defTabSz="914400" rtl="0" eaLnBrk="1" latinLnBrk="0" hangingPunct="1">
-        <a:lnSpc>
-          <a:spcPct val="90000"/>
-        </a:lnSpc>
-        <a:spcBef>
-          <a:spcPts val="500"/>
-        </a:spcBef>
-        <a:buFont typeface="Arial" panose="020B0604020202020204" pitchFamily="34" charset="0"/>
-        <a:buChar char="•"/>
+      <a:lvl8pPr marL="3200400" algn="l" defTabSz="457200" rtl="0" eaLnBrk="1" latinLnBrk="0" hangingPunct="1">
         <a:defRPr sz="1800" kern="1200">
           <a:solidFill>
             <a:schemeClr val="tx1"/>
@@ -3213,110 +5993,7 @@
           <a:cs typeface="+mn-cs"/>
         </a:defRPr>
       </a:lvl8pPr>
-      <a:lvl9pPr marL="3886200" indent="-228600" algn="l" defTabSz="914400" rtl="0" eaLnBrk="1" latinLnBrk="0" hangingPunct="1">
-        <a:lnSpc>
-          <a:spcPct val="90000"/>
-        </a:lnSpc>
-        <a:spcBef>
-          <a:spcPts val="500"/>
-        </a:spcBef>
-        <a:buFont typeface="Arial" panose="020B0604020202020204" pitchFamily="34" charset="0"/>
-        <a:buChar char="•"/>
-        <a:defRPr sz="1800" kern="1200">
-          <a:solidFill>
-            <a:schemeClr val="tx1"/>
-          </a:solidFill>
-          <a:latin typeface="+mn-lt"/>
-          <a:ea typeface="+mn-ea"/>
-          <a:cs typeface="+mn-cs"/>
-        </a:defRPr>
-      </a:lvl9pPr>
-    </p:bodyStyle>
-    <p:otherStyle>
-      <a:defPPr>
-        <a:defRPr lang="de-DE"/>
-      </a:defPPr>
-      <a:lvl1pPr marL="0" algn="l" defTabSz="914400" rtl="0" eaLnBrk="1" latinLnBrk="0" hangingPunct="1">
-        <a:defRPr sz="1800" kern="1200">
-          <a:solidFill>
-            <a:schemeClr val="tx1"/>
-          </a:solidFill>
-          <a:latin typeface="+mn-lt"/>
-          <a:ea typeface="+mn-ea"/>
-          <a:cs typeface="+mn-cs"/>
-        </a:defRPr>
-      </a:lvl1pPr>
-      <a:lvl2pPr marL="457200" algn="l" defTabSz="914400" rtl="0" eaLnBrk="1" latinLnBrk="0" hangingPunct="1">
-        <a:defRPr sz="1800" kern="1200">
-          <a:solidFill>
-            <a:schemeClr val="tx1"/>
-          </a:solidFill>
-          <a:latin typeface="+mn-lt"/>
-          <a:ea typeface="+mn-ea"/>
-          <a:cs typeface="+mn-cs"/>
-        </a:defRPr>
-      </a:lvl2pPr>
-      <a:lvl3pPr marL="914400" algn="l" defTabSz="914400" rtl="0" eaLnBrk="1" latinLnBrk="0" hangingPunct="1">
-        <a:defRPr sz="1800" kern="1200">
-          <a:solidFill>
-            <a:schemeClr val="tx1"/>
-          </a:solidFill>
-          <a:latin typeface="+mn-lt"/>
-          <a:ea typeface="+mn-ea"/>
-          <a:cs typeface="+mn-cs"/>
-        </a:defRPr>
-      </a:lvl3pPr>
-      <a:lvl4pPr marL="1371600" algn="l" defTabSz="914400" rtl="0" eaLnBrk="1" latinLnBrk="0" hangingPunct="1">
-        <a:defRPr sz="1800" kern="1200">
-          <a:solidFill>
-            <a:schemeClr val="tx1"/>
-          </a:solidFill>
-          <a:latin typeface="+mn-lt"/>
-          <a:ea typeface="+mn-ea"/>
-          <a:cs typeface="+mn-cs"/>
-        </a:defRPr>
-      </a:lvl4pPr>
-      <a:lvl5pPr marL="1828800" algn="l" defTabSz="914400" rtl="0" eaLnBrk="1" latinLnBrk="0" hangingPunct="1">
-        <a:defRPr sz="1800" kern="1200">
-          <a:solidFill>
-            <a:schemeClr val="tx1"/>
-          </a:solidFill>
-          <a:latin typeface="+mn-lt"/>
-          <a:ea typeface="+mn-ea"/>
-          <a:cs typeface="+mn-cs"/>
-        </a:defRPr>
-      </a:lvl5pPr>
-      <a:lvl6pPr marL="2286000" algn="l" defTabSz="914400" rtl="0" eaLnBrk="1" latinLnBrk="0" hangingPunct="1">
-        <a:defRPr sz="1800" kern="1200">
-          <a:solidFill>
-            <a:schemeClr val="tx1"/>
-          </a:solidFill>
-          <a:latin typeface="+mn-lt"/>
-          <a:ea typeface="+mn-ea"/>
-          <a:cs typeface="+mn-cs"/>
-        </a:defRPr>
-      </a:lvl6pPr>
-      <a:lvl7pPr marL="2743200" algn="l" defTabSz="914400" rtl="0" eaLnBrk="1" latinLnBrk="0" hangingPunct="1">
-        <a:defRPr sz="1800" kern="1200">
-          <a:solidFill>
-            <a:schemeClr val="tx1"/>
-          </a:solidFill>
-          <a:latin typeface="+mn-lt"/>
-          <a:ea typeface="+mn-ea"/>
-          <a:cs typeface="+mn-cs"/>
-        </a:defRPr>
-      </a:lvl7pPr>
-      <a:lvl8pPr marL="3200400" algn="l" defTabSz="914400" rtl="0" eaLnBrk="1" latinLnBrk="0" hangingPunct="1">
-        <a:defRPr sz="1800" kern="1200">
-          <a:solidFill>
-            <a:schemeClr val="tx1"/>
-          </a:solidFill>
-          <a:latin typeface="+mn-lt"/>
-          <a:ea typeface="+mn-ea"/>
-          <a:cs typeface="+mn-cs"/>
-        </a:defRPr>
-      </a:lvl8pPr>
-      <a:lvl9pPr marL="3657600" algn="l" defTabSz="914400" rtl="0" eaLnBrk="1" latinLnBrk="0" hangingPunct="1">
+      <a:lvl9pPr marL="3657600" algn="l" defTabSz="457200" rtl="0" eaLnBrk="1" latinLnBrk="0" hangingPunct="1">
         <a:defRPr sz="1800" kern="1200">
           <a:solidFill>
             <a:schemeClr val="tx1"/>
@@ -3449,6 +6126,25 @@
 <file path=ppt/slides/slide2.xml><?xml version="1.0" encoding="utf-8"?>
 <p:sld xmlns:a="http://schemas.openxmlformats.org/drawingml/2006/main" xmlns:r="http://schemas.openxmlformats.org/officeDocument/2006/relationships" xmlns:p="http://schemas.openxmlformats.org/presentationml/2006/main">
   <p:cSld>
+    <p:bg>
+      <p:bgPr>
+        <a:blipFill rotWithShape="1">
+          <a:blip r:embed="rId2">
+            <a:duotone>
+              <a:schemeClr val="bg2">
+                <a:shade val="80000"/>
+                <a:lumMod val="80000"/>
+              </a:schemeClr>
+              <a:schemeClr val="bg2">
+                <a:tint val="98000"/>
+              </a:schemeClr>
+            </a:duotone>
+          </a:blip>
+          <a:stretch/>
+        </a:blipFill>
+        <a:effectLst/>
+      </p:bgPr>
+    </p:bg>
     <p:spTree>
       <p:nvGrpSpPr>
         <p:cNvPr id="1" name=""/>
@@ -3479,16 +6175,23 @@
             <p:ph type="title"/>
           </p:nvPr>
         </p:nvSpPr>
-        <p:spPr/>
-        <p:txBody>
-          <a:bodyPr/>
+        <p:spPr>
+          <a:xfrm>
+            <a:off x="834013" y="1115568"/>
+            <a:ext cx="3487616" cy="4626864"/>
+          </a:xfrm>
+        </p:spPr>
+        <p:txBody>
+          <a:bodyPr>
+            <a:normAutofit/>
+          </a:bodyPr>
           <a:lstStyle/>
           <a:p>
-            <a:r>
-              <a:rPr lang="de-AT" dirty="0" err="1"/>
+            <a:pPr algn="l"/>
+            <a:r>
+              <a:rPr lang="de-AT" sz="3600"/>
               <a:t>Idea</a:t>
             </a:r>
-            <a:endParaRPr lang="de-AT" dirty="0"/>
           </a:p>
         </p:txBody>
       </p:sp>
@@ -3508,9 +6211,16 @@
             <p:ph idx="1"/>
           </p:nvPr>
         </p:nvSpPr>
-        <p:spPr/>
-        <p:txBody>
-          <a:bodyPr/>
+        <p:spPr>
+          <a:xfrm>
+            <a:off x="5105398" y="1115568"/>
+            <a:ext cx="6245352" cy="4626864"/>
+          </a:xfrm>
+        </p:spPr>
+        <p:txBody>
+          <a:bodyPr anchor="ctr">
+            <a:normAutofit/>
+          </a:bodyPr>
           <a:lstStyle/>
           <a:p>
             <a:r>
@@ -3523,7 +6233,15 @@
             </a:r>
             <a:r>
               <a:rPr lang="de-AT" dirty="0"/>
-              <a:t> Pixel </a:t>
+              <a:t> </a:t>
+            </a:r>
+            <a:r>
+              <a:rPr lang="de-AT" dirty="0" err="1"/>
+              <a:t>pixel</a:t>
+            </a:r>
+            <a:r>
+              <a:rPr lang="de-AT" dirty="0"/>
+              <a:t> </a:t>
             </a:r>
             <a:r>
               <a:rPr lang="de-AT" dirty="0" err="1"/>
@@ -3682,6 +6400,25 @@
 <file path=ppt/slides/slide3.xml><?xml version="1.0" encoding="utf-8"?>
 <p:sld xmlns:a="http://schemas.openxmlformats.org/drawingml/2006/main" xmlns:r="http://schemas.openxmlformats.org/officeDocument/2006/relationships" xmlns:p="http://schemas.openxmlformats.org/presentationml/2006/main">
   <p:cSld>
+    <p:bg>
+      <p:bgPr>
+        <a:blipFill rotWithShape="1">
+          <a:blip r:embed="rId2">
+            <a:duotone>
+              <a:schemeClr val="bg2">
+                <a:shade val="80000"/>
+                <a:lumMod val="80000"/>
+              </a:schemeClr>
+              <a:schemeClr val="bg2">
+                <a:tint val="98000"/>
+              </a:schemeClr>
+            </a:duotone>
+          </a:blip>
+          <a:stretch/>
+        </a:blipFill>
+        <a:effectLst/>
+      </p:bgPr>
+    </p:bg>
     <p:spTree>
       <p:nvGrpSpPr>
         <p:cNvPr id="1" name=""/>
@@ -3698,6 +6435,576 @@
       </p:grpSpPr>
       <p:sp>
         <p:nvSpPr>
+          <p:cNvPr id="8" name="Rectangle 7">
+            <a:extLst>
+              <a:ext uri="{FF2B5EF4-FFF2-40B4-BE49-F238E27FC236}">
+                <a16:creationId xmlns:a16="http://schemas.microsoft.com/office/drawing/2014/main" id="{AC224410-FF86-4FBB-A05E-61232D4B1368}"/>
+              </a:ext>
+              <a:ext uri="{C183D7F6-B498-43B3-948B-1728B52AA6E4}">
+                <adec:decorative xmlns:adec="http://schemas.microsoft.com/office/drawing/2017/decorative" val="1"/>
+              </a:ext>
+            </a:extLst>
+          </p:cNvPr>
+          <p:cNvSpPr>
+            <a:spLocks noGrp="1" noRot="1" noChangeAspect="1" noMove="1" noResize="1" noEditPoints="1" noAdjustHandles="1" noChangeArrowheads="1" noChangeShapeType="1" noTextEdit="1"/>
+          </p:cNvSpPr>
+          <p:nvPr>
+            <p:extLst>
+              <p:ext uri="{386F3935-93C4-4BCD-93E2-E3B085C9AB24}">
+                <p16:designElem xmlns:p16="http://schemas.microsoft.com/office/powerpoint/2015/main" val="1"/>
+              </p:ext>
+            </p:extLst>
+          </p:nvPr>
+        </p:nvSpPr>
+        <p:spPr>
+          <a:xfrm>
+            <a:off x="0" y="0"/>
+            <a:ext cx="12192000" cy="6858000"/>
+          </a:xfrm>
+          <a:prstGeom prst="rect">
+            <a:avLst/>
+          </a:prstGeom>
+          <a:solidFill>
+            <a:schemeClr val="bg2">
+              <a:lumMod val="75000"/>
+              <a:lumOff val="25000"/>
+            </a:schemeClr>
+          </a:solidFill>
+          <a:ln>
+            <a:noFill/>
+          </a:ln>
+        </p:spPr>
+        <p:style>
+          <a:lnRef idx="2">
+            <a:schemeClr val="accent1">
+              <a:shade val="50000"/>
+            </a:schemeClr>
+          </a:lnRef>
+          <a:fillRef idx="1">
+            <a:schemeClr val="accent1"/>
+          </a:fillRef>
+          <a:effectRef idx="0">
+            <a:schemeClr val="accent1"/>
+          </a:effectRef>
+          <a:fontRef idx="minor">
+            <a:schemeClr val="lt1"/>
+          </a:fontRef>
+        </p:style>
+        <p:txBody>
+          <a:bodyPr rtlCol="0" anchor="ctr"/>
+          <a:lstStyle/>
+          <a:p>
+            <a:pPr algn="ctr"/>
+            <a:endParaRPr lang="en-US"/>
+          </a:p>
+        </p:txBody>
+      </p:sp>
+      <p:sp useBgFill="1">
+        <p:nvSpPr>
+          <p:cNvPr id="10" name="Freeform: Shape 9">
+            <a:extLst>
+              <a:ext uri="{FF2B5EF4-FFF2-40B4-BE49-F238E27FC236}">
+                <a16:creationId xmlns:a16="http://schemas.microsoft.com/office/drawing/2014/main" id="{F3BDD110-869E-4A8C-9250-C7AE5C840842}"/>
+              </a:ext>
+              <a:ext uri="{C183D7F6-B498-43B3-948B-1728B52AA6E4}">
+                <adec:decorative xmlns:adec="http://schemas.microsoft.com/office/drawing/2017/decorative" val="1"/>
+              </a:ext>
+            </a:extLst>
+          </p:cNvPr>
+          <p:cNvSpPr>
+            <a:spLocks noGrp="1" noRot="1" noChangeAspect="1" noMove="1" noResize="1" noEditPoints="1" noAdjustHandles="1" noChangeArrowheads="1" noChangeShapeType="1" noTextEdit="1"/>
+          </p:cNvSpPr>
+          <p:nvPr>
+            <p:extLst>
+              <p:ext uri="{386F3935-93C4-4BCD-93E2-E3B085C9AB24}">
+                <p16:designElem xmlns:p16="http://schemas.microsoft.com/office/powerpoint/2015/main" val="1"/>
+              </p:ext>
+            </p:extLst>
+          </p:nvPr>
+        </p:nvSpPr>
+        <p:spPr>
+          <a:xfrm>
+            <a:off x="7302" y="-2"/>
+            <a:ext cx="6088698" cy="6858002"/>
+          </a:xfrm>
+          <a:custGeom>
+            <a:avLst/>
+            <a:gdLst>
+              <a:gd name="connsiteX0" fmla="*/ 0 w 6088698"/>
+              <a:gd name="connsiteY0" fmla="*/ 0 h 6858002"/>
+              <a:gd name="connsiteX1" fmla="*/ 2610464 w 6088698"/>
+              <a:gd name="connsiteY1" fmla="*/ 0 h 6858002"/>
+              <a:gd name="connsiteX2" fmla="*/ 2610464 w 6088698"/>
+              <a:gd name="connsiteY2" fmla="*/ 3 h 6858002"/>
+              <a:gd name="connsiteX3" fmla="*/ 5749313 w 6088698"/>
+              <a:gd name="connsiteY3" fmla="*/ 3 h 6858002"/>
+              <a:gd name="connsiteX4" fmla="*/ 5749313 w 6088698"/>
+              <a:gd name="connsiteY4" fmla="*/ 4 h 6858002"/>
+              <a:gd name="connsiteX5" fmla="*/ 5740011 w 6088698"/>
+              <a:gd name="connsiteY5" fmla="*/ 4 h 6858002"/>
+              <a:gd name="connsiteX6" fmla="*/ 5748114 w 6088698"/>
+              <a:gd name="connsiteY6" fmla="*/ 40466 h 6858002"/>
+              <a:gd name="connsiteX7" fmla="*/ 5771963 w 6088698"/>
+              <a:gd name="connsiteY7" fmla="*/ 159110 h 6858002"/>
+              <a:gd name="connsiteX8" fmla="*/ 5788633 w 6088698"/>
+              <a:gd name="connsiteY8" fmla="*/ 245521 h 6858002"/>
+              <a:gd name="connsiteX9" fmla="*/ 5806229 w 6088698"/>
+              <a:gd name="connsiteY9" fmla="*/ 348391 h 6858002"/>
+              <a:gd name="connsiteX10" fmla="*/ 5827299 w 6088698"/>
+              <a:gd name="connsiteY10" fmla="*/ 470463 h 6858002"/>
+              <a:gd name="connsiteX11" fmla="*/ 5849526 w 6088698"/>
+              <a:gd name="connsiteY11" fmla="*/ 605566 h 6858002"/>
+              <a:gd name="connsiteX12" fmla="*/ 5872911 w 6088698"/>
+              <a:gd name="connsiteY12" fmla="*/ 757813 h 6858002"/>
+              <a:gd name="connsiteX13" fmla="*/ 5897684 w 6088698"/>
+              <a:gd name="connsiteY13" fmla="*/ 923777 h 6858002"/>
+              <a:gd name="connsiteX14" fmla="*/ 5922459 w 6088698"/>
+              <a:gd name="connsiteY14" fmla="*/ 1104142 h 6858002"/>
+              <a:gd name="connsiteX15" fmla="*/ 5947695 w 6088698"/>
+              <a:gd name="connsiteY15" fmla="*/ 1296166 h 6858002"/>
+              <a:gd name="connsiteX16" fmla="*/ 5971079 w 6088698"/>
+              <a:gd name="connsiteY16" fmla="*/ 1503278 h 6858002"/>
+              <a:gd name="connsiteX17" fmla="*/ 5993538 w 6088698"/>
+              <a:gd name="connsiteY17" fmla="*/ 1719991 h 6858002"/>
+              <a:gd name="connsiteX18" fmla="*/ 6013913 w 6088698"/>
+              <a:gd name="connsiteY18" fmla="*/ 1949048 h 6858002"/>
+              <a:gd name="connsiteX19" fmla="*/ 6033361 w 6088698"/>
+              <a:gd name="connsiteY19" fmla="*/ 2187706 h 6858002"/>
+              <a:gd name="connsiteX20" fmla="*/ 6051654 w 6088698"/>
+              <a:gd name="connsiteY20" fmla="*/ 2436652 h 6858002"/>
+              <a:gd name="connsiteX21" fmla="*/ 6058136 w 6088698"/>
+              <a:gd name="connsiteY21" fmla="*/ 2564211 h 6858002"/>
+              <a:gd name="connsiteX22" fmla="*/ 6065314 w 6088698"/>
+              <a:gd name="connsiteY22" fmla="*/ 2694512 h 6858002"/>
+              <a:gd name="connsiteX23" fmla="*/ 6072027 w 6088698"/>
+              <a:gd name="connsiteY23" fmla="*/ 2826871 h 6858002"/>
+              <a:gd name="connsiteX24" fmla="*/ 6076427 w 6088698"/>
+              <a:gd name="connsiteY24" fmla="*/ 2959917 h 6858002"/>
+              <a:gd name="connsiteX25" fmla="*/ 6080363 w 6088698"/>
+              <a:gd name="connsiteY25" fmla="*/ 3095705 h 6858002"/>
+              <a:gd name="connsiteX26" fmla="*/ 6084530 w 6088698"/>
+              <a:gd name="connsiteY26" fmla="*/ 3232865 h 6858002"/>
+              <a:gd name="connsiteX27" fmla="*/ 6087308 w 6088698"/>
+              <a:gd name="connsiteY27" fmla="*/ 3372768 h 6858002"/>
+              <a:gd name="connsiteX28" fmla="*/ 6087308 w 6088698"/>
+              <a:gd name="connsiteY28" fmla="*/ 3514043 h 6858002"/>
+              <a:gd name="connsiteX29" fmla="*/ 6088698 w 6088698"/>
+              <a:gd name="connsiteY29" fmla="*/ 3656689 h 6858002"/>
+              <a:gd name="connsiteX30" fmla="*/ 6087308 w 6088698"/>
+              <a:gd name="connsiteY30" fmla="*/ 3800707 h 6858002"/>
+              <a:gd name="connsiteX31" fmla="*/ 6084530 w 6088698"/>
+              <a:gd name="connsiteY31" fmla="*/ 3946783 h 6858002"/>
+              <a:gd name="connsiteX32" fmla="*/ 6081983 w 6088698"/>
+              <a:gd name="connsiteY32" fmla="*/ 4092858 h 6858002"/>
+              <a:gd name="connsiteX33" fmla="*/ 6076427 w 6088698"/>
+              <a:gd name="connsiteY33" fmla="*/ 4240991 h 6858002"/>
+              <a:gd name="connsiteX34" fmla="*/ 6070639 w 6088698"/>
+              <a:gd name="connsiteY34" fmla="*/ 4390495 h 6858002"/>
+              <a:gd name="connsiteX35" fmla="*/ 6063924 w 6088698"/>
+              <a:gd name="connsiteY35" fmla="*/ 4540000 h 6858002"/>
+              <a:gd name="connsiteX36" fmla="*/ 6054432 w 6088698"/>
+              <a:gd name="connsiteY36" fmla="*/ 4690876 h 6858002"/>
+              <a:gd name="connsiteX37" fmla="*/ 6043086 w 6088698"/>
+              <a:gd name="connsiteY37" fmla="*/ 4843123 h 6858002"/>
+              <a:gd name="connsiteX38" fmla="*/ 6032204 w 6088698"/>
+              <a:gd name="connsiteY38" fmla="*/ 4996057 h 6858002"/>
+              <a:gd name="connsiteX39" fmla="*/ 6018313 w 6088698"/>
+              <a:gd name="connsiteY39" fmla="*/ 5148990 h 6858002"/>
+              <a:gd name="connsiteX40" fmla="*/ 6001642 w 6088698"/>
+              <a:gd name="connsiteY40" fmla="*/ 5303981 h 6858002"/>
+              <a:gd name="connsiteX41" fmla="*/ 5984972 w 6088698"/>
+              <a:gd name="connsiteY41" fmla="*/ 5456914 h 6858002"/>
+              <a:gd name="connsiteX42" fmla="*/ 5965754 w 6088698"/>
+              <a:gd name="connsiteY42" fmla="*/ 5612591 h 6858002"/>
+              <a:gd name="connsiteX43" fmla="*/ 5944685 w 6088698"/>
+              <a:gd name="connsiteY43" fmla="*/ 5768953 h 6858002"/>
+              <a:gd name="connsiteX44" fmla="*/ 5922459 w 6088698"/>
+              <a:gd name="connsiteY44" fmla="*/ 5923258 h 6858002"/>
+              <a:gd name="connsiteX45" fmla="*/ 5896527 w 6088698"/>
+              <a:gd name="connsiteY45" fmla="*/ 6079621 h 6858002"/>
+              <a:gd name="connsiteX46" fmla="*/ 5868743 w 6088698"/>
+              <a:gd name="connsiteY46" fmla="*/ 6235297 h 6858002"/>
+              <a:gd name="connsiteX47" fmla="*/ 5841190 w 6088698"/>
+              <a:gd name="connsiteY47" fmla="*/ 6391660 h 6858002"/>
+              <a:gd name="connsiteX48" fmla="*/ 5809008 w 6088698"/>
+              <a:gd name="connsiteY48" fmla="*/ 6547336 h 6858002"/>
+              <a:gd name="connsiteX49" fmla="*/ 5776130 w 6088698"/>
+              <a:gd name="connsiteY49" fmla="*/ 6702327 h 6858002"/>
+              <a:gd name="connsiteX50" fmla="*/ 5741633 w 6088698"/>
+              <a:gd name="connsiteY50" fmla="*/ 6858002 h 6858002"/>
+              <a:gd name="connsiteX51" fmla="*/ 2610464 w 6088698"/>
+              <a:gd name="connsiteY51" fmla="*/ 6858002 h 6858002"/>
+              <a:gd name="connsiteX52" fmla="*/ 0 w 6088698"/>
+              <a:gd name="connsiteY52" fmla="*/ 6858002 h 6858002"/>
+            </a:gdLst>
+            <a:ahLst/>
+            <a:cxnLst>
+              <a:cxn ang="0">
+                <a:pos x="connsiteX0" y="connsiteY0"/>
+              </a:cxn>
+              <a:cxn ang="0">
+                <a:pos x="connsiteX1" y="connsiteY1"/>
+              </a:cxn>
+              <a:cxn ang="0">
+                <a:pos x="connsiteX2" y="connsiteY2"/>
+              </a:cxn>
+              <a:cxn ang="0">
+                <a:pos x="connsiteX3" y="connsiteY3"/>
+              </a:cxn>
+              <a:cxn ang="0">
+                <a:pos x="connsiteX4" y="connsiteY4"/>
+              </a:cxn>
+              <a:cxn ang="0">
+                <a:pos x="connsiteX5" y="connsiteY5"/>
+              </a:cxn>
+              <a:cxn ang="0">
+                <a:pos x="connsiteX6" y="connsiteY6"/>
+              </a:cxn>
+              <a:cxn ang="0">
+                <a:pos x="connsiteX7" y="connsiteY7"/>
+              </a:cxn>
+              <a:cxn ang="0">
+                <a:pos x="connsiteX8" y="connsiteY8"/>
+              </a:cxn>
+              <a:cxn ang="0">
+                <a:pos x="connsiteX9" y="connsiteY9"/>
+              </a:cxn>
+              <a:cxn ang="0">
+                <a:pos x="connsiteX10" y="connsiteY10"/>
+              </a:cxn>
+              <a:cxn ang="0">
+                <a:pos x="connsiteX11" y="connsiteY11"/>
+              </a:cxn>
+              <a:cxn ang="0">
+                <a:pos x="connsiteX12" y="connsiteY12"/>
+              </a:cxn>
+              <a:cxn ang="0">
+                <a:pos x="connsiteX13" y="connsiteY13"/>
+              </a:cxn>
+              <a:cxn ang="0">
+                <a:pos x="connsiteX14" y="connsiteY14"/>
+              </a:cxn>
+              <a:cxn ang="0">
+                <a:pos x="connsiteX15" y="connsiteY15"/>
+              </a:cxn>
+              <a:cxn ang="0">
+                <a:pos x="connsiteX16" y="connsiteY16"/>
+              </a:cxn>
+              <a:cxn ang="0">
+                <a:pos x="connsiteX17" y="connsiteY17"/>
+              </a:cxn>
+              <a:cxn ang="0">
+                <a:pos x="connsiteX18" y="connsiteY18"/>
+              </a:cxn>
+              <a:cxn ang="0">
+                <a:pos x="connsiteX19" y="connsiteY19"/>
+              </a:cxn>
+              <a:cxn ang="0">
+                <a:pos x="connsiteX20" y="connsiteY20"/>
+              </a:cxn>
+              <a:cxn ang="0">
+                <a:pos x="connsiteX21" y="connsiteY21"/>
+              </a:cxn>
+              <a:cxn ang="0">
+                <a:pos x="connsiteX22" y="connsiteY22"/>
+              </a:cxn>
+              <a:cxn ang="0">
+                <a:pos x="connsiteX23" y="connsiteY23"/>
+              </a:cxn>
+              <a:cxn ang="0">
+                <a:pos x="connsiteX24" y="connsiteY24"/>
+              </a:cxn>
+              <a:cxn ang="0">
+                <a:pos x="connsiteX25" y="connsiteY25"/>
+              </a:cxn>
+              <a:cxn ang="0">
+                <a:pos x="connsiteX26" y="connsiteY26"/>
+              </a:cxn>
+              <a:cxn ang="0">
+                <a:pos x="connsiteX27" y="connsiteY27"/>
+              </a:cxn>
+              <a:cxn ang="0">
+                <a:pos x="connsiteX28" y="connsiteY28"/>
+              </a:cxn>
+              <a:cxn ang="0">
+                <a:pos x="connsiteX29" y="connsiteY29"/>
+              </a:cxn>
+              <a:cxn ang="0">
+                <a:pos x="connsiteX30" y="connsiteY30"/>
+              </a:cxn>
+              <a:cxn ang="0">
+                <a:pos x="connsiteX31" y="connsiteY31"/>
+              </a:cxn>
+              <a:cxn ang="0">
+                <a:pos x="connsiteX32" y="connsiteY32"/>
+              </a:cxn>
+              <a:cxn ang="0">
+                <a:pos x="connsiteX33" y="connsiteY33"/>
+              </a:cxn>
+              <a:cxn ang="0">
+                <a:pos x="connsiteX34" y="connsiteY34"/>
+              </a:cxn>
+              <a:cxn ang="0">
+                <a:pos x="connsiteX35" y="connsiteY35"/>
+              </a:cxn>
+              <a:cxn ang="0">
+                <a:pos x="connsiteX36" y="connsiteY36"/>
+              </a:cxn>
+              <a:cxn ang="0">
+                <a:pos x="connsiteX37" y="connsiteY37"/>
+              </a:cxn>
+              <a:cxn ang="0">
+                <a:pos x="connsiteX38" y="connsiteY38"/>
+              </a:cxn>
+              <a:cxn ang="0">
+                <a:pos x="connsiteX39" y="connsiteY39"/>
+              </a:cxn>
+              <a:cxn ang="0">
+                <a:pos x="connsiteX40" y="connsiteY40"/>
+              </a:cxn>
+              <a:cxn ang="0">
+                <a:pos x="connsiteX41" y="connsiteY41"/>
+              </a:cxn>
+              <a:cxn ang="0">
+                <a:pos x="connsiteX42" y="connsiteY42"/>
+              </a:cxn>
+              <a:cxn ang="0">
+                <a:pos x="connsiteX43" y="connsiteY43"/>
+              </a:cxn>
+              <a:cxn ang="0">
+                <a:pos x="connsiteX44" y="connsiteY44"/>
+              </a:cxn>
+              <a:cxn ang="0">
+                <a:pos x="connsiteX45" y="connsiteY45"/>
+              </a:cxn>
+              <a:cxn ang="0">
+                <a:pos x="connsiteX46" y="connsiteY46"/>
+              </a:cxn>
+              <a:cxn ang="0">
+                <a:pos x="connsiteX47" y="connsiteY47"/>
+              </a:cxn>
+              <a:cxn ang="0">
+                <a:pos x="connsiteX48" y="connsiteY48"/>
+              </a:cxn>
+              <a:cxn ang="0">
+                <a:pos x="connsiteX49" y="connsiteY49"/>
+              </a:cxn>
+              <a:cxn ang="0">
+                <a:pos x="connsiteX50" y="connsiteY50"/>
+              </a:cxn>
+              <a:cxn ang="0">
+                <a:pos x="connsiteX51" y="connsiteY51"/>
+              </a:cxn>
+              <a:cxn ang="0">
+                <a:pos x="connsiteX52" y="connsiteY52"/>
+              </a:cxn>
+            </a:cxnLst>
+            <a:rect l="l" t="t" r="r" b="b"/>
+            <a:pathLst>
+              <a:path w="6088698" h="6858002">
+                <a:moveTo>
+                  <a:pt x="0" y="0"/>
+                </a:moveTo>
+                <a:lnTo>
+                  <a:pt x="2610464" y="0"/>
+                </a:lnTo>
+                <a:lnTo>
+                  <a:pt x="2610464" y="3"/>
+                </a:lnTo>
+                <a:lnTo>
+                  <a:pt x="5749313" y="3"/>
+                </a:lnTo>
+                <a:lnTo>
+                  <a:pt x="5749313" y="4"/>
+                </a:lnTo>
+                <a:lnTo>
+                  <a:pt x="5740011" y="4"/>
+                </a:lnTo>
+                <a:lnTo>
+                  <a:pt x="5748114" y="40466"/>
+                </a:lnTo>
+                <a:lnTo>
+                  <a:pt x="5771963" y="159110"/>
+                </a:lnTo>
+                <a:lnTo>
+                  <a:pt x="5788633" y="245521"/>
+                </a:lnTo>
+                <a:lnTo>
+                  <a:pt x="5806229" y="348391"/>
+                </a:lnTo>
+                <a:lnTo>
+                  <a:pt x="5827299" y="470463"/>
+                </a:lnTo>
+                <a:lnTo>
+                  <a:pt x="5849526" y="605566"/>
+                </a:lnTo>
+                <a:lnTo>
+                  <a:pt x="5872911" y="757813"/>
+                </a:lnTo>
+                <a:lnTo>
+                  <a:pt x="5897684" y="923777"/>
+                </a:lnTo>
+                <a:lnTo>
+                  <a:pt x="5922459" y="1104142"/>
+                </a:lnTo>
+                <a:lnTo>
+                  <a:pt x="5947695" y="1296166"/>
+                </a:lnTo>
+                <a:lnTo>
+                  <a:pt x="5971079" y="1503278"/>
+                </a:lnTo>
+                <a:lnTo>
+                  <a:pt x="5993538" y="1719991"/>
+                </a:lnTo>
+                <a:lnTo>
+                  <a:pt x="6013913" y="1949048"/>
+                </a:lnTo>
+                <a:lnTo>
+                  <a:pt x="6033361" y="2187706"/>
+                </a:lnTo>
+                <a:lnTo>
+                  <a:pt x="6051654" y="2436652"/>
+                </a:lnTo>
+                <a:lnTo>
+                  <a:pt x="6058136" y="2564211"/>
+                </a:lnTo>
+                <a:lnTo>
+                  <a:pt x="6065314" y="2694512"/>
+                </a:lnTo>
+                <a:lnTo>
+                  <a:pt x="6072027" y="2826871"/>
+                </a:lnTo>
+                <a:lnTo>
+                  <a:pt x="6076427" y="2959917"/>
+                </a:lnTo>
+                <a:lnTo>
+                  <a:pt x="6080363" y="3095705"/>
+                </a:lnTo>
+                <a:lnTo>
+                  <a:pt x="6084530" y="3232865"/>
+                </a:lnTo>
+                <a:lnTo>
+                  <a:pt x="6087308" y="3372768"/>
+                </a:lnTo>
+                <a:lnTo>
+                  <a:pt x="6087308" y="3514043"/>
+                </a:lnTo>
+                <a:lnTo>
+                  <a:pt x="6088698" y="3656689"/>
+                </a:lnTo>
+                <a:lnTo>
+                  <a:pt x="6087308" y="3800707"/>
+                </a:lnTo>
+                <a:lnTo>
+                  <a:pt x="6084530" y="3946783"/>
+                </a:lnTo>
+                <a:lnTo>
+                  <a:pt x="6081983" y="4092858"/>
+                </a:lnTo>
+                <a:lnTo>
+                  <a:pt x="6076427" y="4240991"/>
+                </a:lnTo>
+                <a:lnTo>
+                  <a:pt x="6070639" y="4390495"/>
+                </a:lnTo>
+                <a:lnTo>
+                  <a:pt x="6063924" y="4540000"/>
+                </a:lnTo>
+                <a:lnTo>
+                  <a:pt x="6054432" y="4690876"/>
+                </a:lnTo>
+                <a:lnTo>
+                  <a:pt x="6043086" y="4843123"/>
+                </a:lnTo>
+                <a:lnTo>
+                  <a:pt x="6032204" y="4996057"/>
+                </a:lnTo>
+                <a:lnTo>
+                  <a:pt x="6018313" y="5148990"/>
+                </a:lnTo>
+                <a:lnTo>
+                  <a:pt x="6001642" y="5303981"/>
+                </a:lnTo>
+                <a:lnTo>
+                  <a:pt x="5984972" y="5456914"/>
+                </a:lnTo>
+                <a:lnTo>
+                  <a:pt x="5965754" y="5612591"/>
+                </a:lnTo>
+                <a:lnTo>
+                  <a:pt x="5944685" y="5768953"/>
+                </a:lnTo>
+                <a:lnTo>
+                  <a:pt x="5922459" y="5923258"/>
+                </a:lnTo>
+                <a:lnTo>
+                  <a:pt x="5896527" y="6079621"/>
+                </a:lnTo>
+                <a:lnTo>
+                  <a:pt x="5868743" y="6235297"/>
+                </a:lnTo>
+                <a:lnTo>
+                  <a:pt x="5841190" y="6391660"/>
+                </a:lnTo>
+                <a:lnTo>
+                  <a:pt x="5809008" y="6547336"/>
+                </a:lnTo>
+                <a:lnTo>
+                  <a:pt x="5776130" y="6702327"/>
+                </a:lnTo>
+                <a:lnTo>
+                  <a:pt x="5741633" y="6858002"/>
+                </a:lnTo>
+                <a:lnTo>
+                  <a:pt x="2610464" y="6858002"/>
+                </a:lnTo>
+                <a:lnTo>
+                  <a:pt x="0" y="6858002"/>
+                </a:lnTo>
+                <a:close/>
+              </a:path>
+            </a:pathLst>
+          </a:custGeom>
+          <a:ln>
+            <a:noFill/>
+          </a:ln>
+          <a:effectLst>
+            <a:outerShdw blurRad="50800" dist="38100" algn="l" rotWithShape="0">
+              <a:prstClr val="black">
+                <a:alpha val="40000"/>
+              </a:prstClr>
+            </a:outerShdw>
+          </a:effectLst>
+        </p:spPr>
+        <p:style>
+          <a:lnRef idx="2">
+            <a:schemeClr val="accent1">
+              <a:shade val="50000"/>
+            </a:schemeClr>
+          </a:lnRef>
+          <a:fillRef idx="1">
+            <a:schemeClr val="accent1"/>
+          </a:fillRef>
+          <a:effectRef idx="0">
+            <a:schemeClr val="accent1"/>
+          </a:effectRef>
+          <a:fontRef idx="minor">
+            <a:schemeClr val="lt1"/>
+          </a:fontRef>
+        </p:style>
+        <p:txBody>
+          <a:bodyPr wrap="square" rtlCol="0" anchor="ctr">
+            <a:noAutofit/>
+          </a:bodyPr>
+          <a:lstStyle/>
+          <a:p>
+            <a:pPr algn="ctr"/>
+            <a:endParaRPr lang="en-US"/>
+          </a:p>
+        </p:txBody>
+      </p:sp>
+      <p:sp>
+        <p:nvSpPr>
           <p:cNvPr id="2" name="Titel 1">
             <a:extLst>
               <a:ext uri="{FF2B5EF4-FFF2-40B4-BE49-F238E27FC236}">
@@ -3712,34 +7019,22 @@
             <p:ph type="title"/>
           </p:nvPr>
         </p:nvSpPr>
-        <p:spPr/>
-        <p:txBody>
-          <a:bodyPr/>
+        <p:spPr>
+          <a:xfrm>
+            <a:off x="900506" y="1118808"/>
+            <a:ext cx="4671467" cy="4747683"/>
+          </a:xfrm>
+        </p:spPr>
+        <p:txBody>
+          <a:bodyPr anchor="ctr">
+            <a:normAutofit/>
+          </a:bodyPr>
           <a:lstStyle/>
           <a:p>
-            <a:r>
-              <a:rPr lang="de-AT" dirty="0" err="1"/>
-              <a:t>Principle</a:t>
-            </a:r>
-            <a:r>
-              <a:rPr lang="de-AT" dirty="0"/>
-              <a:t> </a:t>
-            </a:r>
-            <a:r>
-              <a:rPr lang="de-AT" dirty="0" err="1"/>
-              <a:t>of</a:t>
-            </a:r>
-            <a:r>
-              <a:rPr lang="de-AT" dirty="0"/>
-              <a:t> </a:t>
-            </a:r>
-            <a:r>
-              <a:rPr lang="de-AT" dirty="0" err="1"/>
-              <a:t>the</a:t>
-            </a:r>
-            <a:r>
-              <a:rPr lang="de-AT" dirty="0"/>
-              <a:t> game</a:t>
+            <a:pPr algn="l"/>
+            <a:r>
+              <a:rPr lang="de-AT" sz="4800"/>
+              <a:t>Principle of the game</a:t>
             </a:r>
           </a:p>
         </p:txBody>
@@ -3760,360 +7055,77 @@
             <p:ph idx="1"/>
           </p:nvPr>
         </p:nvSpPr>
-        <p:spPr/>
-        <p:txBody>
-          <a:bodyPr/>
+        <p:spPr>
+          <a:xfrm>
+            <a:off x="6498769" y="1118809"/>
+            <a:ext cx="5049763" cy="4747681"/>
+          </a:xfrm>
+          <a:effectLst/>
+        </p:spPr>
+        <p:txBody>
+          <a:bodyPr anchor="ctr">
+            <a:normAutofit/>
+          </a:bodyPr>
           <a:lstStyle/>
           <a:p>
             <a:r>
-              <a:rPr lang="de-AT" dirty="0"/>
-              <a:t>In </a:t>
-            </a:r>
-            <a:r>
-              <a:rPr lang="de-AT" dirty="0" err="1"/>
-              <a:t>the</a:t>
-            </a:r>
-            <a:r>
-              <a:rPr lang="de-AT" dirty="0"/>
-              <a:t> </a:t>
-            </a:r>
-            <a:r>
-              <a:rPr lang="de-AT" dirty="0" err="1"/>
-              <a:t>beginning</a:t>
-            </a:r>
-            <a:r>
-              <a:rPr lang="de-AT" dirty="0"/>
-              <a:t> </a:t>
-            </a:r>
-            <a:r>
-              <a:rPr lang="de-AT" dirty="0" err="1"/>
-              <a:t>you</a:t>
-            </a:r>
-            <a:r>
-              <a:rPr lang="de-AT" dirty="0"/>
-              <a:t> pick </a:t>
-            </a:r>
-            <a:r>
-              <a:rPr lang="de-AT" dirty="0" err="1"/>
-              <a:t>one</a:t>
-            </a:r>
-            <a:r>
-              <a:rPr lang="de-AT" dirty="0"/>
-              <a:t> out </a:t>
-            </a:r>
-            <a:r>
-              <a:rPr lang="de-AT" dirty="0" err="1"/>
-              <a:t>of</a:t>
-            </a:r>
-            <a:r>
-              <a:rPr lang="de-AT" dirty="0"/>
-              <a:t> </a:t>
-            </a:r>
-            <a:r>
-              <a:rPr lang="de-AT" dirty="0" err="1"/>
-              <a:t>five</a:t>
-            </a:r>
-            <a:r>
-              <a:rPr lang="de-AT" dirty="0"/>
-              <a:t> </a:t>
-            </a:r>
-            <a:r>
-              <a:rPr lang="de-AT" dirty="0" err="1"/>
-              <a:t>classes</a:t>
-            </a:r>
-            <a:endParaRPr lang="de-AT" dirty="0"/>
-          </a:p>
-          <a:p>
-            <a:r>
-              <a:rPr lang="de-AT" dirty="0" err="1"/>
-              <a:t>Each</a:t>
-            </a:r>
-            <a:r>
-              <a:rPr lang="de-AT" dirty="0"/>
-              <a:t> </a:t>
-            </a:r>
-            <a:r>
-              <a:rPr lang="de-AT" dirty="0" err="1"/>
-              <a:t>class</a:t>
-            </a:r>
-            <a:r>
-              <a:rPr lang="de-AT" dirty="0"/>
-              <a:t> </a:t>
-            </a:r>
-            <a:r>
-              <a:rPr lang="de-AT" dirty="0" err="1"/>
-              <a:t>has</a:t>
-            </a:r>
-            <a:r>
-              <a:rPr lang="de-AT" dirty="0"/>
-              <a:t> different </a:t>
-            </a:r>
-            <a:r>
-              <a:rPr lang="de-AT" dirty="0" err="1"/>
-              <a:t>abilities</a:t>
-            </a:r>
-            <a:r>
-              <a:rPr lang="de-AT" dirty="0"/>
-              <a:t> and </a:t>
-            </a:r>
-            <a:r>
-              <a:rPr lang="de-AT" dirty="0" err="1"/>
-              <a:t>strengths</a:t>
-            </a:r>
-            <a:endParaRPr lang="de-AT" dirty="0"/>
-          </a:p>
-          <a:p>
-            <a:r>
-              <a:rPr lang="de-AT" dirty="0" err="1"/>
-              <a:t>You</a:t>
-            </a:r>
-            <a:r>
-              <a:rPr lang="de-AT" dirty="0"/>
-              <a:t> </a:t>
-            </a:r>
-            <a:r>
-              <a:rPr lang="de-AT" dirty="0" err="1"/>
-              <a:t>travel</a:t>
-            </a:r>
-            <a:r>
-              <a:rPr lang="de-AT" dirty="0"/>
-              <a:t> </a:t>
-            </a:r>
-            <a:r>
-              <a:rPr lang="de-AT" dirty="0" err="1"/>
-              <a:t>the</a:t>
-            </a:r>
-            <a:r>
-              <a:rPr lang="de-AT" dirty="0"/>
-              <a:t> game </a:t>
-            </a:r>
-            <a:r>
-              <a:rPr lang="de-AT" dirty="0" err="1"/>
-              <a:t>world</a:t>
-            </a:r>
-            <a:r>
-              <a:rPr lang="de-AT" dirty="0"/>
-              <a:t> </a:t>
-            </a:r>
-            <a:r>
-              <a:rPr lang="de-AT" dirty="0" err="1"/>
-              <a:t>while</a:t>
-            </a:r>
-            <a:r>
-              <a:rPr lang="de-AT" dirty="0"/>
-              <a:t> </a:t>
-            </a:r>
-            <a:r>
-              <a:rPr lang="de-AT" dirty="0" err="1"/>
-              <a:t>progressing</a:t>
-            </a:r>
-            <a:r>
-              <a:rPr lang="de-AT" dirty="0"/>
-              <a:t> </a:t>
-            </a:r>
-            <a:r>
-              <a:rPr lang="de-AT" dirty="0" err="1"/>
-              <a:t>through</a:t>
-            </a:r>
-            <a:r>
-              <a:rPr lang="de-AT" dirty="0"/>
-              <a:t> </a:t>
-            </a:r>
-            <a:r>
-              <a:rPr lang="de-AT" dirty="0" err="1"/>
-              <a:t>the</a:t>
-            </a:r>
-            <a:r>
-              <a:rPr lang="de-AT" dirty="0"/>
-              <a:t> game</a:t>
-            </a:r>
-          </a:p>
-          <a:p>
-            <a:r>
-              <a:rPr lang="de-AT" dirty="0"/>
-              <a:t>As </a:t>
-            </a:r>
-            <a:r>
-              <a:rPr lang="de-AT" dirty="0" err="1"/>
-              <a:t>you</a:t>
-            </a:r>
-            <a:r>
-              <a:rPr lang="de-AT" dirty="0"/>
-              <a:t> </a:t>
-            </a:r>
-            <a:r>
-              <a:rPr lang="de-AT" dirty="0" err="1"/>
-              <a:t>travel</a:t>
-            </a:r>
-            <a:r>
-              <a:rPr lang="de-AT" dirty="0"/>
-              <a:t> </a:t>
-            </a:r>
-            <a:r>
-              <a:rPr lang="de-AT" dirty="0" err="1"/>
-              <a:t>you</a:t>
-            </a:r>
-            <a:r>
-              <a:rPr lang="de-AT" dirty="0"/>
-              <a:t> will </a:t>
-            </a:r>
-            <a:r>
-              <a:rPr lang="de-AT" dirty="0" err="1"/>
-              <a:t>have</a:t>
-            </a:r>
-            <a:r>
-              <a:rPr lang="de-AT" dirty="0"/>
-              <a:t> </a:t>
-            </a:r>
-            <a:r>
-              <a:rPr lang="de-AT" dirty="0" err="1"/>
-              <a:t>to</a:t>
-            </a:r>
-            <a:r>
-              <a:rPr lang="de-AT" dirty="0"/>
-              <a:t> </a:t>
-            </a:r>
-            <a:r>
-              <a:rPr lang="de-AT" dirty="0" err="1"/>
-              <a:t>fight</a:t>
-            </a:r>
-            <a:r>
-              <a:rPr lang="de-AT" dirty="0"/>
-              <a:t> </a:t>
-            </a:r>
-            <a:r>
-              <a:rPr lang="de-AT" dirty="0" err="1"/>
-              <a:t>monsters</a:t>
-            </a:r>
-            <a:r>
-              <a:rPr lang="de-AT" dirty="0"/>
-              <a:t> </a:t>
-            </a:r>
-          </a:p>
-          <a:p>
-            <a:r>
-              <a:rPr lang="de-AT" dirty="0"/>
-              <a:t>After </a:t>
-            </a:r>
-            <a:r>
-              <a:rPr lang="de-AT" dirty="0" err="1"/>
-              <a:t>each</a:t>
-            </a:r>
-            <a:r>
-              <a:rPr lang="de-AT" dirty="0"/>
-              <a:t> battle </a:t>
-            </a:r>
-            <a:r>
-              <a:rPr lang="de-AT" dirty="0" err="1"/>
-              <a:t>you</a:t>
-            </a:r>
-            <a:r>
-              <a:rPr lang="de-AT" dirty="0"/>
-              <a:t> will </a:t>
-            </a:r>
-            <a:r>
-              <a:rPr lang="de-AT" dirty="0" err="1"/>
-              <a:t>get</a:t>
-            </a:r>
-            <a:r>
-              <a:rPr lang="de-AT" dirty="0"/>
-              <a:t> </a:t>
-            </a:r>
-            <a:r>
-              <a:rPr lang="de-AT" dirty="0" err="1"/>
-              <a:t>stronger</a:t>
-            </a:r>
-            <a:r>
-              <a:rPr lang="de-AT" dirty="0"/>
-              <a:t> </a:t>
-            </a:r>
-          </a:p>
-          <a:p>
-            <a:r>
-              <a:rPr lang="de-AT" dirty="0" err="1"/>
-              <a:t>You</a:t>
-            </a:r>
-            <a:r>
-              <a:rPr lang="de-AT" dirty="0"/>
-              <a:t> will </a:t>
-            </a:r>
-            <a:r>
-              <a:rPr lang="de-AT" dirty="0" err="1"/>
-              <a:t>meet</a:t>
-            </a:r>
-            <a:r>
-              <a:rPr lang="de-AT" dirty="0"/>
-              <a:t> </a:t>
-            </a:r>
-            <a:r>
-              <a:rPr lang="de-AT" dirty="0" err="1"/>
-              <a:t>new</a:t>
-            </a:r>
-            <a:r>
-              <a:rPr lang="de-AT" dirty="0"/>
-              <a:t> </a:t>
-            </a:r>
-            <a:r>
-              <a:rPr lang="de-AT" dirty="0" err="1"/>
-              <a:t>people</a:t>
-            </a:r>
-            <a:r>
-              <a:rPr lang="de-AT" dirty="0"/>
-              <a:t> </a:t>
-            </a:r>
-            <a:r>
-              <a:rPr lang="de-AT" dirty="0" err="1"/>
-              <a:t>as</a:t>
-            </a:r>
-            <a:r>
-              <a:rPr lang="de-AT" dirty="0"/>
-              <a:t> </a:t>
-            </a:r>
-            <a:r>
-              <a:rPr lang="de-AT" dirty="0" err="1"/>
-              <a:t>you</a:t>
-            </a:r>
-            <a:r>
-              <a:rPr lang="de-AT" dirty="0"/>
-              <a:t> </a:t>
-            </a:r>
-            <a:r>
-              <a:rPr lang="de-AT" dirty="0" err="1"/>
-              <a:t>progress</a:t>
-            </a:r>
-            <a:r>
-              <a:rPr lang="de-AT" dirty="0"/>
-              <a:t> </a:t>
-            </a:r>
-            <a:r>
-              <a:rPr lang="de-AT" dirty="0" err="1"/>
-              <a:t>who</a:t>
-            </a:r>
-            <a:r>
-              <a:rPr lang="de-AT" dirty="0"/>
-              <a:t> </a:t>
-            </a:r>
-            <a:r>
-              <a:rPr lang="de-AT" dirty="0" err="1"/>
-              <a:t>might</a:t>
-            </a:r>
-            <a:r>
-              <a:rPr lang="de-AT" dirty="0"/>
-              <a:t> </a:t>
-            </a:r>
-            <a:r>
-              <a:rPr lang="de-AT" dirty="0" err="1"/>
-              <a:t>join</a:t>
-            </a:r>
-            <a:r>
-              <a:rPr lang="de-AT" dirty="0"/>
-              <a:t> </a:t>
-            </a:r>
-            <a:r>
-              <a:rPr lang="de-AT" dirty="0" err="1"/>
-              <a:t>you</a:t>
-            </a:r>
-            <a:endParaRPr lang="de-AT" dirty="0"/>
+              <a:rPr lang="de-AT">
+                <a:solidFill>
+                  <a:schemeClr val="tx1"/>
+                </a:solidFill>
+              </a:rPr>
+              <a:t>In the beginning you pick one out of five classes</a:t>
+            </a:r>
+          </a:p>
+          <a:p>
+            <a:r>
+              <a:rPr lang="de-AT">
+                <a:solidFill>
+                  <a:schemeClr val="tx1"/>
+                </a:solidFill>
+              </a:rPr>
+              <a:t>Each class has different abilities and strengths</a:t>
+            </a:r>
+          </a:p>
+          <a:p>
+            <a:r>
+              <a:rPr lang="de-AT">
+                <a:solidFill>
+                  <a:schemeClr val="tx1"/>
+                </a:solidFill>
+              </a:rPr>
+              <a:t>You travel the game world while progressing through the game</a:t>
+            </a:r>
+          </a:p>
+          <a:p>
+            <a:r>
+              <a:rPr lang="de-AT">
+                <a:solidFill>
+                  <a:schemeClr val="tx1"/>
+                </a:solidFill>
+              </a:rPr>
+              <a:t>As you travel you will have to fight monsters </a:t>
+            </a:r>
+          </a:p>
+          <a:p>
+            <a:r>
+              <a:rPr lang="de-AT">
+                <a:solidFill>
+                  <a:schemeClr val="tx1"/>
+                </a:solidFill>
+              </a:rPr>
+              <a:t>After each battle you will get stronger </a:t>
+            </a:r>
+          </a:p>
+          <a:p>
+            <a:r>
+              <a:rPr lang="de-AT">
+                <a:solidFill>
+                  <a:schemeClr val="tx1"/>
+                </a:solidFill>
+              </a:rPr>
+              <a:t>You will meet new people as you progress who might join you</a:t>
+            </a:r>
           </a:p>
         </p:txBody>
       </p:sp>
@@ -4133,6 +7145,25 @@
 <file path=ppt/slides/slide4.xml><?xml version="1.0" encoding="utf-8"?>
 <p:sld xmlns:a="http://schemas.openxmlformats.org/drawingml/2006/main" xmlns:r="http://schemas.openxmlformats.org/officeDocument/2006/relationships" xmlns:p="http://schemas.openxmlformats.org/presentationml/2006/main">
   <p:cSld>
+    <p:bg>
+      <p:bgPr>
+        <a:blipFill rotWithShape="1">
+          <a:blip r:embed="rId2">
+            <a:duotone>
+              <a:schemeClr val="bg2">
+                <a:shade val="80000"/>
+                <a:lumMod val="80000"/>
+              </a:schemeClr>
+              <a:schemeClr val="bg2">
+                <a:tint val="98000"/>
+              </a:schemeClr>
+            </a:duotone>
+          </a:blip>
+          <a:stretch/>
+        </a:blipFill>
+        <a:effectLst/>
+      </p:bgPr>
+    </p:bg>
     <p:spTree>
       <p:nvGrpSpPr>
         <p:cNvPr id="1" name=""/>
@@ -4147,6 +7178,66 @@
           <a:chExt cx="0" cy="0"/>
         </a:xfrm>
       </p:grpSpPr>
+      <p:sp useBgFill="1">
+        <p:nvSpPr>
+          <p:cNvPr id="16" name="Rectangle 7">
+            <a:extLst>
+              <a:ext uri="{FF2B5EF4-FFF2-40B4-BE49-F238E27FC236}">
+                <a16:creationId xmlns:a16="http://schemas.microsoft.com/office/drawing/2014/main" id="{769960A3-4EE1-43D2-ABFC-C7A03ED21489}"/>
+              </a:ext>
+              <a:ext uri="{C183D7F6-B498-43B3-948B-1728B52AA6E4}">
+                <adec:decorative xmlns:adec="http://schemas.microsoft.com/office/drawing/2017/decorative" val="1"/>
+              </a:ext>
+            </a:extLst>
+          </p:cNvPr>
+          <p:cNvSpPr>
+            <a:spLocks noGrp="1" noRot="1" noChangeAspect="1" noMove="1" noResize="1" noEditPoints="1" noAdjustHandles="1" noChangeArrowheads="1" noChangeShapeType="1" noTextEdit="1"/>
+          </p:cNvSpPr>
+          <p:nvPr>
+            <p:extLst>
+              <p:ext uri="{386F3935-93C4-4BCD-93E2-E3B085C9AB24}">
+                <p16:designElem xmlns:p16="http://schemas.microsoft.com/office/powerpoint/2015/main" val="1"/>
+              </p:ext>
+            </p:extLst>
+          </p:nvPr>
+        </p:nvSpPr>
+        <p:spPr>
+          <a:xfrm>
+            <a:off x="0" y="0"/>
+            <a:ext cx="12192000" cy="6858000"/>
+          </a:xfrm>
+          <a:prstGeom prst="rect">
+            <a:avLst/>
+          </a:prstGeom>
+          <a:ln>
+            <a:noFill/>
+          </a:ln>
+        </p:spPr>
+        <p:style>
+          <a:lnRef idx="2">
+            <a:schemeClr val="accent1">
+              <a:shade val="50000"/>
+            </a:schemeClr>
+          </a:lnRef>
+          <a:fillRef idx="1">
+            <a:schemeClr val="accent1"/>
+          </a:fillRef>
+          <a:effectRef idx="0">
+            <a:schemeClr val="accent1"/>
+          </a:effectRef>
+          <a:fontRef idx="minor">
+            <a:schemeClr val="lt1"/>
+          </a:fontRef>
+        </p:style>
+        <p:txBody>
+          <a:bodyPr rtlCol="0" anchor="ctr"/>
+          <a:lstStyle/>
+          <a:p>
+            <a:pPr algn="ctr"/>
+            <a:endParaRPr lang="en-US"/>
+          </a:p>
+        </p:txBody>
+      </p:sp>
       <p:sp>
         <p:nvSpPr>
           <p:cNvPr id="2" name="Titel 1">
@@ -4163,18 +7254,77 @@
             <p:ph type="title"/>
           </p:nvPr>
         </p:nvSpPr>
-        <p:spPr/>
-        <p:txBody>
-          <a:bodyPr/>
+        <p:spPr>
+          <a:xfrm>
+            <a:off x="913795" y="609600"/>
+            <a:ext cx="10353762" cy="1164772"/>
+          </a:xfrm>
+        </p:spPr>
+        <p:txBody>
+          <a:bodyPr>
+            <a:normAutofit/>
+          </a:bodyPr>
           <a:lstStyle/>
           <a:p>
             <a:r>
-              <a:rPr lang="de-AT" dirty="0"/>
+              <a:rPr lang="de-AT"/>
               <a:t>Battle</a:t>
             </a:r>
-          </a:p>
-        </p:txBody>
-      </p:sp>
+            <a:endParaRPr lang="de-AT" dirty="0"/>
+          </a:p>
+        </p:txBody>
+      </p:sp>
+      <p:pic>
+        <p:nvPicPr>
+          <p:cNvPr id="17" name="Picture 9">
+            <a:extLst>
+              <a:ext uri="{FF2B5EF4-FFF2-40B4-BE49-F238E27FC236}">
+                <a16:creationId xmlns:a16="http://schemas.microsoft.com/office/drawing/2014/main" id="{16ABCF9F-46A6-4370-8EC8-B1EDB4510B54}"/>
+              </a:ext>
+              <a:ext uri="{C183D7F6-B498-43B3-948B-1728B52AA6E4}">
+                <adec:decorative xmlns:adec="http://schemas.microsoft.com/office/drawing/2017/decorative" val="1"/>
+              </a:ext>
+            </a:extLst>
+          </p:cNvPr>
+          <p:cNvPicPr preferRelativeResize="0">
+            <a:picLocks noGrp="1" noRot="1" noChangeAspect="1" noMove="1" noResize="1" noEditPoints="1" noAdjustHandles="1" noChangeArrowheads="1" noChangeShapeType="1" noCrop="1"/>
+          </p:cNvPicPr>
+          <p:nvPr>
+            <p:extLst>
+              <p:ext uri="{386F3935-93C4-4BCD-93E2-E3B085C9AB24}">
+                <p16:designElem xmlns:p16="http://schemas.microsoft.com/office/powerpoint/2015/main" val="1"/>
+              </p:ext>
+            </p:extLst>
+          </p:nvPr>
+        </p:nvPicPr>
+        <p:blipFill rotWithShape="1">
+          <a:blip r:embed="rId3">
+            <a:extLst>
+              <a:ext uri="{28A0092B-C50C-407E-A947-70E740481C1C}">
+                <a14:useLocalDpi xmlns:a14="http://schemas.microsoft.com/office/drawing/2010/main" val="0"/>
+              </a:ext>
+            </a:extLst>
+          </a:blip>
+          <a:srcRect l="798" t="2669" r="616"/>
+          <a:stretch/>
+        </p:blipFill>
+        <p:spPr>
+          <a:xfrm>
+            <a:off x="-1" y="2046514"/>
+            <a:ext cx="12192001" cy="4811485"/>
+          </a:xfrm>
+          <a:prstGeom prst="rect">
+            <a:avLst/>
+          </a:prstGeom>
+          <a:effectLst>
+            <a:innerShdw blurRad="63500" dist="50800" dir="16200000">
+              <a:prstClr val="black">
+                <a:alpha val="50000"/>
+              </a:prstClr>
+            </a:innerShdw>
+          </a:effectLst>
+        </p:spPr>
+      </p:pic>
       <p:sp>
         <p:nvSpPr>
           <p:cNvPr id="3" name="Inhaltsplatzhalter 2">
@@ -4191,369 +7341,51 @@
             <p:ph idx="1"/>
           </p:nvPr>
         </p:nvSpPr>
-        <p:spPr/>
-        <p:txBody>
-          <a:bodyPr/>
+        <p:spPr>
+          <a:xfrm>
+            <a:off x="1235528" y="2481943"/>
+            <a:ext cx="9710296" cy="3309258"/>
+          </a:xfrm>
+        </p:spPr>
+        <p:txBody>
+          <a:bodyPr>
+            <a:normAutofit/>
+          </a:bodyPr>
           <a:lstStyle/>
           <a:p>
             <a:r>
-              <a:rPr lang="de-AT" dirty="0" err="1"/>
-              <a:t>Classical</a:t>
-            </a:r>
-            <a:r>
-              <a:rPr lang="de-AT" dirty="0"/>
-              <a:t> turn </a:t>
-            </a:r>
-            <a:r>
-              <a:rPr lang="de-AT" dirty="0" err="1"/>
-              <a:t>based</a:t>
-            </a:r>
-            <a:r>
-              <a:rPr lang="de-AT" dirty="0"/>
-              <a:t> battle </a:t>
-            </a:r>
-            <a:r>
-              <a:rPr lang="de-AT" dirty="0" err="1"/>
-              <a:t>system</a:t>
-            </a:r>
-            <a:endParaRPr lang="de-AT" dirty="0"/>
-          </a:p>
-          <a:p>
-            <a:r>
-              <a:rPr lang="de-AT" dirty="0" err="1"/>
-              <a:t>Soulbar</a:t>
-            </a:r>
-            <a:r>
-              <a:rPr lang="de-AT" dirty="0"/>
-              <a:t> </a:t>
-            </a:r>
-            <a:r>
-              <a:rPr lang="de-AT" dirty="0" err="1"/>
-              <a:t>charges</a:t>
-            </a:r>
-            <a:r>
-              <a:rPr lang="de-AT" dirty="0"/>
-              <a:t> </a:t>
-            </a:r>
-            <a:r>
-              <a:rPr lang="de-AT" dirty="0" err="1"/>
-              <a:t>up</a:t>
-            </a:r>
-            <a:r>
-              <a:rPr lang="de-AT" dirty="0"/>
-              <a:t> after </a:t>
-            </a:r>
-            <a:r>
-              <a:rPr lang="de-AT" dirty="0" err="1"/>
-              <a:t>each</a:t>
-            </a:r>
-            <a:r>
-              <a:rPr lang="de-AT" dirty="0"/>
-              <a:t> </a:t>
-            </a:r>
-            <a:r>
-              <a:rPr lang="de-AT" dirty="0" err="1"/>
-              <a:t>attack</a:t>
-            </a:r>
-            <a:endParaRPr lang="de-AT" dirty="0"/>
-          </a:p>
-          <a:p>
-            <a:r>
-              <a:rPr lang="de-AT" dirty="0" err="1"/>
-              <a:t>If</a:t>
-            </a:r>
-            <a:r>
-              <a:rPr lang="de-AT" dirty="0"/>
-              <a:t> </a:t>
-            </a:r>
-            <a:r>
-              <a:rPr lang="de-AT" dirty="0" err="1"/>
-              <a:t>it</a:t>
-            </a:r>
-            <a:r>
-              <a:rPr lang="de-AT" dirty="0"/>
-              <a:t> </a:t>
-            </a:r>
-            <a:r>
-              <a:rPr lang="de-AT" dirty="0" err="1"/>
-              <a:t>is</a:t>
-            </a:r>
-            <a:r>
-              <a:rPr lang="de-AT" dirty="0"/>
-              <a:t> </a:t>
-            </a:r>
-            <a:r>
-              <a:rPr lang="de-AT" dirty="0" err="1"/>
-              <a:t>full</a:t>
-            </a:r>
-            <a:r>
-              <a:rPr lang="de-AT" dirty="0"/>
-              <a:t> </a:t>
-            </a:r>
-            <a:r>
-              <a:rPr lang="de-AT" dirty="0" err="1"/>
-              <a:t>you</a:t>
-            </a:r>
-            <a:r>
-              <a:rPr lang="de-AT" dirty="0"/>
-              <a:t> </a:t>
-            </a:r>
-            <a:r>
-              <a:rPr lang="de-AT" dirty="0" err="1"/>
-              <a:t>can</a:t>
-            </a:r>
-            <a:r>
-              <a:rPr lang="de-AT" dirty="0"/>
-              <a:t> </a:t>
-            </a:r>
-            <a:r>
-              <a:rPr lang="de-AT" dirty="0" err="1"/>
-              <a:t>use</a:t>
-            </a:r>
-            <a:r>
-              <a:rPr lang="de-AT" dirty="0"/>
-              <a:t> an </a:t>
-            </a:r>
-            <a:r>
-              <a:rPr lang="de-AT" dirty="0" err="1"/>
-              <a:t>empowered</a:t>
-            </a:r>
-            <a:r>
-              <a:rPr lang="de-AT" dirty="0"/>
-              <a:t> </a:t>
-            </a:r>
-            <a:r>
-              <a:rPr lang="de-AT" dirty="0" err="1"/>
-              <a:t>attack</a:t>
-            </a:r>
-            <a:endParaRPr lang="de-AT" dirty="0"/>
-          </a:p>
-          <a:p>
-            <a:r>
-              <a:rPr lang="de-AT" dirty="0" err="1"/>
-              <a:t>Each</a:t>
-            </a:r>
-            <a:r>
-              <a:rPr lang="de-AT" dirty="0"/>
-              <a:t> </a:t>
-            </a:r>
-            <a:r>
-              <a:rPr lang="de-AT" dirty="0" err="1"/>
-              <a:t>enemy</a:t>
-            </a:r>
-            <a:r>
-              <a:rPr lang="de-AT" dirty="0"/>
-              <a:t> </a:t>
-            </a:r>
-            <a:r>
-              <a:rPr lang="de-AT" dirty="0" err="1"/>
-              <a:t>has</a:t>
-            </a:r>
-            <a:r>
-              <a:rPr lang="de-AT" dirty="0"/>
-              <a:t> a </a:t>
-            </a:r>
-            <a:r>
-              <a:rPr lang="de-AT" dirty="0" err="1"/>
-              <a:t>magical</a:t>
-            </a:r>
-            <a:r>
-              <a:rPr lang="de-AT" dirty="0"/>
-              <a:t> </a:t>
-            </a:r>
-            <a:r>
-              <a:rPr lang="de-AT" dirty="0" err="1"/>
-              <a:t>shield</a:t>
-            </a:r>
-            <a:r>
-              <a:rPr lang="de-AT" dirty="0"/>
-              <a:t> </a:t>
-            </a:r>
-            <a:r>
-              <a:rPr lang="de-AT" dirty="0" err="1"/>
-              <a:t>which</a:t>
-            </a:r>
-            <a:r>
-              <a:rPr lang="de-AT" dirty="0"/>
-              <a:t> </a:t>
-            </a:r>
-            <a:r>
-              <a:rPr lang="de-AT" dirty="0" err="1"/>
-              <a:t>reduces</a:t>
-            </a:r>
-            <a:r>
-              <a:rPr lang="de-AT" dirty="0"/>
-              <a:t> </a:t>
-            </a:r>
-            <a:r>
-              <a:rPr lang="de-AT" dirty="0" err="1"/>
-              <a:t>damage</a:t>
-            </a:r>
-            <a:endParaRPr lang="de-AT" dirty="0"/>
-          </a:p>
-          <a:p>
-            <a:r>
-              <a:rPr lang="de-AT" dirty="0" err="1"/>
-              <a:t>You</a:t>
-            </a:r>
-            <a:r>
-              <a:rPr lang="de-AT" dirty="0"/>
-              <a:t> </a:t>
-            </a:r>
-            <a:r>
-              <a:rPr lang="de-AT" dirty="0" err="1"/>
-              <a:t>can</a:t>
-            </a:r>
-            <a:r>
-              <a:rPr lang="de-AT" dirty="0"/>
-              <a:t> break </a:t>
-            </a:r>
-            <a:r>
-              <a:rPr lang="de-AT" dirty="0" err="1"/>
-              <a:t>it</a:t>
-            </a:r>
-            <a:r>
-              <a:rPr lang="de-AT" dirty="0"/>
-              <a:t> </a:t>
-            </a:r>
-            <a:r>
-              <a:rPr lang="de-AT" dirty="0" err="1"/>
-              <a:t>by</a:t>
-            </a:r>
-            <a:r>
-              <a:rPr lang="de-AT" dirty="0"/>
-              <a:t> </a:t>
-            </a:r>
-            <a:r>
-              <a:rPr lang="de-AT" dirty="0" err="1"/>
-              <a:t>hitting</a:t>
-            </a:r>
-            <a:r>
-              <a:rPr lang="de-AT" dirty="0"/>
-              <a:t> </a:t>
-            </a:r>
-            <a:r>
-              <a:rPr lang="de-AT" dirty="0" err="1"/>
-              <a:t>them</a:t>
-            </a:r>
-            <a:r>
-              <a:rPr lang="de-AT" dirty="0"/>
-              <a:t> </a:t>
-            </a:r>
-            <a:r>
-              <a:rPr lang="de-AT" dirty="0" err="1"/>
-              <a:t>with</a:t>
-            </a:r>
-            <a:r>
-              <a:rPr lang="de-AT" dirty="0"/>
-              <a:t> an </a:t>
-            </a:r>
-            <a:r>
-              <a:rPr lang="de-AT" dirty="0" err="1"/>
-              <a:t>element</a:t>
-            </a:r>
-            <a:r>
-              <a:rPr lang="de-AT" dirty="0"/>
-              <a:t> </a:t>
-            </a:r>
-            <a:r>
-              <a:rPr lang="de-AT" dirty="0" err="1"/>
-              <a:t>they</a:t>
-            </a:r>
-            <a:r>
-              <a:rPr lang="de-AT" dirty="0"/>
-              <a:t> </a:t>
-            </a:r>
-            <a:r>
-              <a:rPr lang="de-AT" dirty="0" err="1"/>
-              <a:t>are</a:t>
-            </a:r>
-            <a:r>
-              <a:rPr lang="de-AT" dirty="0"/>
-              <a:t> </a:t>
-            </a:r>
-            <a:r>
-              <a:rPr lang="de-AT" dirty="0" err="1"/>
-              <a:t>weak</a:t>
-            </a:r>
-            <a:r>
-              <a:rPr lang="de-AT" dirty="0"/>
-              <a:t> </a:t>
-            </a:r>
-            <a:r>
-              <a:rPr lang="de-AT" dirty="0" err="1"/>
-              <a:t>to</a:t>
-            </a:r>
-            <a:endParaRPr lang="de-AT" dirty="0"/>
-          </a:p>
-          <a:p>
-            <a:r>
-              <a:rPr lang="de-AT" dirty="0" err="1"/>
-              <a:t>Two</a:t>
-            </a:r>
-            <a:r>
-              <a:rPr lang="de-AT" dirty="0"/>
-              <a:t> </a:t>
-            </a:r>
-            <a:r>
-              <a:rPr lang="de-AT" dirty="0" err="1"/>
-              <a:t>party</a:t>
-            </a:r>
-            <a:r>
-              <a:rPr lang="de-AT" dirty="0"/>
-              <a:t> </a:t>
-            </a:r>
-            <a:r>
-              <a:rPr lang="de-AT" dirty="0" err="1"/>
-              <a:t>members</a:t>
-            </a:r>
-            <a:r>
-              <a:rPr lang="de-AT" dirty="0"/>
-              <a:t> </a:t>
-            </a:r>
-            <a:r>
-              <a:rPr lang="de-AT" dirty="0" err="1"/>
-              <a:t>can</a:t>
-            </a:r>
-            <a:r>
-              <a:rPr lang="de-AT" dirty="0"/>
-              <a:t> </a:t>
-            </a:r>
-            <a:r>
-              <a:rPr lang="de-AT" dirty="0" err="1"/>
-              <a:t>attack</a:t>
-            </a:r>
-            <a:r>
-              <a:rPr lang="de-AT" dirty="0"/>
-              <a:t> </a:t>
-            </a:r>
-            <a:r>
-              <a:rPr lang="de-AT" dirty="0" err="1"/>
-              <a:t>together</a:t>
-            </a:r>
-            <a:r>
-              <a:rPr lang="de-AT" dirty="0"/>
-              <a:t> </a:t>
-            </a:r>
-            <a:r>
-              <a:rPr lang="de-AT" dirty="0" err="1"/>
-              <a:t>with</a:t>
-            </a:r>
-            <a:r>
-              <a:rPr lang="de-AT" dirty="0"/>
-              <a:t> a </a:t>
-            </a:r>
-            <a:r>
-              <a:rPr lang="de-AT" dirty="0" err="1"/>
-              <a:t>partner</a:t>
-            </a:r>
-            <a:r>
-              <a:rPr lang="de-AT" dirty="0"/>
-              <a:t> </a:t>
-            </a:r>
-            <a:r>
-              <a:rPr lang="de-AT" dirty="0" err="1"/>
-              <a:t>attack</a:t>
+              <a:rPr lang="de-AT"/>
+              <a:t>Classical turn based battle system</a:t>
+            </a:r>
+          </a:p>
+          <a:p>
+            <a:r>
+              <a:rPr lang="de-AT"/>
+              <a:t>Soulbar charges up after each attack</a:t>
+            </a:r>
+          </a:p>
+          <a:p>
+            <a:r>
+              <a:rPr lang="de-AT"/>
+              <a:t>If it is full you can use an empowered attack</a:t>
+            </a:r>
+          </a:p>
+          <a:p>
+            <a:r>
+              <a:rPr lang="de-AT"/>
+              <a:t>Each enemy has a magical shield which reduces damage</a:t>
+            </a:r>
+          </a:p>
+          <a:p>
+            <a:r>
+              <a:rPr lang="de-AT"/>
+              <a:t>You can break it by hitting them with an element they are weak to</a:t>
+            </a:r>
+          </a:p>
+          <a:p>
+            <a:r>
+              <a:rPr lang="de-AT"/>
+              <a:t>Two party members can attack together with a partner attack</a:t>
             </a:r>
             <a:endParaRPr lang="de-AT" dirty="0"/>
           </a:p>
@@ -4575,6 +7407,25 @@
 <file path=ppt/slides/slide5.xml><?xml version="1.0" encoding="utf-8"?>
 <p:sld xmlns:a="http://schemas.openxmlformats.org/drawingml/2006/main" xmlns:r="http://schemas.openxmlformats.org/officeDocument/2006/relationships" xmlns:p="http://schemas.openxmlformats.org/presentationml/2006/main">
   <p:cSld>
+    <p:bg>
+      <p:bgPr>
+        <a:blipFill rotWithShape="1">
+          <a:blip r:embed="rId2">
+            <a:duotone>
+              <a:schemeClr val="bg2">
+                <a:shade val="80000"/>
+                <a:lumMod val="80000"/>
+              </a:schemeClr>
+              <a:schemeClr val="bg2">
+                <a:tint val="98000"/>
+              </a:schemeClr>
+            </a:duotone>
+          </a:blip>
+          <a:stretch/>
+        </a:blipFill>
+        <a:effectLst/>
+      </p:bgPr>
+    </p:bg>
     <p:spTree>
       <p:nvGrpSpPr>
         <p:cNvPr id="1" name=""/>
@@ -4589,6 +7440,66 @@
           <a:chExt cx="0" cy="0"/>
         </a:xfrm>
       </p:grpSpPr>
+      <p:sp useBgFill="1">
+        <p:nvSpPr>
+          <p:cNvPr id="26" name="Rectangle 7">
+            <a:extLst>
+              <a:ext uri="{FF2B5EF4-FFF2-40B4-BE49-F238E27FC236}">
+                <a16:creationId xmlns:a16="http://schemas.microsoft.com/office/drawing/2014/main" id="{769960A3-4EE1-43D2-ABFC-C7A03ED21489}"/>
+              </a:ext>
+              <a:ext uri="{C183D7F6-B498-43B3-948B-1728B52AA6E4}">
+                <adec:decorative xmlns:adec="http://schemas.microsoft.com/office/drawing/2017/decorative" val="1"/>
+              </a:ext>
+            </a:extLst>
+          </p:cNvPr>
+          <p:cNvSpPr>
+            <a:spLocks noGrp="1" noRot="1" noChangeAspect="1" noMove="1" noResize="1" noEditPoints="1" noAdjustHandles="1" noChangeArrowheads="1" noChangeShapeType="1" noTextEdit="1"/>
+          </p:cNvSpPr>
+          <p:nvPr>
+            <p:extLst>
+              <p:ext uri="{386F3935-93C4-4BCD-93E2-E3B085C9AB24}">
+                <p16:designElem xmlns:p16="http://schemas.microsoft.com/office/powerpoint/2015/main" val="1"/>
+              </p:ext>
+            </p:extLst>
+          </p:nvPr>
+        </p:nvSpPr>
+        <p:spPr>
+          <a:xfrm>
+            <a:off x="0" y="0"/>
+            <a:ext cx="12192000" cy="6858000"/>
+          </a:xfrm>
+          <a:prstGeom prst="rect">
+            <a:avLst/>
+          </a:prstGeom>
+          <a:ln>
+            <a:noFill/>
+          </a:ln>
+        </p:spPr>
+        <p:style>
+          <a:lnRef idx="2">
+            <a:schemeClr val="accent1">
+              <a:shade val="50000"/>
+            </a:schemeClr>
+          </a:lnRef>
+          <a:fillRef idx="1">
+            <a:schemeClr val="accent1"/>
+          </a:fillRef>
+          <a:effectRef idx="0">
+            <a:schemeClr val="accent1"/>
+          </a:effectRef>
+          <a:fontRef idx="minor">
+            <a:schemeClr val="lt1"/>
+          </a:fontRef>
+        </p:style>
+        <p:txBody>
+          <a:bodyPr rtlCol="0" anchor="ctr"/>
+          <a:lstStyle/>
+          <a:p>
+            <a:pPr algn="ctr"/>
+            <a:endParaRPr lang="en-US"/>
+          </a:p>
+        </p:txBody>
+      </p:sp>
       <p:sp>
         <p:nvSpPr>
           <p:cNvPr id="2" name="Titel 1">
@@ -4605,21 +7516,80 @@
             <p:ph type="title"/>
           </p:nvPr>
         </p:nvSpPr>
-        <p:spPr/>
-        <p:txBody>
-          <a:bodyPr/>
+        <p:spPr>
+          <a:xfrm>
+            <a:off x="913795" y="609600"/>
+            <a:ext cx="10353762" cy="1164772"/>
+          </a:xfrm>
+        </p:spPr>
+        <p:txBody>
+          <a:bodyPr>
+            <a:normAutofit/>
+          </a:bodyPr>
           <a:lstStyle/>
           <a:p>
             <a:r>
-              <a:rPr lang="de-AT" dirty="0"/>
+              <a:rPr lang="de-AT"/>
               <a:t>Story</a:t>
             </a:r>
-          </a:p>
-        </p:txBody>
-      </p:sp>
-      <p:sp>
-        <p:nvSpPr>
-          <p:cNvPr id="3" name="Inhaltsplatzhalter 2">
+            <a:endParaRPr lang="de-AT" dirty="0"/>
+          </a:p>
+        </p:txBody>
+      </p:sp>
+      <p:pic>
+        <p:nvPicPr>
+          <p:cNvPr id="27" name="Picture 9">
+            <a:extLst>
+              <a:ext uri="{FF2B5EF4-FFF2-40B4-BE49-F238E27FC236}">
+                <a16:creationId xmlns:a16="http://schemas.microsoft.com/office/drawing/2014/main" id="{16ABCF9F-46A6-4370-8EC8-B1EDB4510B54}"/>
+              </a:ext>
+              <a:ext uri="{C183D7F6-B498-43B3-948B-1728B52AA6E4}">
+                <adec:decorative xmlns:adec="http://schemas.microsoft.com/office/drawing/2017/decorative" val="1"/>
+              </a:ext>
+            </a:extLst>
+          </p:cNvPr>
+          <p:cNvPicPr preferRelativeResize="0">
+            <a:picLocks noGrp="1" noRot="1" noChangeAspect="1" noMove="1" noResize="1" noEditPoints="1" noAdjustHandles="1" noChangeArrowheads="1" noChangeShapeType="1" noCrop="1"/>
+          </p:cNvPicPr>
+          <p:nvPr>
+            <p:extLst>
+              <p:ext uri="{386F3935-93C4-4BCD-93E2-E3B085C9AB24}">
+                <p16:designElem xmlns:p16="http://schemas.microsoft.com/office/powerpoint/2015/main" val="1"/>
+              </p:ext>
+            </p:extLst>
+          </p:nvPr>
+        </p:nvPicPr>
+        <p:blipFill rotWithShape="1">
+          <a:blip r:embed="rId3">
+            <a:extLst>
+              <a:ext uri="{28A0092B-C50C-407E-A947-70E740481C1C}">
+                <a14:useLocalDpi xmlns:a14="http://schemas.microsoft.com/office/drawing/2010/main" val="0"/>
+              </a:ext>
+            </a:extLst>
+          </a:blip>
+          <a:srcRect l="798" t="2669" r="616"/>
+          <a:stretch/>
+        </p:blipFill>
+        <p:spPr>
+          <a:xfrm>
+            <a:off x="-1" y="2046514"/>
+            <a:ext cx="12192001" cy="4811485"/>
+          </a:xfrm>
+          <a:prstGeom prst="rect">
+            <a:avLst/>
+          </a:prstGeom>
+          <a:effectLst>
+            <a:innerShdw blurRad="63500" dist="50800" dir="16200000">
+              <a:prstClr val="black">
+                <a:alpha val="50000"/>
+              </a:prstClr>
+            </a:innerShdw>
+          </a:effectLst>
+        </p:spPr>
+      </p:pic>
+      <p:sp>
+        <p:nvSpPr>
+          <p:cNvPr id="28" name="Inhaltsplatzhalter 2">
             <a:extLst>
               <a:ext uri="{FF2B5EF4-FFF2-40B4-BE49-F238E27FC236}">
                 <a16:creationId xmlns:a16="http://schemas.microsoft.com/office/drawing/2014/main" id="{3EABC04E-4357-2FCB-CFE9-58629759EADF}"/>
@@ -4633,11 +7603,473 @@
             <p:ph idx="1"/>
           </p:nvPr>
         </p:nvSpPr>
-        <p:spPr/>
-        <p:txBody>
-          <a:bodyPr/>
+        <p:spPr>
+          <a:xfrm>
+            <a:off x="1235528" y="2481943"/>
+            <a:ext cx="9710296" cy="3309258"/>
+          </a:xfrm>
+        </p:spPr>
+        <p:txBody>
+          <a:bodyPr>
+            <a:normAutofit/>
+          </a:bodyPr>
           <a:lstStyle/>
           <a:p>
+            <a:pPr>
+              <a:lnSpc>
+                <a:spcPct val="90000"/>
+              </a:lnSpc>
+            </a:pPr>
+            <a:r>
+              <a:rPr lang="de-AT"/>
+              <a:t>2 </a:t>
+            </a:r>
+            <a:r>
+              <a:rPr lang="de-AT" err="1"/>
+              <a:t>kingdoms</a:t>
+            </a:r>
+            <a:r>
+              <a:rPr lang="de-AT"/>
+              <a:t> -&gt; Kingdom </a:t>
+            </a:r>
+            <a:r>
+              <a:rPr lang="de-AT" err="1"/>
+              <a:t>of</a:t>
+            </a:r>
+            <a:r>
+              <a:rPr lang="de-AT"/>
+              <a:t> Souls, Kingdom </a:t>
+            </a:r>
+            <a:r>
+              <a:rPr lang="de-AT" err="1"/>
+              <a:t>of</a:t>
+            </a:r>
+            <a:r>
+              <a:rPr lang="de-AT"/>
+              <a:t> </a:t>
+            </a:r>
+            <a:r>
+              <a:rPr lang="de-AT" err="1"/>
+              <a:t>the</a:t>
+            </a:r>
+            <a:r>
+              <a:rPr lang="de-AT"/>
+              <a:t> </a:t>
+            </a:r>
+            <a:r>
+              <a:rPr lang="de-AT" err="1"/>
+              <a:t>Undead</a:t>
+            </a:r>
+            <a:r>
+              <a:rPr lang="de-AT"/>
+              <a:t> </a:t>
+            </a:r>
+          </a:p>
+          <a:p>
+            <a:pPr>
+              <a:lnSpc>
+                <a:spcPct val="90000"/>
+              </a:lnSpc>
+            </a:pPr>
+            <a:r>
+              <a:rPr lang="de-AT" err="1"/>
+              <a:t>Undead</a:t>
+            </a:r>
+            <a:r>
+              <a:rPr lang="de-AT"/>
+              <a:t> King was </a:t>
+            </a:r>
+            <a:r>
+              <a:rPr lang="de-AT" err="1"/>
+              <a:t>sealed</a:t>
+            </a:r>
+            <a:r>
+              <a:rPr lang="de-AT"/>
+              <a:t> -&gt; </a:t>
+            </a:r>
+            <a:r>
+              <a:rPr lang="de-AT" err="1"/>
+              <a:t>got</a:t>
+            </a:r>
+            <a:r>
+              <a:rPr lang="de-AT"/>
+              <a:t> </a:t>
+            </a:r>
+            <a:r>
+              <a:rPr lang="de-AT" err="1"/>
+              <a:t>freed</a:t>
+            </a:r>
+            <a:r>
+              <a:rPr lang="de-AT"/>
+              <a:t> </a:t>
+            </a:r>
+            <a:r>
+              <a:rPr lang="de-AT" err="1"/>
+              <a:t>by</a:t>
+            </a:r>
+            <a:r>
+              <a:rPr lang="de-AT"/>
+              <a:t> </a:t>
+            </a:r>
+            <a:r>
+              <a:rPr lang="de-AT" err="1"/>
+              <a:t>cultists</a:t>
+            </a:r>
+            <a:endParaRPr lang="de-AT"/>
+          </a:p>
+          <a:p>
+            <a:pPr>
+              <a:lnSpc>
+                <a:spcPct val="90000"/>
+              </a:lnSpc>
+            </a:pPr>
+            <a:r>
+              <a:rPr lang="de-AT" err="1"/>
+              <a:t>Suprise</a:t>
+            </a:r>
+            <a:r>
+              <a:rPr lang="de-AT"/>
+              <a:t> </a:t>
+            </a:r>
+            <a:r>
+              <a:rPr lang="de-AT" err="1"/>
+              <a:t>attacked</a:t>
+            </a:r>
+            <a:r>
+              <a:rPr lang="de-AT"/>
+              <a:t> Kingdom </a:t>
+            </a:r>
+            <a:r>
+              <a:rPr lang="de-AT" err="1"/>
+              <a:t>of</a:t>
+            </a:r>
+            <a:r>
+              <a:rPr lang="de-AT"/>
+              <a:t> Souls -&gt; </a:t>
+            </a:r>
+            <a:r>
+              <a:rPr lang="de-AT" err="1"/>
+              <a:t>whole</a:t>
+            </a:r>
+            <a:r>
+              <a:rPr lang="de-AT"/>
+              <a:t> </a:t>
+            </a:r>
+            <a:r>
+              <a:rPr lang="de-AT" err="1"/>
+              <a:t>kingdom</a:t>
+            </a:r>
+            <a:r>
+              <a:rPr lang="de-AT"/>
+              <a:t> </a:t>
+            </a:r>
+            <a:r>
+              <a:rPr lang="de-AT" err="1"/>
+              <a:t>got</a:t>
+            </a:r>
+            <a:r>
+              <a:rPr lang="de-AT"/>
+              <a:t> </a:t>
+            </a:r>
+            <a:r>
+              <a:rPr lang="de-AT" err="1"/>
+              <a:t>conquered</a:t>
+            </a:r>
+            <a:endParaRPr lang="de-AT"/>
+          </a:p>
+          <a:p>
+            <a:pPr>
+              <a:lnSpc>
+                <a:spcPct val="90000"/>
+              </a:lnSpc>
+            </a:pPr>
+            <a:r>
+              <a:rPr lang="de-AT" err="1"/>
+              <a:t>You</a:t>
+            </a:r>
+            <a:r>
+              <a:rPr lang="de-AT"/>
+              <a:t> </a:t>
+            </a:r>
+            <a:r>
+              <a:rPr lang="de-AT" err="1"/>
+              <a:t>as</a:t>
+            </a:r>
+            <a:r>
+              <a:rPr lang="de-AT"/>
+              <a:t> </a:t>
+            </a:r>
+            <a:r>
+              <a:rPr lang="de-AT" err="1"/>
+              <a:t>the</a:t>
+            </a:r>
+            <a:r>
+              <a:rPr lang="de-AT"/>
+              <a:t> </a:t>
+            </a:r>
+            <a:r>
+              <a:rPr lang="de-AT" err="1"/>
+              <a:t>main</a:t>
+            </a:r>
+            <a:r>
+              <a:rPr lang="de-AT"/>
+              <a:t> </a:t>
+            </a:r>
+            <a:r>
+              <a:rPr lang="de-AT" err="1"/>
+              <a:t>character</a:t>
+            </a:r>
+            <a:r>
+              <a:rPr lang="de-AT"/>
+              <a:t> </a:t>
+            </a:r>
+            <a:r>
+              <a:rPr lang="de-AT" err="1"/>
+              <a:t>are</a:t>
+            </a:r>
+            <a:r>
+              <a:rPr lang="de-AT"/>
+              <a:t> </a:t>
+            </a:r>
+            <a:r>
+              <a:rPr lang="de-AT" err="1"/>
+              <a:t>going</a:t>
+            </a:r>
+            <a:r>
+              <a:rPr lang="de-AT"/>
+              <a:t> on an </a:t>
+            </a:r>
+            <a:r>
+              <a:rPr lang="de-AT" err="1"/>
+              <a:t>adventure</a:t>
+            </a:r>
+            <a:r>
+              <a:rPr lang="de-AT"/>
+              <a:t>:</a:t>
+            </a:r>
+          </a:p>
+          <a:p>
+            <a:pPr lvl="1">
+              <a:lnSpc>
+                <a:spcPct val="90000"/>
+              </a:lnSpc>
+            </a:pPr>
+            <a:r>
+              <a:rPr lang="de-AT" err="1"/>
+              <a:t>You</a:t>
+            </a:r>
+            <a:r>
+              <a:rPr lang="de-AT"/>
+              <a:t> </a:t>
+            </a:r>
+            <a:r>
+              <a:rPr lang="de-AT" err="1"/>
+              <a:t>meet</a:t>
+            </a:r>
+            <a:r>
+              <a:rPr lang="de-AT"/>
+              <a:t> </a:t>
+            </a:r>
+            <a:r>
+              <a:rPr lang="de-AT" err="1"/>
+              <a:t>new</a:t>
+            </a:r>
+            <a:r>
+              <a:rPr lang="de-AT"/>
+              <a:t> </a:t>
+            </a:r>
+            <a:r>
+              <a:rPr lang="de-AT" err="1"/>
+              <a:t>people</a:t>
+            </a:r>
+            <a:r>
+              <a:rPr lang="de-AT"/>
+              <a:t> </a:t>
+            </a:r>
+            <a:r>
+              <a:rPr lang="de-AT" err="1"/>
+              <a:t>who</a:t>
+            </a:r>
+            <a:r>
+              <a:rPr lang="de-AT"/>
+              <a:t> </a:t>
+            </a:r>
+            <a:r>
+              <a:rPr lang="de-AT" err="1"/>
+              <a:t>fight</a:t>
+            </a:r>
+            <a:r>
+              <a:rPr lang="de-AT"/>
+              <a:t> </a:t>
+            </a:r>
+            <a:r>
+              <a:rPr lang="de-AT" err="1"/>
+              <a:t>alongside</a:t>
+            </a:r>
+            <a:r>
+              <a:rPr lang="de-AT"/>
+              <a:t> </a:t>
+            </a:r>
+            <a:r>
+              <a:rPr lang="de-AT" err="1"/>
+              <a:t>you</a:t>
+            </a:r>
+            <a:endParaRPr lang="de-AT"/>
+          </a:p>
+          <a:p>
+            <a:pPr lvl="1">
+              <a:lnSpc>
+                <a:spcPct val="90000"/>
+              </a:lnSpc>
+            </a:pPr>
+            <a:r>
+              <a:rPr lang="de-AT" err="1"/>
+              <a:t>Reconquer</a:t>
+            </a:r>
+            <a:r>
+              <a:rPr lang="de-AT"/>
+              <a:t> </a:t>
+            </a:r>
+            <a:r>
+              <a:rPr lang="de-AT" err="1"/>
+              <a:t>the</a:t>
+            </a:r>
+            <a:r>
+              <a:rPr lang="de-AT"/>
+              <a:t> </a:t>
+            </a:r>
+            <a:r>
+              <a:rPr lang="de-AT" err="1"/>
+              <a:t>kingdom</a:t>
+            </a:r>
+            <a:endParaRPr lang="de-AT"/>
+          </a:p>
+          <a:p>
+            <a:pPr lvl="1">
+              <a:lnSpc>
+                <a:spcPct val="90000"/>
+              </a:lnSpc>
+            </a:pPr>
+            <a:r>
+              <a:rPr lang="de-AT" err="1"/>
+              <a:t>Explore</a:t>
+            </a:r>
+            <a:r>
+              <a:rPr lang="de-AT"/>
+              <a:t> </a:t>
+            </a:r>
+            <a:r>
+              <a:rPr lang="de-AT" err="1"/>
+              <a:t>new</a:t>
+            </a:r>
+            <a:r>
+              <a:rPr lang="de-AT"/>
+              <a:t> </a:t>
+            </a:r>
+            <a:r>
+              <a:rPr lang="de-AT" err="1"/>
+              <a:t>places</a:t>
+            </a:r>
+            <a:r>
+              <a:rPr lang="de-AT"/>
+              <a:t> </a:t>
+            </a:r>
+            <a:r>
+              <a:rPr lang="de-AT" err="1"/>
+              <a:t>around</a:t>
+            </a:r>
+            <a:r>
+              <a:rPr lang="de-AT"/>
+              <a:t> </a:t>
+            </a:r>
+            <a:r>
+              <a:rPr lang="de-AT" err="1"/>
+              <a:t>the</a:t>
+            </a:r>
+            <a:r>
+              <a:rPr lang="de-AT"/>
+              <a:t> </a:t>
+            </a:r>
+            <a:r>
+              <a:rPr lang="de-AT" err="1"/>
+              <a:t>world</a:t>
+            </a:r>
+            <a:endParaRPr lang="de-AT"/>
+          </a:p>
+          <a:p>
+            <a:pPr lvl="1">
+              <a:lnSpc>
+                <a:spcPct val="90000"/>
+              </a:lnSpc>
+            </a:pPr>
+            <a:r>
+              <a:rPr lang="de-AT" err="1"/>
+              <a:t>Stop</a:t>
+            </a:r>
+            <a:r>
+              <a:rPr lang="de-AT"/>
+              <a:t> </a:t>
+            </a:r>
+            <a:r>
+              <a:rPr lang="de-AT" err="1"/>
+              <a:t>the</a:t>
+            </a:r>
+            <a:r>
+              <a:rPr lang="de-AT"/>
+              <a:t> </a:t>
+            </a:r>
+            <a:r>
+              <a:rPr lang="de-AT" err="1"/>
+              <a:t>Undead</a:t>
+            </a:r>
+            <a:r>
+              <a:rPr lang="de-AT"/>
+              <a:t> King </a:t>
+            </a:r>
+            <a:r>
+              <a:rPr lang="de-AT" err="1"/>
+              <a:t>by</a:t>
+            </a:r>
+            <a:r>
+              <a:rPr lang="de-AT"/>
+              <a:t> </a:t>
+            </a:r>
+            <a:r>
+              <a:rPr lang="de-AT" err="1"/>
+              <a:t>sealing</a:t>
+            </a:r>
+            <a:r>
+              <a:rPr lang="de-AT"/>
+              <a:t> </a:t>
+            </a:r>
+            <a:r>
+              <a:rPr lang="de-AT" err="1"/>
+              <a:t>him</a:t>
+            </a:r>
+            <a:endParaRPr lang="de-AT"/>
+          </a:p>
+          <a:p>
+            <a:pPr>
+              <a:lnSpc>
+                <a:spcPct val="90000"/>
+              </a:lnSpc>
+            </a:pPr>
+            <a:endParaRPr lang="de-AT"/>
+          </a:p>
+          <a:p>
+            <a:pPr>
+              <a:lnSpc>
+                <a:spcPct val="90000"/>
+              </a:lnSpc>
+            </a:pPr>
+            <a:endParaRPr lang="de-AT"/>
+          </a:p>
+          <a:p>
+            <a:pPr>
+              <a:lnSpc>
+                <a:spcPct val="90000"/>
+              </a:lnSpc>
+            </a:pPr>
             <a:endParaRPr lang="de-AT"/>
           </a:p>
         </p:txBody>
@@ -4656,6 +8088,90 @@
 </file>
 
 <file path=ppt/slides/slide6.xml><?xml version="1.0" encoding="utf-8"?>
+<p:sld xmlns:a="http://schemas.openxmlformats.org/drawingml/2006/main" xmlns:r="http://schemas.openxmlformats.org/officeDocument/2006/relationships" xmlns:p="http://schemas.openxmlformats.org/presentationml/2006/main">
+  <p:cSld>
+    <p:spTree>
+      <p:nvGrpSpPr>
+        <p:cNvPr id="1" name=""/>
+        <p:cNvGrpSpPr/>
+        <p:nvPr/>
+      </p:nvGrpSpPr>
+      <p:grpSpPr>
+        <a:xfrm>
+          <a:off x="0" y="0"/>
+          <a:ext cx="0" cy="0"/>
+          <a:chOff x="0" y="0"/>
+          <a:chExt cx="0" cy="0"/>
+        </a:xfrm>
+      </p:grpSpPr>
+      <p:sp>
+        <p:nvSpPr>
+          <p:cNvPr id="2" name="Titel 1">
+            <a:extLst>
+              <a:ext uri="{FF2B5EF4-FFF2-40B4-BE49-F238E27FC236}">
+                <a16:creationId xmlns:a16="http://schemas.microsoft.com/office/drawing/2014/main" id="{131433C7-3A13-1E03-15F4-B249052D92FD}"/>
+              </a:ext>
+            </a:extLst>
+          </p:cNvPr>
+          <p:cNvSpPr>
+            <a:spLocks noGrp="1"/>
+          </p:cNvSpPr>
+          <p:nvPr>
+            <p:ph type="title"/>
+          </p:nvPr>
+        </p:nvSpPr>
+        <p:spPr/>
+        <p:txBody>
+          <a:bodyPr/>
+          <a:lstStyle/>
+          <a:p>
+            <a:r>
+              <a:rPr lang="de-AT" dirty="0" err="1"/>
+              <a:t>Map</a:t>
+            </a:r>
+            <a:endParaRPr lang="de-AT" dirty="0"/>
+          </a:p>
+        </p:txBody>
+      </p:sp>
+      <p:sp>
+        <p:nvSpPr>
+          <p:cNvPr id="3" name="Inhaltsplatzhalter 2">
+            <a:extLst>
+              <a:ext uri="{FF2B5EF4-FFF2-40B4-BE49-F238E27FC236}">
+                <a16:creationId xmlns:a16="http://schemas.microsoft.com/office/drawing/2014/main" id="{E94222C2-994F-426B-1A9E-F62640CFA03C}"/>
+              </a:ext>
+            </a:extLst>
+          </p:cNvPr>
+          <p:cNvSpPr>
+            <a:spLocks noGrp="1"/>
+          </p:cNvSpPr>
+          <p:nvPr>
+            <p:ph idx="1"/>
+          </p:nvPr>
+        </p:nvSpPr>
+        <p:spPr/>
+        <p:txBody>
+          <a:bodyPr/>
+          <a:lstStyle/>
+          <a:p>
+            <a:endParaRPr lang="de-AT"/>
+          </a:p>
+        </p:txBody>
+      </p:sp>
+    </p:spTree>
+    <p:extLst>
+      <p:ext uri="{BB962C8B-B14F-4D97-AF65-F5344CB8AC3E}">
+        <p14:creationId xmlns:p14="http://schemas.microsoft.com/office/powerpoint/2010/main" val="3242710355"/>
+      </p:ext>
+    </p:extLst>
+  </p:cSld>
+  <p:clrMapOvr>
+    <a:masterClrMapping/>
+  </p:clrMapOvr>
+</p:sld>
+</file>
+
+<file path=ppt/slides/slide7.xml><?xml version="1.0" encoding="utf-8"?>
 <p:sld xmlns:a="http://schemas.openxmlformats.org/drawingml/2006/main" xmlns:r="http://schemas.openxmlformats.org/officeDocument/2006/relationships" xmlns:p="http://schemas.openxmlformats.org/presentationml/2006/main">
   <p:cSld>
     <p:spTree>
@@ -4893,65 +8409,10 @@
 </p:sld>
 </file>
 
-<file path=ppt/slides/slide7.xml><?xml version="1.0" encoding="utf-8"?>
-<p:sld xmlns:a="http://schemas.openxmlformats.org/drawingml/2006/main" xmlns:r="http://schemas.openxmlformats.org/officeDocument/2006/relationships" xmlns:p="http://schemas.openxmlformats.org/presentationml/2006/main">
-  <p:cSld>
-    <p:spTree>
-      <p:nvGrpSpPr>
-        <p:cNvPr id="1" name=""/>
-        <p:cNvGrpSpPr/>
-        <p:nvPr/>
-      </p:nvGrpSpPr>
-      <p:grpSpPr>
-        <a:xfrm>
-          <a:off x="0" y="0"/>
-          <a:ext cx="0" cy="0"/>
-          <a:chOff x="0" y="0"/>
-          <a:chExt cx="0" cy="0"/>
-        </a:xfrm>
-      </p:grpSpPr>
-      <p:sp>
-        <p:nvSpPr>
-          <p:cNvPr id="2" name="Titel 1">
-            <a:extLst>
-              <a:ext uri="{FF2B5EF4-FFF2-40B4-BE49-F238E27FC236}">
-                <a16:creationId xmlns:a16="http://schemas.microsoft.com/office/drawing/2014/main" id="{09051492-223C-0E61-69D6-DEAC58BF6AE6}"/>
-              </a:ext>
-            </a:extLst>
-          </p:cNvPr>
-          <p:cNvSpPr>
-            <a:spLocks noGrp="1"/>
-          </p:cNvSpPr>
-          <p:nvPr>
-            <p:ph type="title"/>
-          </p:nvPr>
-        </p:nvSpPr>
-        <p:spPr/>
-        <p:txBody>
-          <a:bodyPr/>
-          <a:lstStyle/>
-          <a:p>
-            <a:endParaRPr lang="de-AT"/>
-          </a:p>
-        </p:txBody>
-      </p:sp>
-    </p:spTree>
-    <p:extLst>
-      <p:ext uri="{BB962C8B-B14F-4D97-AF65-F5344CB8AC3E}">
-        <p14:creationId xmlns:p14="http://schemas.microsoft.com/office/powerpoint/2010/main" val="181579466"/>
-      </p:ext>
-    </p:extLst>
-  </p:cSld>
-  <p:clrMapOvr>
-    <a:masterClrMapping/>
-  </p:clrMapOvr>
-</p:sld>
-</file>
-
 <file path=ppt/theme/theme1.xml><?xml version="1.0" encoding="utf-8"?>
-<a:theme xmlns:a="http://schemas.openxmlformats.org/drawingml/2006/main" name="Office">
+<a:theme xmlns:a="http://schemas.openxmlformats.org/drawingml/2006/main" name="Schiefer">
   <a:themeElements>
-    <a:clrScheme name="Office">
+    <a:clrScheme name="Schiefer">
       <a:dk1>
         <a:sysClr val="windowText" lastClr="000000"/>
       </a:dk1>
@@ -4959,97 +8420,45 @@
         <a:sysClr val="window" lastClr="FFFFFF"/>
       </a:lt1>
       <a:dk2>
-        <a:srgbClr val="44546A"/>
+        <a:srgbClr val="212123"/>
       </a:dk2>
       <a:lt2>
-        <a:srgbClr val="E7E6E6"/>
+        <a:srgbClr val="DADADA"/>
       </a:lt2>
       <a:accent1>
-        <a:srgbClr val="4472C4"/>
+        <a:srgbClr val="BC451B"/>
       </a:accent1>
       <a:accent2>
-        <a:srgbClr val="ED7D31"/>
+        <a:srgbClr val="D3BA68"/>
       </a:accent2>
       <a:accent3>
-        <a:srgbClr val="A5A5A5"/>
+        <a:srgbClr val="BB8640"/>
       </a:accent3>
       <a:accent4>
-        <a:srgbClr val="FFC000"/>
+        <a:srgbClr val="AD9277"/>
       </a:accent4>
       <a:accent5>
-        <a:srgbClr val="5B9BD5"/>
+        <a:srgbClr val="A55A43"/>
       </a:accent5>
       <a:accent6>
-        <a:srgbClr val="70AD47"/>
+        <a:srgbClr val="AD9D7B"/>
       </a:accent6>
       <a:hlink>
-        <a:srgbClr val="0563C1"/>
+        <a:srgbClr val="E98052"/>
       </a:hlink>
       <a:folHlink>
-        <a:srgbClr val="954F72"/>
+        <a:srgbClr val="F4B69B"/>
       </a:folHlink>
     </a:clrScheme>
-    <a:fontScheme name="Office">
+    <a:fontScheme name="Schiefer">
       <a:majorFont>
-        <a:latin typeface="Calibri Light" panose="020F0302020204030204"/>
+        <a:latin typeface="Calisto MT" panose="02040603050505030304"/>
         <a:ea typeface=""/>
         <a:cs typeface=""/>
-        <a:font script="Jpan" typeface="游ゴシック Light"/>
-        <a:font script="Hang" typeface="맑은 고딕"/>
-        <a:font script="Hans" typeface="等线 Light"/>
-        <a:font script="Hant" typeface="新細明體"/>
-        <a:font script="Arab" typeface="Times New Roman"/>
-        <a:font script="Hebr" typeface="Times New Roman"/>
-        <a:font script="Thai" typeface="Angsana New"/>
-        <a:font script="Ethi" typeface="Nyala"/>
-        <a:font script="Beng" typeface="Vrinda"/>
-        <a:font script="Gujr" typeface="Shruti"/>
-        <a:font script="Khmr" typeface="MoolBoran"/>
-        <a:font script="Knda" typeface="Tunga"/>
-        <a:font script="Guru" typeface="Raavi"/>
-        <a:font script="Cans" typeface="Euphemia"/>
-        <a:font script="Cher" typeface="Plantagenet Cherokee"/>
-        <a:font script="Yiii" typeface="Microsoft Yi Baiti"/>
-        <a:font script="Tibt" typeface="Microsoft Himalaya"/>
-        <a:font script="Thaa" typeface="MV Boli"/>
-        <a:font script="Deva" typeface="Mangal"/>
-        <a:font script="Telu" typeface="Gautami"/>
-        <a:font script="Taml" typeface="Latha"/>
-        <a:font script="Syrc" typeface="Estrangelo Edessa"/>
-        <a:font script="Orya" typeface="Kalinga"/>
-        <a:font script="Mlym" typeface="Kartika"/>
-        <a:font script="Laoo" typeface="DokChampa"/>
-        <a:font script="Sinh" typeface="Iskoola Pota"/>
-        <a:font script="Mong" typeface="Mongolian Baiti"/>
-        <a:font script="Viet" typeface="Times New Roman"/>
-        <a:font script="Uigh" typeface="Microsoft Uighur"/>
-        <a:font script="Geor" typeface="Sylfaen"/>
-        <a:font script="Armn" typeface="Arial"/>
-        <a:font script="Bugi" typeface="Leelawadee UI"/>
-        <a:font script="Bopo" typeface="Microsoft JhengHei"/>
-        <a:font script="Java" typeface="Javanese Text"/>
-        <a:font script="Lisu" typeface="Segoe UI"/>
-        <a:font script="Mymr" typeface="Myanmar Text"/>
-        <a:font script="Nkoo" typeface="Ebrima"/>
-        <a:font script="Olck" typeface="Nirmala UI"/>
-        <a:font script="Osma" typeface="Ebrima"/>
-        <a:font script="Phag" typeface="Phagspa"/>
-        <a:font script="Syrn" typeface="Estrangelo Edessa"/>
-        <a:font script="Syrj" typeface="Estrangelo Edessa"/>
-        <a:font script="Syre" typeface="Estrangelo Edessa"/>
-        <a:font script="Sora" typeface="Nirmala UI"/>
-        <a:font script="Tale" typeface="Microsoft Tai Le"/>
-        <a:font script="Talu" typeface="Microsoft New Tai Lue"/>
-        <a:font script="Tfng" typeface="Ebrima"/>
-      </a:majorFont>
-      <a:minorFont>
-        <a:latin typeface="Calibri" panose="020F0502020204030204"/>
-        <a:ea typeface=""/>
-        <a:cs typeface=""/>
-        <a:font script="Jpan" typeface="游ゴシック"/>
-        <a:font script="Hang" typeface="맑은 고딕"/>
-        <a:font script="Hans" typeface="等线"/>
-        <a:font script="Hant" typeface="新細明體"/>
+        <a:font script="Jpan" typeface="ＭＳ Ｐゴシック"/>
+        <a:font script="Hang" typeface="돋움"/>
+        <a:font script="Hans" typeface="方正舒体"/>
+        <a:font script="Hant" typeface="微軟正黑體"/>
         <a:font script="Arab" typeface="Arial"/>
         <a:font script="Hebr" typeface="Arial"/>
         <a:font script="Thai" typeface="Cordia New"/>
@@ -5076,26 +8485,44 @@
         <a:font script="Viet" typeface="Arial"/>
         <a:font script="Uigh" typeface="Microsoft Uighur"/>
         <a:font script="Geor" typeface="Sylfaen"/>
-        <a:font script="Armn" typeface="Arial"/>
-        <a:font script="Bugi" typeface="Leelawadee UI"/>
-        <a:font script="Bopo" typeface="Microsoft JhengHei"/>
-        <a:font script="Java" typeface="Javanese Text"/>
-        <a:font script="Lisu" typeface="Segoe UI"/>
-        <a:font script="Mymr" typeface="Myanmar Text"/>
-        <a:font script="Nkoo" typeface="Ebrima"/>
-        <a:font script="Olck" typeface="Nirmala UI"/>
-        <a:font script="Osma" typeface="Ebrima"/>
-        <a:font script="Phag" typeface="Phagspa"/>
-        <a:font script="Syrn" typeface="Estrangelo Edessa"/>
-        <a:font script="Syrj" typeface="Estrangelo Edessa"/>
-        <a:font script="Syre" typeface="Estrangelo Edessa"/>
-        <a:font script="Sora" typeface="Nirmala UI"/>
-        <a:font script="Tale" typeface="Microsoft Tai Le"/>
-        <a:font script="Talu" typeface="Microsoft New Tai Lue"/>
-        <a:font script="Tfng" typeface="Ebrima"/>
+      </a:majorFont>
+      <a:minorFont>
+        <a:latin typeface="Calisto MT" panose="02040603050505030304"/>
+        <a:ea typeface=""/>
+        <a:cs typeface=""/>
+        <a:font script="Jpan" typeface="ＭＳ Ｐゴシック"/>
+        <a:font script="Hang" typeface="돋움"/>
+        <a:font script="Hans" typeface="方正舒体"/>
+        <a:font script="Hant" typeface="微軟正黑體"/>
+        <a:font script="Arab" typeface="Arial"/>
+        <a:font script="Hebr" typeface="Arial"/>
+        <a:font script="Thai" typeface="Cordia New"/>
+        <a:font script="Ethi" typeface="Nyala"/>
+        <a:font script="Beng" typeface="Vrinda"/>
+        <a:font script="Gujr" typeface="Shruti"/>
+        <a:font script="Khmr" typeface="DaunPenh"/>
+        <a:font script="Knda" typeface="Tunga"/>
+        <a:font script="Guru" typeface="Raavi"/>
+        <a:font script="Cans" typeface="Euphemia"/>
+        <a:font script="Cher" typeface="Plantagenet Cherokee"/>
+        <a:font script="Yiii" typeface="Microsoft Yi Baiti"/>
+        <a:font script="Tibt" typeface="Microsoft Himalaya"/>
+        <a:font script="Thaa" typeface="MV Boli"/>
+        <a:font script="Deva" typeface="Mangal"/>
+        <a:font script="Telu" typeface="Gautami"/>
+        <a:font script="Taml" typeface="Latha"/>
+        <a:font script="Syrc" typeface="Estrangelo Edessa"/>
+        <a:font script="Orya" typeface="Kalinga"/>
+        <a:font script="Mlym" typeface="Kartika"/>
+        <a:font script="Laoo" typeface="DokChampa"/>
+        <a:font script="Sinh" typeface="Iskoola Pota"/>
+        <a:font script="Mong" typeface="Mongolian Baiti"/>
+        <a:font script="Viet" typeface="Arial"/>
+        <a:font script="Uigh" typeface="Microsoft Uighur"/>
+        <a:font script="Geor" typeface="Sylfaen"/>
       </a:minorFont>
     </a:fontScheme>
-    <a:fmtScheme name="Office">
+    <a:fmtScheme name="Schiefer">
       <a:fillStyleLst>
         <a:solidFill>
           <a:schemeClr val="phClr"/>
@@ -5104,23 +8531,13 @@
           <a:gsLst>
             <a:gs pos="0">
               <a:schemeClr val="phClr">
+                <a:tint val="60000"/>
                 <a:lumMod val="110000"/>
-                <a:satMod val="105000"/>
-                <a:tint val="67000"/>
-              </a:schemeClr>
-            </a:gs>
-            <a:gs pos="50000">
-              <a:schemeClr val="phClr">
-                <a:lumMod val="105000"/>
-                <a:satMod val="103000"/>
-                <a:tint val="73000"/>
               </a:schemeClr>
             </a:gs>
             <a:gs pos="100000">
               <a:schemeClr val="phClr">
-                <a:lumMod val="105000"/>
-                <a:satMod val="109000"/>
-                <a:tint val="81000"/>
+                <a:tint val="88000"/>
               </a:schemeClr>
             </a:gs>
           </a:gsLst>
@@ -5130,23 +8547,14 @@
           <a:gsLst>
             <a:gs pos="0">
               <a:schemeClr val="phClr">
-                <a:satMod val="103000"/>
-                <a:lumMod val="102000"/>
-                <a:tint val="94000"/>
-              </a:schemeClr>
-            </a:gs>
-            <a:gs pos="50000">
-              <a:schemeClr val="phClr">
-                <a:satMod val="110000"/>
-                <a:lumMod val="100000"/>
-                <a:shade val="100000"/>
+                <a:tint val="96000"/>
+                <a:lumMod val="104000"/>
               </a:schemeClr>
             </a:gs>
             <a:gs pos="100000">
               <a:schemeClr val="phClr">
-                <a:lumMod val="99000"/>
-                <a:satMod val="120000"/>
-                <a:shade val="78000"/>
+                <a:shade val="90000"/>
+                <a:lumMod val="90000"/>
               </a:schemeClr>
             </a:gs>
           </a:gsLst>
@@ -5154,26 +8562,25 @@
         </a:gradFill>
       </a:fillStyleLst>
       <a:lnStyleLst>
-        <a:ln w="6350" cap="flat" cmpd="sng" algn="ctr">
+        <a:ln w="9525" cap="rnd" cmpd="sng" algn="ctr">
+          <a:solidFill>
+            <a:schemeClr val="phClr">
+              <a:shade val="90000"/>
+            </a:schemeClr>
+          </a:solidFill>
+          <a:prstDash val="solid"/>
+        </a:ln>
+        <a:ln w="15875" cap="rnd" cmpd="sng" algn="ctr">
           <a:solidFill>
             <a:schemeClr val="phClr"/>
           </a:solidFill>
           <a:prstDash val="solid"/>
-          <a:miter lim="800000"/>
         </a:ln>
-        <a:ln w="12700" cap="flat" cmpd="sng" algn="ctr">
+        <a:ln w="25400" cap="rnd" cmpd="sng" algn="ctr">
           <a:solidFill>
             <a:schemeClr val="phClr"/>
           </a:solidFill>
           <a:prstDash val="solid"/>
-          <a:miter lim="800000"/>
-        </a:ln>
-        <a:ln w="19050" cap="flat" cmpd="sng" algn="ctr">
-          <a:solidFill>
-            <a:schemeClr val="phClr"/>
-          </a:solidFill>
-          <a:prstDash val="solid"/>
-          <a:miter lim="800000"/>
         </a:ln>
       </a:lnStyleLst>
       <a:effectStyleLst>
@@ -5181,16 +8588,33 @@
           <a:effectLst/>
         </a:effectStyle>
         <a:effectStyle>
-          <a:effectLst/>
+          <a:effectLst>
+            <a:outerShdw blurRad="63500" dist="25400" dir="5400000" rotWithShape="0">
+              <a:srgbClr val="000000">
+                <a:alpha val="60000"/>
+              </a:srgbClr>
+            </a:outerShdw>
+          </a:effectLst>
         </a:effectStyle>
         <a:effectStyle>
           <a:effectLst>
-            <a:outerShdw blurRad="57150" dist="19050" dir="5400000" algn="ctr" rotWithShape="0">
+            <a:outerShdw blurRad="76200" dist="38100" dir="5400000" rotWithShape="0">
               <a:srgbClr val="000000">
-                <a:alpha val="63000"/>
+                <a:alpha val="75000"/>
               </a:srgbClr>
             </a:outerShdw>
           </a:effectLst>
+          <a:scene3d>
+            <a:camera prst="orthographicFront">
+              <a:rot lat="0" lon="0" rev="0"/>
+            </a:camera>
+            <a:lightRig rig="threePt" dir="t">
+              <a:rot lat="0" lon="0" rev="1200000"/>
+            </a:lightRig>
+          </a:scene3d>
+          <a:sp3d>
+            <a:bevelT w="63500" h="25400" prst="hardEdge"/>
+          </a:sp3d>
         </a:effectStyle>
       </a:effectStyleLst>
       <a:bgFillStyleLst>
@@ -5198,38 +8622,22 @@
           <a:schemeClr val="phClr"/>
         </a:solidFill>
         <a:solidFill>
-          <a:schemeClr val="phClr">
-            <a:tint val="95000"/>
-            <a:satMod val="170000"/>
-          </a:schemeClr>
+          <a:schemeClr val="phClr"/>
         </a:solidFill>
-        <a:gradFill rotWithShape="1">
-          <a:gsLst>
-            <a:gs pos="0">
+        <a:blipFill rotWithShape="1">
+          <a:blip xmlns:r="http://schemas.openxmlformats.org/officeDocument/2006/relationships" r:embed="rId1">
+            <a:duotone>
               <a:schemeClr val="phClr">
-                <a:tint val="93000"/>
-                <a:satMod val="150000"/>
-                <a:shade val="98000"/>
-                <a:lumMod val="102000"/>
+                <a:shade val="80000"/>
+                <a:lumMod val="80000"/>
               </a:schemeClr>
-            </a:gs>
-            <a:gs pos="50000">
               <a:schemeClr val="phClr">
                 <a:tint val="98000"/>
-                <a:satMod val="130000"/>
-                <a:shade val="90000"/>
-                <a:lumMod val="103000"/>
               </a:schemeClr>
-            </a:gs>
-            <a:gs pos="100000">
-              <a:schemeClr val="phClr">
-                <a:shade val="63000"/>
-                <a:satMod val="120000"/>
-              </a:schemeClr>
-            </a:gs>
-          </a:gsLst>
-          <a:lin ang="5400000" scaled="0"/>
-        </a:gradFill>
+            </a:duotone>
+          </a:blip>
+          <a:stretch/>
+        </a:blipFill>
       </a:bgFillStyleLst>
     </a:fmtScheme>
   </a:themeElements>
@@ -5237,7 +8645,7 @@
   <a:extraClrSchemeLst/>
   <a:extLst>
     <a:ext uri="{05A4C25C-085E-4340-85A3-A5531E510DB2}">
-      <thm15:themeFamily xmlns:thm15="http://schemas.microsoft.com/office/thememl/2012/main" name="Office Theme" id="{62F939B6-93AF-4DB8-9C6B-D6C7DFDC589F}" vid="{4A3C46E8-61CC-4603-A589-7422A47A8E4A}"/>
+      <thm15:themeFamily xmlns:thm15="http://schemas.microsoft.com/office/thememl/2012/main" name="Slate" id="{C3F70B94-7CE9-428E-ADC1-3269CC2C3385}" vid="{3F2DE9A5-64E6-437C-A389-CC4477E817E8}"/>
     </a:ext>
   </a:extLst>
 </a:theme>

--- a/Presentation/Kingdom of Souls.pptx
+++ b/Presentation/Kingdom of Souls.pptx
@@ -9,9 +9,11 @@
     <p:sldId id="257" r:id="rId3"/>
     <p:sldId id="260" r:id="rId4"/>
     <p:sldId id="261" r:id="rId5"/>
-    <p:sldId id="262" r:id="rId6"/>
-    <p:sldId id="263" r:id="rId7"/>
-    <p:sldId id="258" r:id="rId8"/>
+    <p:sldId id="264" r:id="rId6"/>
+    <p:sldId id="262" r:id="rId7"/>
+    <p:sldId id="263" r:id="rId8"/>
+    <p:sldId id="258" r:id="rId9"/>
+    <p:sldId id="265" r:id="rId10"/>
   </p:sldIdLst>
   <p:sldSz cx="12192000" cy="6858000"/>
   <p:notesSz cx="6858000" cy="9144000"/>
@@ -6041,7 +6043,12 @@
             <p:ph type="ctrTitle"/>
           </p:nvPr>
         </p:nvSpPr>
-        <p:spPr/>
+        <p:spPr>
+          <a:xfrm>
+            <a:off x="6090710" y="1950016"/>
+            <a:ext cx="5854166" cy="1478984"/>
+          </a:xfrm>
+        </p:spPr>
         <p:txBody>
           <a:bodyPr/>
           <a:lstStyle/>
@@ -6077,7 +6084,12 @@
             <p:ph type="subTitle" idx="1"/>
           </p:nvPr>
         </p:nvSpPr>
-        <p:spPr/>
+        <p:spPr>
+          <a:xfrm>
+            <a:off x="5547442" y="3360634"/>
+            <a:ext cx="6397434" cy="1049867"/>
+          </a:xfrm>
+        </p:spPr>
         <p:txBody>
           <a:bodyPr/>
           <a:lstStyle/>
@@ -6110,6 +6122,36 @@
           </a:p>
         </p:txBody>
       </p:sp>
+      <p:pic>
+        <p:nvPicPr>
+          <p:cNvPr id="6" name="Grafik 5">
+            <a:extLst>
+              <a:ext uri="{FF2B5EF4-FFF2-40B4-BE49-F238E27FC236}">
+                <a16:creationId xmlns:a16="http://schemas.microsoft.com/office/drawing/2014/main" id="{2E4E9683-CB95-1185-500D-D2026DA77142}"/>
+              </a:ext>
+            </a:extLst>
+          </p:cNvPr>
+          <p:cNvPicPr>
+            <a:picLocks noChangeAspect="1"/>
+          </p:cNvPicPr>
+          <p:nvPr/>
+        </p:nvPicPr>
+        <p:blipFill>
+          <a:blip r:embed="rId2"/>
+          <a:stretch>
+            <a:fillRect/>
+          </a:stretch>
+        </p:blipFill>
+        <p:spPr>
+          <a:xfrm>
+            <a:off x="0" y="12700"/>
+            <a:ext cx="5974448" cy="6845300"/>
+          </a:xfrm>
+          <a:prstGeom prst="rect">
+            <a:avLst/>
+          </a:prstGeom>
+        </p:spPr>
+      </p:pic>
     </p:spTree>
     <p:extLst>
       <p:ext uri="{BB962C8B-B14F-4D97-AF65-F5344CB8AC3E}">
@@ -6189,9 +6231,10 @@
           <a:p>
             <a:pPr algn="l"/>
             <a:r>
-              <a:rPr lang="de-AT" sz="3600"/>
+              <a:rPr lang="de-AT" sz="4400" dirty="0" err="1"/>
               <a:t>Idea</a:t>
             </a:r>
+            <a:endParaRPr lang="de-AT" sz="4400" dirty="0"/>
           </a:p>
         </p:txBody>
       </p:sp>
@@ -6213,8 +6256,8 @@
         </p:nvSpPr>
         <p:spPr>
           <a:xfrm>
-            <a:off x="5105398" y="1115568"/>
-            <a:ext cx="6245352" cy="4626864"/>
+            <a:off x="4143559" y="735584"/>
+            <a:ext cx="7439150" cy="5386832"/>
           </a:xfrm>
         </p:spPr>
         <p:txBody>
@@ -6224,163 +6267,163 @@
           <a:lstStyle/>
           <a:p>
             <a:r>
-              <a:rPr lang="de-AT" dirty="0"/>
+              <a:rPr lang="de-AT" sz="3200" dirty="0"/>
               <a:t>Create an RPG </a:t>
             </a:r>
             <a:r>
-              <a:rPr lang="de-AT" dirty="0" err="1"/>
+              <a:rPr lang="de-AT" sz="3200" dirty="0" err="1"/>
               <a:t>with</a:t>
             </a:r>
             <a:r>
-              <a:rPr lang="de-AT" dirty="0"/>
-              <a:t> </a:t>
-            </a:r>
-            <a:r>
-              <a:rPr lang="de-AT" dirty="0" err="1"/>
+              <a:rPr lang="de-AT" sz="3200" dirty="0"/>
+              <a:t> </a:t>
+            </a:r>
+            <a:r>
+              <a:rPr lang="de-AT" sz="3200" dirty="0" err="1"/>
               <a:t>pixel</a:t>
             </a:r>
             <a:r>
-              <a:rPr lang="de-AT" dirty="0"/>
-              <a:t> </a:t>
-            </a:r>
-            <a:r>
-              <a:rPr lang="de-AT" dirty="0" err="1"/>
+              <a:rPr lang="de-AT" sz="3200" dirty="0"/>
+              <a:t> </a:t>
+            </a:r>
+            <a:r>
+              <a:rPr lang="de-AT" sz="3200" dirty="0" err="1"/>
               <a:t>optic</a:t>
             </a:r>
             <a:r>
-              <a:rPr lang="de-AT" dirty="0"/>
-              <a:t> </a:t>
-            </a:r>
-            <a:r>
-              <a:rPr lang="de-AT" dirty="0" err="1"/>
+              <a:rPr lang="de-AT" sz="3200" dirty="0"/>
+              <a:t> </a:t>
+            </a:r>
+            <a:r>
+              <a:rPr lang="de-AT" sz="3200" dirty="0" err="1"/>
               <a:t>inspired</a:t>
             </a:r>
             <a:r>
-              <a:rPr lang="de-AT" dirty="0"/>
-              <a:t> </a:t>
-            </a:r>
-            <a:r>
-              <a:rPr lang="de-AT" dirty="0" err="1"/>
+              <a:rPr lang="de-AT" sz="3200" dirty="0"/>
+              <a:t> </a:t>
+            </a:r>
+            <a:r>
+              <a:rPr lang="de-AT" sz="3200" dirty="0" err="1"/>
               <a:t>by</a:t>
             </a:r>
             <a:r>
-              <a:rPr lang="de-AT" dirty="0"/>
-              <a:t> </a:t>
-            </a:r>
-            <a:r>
-              <a:rPr lang="de-AT" dirty="0" err="1"/>
+              <a:rPr lang="de-AT" sz="3200" dirty="0"/>
+              <a:t> </a:t>
+            </a:r>
+            <a:r>
+              <a:rPr lang="de-AT" sz="3200" dirty="0" err="1"/>
               <a:t>classics</a:t>
             </a:r>
             <a:r>
-              <a:rPr lang="de-AT" dirty="0"/>
+              <a:rPr lang="de-AT" sz="3200" dirty="0"/>
               <a:t> like Final Fantasy</a:t>
             </a:r>
           </a:p>
           <a:p>
             <a:r>
-              <a:rPr lang="de-AT" dirty="0" err="1"/>
+              <a:rPr lang="de-AT" sz="3200" dirty="0" err="1"/>
               <a:t>Make</a:t>
             </a:r>
             <a:r>
-              <a:rPr lang="de-AT" dirty="0"/>
-              <a:t> </a:t>
-            </a:r>
-            <a:r>
-              <a:rPr lang="de-AT" dirty="0" err="1"/>
+              <a:rPr lang="de-AT" sz="3200" dirty="0"/>
+              <a:t> </a:t>
+            </a:r>
+            <a:r>
+              <a:rPr lang="de-AT" sz="3200" dirty="0" err="1"/>
               <a:t>the</a:t>
             </a:r>
             <a:r>
-              <a:rPr lang="de-AT" dirty="0"/>
-              <a:t> </a:t>
-            </a:r>
-            <a:r>
-              <a:rPr lang="de-AT" dirty="0" err="1"/>
+              <a:rPr lang="de-AT" sz="3200" dirty="0"/>
+              <a:t> </a:t>
+            </a:r>
+            <a:r>
+              <a:rPr lang="de-AT" sz="3200" dirty="0" err="1"/>
               <a:t>gameplay</a:t>
             </a:r>
             <a:r>
-              <a:rPr lang="de-AT" dirty="0"/>
-              <a:t> </a:t>
-            </a:r>
-            <a:r>
-              <a:rPr lang="de-AT" dirty="0" err="1"/>
+              <a:rPr lang="de-AT" sz="3200" dirty="0"/>
+              <a:t> </a:t>
+            </a:r>
+            <a:r>
+              <a:rPr lang="de-AT" sz="3200" dirty="0" err="1"/>
               <a:t>feel</a:t>
             </a:r>
             <a:r>
-              <a:rPr lang="de-AT" dirty="0"/>
-              <a:t> </a:t>
-            </a:r>
-            <a:r>
-              <a:rPr lang="de-AT" dirty="0" err="1"/>
+              <a:rPr lang="de-AT" sz="3200" dirty="0"/>
+              <a:t> </a:t>
+            </a:r>
+            <a:r>
+              <a:rPr lang="de-AT" sz="3200" dirty="0" err="1"/>
               <a:t>fresh</a:t>
             </a:r>
             <a:r>
-              <a:rPr lang="de-AT" dirty="0"/>
-              <a:t> </a:t>
-            </a:r>
-            <a:r>
-              <a:rPr lang="de-AT" dirty="0" err="1"/>
+              <a:rPr lang="de-AT" sz="3200" dirty="0"/>
+              <a:t> </a:t>
+            </a:r>
+            <a:r>
+              <a:rPr lang="de-AT" sz="3200" dirty="0" err="1"/>
               <a:t>by</a:t>
             </a:r>
             <a:r>
-              <a:rPr lang="de-AT" dirty="0"/>
-              <a:t> </a:t>
-            </a:r>
-            <a:r>
-              <a:rPr lang="de-AT" dirty="0" err="1"/>
+              <a:rPr lang="de-AT" sz="3200" dirty="0"/>
+              <a:t> </a:t>
+            </a:r>
+            <a:r>
+              <a:rPr lang="de-AT" sz="3200" dirty="0" err="1"/>
               <a:t>adding</a:t>
             </a:r>
             <a:r>
-              <a:rPr lang="de-AT" dirty="0"/>
+              <a:rPr lang="de-AT" sz="3200" dirty="0"/>
               <a:t> a </a:t>
             </a:r>
             <a:r>
-              <a:rPr lang="de-AT" dirty="0" err="1"/>
+              <a:rPr lang="de-AT" sz="3200" dirty="0" err="1"/>
               <a:t>few</a:t>
             </a:r>
             <a:r>
-              <a:rPr lang="de-AT" dirty="0"/>
-              <a:t> </a:t>
-            </a:r>
-            <a:r>
-              <a:rPr lang="de-AT" dirty="0" err="1"/>
+              <a:rPr lang="de-AT" sz="3200" dirty="0"/>
+              <a:t> </a:t>
+            </a:r>
+            <a:r>
+              <a:rPr lang="de-AT" sz="3200" dirty="0" err="1"/>
               <a:t>new</a:t>
             </a:r>
             <a:r>
-              <a:rPr lang="de-AT" dirty="0"/>
-              <a:t> </a:t>
-            </a:r>
-            <a:r>
-              <a:rPr lang="de-AT" dirty="0" err="1"/>
+              <a:rPr lang="de-AT" sz="3200" dirty="0"/>
+              <a:t> </a:t>
+            </a:r>
+            <a:r>
+              <a:rPr lang="de-AT" sz="3200" dirty="0" err="1"/>
               <a:t>gimmicks</a:t>
             </a:r>
-            <a:endParaRPr lang="de-AT" dirty="0"/>
-          </a:p>
-          <a:p>
-            <a:r>
-              <a:rPr lang="de-AT" dirty="0"/>
+            <a:endParaRPr lang="de-AT" sz="3200" dirty="0"/>
+          </a:p>
+          <a:p>
+            <a:r>
+              <a:rPr lang="de-AT" sz="3200" dirty="0"/>
               <a:t>Create an </a:t>
             </a:r>
             <a:r>
-              <a:rPr lang="de-AT" dirty="0" err="1"/>
+              <a:rPr lang="de-AT" sz="3200" dirty="0" err="1"/>
               <a:t>interesting</a:t>
             </a:r>
             <a:r>
-              <a:rPr lang="de-AT" dirty="0"/>
+              <a:rPr lang="de-AT" sz="3200" dirty="0"/>
               <a:t> and </a:t>
             </a:r>
             <a:r>
-              <a:rPr lang="de-AT" dirty="0" err="1"/>
+              <a:rPr lang="de-AT" sz="3200" dirty="0" err="1"/>
               <a:t>thrilling</a:t>
             </a:r>
             <a:r>
-              <a:rPr lang="de-AT" dirty="0"/>
-              <a:t> </a:t>
-            </a:r>
-            <a:r>
-              <a:rPr lang="de-AT" dirty="0" err="1"/>
+              <a:rPr lang="de-AT" sz="3200" dirty="0"/>
+              <a:t> </a:t>
+            </a:r>
+            <a:r>
+              <a:rPr lang="de-AT" sz="3200" dirty="0" err="1"/>
               <a:t>story</a:t>
             </a:r>
-            <a:endParaRPr lang="de-AT" dirty="0"/>
+            <a:endParaRPr lang="de-AT" sz="3200" dirty="0"/>
           </a:p>
         </p:txBody>
       </p:sp>
@@ -7057,8 +7100,8 @@
         </p:nvSpPr>
         <p:spPr>
           <a:xfrm>
-            <a:off x="6498769" y="1118809"/>
-            <a:ext cx="5049763" cy="4747681"/>
+            <a:off x="6498769" y="304801"/>
+            <a:ext cx="5049763" cy="6261100"/>
           </a:xfrm>
           <a:effectLst/>
         </p:spPr>
@@ -7069,63 +7112,702 @@
           <a:lstStyle/>
           <a:p>
             <a:r>
-              <a:rPr lang="de-AT">
+              <a:rPr lang="de-AT" sz="2400" dirty="0">
                 <a:solidFill>
                   <a:schemeClr val="tx1"/>
                 </a:solidFill>
               </a:rPr>
-              <a:t>In the beginning you pick one out of five classes</a:t>
-            </a:r>
-          </a:p>
-          <a:p>
-            <a:r>
-              <a:rPr lang="de-AT">
+              <a:t>In </a:t>
+            </a:r>
+            <a:r>
+              <a:rPr lang="de-AT" sz="2400" dirty="0" err="1">
                 <a:solidFill>
                   <a:schemeClr val="tx1"/>
                 </a:solidFill>
               </a:rPr>
-              <a:t>Each class has different abilities and strengths</a:t>
-            </a:r>
-          </a:p>
-          <a:p>
-            <a:r>
-              <a:rPr lang="de-AT">
+              <a:t>the</a:t>
+            </a:r>
+            <a:r>
+              <a:rPr lang="de-AT" sz="2400" dirty="0">
                 <a:solidFill>
                   <a:schemeClr val="tx1"/>
                 </a:solidFill>
               </a:rPr>
-              <a:t>You travel the game world while progressing through the game</a:t>
-            </a:r>
-          </a:p>
-          <a:p>
-            <a:r>
-              <a:rPr lang="de-AT">
+              <a:t> </a:t>
+            </a:r>
+            <a:r>
+              <a:rPr lang="de-AT" sz="2400" dirty="0" err="1">
                 <a:solidFill>
                   <a:schemeClr val="tx1"/>
                 </a:solidFill>
               </a:rPr>
-              <a:t>As you travel you will have to fight monsters </a:t>
-            </a:r>
-          </a:p>
-          <a:p>
-            <a:r>
-              <a:rPr lang="de-AT">
+              <a:t>beginning</a:t>
+            </a:r>
+            <a:r>
+              <a:rPr lang="de-AT" sz="2400" dirty="0">
                 <a:solidFill>
                   <a:schemeClr val="tx1"/>
                 </a:solidFill>
               </a:rPr>
-              <a:t>After each battle you will get stronger </a:t>
-            </a:r>
-          </a:p>
-          <a:p>
-            <a:r>
-              <a:rPr lang="de-AT">
+              <a:t> </a:t>
+            </a:r>
+            <a:r>
+              <a:rPr lang="de-AT" sz="2400" dirty="0" err="1">
                 <a:solidFill>
                   <a:schemeClr val="tx1"/>
                 </a:solidFill>
               </a:rPr>
-              <a:t>You will meet new people as you progress who might join you</a:t>
-            </a:r>
+              <a:t>you</a:t>
+            </a:r>
+            <a:r>
+              <a:rPr lang="de-AT" sz="2400" dirty="0">
+                <a:solidFill>
+                  <a:schemeClr val="tx1"/>
+                </a:solidFill>
+              </a:rPr>
+              <a:t> pick </a:t>
+            </a:r>
+            <a:r>
+              <a:rPr lang="de-AT" sz="2400" dirty="0" err="1">
+                <a:solidFill>
+                  <a:schemeClr val="tx1"/>
+                </a:solidFill>
+              </a:rPr>
+              <a:t>one</a:t>
+            </a:r>
+            <a:r>
+              <a:rPr lang="de-AT" sz="2400" dirty="0">
+                <a:solidFill>
+                  <a:schemeClr val="tx1"/>
+                </a:solidFill>
+              </a:rPr>
+              <a:t> out </a:t>
+            </a:r>
+            <a:r>
+              <a:rPr lang="de-AT" sz="2400" dirty="0" err="1">
+                <a:solidFill>
+                  <a:schemeClr val="tx1"/>
+                </a:solidFill>
+              </a:rPr>
+              <a:t>of</a:t>
+            </a:r>
+            <a:r>
+              <a:rPr lang="de-AT" sz="2400" dirty="0">
+                <a:solidFill>
+                  <a:schemeClr val="tx1"/>
+                </a:solidFill>
+              </a:rPr>
+              <a:t> </a:t>
+            </a:r>
+            <a:r>
+              <a:rPr lang="de-AT" sz="2400" dirty="0" err="1">
+                <a:solidFill>
+                  <a:schemeClr val="tx1"/>
+                </a:solidFill>
+              </a:rPr>
+              <a:t>five</a:t>
+            </a:r>
+            <a:r>
+              <a:rPr lang="de-AT" sz="2400" dirty="0">
+                <a:solidFill>
+                  <a:schemeClr val="tx1"/>
+                </a:solidFill>
+              </a:rPr>
+              <a:t> </a:t>
+            </a:r>
+            <a:r>
+              <a:rPr lang="de-AT" sz="2400" dirty="0" err="1">
+                <a:solidFill>
+                  <a:schemeClr val="tx1"/>
+                </a:solidFill>
+              </a:rPr>
+              <a:t>classes</a:t>
+            </a:r>
+            <a:endParaRPr lang="de-AT" sz="2400" dirty="0">
+              <a:solidFill>
+                <a:schemeClr val="tx1"/>
+              </a:solidFill>
+            </a:endParaRPr>
+          </a:p>
+          <a:p>
+            <a:r>
+              <a:rPr lang="de-AT" sz="2400" dirty="0" err="1">
+                <a:solidFill>
+                  <a:schemeClr val="tx1"/>
+                </a:solidFill>
+              </a:rPr>
+              <a:t>Each</a:t>
+            </a:r>
+            <a:r>
+              <a:rPr lang="de-AT" sz="2400" dirty="0">
+                <a:solidFill>
+                  <a:schemeClr val="tx1"/>
+                </a:solidFill>
+              </a:rPr>
+              <a:t> </a:t>
+            </a:r>
+            <a:r>
+              <a:rPr lang="de-AT" sz="2400" dirty="0" err="1">
+                <a:solidFill>
+                  <a:schemeClr val="tx1"/>
+                </a:solidFill>
+              </a:rPr>
+              <a:t>class</a:t>
+            </a:r>
+            <a:r>
+              <a:rPr lang="de-AT" sz="2400" dirty="0">
+                <a:solidFill>
+                  <a:schemeClr val="tx1"/>
+                </a:solidFill>
+              </a:rPr>
+              <a:t> </a:t>
+            </a:r>
+            <a:r>
+              <a:rPr lang="de-AT" sz="2400" dirty="0" err="1">
+                <a:solidFill>
+                  <a:schemeClr val="tx1"/>
+                </a:solidFill>
+              </a:rPr>
+              <a:t>has</a:t>
+            </a:r>
+            <a:r>
+              <a:rPr lang="de-AT" sz="2400" dirty="0">
+                <a:solidFill>
+                  <a:schemeClr val="tx1"/>
+                </a:solidFill>
+              </a:rPr>
+              <a:t> different </a:t>
+            </a:r>
+            <a:r>
+              <a:rPr lang="de-AT" sz="2400" dirty="0" err="1">
+                <a:solidFill>
+                  <a:schemeClr val="tx1"/>
+                </a:solidFill>
+              </a:rPr>
+              <a:t>abilities</a:t>
+            </a:r>
+            <a:r>
+              <a:rPr lang="de-AT" sz="2400" dirty="0">
+                <a:solidFill>
+                  <a:schemeClr val="tx1"/>
+                </a:solidFill>
+              </a:rPr>
+              <a:t> and </a:t>
+            </a:r>
+            <a:r>
+              <a:rPr lang="de-AT" sz="2400" dirty="0" err="1">
+                <a:solidFill>
+                  <a:schemeClr val="tx1"/>
+                </a:solidFill>
+              </a:rPr>
+              <a:t>strengths</a:t>
+            </a:r>
+            <a:endParaRPr lang="de-AT" sz="2400" dirty="0">
+              <a:solidFill>
+                <a:schemeClr val="tx1"/>
+              </a:solidFill>
+            </a:endParaRPr>
+          </a:p>
+          <a:p>
+            <a:r>
+              <a:rPr lang="de-AT" sz="2400" dirty="0" err="1">
+                <a:solidFill>
+                  <a:schemeClr val="tx1"/>
+                </a:solidFill>
+              </a:rPr>
+              <a:t>You</a:t>
+            </a:r>
+            <a:r>
+              <a:rPr lang="de-AT" sz="2400" dirty="0">
+                <a:solidFill>
+                  <a:schemeClr val="tx1"/>
+                </a:solidFill>
+              </a:rPr>
+              <a:t> </a:t>
+            </a:r>
+            <a:r>
+              <a:rPr lang="de-AT" sz="2400" dirty="0" err="1">
+                <a:solidFill>
+                  <a:schemeClr val="tx1"/>
+                </a:solidFill>
+              </a:rPr>
+              <a:t>travel</a:t>
+            </a:r>
+            <a:r>
+              <a:rPr lang="de-AT" sz="2400" dirty="0">
+                <a:solidFill>
+                  <a:schemeClr val="tx1"/>
+                </a:solidFill>
+              </a:rPr>
+              <a:t> </a:t>
+            </a:r>
+            <a:r>
+              <a:rPr lang="de-AT" sz="2400" dirty="0" err="1">
+                <a:solidFill>
+                  <a:schemeClr val="tx1"/>
+                </a:solidFill>
+              </a:rPr>
+              <a:t>the</a:t>
+            </a:r>
+            <a:r>
+              <a:rPr lang="de-AT" sz="2400" dirty="0">
+                <a:solidFill>
+                  <a:schemeClr val="tx1"/>
+                </a:solidFill>
+              </a:rPr>
+              <a:t> game </a:t>
+            </a:r>
+            <a:r>
+              <a:rPr lang="de-AT" sz="2400" dirty="0" err="1">
+                <a:solidFill>
+                  <a:schemeClr val="tx1"/>
+                </a:solidFill>
+              </a:rPr>
+              <a:t>world</a:t>
+            </a:r>
+            <a:r>
+              <a:rPr lang="de-AT" sz="2400" dirty="0">
+                <a:solidFill>
+                  <a:schemeClr val="tx1"/>
+                </a:solidFill>
+              </a:rPr>
+              <a:t> </a:t>
+            </a:r>
+            <a:r>
+              <a:rPr lang="de-AT" sz="2400" dirty="0" err="1">
+                <a:solidFill>
+                  <a:schemeClr val="tx1"/>
+                </a:solidFill>
+              </a:rPr>
+              <a:t>while</a:t>
+            </a:r>
+            <a:r>
+              <a:rPr lang="de-AT" sz="2400" dirty="0">
+                <a:solidFill>
+                  <a:schemeClr val="tx1"/>
+                </a:solidFill>
+              </a:rPr>
+              <a:t> </a:t>
+            </a:r>
+            <a:r>
+              <a:rPr lang="de-AT" sz="2400" dirty="0" err="1">
+                <a:solidFill>
+                  <a:schemeClr val="tx1"/>
+                </a:solidFill>
+              </a:rPr>
+              <a:t>progressing</a:t>
+            </a:r>
+            <a:r>
+              <a:rPr lang="de-AT" sz="2400" dirty="0">
+                <a:solidFill>
+                  <a:schemeClr val="tx1"/>
+                </a:solidFill>
+              </a:rPr>
+              <a:t> </a:t>
+            </a:r>
+            <a:r>
+              <a:rPr lang="de-AT" sz="2400" dirty="0" err="1">
+                <a:solidFill>
+                  <a:schemeClr val="tx1"/>
+                </a:solidFill>
+              </a:rPr>
+              <a:t>through</a:t>
+            </a:r>
+            <a:r>
+              <a:rPr lang="de-AT" sz="2400" dirty="0">
+                <a:solidFill>
+                  <a:schemeClr val="tx1"/>
+                </a:solidFill>
+              </a:rPr>
+              <a:t> </a:t>
+            </a:r>
+            <a:r>
+              <a:rPr lang="de-AT" sz="2400" dirty="0" err="1">
+                <a:solidFill>
+                  <a:schemeClr val="tx1"/>
+                </a:solidFill>
+              </a:rPr>
+              <a:t>the</a:t>
+            </a:r>
+            <a:r>
+              <a:rPr lang="de-AT" sz="2400" dirty="0">
+                <a:solidFill>
+                  <a:schemeClr val="tx1"/>
+                </a:solidFill>
+              </a:rPr>
+              <a:t> game</a:t>
+            </a:r>
+          </a:p>
+          <a:p>
+            <a:r>
+              <a:rPr lang="de-AT" sz="2400" dirty="0">
+                <a:solidFill>
+                  <a:schemeClr val="tx1"/>
+                </a:solidFill>
+              </a:rPr>
+              <a:t>As </a:t>
+            </a:r>
+            <a:r>
+              <a:rPr lang="de-AT" sz="2400" dirty="0" err="1">
+                <a:solidFill>
+                  <a:schemeClr val="tx1"/>
+                </a:solidFill>
+              </a:rPr>
+              <a:t>you</a:t>
+            </a:r>
+            <a:r>
+              <a:rPr lang="de-AT" sz="2400" dirty="0">
+                <a:solidFill>
+                  <a:schemeClr val="tx1"/>
+                </a:solidFill>
+              </a:rPr>
+              <a:t> </a:t>
+            </a:r>
+            <a:r>
+              <a:rPr lang="de-AT" sz="2400" dirty="0" err="1">
+                <a:solidFill>
+                  <a:schemeClr val="tx1"/>
+                </a:solidFill>
+              </a:rPr>
+              <a:t>travel</a:t>
+            </a:r>
+            <a:r>
+              <a:rPr lang="de-AT" sz="2400" dirty="0">
+                <a:solidFill>
+                  <a:schemeClr val="tx1"/>
+                </a:solidFill>
+              </a:rPr>
+              <a:t> </a:t>
+            </a:r>
+            <a:r>
+              <a:rPr lang="de-AT" sz="2400" dirty="0" err="1">
+                <a:solidFill>
+                  <a:schemeClr val="tx1"/>
+                </a:solidFill>
+              </a:rPr>
+              <a:t>you</a:t>
+            </a:r>
+            <a:r>
+              <a:rPr lang="de-AT" sz="2400" dirty="0">
+                <a:solidFill>
+                  <a:schemeClr val="tx1"/>
+                </a:solidFill>
+              </a:rPr>
+              <a:t> will </a:t>
+            </a:r>
+            <a:r>
+              <a:rPr lang="de-AT" sz="2400" dirty="0" err="1">
+                <a:solidFill>
+                  <a:schemeClr val="tx1"/>
+                </a:solidFill>
+              </a:rPr>
+              <a:t>have</a:t>
+            </a:r>
+            <a:r>
+              <a:rPr lang="de-AT" sz="2400" dirty="0">
+                <a:solidFill>
+                  <a:schemeClr val="tx1"/>
+                </a:solidFill>
+              </a:rPr>
+              <a:t> </a:t>
+            </a:r>
+            <a:r>
+              <a:rPr lang="de-AT" sz="2400" dirty="0" err="1">
+                <a:solidFill>
+                  <a:schemeClr val="tx1"/>
+                </a:solidFill>
+              </a:rPr>
+              <a:t>to</a:t>
+            </a:r>
+            <a:r>
+              <a:rPr lang="de-AT" sz="2400" dirty="0">
+                <a:solidFill>
+                  <a:schemeClr val="tx1"/>
+                </a:solidFill>
+              </a:rPr>
+              <a:t> </a:t>
+            </a:r>
+            <a:r>
+              <a:rPr lang="de-AT" sz="2400" dirty="0" err="1">
+                <a:solidFill>
+                  <a:schemeClr val="tx1"/>
+                </a:solidFill>
+              </a:rPr>
+              <a:t>fight</a:t>
+            </a:r>
+            <a:r>
+              <a:rPr lang="de-AT" sz="2400" dirty="0">
+                <a:solidFill>
+                  <a:schemeClr val="tx1"/>
+                </a:solidFill>
+              </a:rPr>
+              <a:t> </a:t>
+            </a:r>
+            <a:r>
+              <a:rPr lang="de-AT" sz="2400" dirty="0" err="1">
+                <a:solidFill>
+                  <a:schemeClr val="tx1"/>
+                </a:solidFill>
+              </a:rPr>
+              <a:t>monsters</a:t>
+            </a:r>
+            <a:r>
+              <a:rPr lang="de-AT" sz="2400" dirty="0">
+                <a:solidFill>
+                  <a:schemeClr val="tx1"/>
+                </a:solidFill>
+              </a:rPr>
+              <a:t> </a:t>
+            </a:r>
+          </a:p>
+          <a:p>
+            <a:r>
+              <a:rPr lang="de-AT" sz="2400" dirty="0">
+                <a:solidFill>
+                  <a:schemeClr val="tx1"/>
+                </a:solidFill>
+              </a:rPr>
+              <a:t>After </a:t>
+            </a:r>
+            <a:r>
+              <a:rPr lang="de-AT" sz="2400" dirty="0" err="1">
+                <a:solidFill>
+                  <a:schemeClr val="tx1"/>
+                </a:solidFill>
+              </a:rPr>
+              <a:t>each</a:t>
+            </a:r>
+            <a:r>
+              <a:rPr lang="de-AT" sz="2400" dirty="0">
+                <a:solidFill>
+                  <a:schemeClr val="tx1"/>
+                </a:solidFill>
+              </a:rPr>
+              <a:t> battle </a:t>
+            </a:r>
+            <a:r>
+              <a:rPr lang="de-AT" sz="2400" dirty="0" err="1">
+                <a:solidFill>
+                  <a:schemeClr val="tx1"/>
+                </a:solidFill>
+              </a:rPr>
+              <a:t>you</a:t>
+            </a:r>
+            <a:r>
+              <a:rPr lang="de-AT" sz="2400" dirty="0">
+                <a:solidFill>
+                  <a:schemeClr val="tx1"/>
+                </a:solidFill>
+              </a:rPr>
+              <a:t> will </a:t>
+            </a:r>
+            <a:r>
+              <a:rPr lang="de-AT" sz="2400" dirty="0" err="1">
+                <a:solidFill>
+                  <a:schemeClr val="tx1"/>
+                </a:solidFill>
+              </a:rPr>
+              <a:t>get</a:t>
+            </a:r>
+            <a:r>
+              <a:rPr lang="de-AT" sz="2400" dirty="0">
+                <a:solidFill>
+                  <a:schemeClr val="tx1"/>
+                </a:solidFill>
+              </a:rPr>
+              <a:t> </a:t>
+            </a:r>
+            <a:r>
+              <a:rPr lang="de-AT" sz="2400" dirty="0" err="1">
+                <a:solidFill>
+                  <a:schemeClr val="tx1"/>
+                </a:solidFill>
+              </a:rPr>
+              <a:t>stronger</a:t>
+            </a:r>
+            <a:r>
+              <a:rPr lang="de-AT" sz="2400" dirty="0">
+                <a:solidFill>
+                  <a:schemeClr val="tx1"/>
+                </a:solidFill>
+              </a:rPr>
+              <a:t> </a:t>
+            </a:r>
+          </a:p>
+          <a:p>
+            <a:r>
+              <a:rPr lang="de-AT" sz="2400" dirty="0" err="1">
+                <a:solidFill>
+                  <a:schemeClr val="tx1"/>
+                </a:solidFill>
+              </a:rPr>
+              <a:t>You</a:t>
+            </a:r>
+            <a:r>
+              <a:rPr lang="de-AT" sz="2400" dirty="0">
+                <a:solidFill>
+                  <a:schemeClr val="tx1"/>
+                </a:solidFill>
+              </a:rPr>
+              <a:t> will </a:t>
+            </a:r>
+            <a:r>
+              <a:rPr lang="de-AT" sz="2400" dirty="0" err="1">
+                <a:solidFill>
+                  <a:schemeClr val="tx1"/>
+                </a:solidFill>
+              </a:rPr>
+              <a:t>meet</a:t>
+            </a:r>
+            <a:r>
+              <a:rPr lang="de-AT" sz="2400" dirty="0">
+                <a:solidFill>
+                  <a:schemeClr val="tx1"/>
+                </a:solidFill>
+              </a:rPr>
+              <a:t> </a:t>
+            </a:r>
+            <a:r>
+              <a:rPr lang="de-AT" sz="2400" dirty="0" err="1">
+                <a:solidFill>
+                  <a:schemeClr val="tx1"/>
+                </a:solidFill>
+              </a:rPr>
+              <a:t>new</a:t>
+            </a:r>
+            <a:r>
+              <a:rPr lang="de-AT" sz="2400" dirty="0">
+                <a:solidFill>
+                  <a:schemeClr val="tx1"/>
+                </a:solidFill>
+              </a:rPr>
+              <a:t> </a:t>
+            </a:r>
+            <a:r>
+              <a:rPr lang="de-AT" sz="2400" dirty="0" err="1">
+                <a:solidFill>
+                  <a:schemeClr val="tx1"/>
+                </a:solidFill>
+              </a:rPr>
+              <a:t>people</a:t>
+            </a:r>
+            <a:r>
+              <a:rPr lang="de-AT" sz="2400" dirty="0">
+                <a:solidFill>
+                  <a:schemeClr val="tx1"/>
+                </a:solidFill>
+              </a:rPr>
+              <a:t> </a:t>
+            </a:r>
+            <a:r>
+              <a:rPr lang="de-AT" sz="2400" dirty="0" err="1">
+                <a:solidFill>
+                  <a:schemeClr val="tx1"/>
+                </a:solidFill>
+              </a:rPr>
+              <a:t>as</a:t>
+            </a:r>
+            <a:r>
+              <a:rPr lang="de-AT" sz="2400" dirty="0">
+                <a:solidFill>
+                  <a:schemeClr val="tx1"/>
+                </a:solidFill>
+              </a:rPr>
+              <a:t> </a:t>
+            </a:r>
+            <a:r>
+              <a:rPr lang="de-AT" sz="2400" dirty="0" err="1">
+                <a:solidFill>
+                  <a:schemeClr val="tx1"/>
+                </a:solidFill>
+              </a:rPr>
+              <a:t>you</a:t>
+            </a:r>
+            <a:r>
+              <a:rPr lang="de-AT" sz="2400" dirty="0">
+                <a:solidFill>
+                  <a:schemeClr val="tx1"/>
+                </a:solidFill>
+              </a:rPr>
+              <a:t> </a:t>
+            </a:r>
+            <a:r>
+              <a:rPr lang="de-AT" sz="2400" dirty="0" err="1">
+                <a:solidFill>
+                  <a:schemeClr val="tx1"/>
+                </a:solidFill>
+              </a:rPr>
+              <a:t>progress</a:t>
+            </a:r>
+            <a:r>
+              <a:rPr lang="de-AT" sz="2400" dirty="0">
+                <a:solidFill>
+                  <a:schemeClr val="tx1"/>
+                </a:solidFill>
+              </a:rPr>
+              <a:t> </a:t>
+            </a:r>
+            <a:r>
+              <a:rPr lang="de-AT" sz="2400" dirty="0" err="1">
+                <a:solidFill>
+                  <a:schemeClr val="tx1"/>
+                </a:solidFill>
+              </a:rPr>
+              <a:t>who</a:t>
+            </a:r>
+            <a:r>
+              <a:rPr lang="de-AT" sz="2400" dirty="0">
+                <a:solidFill>
+                  <a:schemeClr val="tx1"/>
+                </a:solidFill>
+              </a:rPr>
+              <a:t> </a:t>
+            </a:r>
+            <a:r>
+              <a:rPr lang="de-AT" sz="2400" dirty="0" err="1">
+                <a:solidFill>
+                  <a:schemeClr val="tx1"/>
+                </a:solidFill>
+              </a:rPr>
+              <a:t>might</a:t>
+            </a:r>
+            <a:r>
+              <a:rPr lang="de-AT" sz="2400" dirty="0">
+                <a:solidFill>
+                  <a:schemeClr val="tx1"/>
+                </a:solidFill>
+              </a:rPr>
+              <a:t> </a:t>
+            </a:r>
+            <a:r>
+              <a:rPr lang="de-AT" sz="2400" dirty="0" err="1">
+                <a:solidFill>
+                  <a:schemeClr val="tx1"/>
+                </a:solidFill>
+              </a:rPr>
+              <a:t>join</a:t>
+            </a:r>
+            <a:r>
+              <a:rPr lang="de-AT" sz="2400" dirty="0">
+                <a:solidFill>
+                  <a:schemeClr val="tx1"/>
+                </a:solidFill>
+              </a:rPr>
+              <a:t> </a:t>
+            </a:r>
+            <a:r>
+              <a:rPr lang="de-AT" sz="2400" dirty="0" err="1">
+                <a:solidFill>
+                  <a:schemeClr val="tx1"/>
+                </a:solidFill>
+              </a:rPr>
+              <a:t>you</a:t>
+            </a:r>
+            <a:endParaRPr lang="de-AT" sz="2400" dirty="0">
+              <a:solidFill>
+                <a:schemeClr val="tx1"/>
+              </a:solidFill>
+            </a:endParaRPr>
           </a:p>
         </p:txBody>
       </p:sp>
@@ -7147,20 +7829,9 @@
   <p:cSld>
     <p:bg>
       <p:bgPr>
-        <a:blipFill rotWithShape="1">
-          <a:blip r:embed="rId2">
-            <a:duotone>
-              <a:schemeClr val="bg2">
-                <a:shade val="80000"/>
-                <a:lumMod val="80000"/>
-              </a:schemeClr>
-              <a:schemeClr val="bg2">
-                <a:tint val="98000"/>
-              </a:schemeClr>
-            </a:duotone>
-          </a:blip>
-          <a:stretch/>
-        </a:blipFill>
+        <a:solidFill>
+          <a:schemeClr val="bg1"/>
+        </a:solidFill>
         <a:effectLst/>
       </p:bgPr>
     </p:bg>
@@ -7178,66 +7849,37 @@
           <a:chExt cx="0" cy="0"/>
         </a:xfrm>
       </p:grpSpPr>
-      <p:sp useBgFill="1">
-        <p:nvSpPr>
-          <p:cNvPr id="16" name="Rectangle 7">
+      <p:pic>
+        <p:nvPicPr>
+          <p:cNvPr id="5" name="Grafik 4">
             <a:extLst>
               <a:ext uri="{FF2B5EF4-FFF2-40B4-BE49-F238E27FC236}">
-                <a16:creationId xmlns:a16="http://schemas.microsoft.com/office/drawing/2014/main" id="{769960A3-4EE1-43D2-ABFC-C7A03ED21489}"/>
-              </a:ext>
-              <a:ext uri="{C183D7F6-B498-43B3-948B-1728B52AA6E4}">
-                <adec:decorative xmlns:adec="http://schemas.microsoft.com/office/drawing/2017/decorative" val="1"/>
+                <a16:creationId xmlns:a16="http://schemas.microsoft.com/office/drawing/2014/main" id="{AF86A82F-075C-857C-C8B8-350D910E791E}"/>
               </a:ext>
             </a:extLst>
           </p:cNvPr>
-          <p:cNvSpPr>
-            <a:spLocks noGrp="1" noRot="1" noChangeAspect="1" noMove="1" noResize="1" noEditPoints="1" noAdjustHandles="1" noChangeArrowheads="1" noChangeShapeType="1" noTextEdit="1"/>
-          </p:cNvSpPr>
-          <p:nvPr>
-            <p:extLst>
-              <p:ext uri="{386F3935-93C4-4BCD-93E2-E3B085C9AB24}">
-                <p16:designElem xmlns:p16="http://schemas.microsoft.com/office/powerpoint/2015/main" val="1"/>
-              </p:ext>
-            </p:extLst>
-          </p:nvPr>
-        </p:nvSpPr>
+          <p:cNvPicPr>
+            <a:picLocks noChangeAspect="1"/>
+          </p:cNvPicPr>
+          <p:nvPr/>
+        </p:nvPicPr>
+        <p:blipFill rotWithShape="1">
+          <a:blip r:embed="rId2">
+            <a:alphaModFix amt="25000"/>
+          </a:blip>
+          <a:srcRect b="443"/>
+          <a:stretch/>
+        </p:blipFill>
         <p:spPr>
           <a:xfrm>
-            <a:off x="0" y="0"/>
-            <a:ext cx="12192000" cy="6858000"/>
+            <a:off x="20" y="10"/>
+            <a:ext cx="12191980" cy="6857990"/>
           </a:xfrm>
           <a:prstGeom prst="rect">
             <a:avLst/>
           </a:prstGeom>
-          <a:ln>
-            <a:noFill/>
-          </a:ln>
         </p:spPr>
-        <p:style>
-          <a:lnRef idx="2">
-            <a:schemeClr val="accent1">
-              <a:shade val="50000"/>
-            </a:schemeClr>
-          </a:lnRef>
-          <a:fillRef idx="1">
-            <a:schemeClr val="accent1"/>
-          </a:fillRef>
-          <a:effectRef idx="0">
-            <a:schemeClr val="accent1"/>
-          </a:effectRef>
-          <a:fontRef idx="minor">
-            <a:schemeClr val="lt1"/>
-          </a:fontRef>
-        </p:style>
-        <p:txBody>
-          <a:bodyPr rtlCol="0" anchor="ctr"/>
-          <a:lstStyle/>
-          <a:p>
-            <a:pPr algn="ctr"/>
-            <a:endParaRPr lang="en-US"/>
-          </a:p>
-        </p:txBody>
-      </p:sp>
+      </p:pic>
       <p:sp>
         <p:nvSpPr>
           <p:cNvPr id="2" name="Titel 1">
@@ -7257,7 +7899,7 @@
         <p:spPr>
           <a:xfrm>
             <a:off x="913795" y="609600"/>
-            <a:ext cx="10353762" cy="1164772"/>
+            <a:ext cx="10353762" cy="970450"/>
           </a:xfrm>
         </p:spPr>
         <p:txBody>
@@ -7274,57 +7916,6 @@
           </a:p>
         </p:txBody>
       </p:sp>
-      <p:pic>
-        <p:nvPicPr>
-          <p:cNvPr id="17" name="Picture 9">
-            <a:extLst>
-              <a:ext uri="{FF2B5EF4-FFF2-40B4-BE49-F238E27FC236}">
-                <a16:creationId xmlns:a16="http://schemas.microsoft.com/office/drawing/2014/main" id="{16ABCF9F-46A6-4370-8EC8-B1EDB4510B54}"/>
-              </a:ext>
-              <a:ext uri="{C183D7F6-B498-43B3-948B-1728B52AA6E4}">
-                <adec:decorative xmlns:adec="http://schemas.microsoft.com/office/drawing/2017/decorative" val="1"/>
-              </a:ext>
-            </a:extLst>
-          </p:cNvPr>
-          <p:cNvPicPr preferRelativeResize="0">
-            <a:picLocks noGrp="1" noRot="1" noChangeAspect="1" noMove="1" noResize="1" noEditPoints="1" noAdjustHandles="1" noChangeArrowheads="1" noChangeShapeType="1" noCrop="1"/>
-          </p:cNvPicPr>
-          <p:nvPr>
-            <p:extLst>
-              <p:ext uri="{386F3935-93C4-4BCD-93E2-E3B085C9AB24}">
-                <p16:designElem xmlns:p16="http://schemas.microsoft.com/office/powerpoint/2015/main" val="1"/>
-              </p:ext>
-            </p:extLst>
-          </p:nvPr>
-        </p:nvPicPr>
-        <p:blipFill rotWithShape="1">
-          <a:blip r:embed="rId3">
-            <a:extLst>
-              <a:ext uri="{28A0092B-C50C-407E-A947-70E740481C1C}">
-                <a14:useLocalDpi xmlns:a14="http://schemas.microsoft.com/office/drawing/2010/main" val="0"/>
-              </a:ext>
-            </a:extLst>
-          </a:blip>
-          <a:srcRect l="798" t="2669" r="616"/>
-          <a:stretch/>
-        </p:blipFill>
-        <p:spPr>
-          <a:xfrm>
-            <a:off x="-1" y="2046514"/>
-            <a:ext cx="12192001" cy="4811485"/>
-          </a:xfrm>
-          <a:prstGeom prst="rect">
-            <a:avLst/>
-          </a:prstGeom>
-          <a:effectLst>
-            <a:innerShdw blurRad="63500" dist="50800" dir="16200000">
-              <a:prstClr val="black">
-                <a:alpha val="50000"/>
-              </a:prstClr>
-            </a:innerShdw>
-          </a:effectLst>
-        </p:spPr>
-      </p:pic>
       <p:sp>
         <p:nvSpPr>
           <p:cNvPr id="3" name="Inhaltsplatzhalter 2">
@@ -7343,49 +7934,374 @@
         </p:nvSpPr>
         <p:spPr>
           <a:xfrm>
-            <a:off x="1235528" y="2481943"/>
-            <a:ext cx="9710296" cy="3309258"/>
+            <a:off x="913795" y="1732449"/>
+            <a:ext cx="10353762" cy="4058751"/>
           </a:xfrm>
         </p:spPr>
         <p:txBody>
-          <a:bodyPr>
+          <a:bodyPr anchor="ctr">
             <a:normAutofit/>
           </a:bodyPr>
           <a:lstStyle/>
           <a:p>
             <a:r>
-              <a:rPr lang="de-AT"/>
-              <a:t>Classical turn based battle system</a:t>
-            </a:r>
-          </a:p>
-          <a:p>
-            <a:r>
-              <a:rPr lang="de-AT"/>
-              <a:t>Soulbar charges up after each attack</a:t>
-            </a:r>
-          </a:p>
-          <a:p>
-            <a:r>
-              <a:rPr lang="de-AT"/>
-              <a:t>If it is full you can use an empowered attack</a:t>
-            </a:r>
-          </a:p>
-          <a:p>
-            <a:r>
-              <a:rPr lang="de-AT"/>
-              <a:t>Each enemy has a magical shield which reduces damage</a:t>
-            </a:r>
-          </a:p>
-          <a:p>
-            <a:r>
-              <a:rPr lang="de-AT"/>
-              <a:t>You can break it by hitting them with an element they are weak to</a:t>
-            </a:r>
-          </a:p>
-          <a:p>
-            <a:r>
-              <a:rPr lang="de-AT"/>
-              <a:t>Two party members can attack together with a partner attack</a:t>
+              <a:rPr lang="de-AT" dirty="0" err="1"/>
+              <a:t>Classical</a:t>
+            </a:r>
+            <a:r>
+              <a:rPr lang="de-AT" dirty="0"/>
+              <a:t> turn </a:t>
+            </a:r>
+            <a:r>
+              <a:rPr lang="de-AT" dirty="0" err="1"/>
+              <a:t>based</a:t>
+            </a:r>
+            <a:r>
+              <a:rPr lang="de-AT" dirty="0"/>
+              <a:t> battle </a:t>
+            </a:r>
+            <a:r>
+              <a:rPr lang="de-AT" dirty="0" err="1"/>
+              <a:t>system</a:t>
+            </a:r>
+            <a:endParaRPr lang="de-AT" dirty="0"/>
+          </a:p>
+          <a:p>
+            <a:r>
+              <a:rPr lang="de-AT" dirty="0" err="1"/>
+              <a:t>Soulbar</a:t>
+            </a:r>
+            <a:r>
+              <a:rPr lang="de-AT" dirty="0"/>
+              <a:t> </a:t>
+            </a:r>
+            <a:r>
+              <a:rPr lang="de-AT" dirty="0" err="1"/>
+              <a:t>charges</a:t>
+            </a:r>
+            <a:r>
+              <a:rPr lang="de-AT" dirty="0"/>
+              <a:t> </a:t>
+            </a:r>
+            <a:r>
+              <a:rPr lang="de-AT" dirty="0" err="1"/>
+              <a:t>up</a:t>
+            </a:r>
+            <a:r>
+              <a:rPr lang="de-AT" dirty="0"/>
+              <a:t> after </a:t>
+            </a:r>
+            <a:r>
+              <a:rPr lang="de-AT" dirty="0" err="1"/>
+              <a:t>each</a:t>
+            </a:r>
+            <a:r>
+              <a:rPr lang="de-AT" dirty="0"/>
+              <a:t> </a:t>
+            </a:r>
+            <a:r>
+              <a:rPr lang="de-AT" dirty="0" err="1"/>
+              <a:t>attack</a:t>
+            </a:r>
+            <a:endParaRPr lang="de-AT" dirty="0"/>
+          </a:p>
+          <a:p>
+            <a:r>
+              <a:rPr lang="de-AT" dirty="0" err="1"/>
+              <a:t>If</a:t>
+            </a:r>
+            <a:r>
+              <a:rPr lang="de-AT" dirty="0"/>
+              <a:t> </a:t>
+            </a:r>
+            <a:r>
+              <a:rPr lang="de-AT" dirty="0" err="1"/>
+              <a:t>it</a:t>
+            </a:r>
+            <a:r>
+              <a:rPr lang="de-AT" dirty="0"/>
+              <a:t> </a:t>
+            </a:r>
+            <a:r>
+              <a:rPr lang="de-AT" dirty="0" err="1"/>
+              <a:t>is</a:t>
+            </a:r>
+            <a:r>
+              <a:rPr lang="de-AT" dirty="0"/>
+              <a:t> </a:t>
+            </a:r>
+            <a:r>
+              <a:rPr lang="de-AT" dirty="0" err="1"/>
+              <a:t>full</a:t>
+            </a:r>
+            <a:r>
+              <a:rPr lang="de-AT" dirty="0"/>
+              <a:t> </a:t>
+            </a:r>
+            <a:r>
+              <a:rPr lang="de-AT" dirty="0" err="1"/>
+              <a:t>you</a:t>
+            </a:r>
+            <a:r>
+              <a:rPr lang="de-AT" dirty="0"/>
+              <a:t> </a:t>
+            </a:r>
+            <a:r>
+              <a:rPr lang="de-AT" dirty="0" err="1"/>
+              <a:t>can</a:t>
+            </a:r>
+            <a:r>
+              <a:rPr lang="de-AT" dirty="0"/>
+              <a:t> </a:t>
+            </a:r>
+            <a:r>
+              <a:rPr lang="de-AT" dirty="0" err="1"/>
+              <a:t>use</a:t>
+            </a:r>
+            <a:r>
+              <a:rPr lang="de-AT" dirty="0"/>
+              <a:t> an </a:t>
+            </a:r>
+            <a:r>
+              <a:rPr lang="de-AT" dirty="0" err="1"/>
+              <a:t>empowered</a:t>
+            </a:r>
+            <a:r>
+              <a:rPr lang="de-AT" dirty="0"/>
+              <a:t> </a:t>
+            </a:r>
+            <a:r>
+              <a:rPr lang="de-AT" dirty="0" err="1"/>
+              <a:t>attack</a:t>
+            </a:r>
+            <a:endParaRPr lang="de-AT" dirty="0"/>
+          </a:p>
+          <a:p>
+            <a:r>
+              <a:rPr lang="de-AT" dirty="0" err="1"/>
+              <a:t>Each</a:t>
+            </a:r>
+            <a:r>
+              <a:rPr lang="de-AT" dirty="0"/>
+              <a:t> </a:t>
+            </a:r>
+            <a:r>
+              <a:rPr lang="de-AT" dirty="0" err="1"/>
+              <a:t>enemy</a:t>
+            </a:r>
+            <a:r>
+              <a:rPr lang="de-AT" dirty="0"/>
+              <a:t> </a:t>
+            </a:r>
+            <a:r>
+              <a:rPr lang="de-AT" dirty="0" err="1"/>
+              <a:t>has</a:t>
+            </a:r>
+            <a:r>
+              <a:rPr lang="de-AT" dirty="0"/>
+              <a:t> a </a:t>
+            </a:r>
+            <a:r>
+              <a:rPr lang="de-AT" dirty="0" err="1"/>
+              <a:t>magical</a:t>
+            </a:r>
+            <a:r>
+              <a:rPr lang="de-AT" dirty="0"/>
+              <a:t> </a:t>
+            </a:r>
+            <a:r>
+              <a:rPr lang="de-AT" dirty="0" err="1"/>
+              <a:t>shield</a:t>
+            </a:r>
+            <a:r>
+              <a:rPr lang="de-AT" dirty="0"/>
+              <a:t> </a:t>
+            </a:r>
+            <a:r>
+              <a:rPr lang="de-AT" dirty="0" err="1"/>
+              <a:t>which</a:t>
+            </a:r>
+            <a:r>
+              <a:rPr lang="de-AT" dirty="0"/>
+              <a:t> </a:t>
+            </a:r>
+            <a:r>
+              <a:rPr lang="de-AT" dirty="0" err="1"/>
+              <a:t>reduces</a:t>
+            </a:r>
+            <a:r>
+              <a:rPr lang="de-AT" dirty="0"/>
+              <a:t> </a:t>
+            </a:r>
+            <a:r>
+              <a:rPr lang="de-AT" dirty="0" err="1"/>
+              <a:t>damage</a:t>
+            </a:r>
+            <a:endParaRPr lang="de-AT" dirty="0"/>
+          </a:p>
+          <a:p>
+            <a:r>
+              <a:rPr lang="de-AT" dirty="0" err="1"/>
+              <a:t>You</a:t>
+            </a:r>
+            <a:r>
+              <a:rPr lang="de-AT" dirty="0"/>
+              <a:t> </a:t>
+            </a:r>
+            <a:r>
+              <a:rPr lang="de-AT" dirty="0" err="1"/>
+              <a:t>can</a:t>
+            </a:r>
+            <a:r>
+              <a:rPr lang="de-AT" dirty="0"/>
+              <a:t> break </a:t>
+            </a:r>
+            <a:r>
+              <a:rPr lang="de-AT" dirty="0" err="1"/>
+              <a:t>it</a:t>
+            </a:r>
+            <a:r>
+              <a:rPr lang="de-AT" dirty="0"/>
+              <a:t> </a:t>
+            </a:r>
+            <a:r>
+              <a:rPr lang="de-AT" dirty="0" err="1"/>
+              <a:t>by</a:t>
+            </a:r>
+            <a:r>
+              <a:rPr lang="de-AT" dirty="0"/>
+              <a:t> </a:t>
+            </a:r>
+            <a:r>
+              <a:rPr lang="de-AT" dirty="0" err="1"/>
+              <a:t>hitting</a:t>
+            </a:r>
+            <a:r>
+              <a:rPr lang="de-AT" dirty="0"/>
+              <a:t> </a:t>
+            </a:r>
+            <a:r>
+              <a:rPr lang="de-AT" dirty="0" err="1"/>
+              <a:t>them</a:t>
+            </a:r>
+            <a:r>
+              <a:rPr lang="de-AT" dirty="0"/>
+              <a:t> </a:t>
+            </a:r>
+            <a:r>
+              <a:rPr lang="de-AT" dirty="0" err="1"/>
+              <a:t>with</a:t>
+            </a:r>
+            <a:r>
+              <a:rPr lang="de-AT" dirty="0"/>
+              <a:t> an </a:t>
+            </a:r>
+            <a:r>
+              <a:rPr lang="de-AT" dirty="0" err="1"/>
+              <a:t>element</a:t>
+            </a:r>
+            <a:r>
+              <a:rPr lang="de-AT" dirty="0"/>
+              <a:t> </a:t>
+            </a:r>
+            <a:r>
+              <a:rPr lang="de-AT" dirty="0" err="1"/>
+              <a:t>they</a:t>
+            </a:r>
+            <a:r>
+              <a:rPr lang="de-AT" dirty="0"/>
+              <a:t> </a:t>
+            </a:r>
+            <a:r>
+              <a:rPr lang="de-AT" dirty="0" err="1"/>
+              <a:t>are</a:t>
+            </a:r>
+            <a:r>
+              <a:rPr lang="de-AT" dirty="0"/>
+              <a:t> </a:t>
+            </a:r>
+            <a:r>
+              <a:rPr lang="de-AT" dirty="0" err="1"/>
+              <a:t>weak</a:t>
+            </a:r>
+            <a:r>
+              <a:rPr lang="de-AT" dirty="0"/>
+              <a:t> </a:t>
+            </a:r>
+            <a:r>
+              <a:rPr lang="de-AT" dirty="0" err="1"/>
+              <a:t>to</a:t>
+            </a:r>
+            <a:endParaRPr lang="de-AT" dirty="0"/>
+          </a:p>
+          <a:p>
+            <a:r>
+              <a:rPr lang="de-AT" dirty="0" err="1"/>
+              <a:t>Two</a:t>
+            </a:r>
+            <a:r>
+              <a:rPr lang="de-AT" dirty="0"/>
+              <a:t> </a:t>
+            </a:r>
+            <a:r>
+              <a:rPr lang="de-AT" dirty="0" err="1"/>
+              <a:t>party</a:t>
+            </a:r>
+            <a:r>
+              <a:rPr lang="de-AT" dirty="0"/>
+              <a:t> </a:t>
+            </a:r>
+            <a:r>
+              <a:rPr lang="de-AT" dirty="0" err="1"/>
+              <a:t>members</a:t>
+            </a:r>
+            <a:r>
+              <a:rPr lang="de-AT" dirty="0"/>
+              <a:t> </a:t>
+            </a:r>
+            <a:r>
+              <a:rPr lang="de-AT" dirty="0" err="1"/>
+              <a:t>can</a:t>
+            </a:r>
+            <a:r>
+              <a:rPr lang="de-AT" dirty="0"/>
+              <a:t> </a:t>
+            </a:r>
+            <a:r>
+              <a:rPr lang="de-AT" dirty="0" err="1"/>
+              <a:t>attack</a:t>
+            </a:r>
+            <a:r>
+              <a:rPr lang="de-AT" dirty="0"/>
+              <a:t> </a:t>
+            </a:r>
+            <a:r>
+              <a:rPr lang="de-AT" dirty="0" err="1"/>
+              <a:t>together</a:t>
+            </a:r>
+            <a:r>
+              <a:rPr lang="de-AT" dirty="0"/>
+              <a:t> </a:t>
+            </a:r>
+            <a:r>
+              <a:rPr lang="de-AT" dirty="0" err="1"/>
+              <a:t>with</a:t>
+            </a:r>
+            <a:r>
+              <a:rPr lang="de-AT" dirty="0"/>
+              <a:t> a </a:t>
+            </a:r>
+            <a:r>
+              <a:rPr lang="de-AT" dirty="0" err="1"/>
+              <a:t>partner</a:t>
+            </a:r>
+            <a:r>
+              <a:rPr lang="de-AT" dirty="0"/>
+              <a:t> </a:t>
+            </a:r>
+            <a:r>
+              <a:rPr lang="de-AT" dirty="0" err="1"/>
+              <a:t>attack</a:t>
             </a:r>
             <a:endParaRPr lang="de-AT" dirty="0"/>
           </a:p>
@@ -7440,6 +8356,180 @@
           <a:chExt cx="0" cy="0"/>
         </a:xfrm>
       </p:grpSpPr>
+      <p:sp>
+        <p:nvSpPr>
+          <p:cNvPr id="2" name="Titel 1">
+            <a:extLst>
+              <a:ext uri="{FF2B5EF4-FFF2-40B4-BE49-F238E27FC236}">
+                <a16:creationId xmlns:a16="http://schemas.microsoft.com/office/drawing/2014/main" id="{2602C991-22F6-32E1-3C6D-9F77A52BEC3F}"/>
+              </a:ext>
+            </a:extLst>
+          </p:cNvPr>
+          <p:cNvSpPr>
+            <a:spLocks noGrp="1"/>
+          </p:cNvSpPr>
+          <p:nvPr>
+            <p:ph type="title"/>
+          </p:nvPr>
+        </p:nvSpPr>
+        <p:spPr>
+          <a:xfrm>
+            <a:off x="1370693" y="5282837"/>
+            <a:ext cx="9440034" cy="1088336"/>
+          </a:xfrm>
+        </p:spPr>
+        <p:txBody>
+          <a:bodyPr vert="horz" lIns="91440" tIns="45720" rIns="91440" bIns="45720" rtlCol="0" anchor="b">
+            <a:normAutofit/>
+          </a:bodyPr>
+          <a:lstStyle/>
+          <a:p>
+            <a:r>
+              <a:rPr lang="en-US" sz="4800" dirty="0"/>
+              <a:t>Interface</a:t>
+            </a:r>
+          </a:p>
+        </p:txBody>
+      </p:sp>
+      <p:pic>
+        <p:nvPicPr>
+          <p:cNvPr id="6" name="Grafik 5">
+            <a:extLst>
+              <a:ext uri="{FF2B5EF4-FFF2-40B4-BE49-F238E27FC236}">
+                <a16:creationId xmlns:a16="http://schemas.microsoft.com/office/drawing/2014/main" id="{C5BAE130-7767-6482-38E2-307E363DA799}"/>
+              </a:ext>
+            </a:extLst>
+          </p:cNvPr>
+          <p:cNvPicPr>
+            <a:picLocks noChangeAspect="1"/>
+          </p:cNvPicPr>
+          <p:nvPr/>
+        </p:nvPicPr>
+        <p:blipFill>
+          <a:blip r:embed="rId3"/>
+          <a:stretch>
+            <a:fillRect/>
+          </a:stretch>
+        </p:blipFill>
+        <p:spPr>
+          <a:xfrm>
+            <a:off x="1673774" y="486827"/>
+            <a:ext cx="9136953" cy="4385737"/>
+          </a:xfrm>
+          <a:prstGeom prst="rect">
+            <a:avLst/>
+          </a:prstGeom>
+        </p:spPr>
+      </p:pic>
+      <p:pic>
+        <p:nvPicPr>
+          <p:cNvPr id="8" name="Grafik 7">
+            <a:extLst>
+              <a:ext uri="{FF2B5EF4-FFF2-40B4-BE49-F238E27FC236}">
+                <a16:creationId xmlns:a16="http://schemas.microsoft.com/office/drawing/2014/main" id="{31E7F5F1-0C6B-65A3-8F8E-8AAEB2284C28}"/>
+              </a:ext>
+            </a:extLst>
+          </p:cNvPr>
+          <p:cNvPicPr>
+            <a:picLocks noChangeAspect="1"/>
+          </p:cNvPicPr>
+          <p:nvPr/>
+        </p:nvPicPr>
+        <p:blipFill>
+          <a:blip r:embed="rId4"/>
+          <a:stretch>
+            <a:fillRect/>
+          </a:stretch>
+        </p:blipFill>
+        <p:spPr>
+          <a:xfrm>
+            <a:off x="9258152" y="4962525"/>
+            <a:ext cx="1552575" cy="1895475"/>
+          </a:xfrm>
+          <a:prstGeom prst="rect">
+            <a:avLst/>
+          </a:prstGeom>
+        </p:spPr>
+      </p:pic>
+      <p:pic>
+        <p:nvPicPr>
+          <p:cNvPr id="10" name="Grafik 9">
+            <a:extLst>
+              <a:ext uri="{FF2B5EF4-FFF2-40B4-BE49-F238E27FC236}">
+                <a16:creationId xmlns:a16="http://schemas.microsoft.com/office/drawing/2014/main" id="{51F92F4F-E474-7AA5-FDF1-45DC96197982}"/>
+              </a:ext>
+            </a:extLst>
+          </p:cNvPr>
+          <p:cNvPicPr>
+            <a:picLocks noChangeAspect="1"/>
+          </p:cNvPicPr>
+          <p:nvPr/>
+        </p:nvPicPr>
+        <p:blipFill>
+          <a:blip r:embed="rId5"/>
+          <a:stretch>
+            <a:fillRect/>
+          </a:stretch>
+        </p:blipFill>
+        <p:spPr>
+          <a:xfrm>
+            <a:off x="1673774" y="4962525"/>
+            <a:ext cx="1476375" cy="1895475"/>
+          </a:xfrm>
+          <a:prstGeom prst="rect">
+            <a:avLst/>
+          </a:prstGeom>
+        </p:spPr>
+      </p:pic>
+    </p:spTree>
+    <p:extLst>
+      <p:ext uri="{BB962C8B-B14F-4D97-AF65-F5344CB8AC3E}">
+        <p14:creationId xmlns:p14="http://schemas.microsoft.com/office/powerpoint/2010/main" val="918533693"/>
+      </p:ext>
+    </p:extLst>
+  </p:cSld>
+  <p:clrMapOvr>
+    <a:masterClrMapping/>
+  </p:clrMapOvr>
+</p:sld>
+</file>
+
+<file path=ppt/slides/slide6.xml><?xml version="1.0" encoding="utf-8"?>
+<p:sld xmlns:a="http://schemas.openxmlformats.org/drawingml/2006/main" xmlns:r="http://schemas.openxmlformats.org/officeDocument/2006/relationships" xmlns:p="http://schemas.openxmlformats.org/presentationml/2006/main">
+  <p:cSld>
+    <p:bg>
+      <p:bgPr>
+        <a:blipFill rotWithShape="1">
+          <a:blip r:embed="rId2">
+            <a:duotone>
+              <a:schemeClr val="bg2">
+                <a:shade val="80000"/>
+                <a:lumMod val="80000"/>
+              </a:schemeClr>
+              <a:schemeClr val="bg2">
+                <a:tint val="98000"/>
+              </a:schemeClr>
+            </a:duotone>
+          </a:blip>
+          <a:stretch/>
+        </a:blipFill>
+        <a:effectLst/>
+      </p:bgPr>
+    </p:bg>
+    <p:spTree>
+      <p:nvGrpSpPr>
+        <p:cNvPr id="1" name=""/>
+        <p:cNvGrpSpPr/>
+        <p:nvPr/>
+      </p:nvGrpSpPr>
+      <p:grpSpPr>
+        <a:xfrm>
+          <a:off x="0" y="0"/>
+          <a:ext cx="0" cy="0"/>
+          <a:chOff x="0" y="0"/>
+          <a:chExt cx="0" cy="0"/>
+        </a:xfrm>
+      </p:grpSpPr>
       <p:sp useBgFill="1">
         <p:nvSpPr>
           <p:cNvPr id="26" name="Rectangle 7">
@@ -7606,12 +8696,12 @@
         <p:spPr>
           <a:xfrm>
             <a:off x="1235528" y="2481943"/>
-            <a:ext cx="9710296" cy="3309258"/>
+            <a:ext cx="9710296" cy="4376056"/>
           </a:xfrm>
         </p:spPr>
         <p:txBody>
           <a:bodyPr>
-            <a:normAutofit/>
+            <a:normAutofit lnSpcReduction="10000"/>
           </a:bodyPr>
           <a:lstStyle/>
           <a:p>
@@ -7621,47 +8711,47 @@
               </a:lnSpc>
             </a:pPr>
             <a:r>
-              <a:rPr lang="de-AT"/>
+              <a:rPr lang="de-AT" sz="2800" dirty="0"/>
               <a:t>2 </a:t>
             </a:r>
             <a:r>
-              <a:rPr lang="de-AT" err="1"/>
+              <a:rPr lang="de-AT" sz="2800" dirty="0" err="1"/>
               <a:t>kingdoms</a:t>
             </a:r>
             <a:r>
-              <a:rPr lang="de-AT"/>
+              <a:rPr lang="de-AT" sz="2800" dirty="0"/>
               <a:t> -&gt; Kingdom </a:t>
             </a:r>
             <a:r>
-              <a:rPr lang="de-AT" err="1"/>
+              <a:rPr lang="de-AT" sz="2800" dirty="0" err="1"/>
               <a:t>of</a:t>
             </a:r>
             <a:r>
-              <a:rPr lang="de-AT"/>
+              <a:rPr lang="de-AT" sz="2800" dirty="0"/>
               <a:t> Souls, Kingdom </a:t>
             </a:r>
             <a:r>
-              <a:rPr lang="de-AT" err="1"/>
+              <a:rPr lang="de-AT" sz="2800" dirty="0" err="1"/>
               <a:t>of</a:t>
             </a:r>
             <a:r>
-              <a:rPr lang="de-AT"/>
-              <a:t> </a:t>
-            </a:r>
-            <a:r>
-              <a:rPr lang="de-AT" err="1"/>
+              <a:rPr lang="de-AT" sz="2800" dirty="0"/>
+              <a:t> </a:t>
+            </a:r>
+            <a:r>
+              <a:rPr lang="de-AT" sz="2800" dirty="0" err="1"/>
               <a:t>the</a:t>
             </a:r>
             <a:r>
-              <a:rPr lang="de-AT"/>
-              <a:t> </a:t>
-            </a:r>
-            <a:r>
-              <a:rPr lang="de-AT" err="1"/>
+              <a:rPr lang="de-AT" sz="2800" dirty="0"/>
+              <a:t> </a:t>
+            </a:r>
+            <a:r>
+              <a:rPr lang="de-AT" sz="2800" dirty="0" err="1"/>
               <a:t>Undead</a:t>
             </a:r>
             <a:r>
-              <a:rPr lang="de-AT"/>
+              <a:rPr lang="de-AT" sz="2800" dirty="0"/>
               <a:t> </a:t>
             </a:r>
           </a:p>
@@ -7672,50 +8762,50 @@
               </a:lnSpc>
             </a:pPr>
             <a:r>
-              <a:rPr lang="de-AT" err="1"/>
+              <a:rPr lang="de-AT" sz="2800" dirty="0" err="1"/>
               <a:t>Undead</a:t>
             </a:r>
             <a:r>
-              <a:rPr lang="de-AT"/>
+              <a:rPr lang="de-AT" sz="2800" dirty="0"/>
               <a:t> King was </a:t>
             </a:r>
             <a:r>
-              <a:rPr lang="de-AT" err="1"/>
+              <a:rPr lang="de-AT" sz="2800" dirty="0" err="1"/>
               <a:t>sealed</a:t>
             </a:r>
             <a:r>
-              <a:rPr lang="de-AT"/>
+              <a:rPr lang="de-AT" sz="2800" dirty="0"/>
               <a:t> -&gt; </a:t>
             </a:r>
             <a:r>
-              <a:rPr lang="de-AT" err="1"/>
+              <a:rPr lang="de-AT" sz="2800" dirty="0" err="1"/>
               <a:t>got</a:t>
             </a:r>
             <a:r>
-              <a:rPr lang="de-AT"/>
-              <a:t> </a:t>
-            </a:r>
-            <a:r>
-              <a:rPr lang="de-AT" err="1"/>
+              <a:rPr lang="de-AT" sz="2800" dirty="0"/>
+              <a:t> </a:t>
+            </a:r>
+            <a:r>
+              <a:rPr lang="de-AT" sz="2800" dirty="0" err="1"/>
               <a:t>freed</a:t>
             </a:r>
             <a:r>
-              <a:rPr lang="de-AT"/>
-              <a:t> </a:t>
-            </a:r>
-            <a:r>
-              <a:rPr lang="de-AT" err="1"/>
+              <a:rPr lang="de-AT" sz="2800" dirty="0"/>
+              <a:t> </a:t>
+            </a:r>
+            <a:r>
+              <a:rPr lang="de-AT" sz="2800" dirty="0" err="1"/>
               <a:t>by</a:t>
             </a:r>
             <a:r>
-              <a:rPr lang="de-AT"/>
-              <a:t> </a:t>
-            </a:r>
-            <a:r>
-              <a:rPr lang="de-AT" err="1"/>
+              <a:rPr lang="de-AT" sz="2800" dirty="0"/>
+              <a:t> </a:t>
+            </a:r>
+            <a:r>
+              <a:rPr lang="de-AT" sz="2800" dirty="0" err="1"/>
               <a:t>cultists</a:t>
             </a:r>
-            <a:endParaRPr lang="de-AT"/>
+            <a:endParaRPr lang="de-AT" sz="2800" dirty="0"/>
           </a:p>
           <a:p>
             <a:pPr>
@@ -7724,58 +8814,58 @@
               </a:lnSpc>
             </a:pPr>
             <a:r>
-              <a:rPr lang="de-AT" err="1"/>
+              <a:rPr lang="de-AT" sz="2800" dirty="0" err="1"/>
               <a:t>Suprise</a:t>
             </a:r>
             <a:r>
-              <a:rPr lang="de-AT"/>
-              <a:t> </a:t>
-            </a:r>
-            <a:r>
-              <a:rPr lang="de-AT" err="1"/>
+              <a:rPr lang="de-AT" sz="2800" dirty="0"/>
+              <a:t> </a:t>
+            </a:r>
+            <a:r>
+              <a:rPr lang="de-AT" sz="2800" dirty="0" err="1"/>
               <a:t>attacked</a:t>
             </a:r>
             <a:r>
-              <a:rPr lang="de-AT"/>
+              <a:rPr lang="de-AT" sz="2800" dirty="0"/>
               <a:t> Kingdom </a:t>
             </a:r>
             <a:r>
-              <a:rPr lang="de-AT" err="1"/>
+              <a:rPr lang="de-AT" sz="2800" dirty="0" err="1"/>
               <a:t>of</a:t>
             </a:r>
             <a:r>
-              <a:rPr lang="de-AT"/>
+              <a:rPr lang="de-AT" sz="2800" dirty="0"/>
               <a:t> Souls -&gt; </a:t>
             </a:r>
             <a:r>
-              <a:rPr lang="de-AT" err="1"/>
+              <a:rPr lang="de-AT" sz="2800" dirty="0" err="1"/>
               <a:t>whole</a:t>
             </a:r>
             <a:r>
-              <a:rPr lang="de-AT"/>
-              <a:t> </a:t>
-            </a:r>
-            <a:r>
-              <a:rPr lang="de-AT" err="1"/>
+              <a:rPr lang="de-AT" sz="2800" dirty="0"/>
+              <a:t> </a:t>
+            </a:r>
+            <a:r>
+              <a:rPr lang="de-AT" sz="2800" dirty="0" err="1"/>
               <a:t>kingdom</a:t>
             </a:r>
             <a:r>
-              <a:rPr lang="de-AT"/>
-              <a:t> </a:t>
-            </a:r>
-            <a:r>
-              <a:rPr lang="de-AT" err="1"/>
+              <a:rPr lang="de-AT" sz="2800" dirty="0"/>
+              <a:t> </a:t>
+            </a:r>
+            <a:r>
+              <a:rPr lang="de-AT" sz="2800" dirty="0" err="1"/>
               <a:t>got</a:t>
             </a:r>
             <a:r>
-              <a:rPr lang="de-AT"/>
-              <a:t> </a:t>
-            </a:r>
-            <a:r>
-              <a:rPr lang="de-AT" err="1"/>
+              <a:rPr lang="de-AT" sz="2800" dirty="0"/>
+              <a:t> </a:t>
+            </a:r>
+            <a:r>
+              <a:rPr lang="de-AT" sz="2800" dirty="0" err="1"/>
               <a:t>conquered</a:t>
             </a:r>
-            <a:endParaRPr lang="de-AT"/>
+            <a:endParaRPr lang="de-AT" sz="2800" dirty="0"/>
           </a:p>
           <a:p>
             <a:pPr>
@@ -7784,67 +8874,67 @@
               </a:lnSpc>
             </a:pPr>
             <a:r>
-              <a:rPr lang="de-AT" err="1"/>
+              <a:rPr lang="de-AT" sz="2800" dirty="0" err="1"/>
               <a:t>You</a:t>
             </a:r>
             <a:r>
-              <a:rPr lang="de-AT"/>
-              <a:t> </a:t>
-            </a:r>
-            <a:r>
-              <a:rPr lang="de-AT" err="1"/>
+              <a:rPr lang="de-AT" sz="2800" dirty="0"/>
+              <a:t> </a:t>
+            </a:r>
+            <a:r>
+              <a:rPr lang="de-AT" sz="2800" dirty="0" err="1"/>
               <a:t>as</a:t>
             </a:r>
             <a:r>
-              <a:rPr lang="de-AT"/>
-              <a:t> </a:t>
-            </a:r>
-            <a:r>
-              <a:rPr lang="de-AT" err="1"/>
+              <a:rPr lang="de-AT" sz="2800" dirty="0"/>
+              <a:t> </a:t>
+            </a:r>
+            <a:r>
+              <a:rPr lang="de-AT" sz="2800" dirty="0" err="1"/>
               <a:t>the</a:t>
             </a:r>
             <a:r>
-              <a:rPr lang="de-AT"/>
-              <a:t> </a:t>
-            </a:r>
-            <a:r>
-              <a:rPr lang="de-AT" err="1"/>
+              <a:rPr lang="de-AT" sz="2800" dirty="0"/>
+              <a:t> </a:t>
+            </a:r>
+            <a:r>
+              <a:rPr lang="de-AT" sz="2800" dirty="0" err="1"/>
               <a:t>main</a:t>
             </a:r>
             <a:r>
-              <a:rPr lang="de-AT"/>
-              <a:t> </a:t>
-            </a:r>
-            <a:r>
-              <a:rPr lang="de-AT" err="1"/>
+              <a:rPr lang="de-AT" sz="2800" dirty="0"/>
+              <a:t> </a:t>
+            </a:r>
+            <a:r>
+              <a:rPr lang="de-AT" sz="2800" dirty="0" err="1"/>
               <a:t>character</a:t>
             </a:r>
             <a:r>
-              <a:rPr lang="de-AT"/>
-              <a:t> </a:t>
-            </a:r>
-            <a:r>
-              <a:rPr lang="de-AT" err="1"/>
+              <a:rPr lang="de-AT" sz="2800" dirty="0"/>
+              <a:t> </a:t>
+            </a:r>
+            <a:r>
+              <a:rPr lang="de-AT" sz="2800" dirty="0" err="1"/>
               <a:t>are</a:t>
             </a:r>
             <a:r>
-              <a:rPr lang="de-AT"/>
-              <a:t> </a:t>
-            </a:r>
-            <a:r>
-              <a:rPr lang="de-AT" err="1"/>
+              <a:rPr lang="de-AT" sz="2800" dirty="0"/>
+              <a:t> </a:t>
+            </a:r>
+            <a:r>
+              <a:rPr lang="de-AT" sz="2800" dirty="0" err="1"/>
               <a:t>going</a:t>
             </a:r>
             <a:r>
-              <a:rPr lang="de-AT"/>
+              <a:rPr lang="de-AT" sz="2800" dirty="0"/>
               <a:t> on an </a:t>
             </a:r>
             <a:r>
-              <a:rPr lang="de-AT" err="1"/>
+              <a:rPr lang="de-AT" sz="2800" dirty="0" err="1"/>
               <a:t>adventure</a:t>
             </a:r>
             <a:r>
-              <a:rPr lang="de-AT"/>
+              <a:rPr lang="de-AT" sz="2800" dirty="0"/>
               <a:t>:</a:t>
             </a:r>
           </a:p>
@@ -7855,66 +8945,66 @@
               </a:lnSpc>
             </a:pPr>
             <a:r>
-              <a:rPr lang="de-AT" err="1"/>
+              <a:rPr lang="de-AT" sz="2800" dirty="0" err="1"/>
               <a:t>You</a:t>
             </a:r>
             <a:r>
-              <a:rPr lang="de-AT"/>
-              <a:t> </a:t>
-            </a:r>
-            <a:r>
-              <a:rPr lang="de-AT" err="1"/>
+              <a:rPr lang="de-AT" sz="2800" dirty="0"/>
+              <a:t> </a:t>
+            </a:r>
+            <a:r>
+              <a:rPr lang="de-AT" sz="2800" dirty="0" err="1"/>
               <a:t>meet</a:t>
             </a:r>
             <a:r>
-              <a:rPr lang="de-AT"/>
-              <a:t> </a:t>
-            </a:r>
-            <a:r>
-              <a:rPr lang="de-AT" err="1"/>
+              <a:rPr lang="de-AT" sz="2800" dirty="0"/>
+              <a:t> </a:t>
+            </a:r>
+            <a:r>
+              <a:rPr lang="de-AT" sz="2800" dirty="0" err="1"/>
               <a:t>new</a:t>
             </a:r>
             <a:r>
-              <a:rPr lang="de-AT"/>
-              <a:t> </a:t>
-            </a:r>
-            <a:r>
-              <a:rPr lang="de-AT" err="1"/>
+              <a:rPr lang="de-AT" sz="2800" dirty="0"/>
+              <a:t> </a:t>
+            </a:r>
+            <a:r>
+              <a:rPr lang="de-AT" sz="2800" dirty="0" err="1"/>
               <a:t>people</a:t>
             </a:r>
             <a:r>
-              <a:rPr lang="de-AT"/>
-              <a:t> </a:t>
-            </a:r>
-            <a:r>
-              <a:rPr lang="de-AT" err="1"/>
+              <a:rPr lang="de-AT" sz="2800" dirty="0"/>
+              <a:t> </a:t>
+            </a:r>
+            <a:r>
+              <a:rPr lang="de-AT" sz="2800" dirty="0" err="1"/>
               <a:t>who</a:t>
             </a:r>
             <a:r>
-              <a:rPr lang="de-AT"/>
-              <a:t> </a:t>
-            </a:r>
-            <a:r>
-              <a:rPr lang="de-AT" err="1"/>
+              <a:rPr lang="de-AT" sz="2800" dirty="0"/>
+              <a:t> </a:t>
+            </a:r>
+            <a:r>
+              <a:rPr lang="de-AT" sz="2800" dirty="0" err="1"/>
               <a:t>fight</a:t>
             </a:r>
             <a:r>
-              <a:rPr lang="de-AT"/>
-              <a:t> </a:t>
-            </a:r>
-            <a:r>
-              <a:rPr lang="de-AT" err="1"/>
+              <a:rPr lang="de-AT" sz="2800" dirty="0"/>
+              <a:t> </a:t>
+            </a:r>
+            <a:r>
+              <a:rPr lang="de-AT" sz="2800" dirty="0" err="1"/>
               <a:t>alongside</a:t>
             </a:r>
             <a:r>
-              <a:rPr lang="de-AT"/>
-              <a:t> </a:t>
-            </a:r>
-            <a:r>
-              <a:rPr lang="de-AT" err="1"/>
+              <a:rPr lang="de-AT" sz="2800" dirty="0"/>
+              <a:t> </a:t>
+            </a:r>
+            <a:r>
+              <a:rPr lang="de-AT" sz="2800" dirty="0" err="1"/>
               <a:t>you</a:t>
             </a:r>
-            <a:endParaRPr lang="de-AT"/>
+            <a:endParaRPr lang="de-AT" sz="2800" dirty="0"/>
           </a:p>
           <a:p>
             <a:pPr lvl="1">
@@ -7923,26 +9013,26 @@
               </a:lnSpc>
             </a:pPr>
             <a:r>
-              <a:rPr lang="de-AT" err="1"/>
+              <a:rPr lang="de-AT" sz="2800" dirty="0" err="1"/>
               <a:t>Reconquer</a:t>
             </a:r>
             <a:r>
-              <a:rPr lang="de-AT"/>
-              <a:t> </a:t>
-            </a:r>
-            <a:r>
-              <a:rPr lang="de-AT" err="1"/>
+              <a:rPr lang="de-AT" sz="2800" dirty="0"/>
+              <a:t> </a:t>
+            </a:r>
+            <a:r>
+              <a:rPr lang="de-AT" sz="2800" dirty="0" err="1"/>
               <a:t>the</a:t>
             </a:r>
             <a:r>
-              <a:rPr lang="de-AT"/>
-              <a:t> </a:t>
-            </a:r>
-            <a:r>
-              <a:rPr lang="de-AT" err="1"/>
+              <a:rPr lang="de-AT" sz="2800" dirty="0"/>
+              <a:t> </a:t>
+            </a:r>
+            <a:r>
+              <a:rPr lang="de-AT" sz="2800" dirty="0" err="1"/>
               <a:t>kingdom</a:t>
             </a:r>
-            <a:endParaRPr lang="de-AT"/>
+            <a:endParaRPr lang="de-AT" sz="2800" dirty="0"/>
           </a:p>
           <a:p>
             <a:pPr lvl="1">
@@ -7951,50 +9041,50 @@
               </a:lnSpc>
             </a:pPr>
             <a:r>
-              <a:rPr lang="de-AT" err="1"/>
+              <a:rPr lang="de-AT" sz="2800" dirty="0" err="1"/>
               <a:t>Explore</a:t>
             </a:r>
             <a:r>
-              <a:rPr lang="de-AT"/>
-              <a:t> </a:t>
-            </a:r>
-            <a:r>
-              <a:rPr lang="de-AT" err="1"/>
+              <a:rPr lang="de-AT" sz="2800" dirty="0"/>
+              <a:t> </a:t>
+            </a:r>
+            <a:r>
+              <a:rPr lang="de-AT" sz="2800" dirty="0" err="1"/>
               <a:t>new</a:t>
             </a:r>
             <a:r>
-              <a:rPr lang="de-AT"/>
-              <a:t> </a:t>
-            </a:r>
-            <a:r>
-              <a:rPr lang="de-AT" err="1"/>
+              <a:rPr lang="de-AT" sz="2800" dirty="0"/>
+              <a:t> </a:t>
+            </a:r>
+            <a:r>
+              <a:rPr lang="de-AT" sz="2800" dirty="0" err="1"/>
               <a:t>places</a:t>
             </a:r>
             <a:r>
-              <a:rPr lang="de-AT"/>
-              <a:t> </a:t>
-            </a:r>
-            <a:r>
-              <a:rPr lang="de-AT" err="1"/>
+              <a:rPr lang="de-AT" sz="2800" dirty="0"/>
+              <a:t> </a:t>
+            </a:r>
+            <a:r>
+              <a:rPr lang="de-AT" sz="2800" dirty="0" err="1"/>
               <a:t>around</a:t>
             </a:r>
             <a:r>
-              <a:rPr lang="de-AT"/>
-              <a:t> </a:t>
-            </a:r>
-            <a:r>
-              <a:rPr lang="de-AT" err="1"/>
+              <a:rPr lang="de-AT" sz="2800" dirty="0"/>
+              <a:t> </a:t>
+            </a:r>
+            <a:r>
+              <a:rPr lang="de-AT" sz="2800" dirty="0" err="1"/>
               <a:t>the</a:t>
             </a:r>
             <a:r>
-              <a:rPr lang="de-AT"/>
-              <a:t> </a:t>
-            </a:r>
-            <a:r>
-              <a:rPr lang="de-AT" err="1"/>
+              <a:rPr lang="de-AT" sz="2800" dirty="0"/>
+              <a:t> </a:t>
+            </a:r>
+            <a:r>
+              <a:rPr lang="de-AT" sz="2800" dirty="0" err="1"/>
               <a:t>world</a:t>
             </a:r>
-            <a:endParaRPr lang="de-AT"/>
+            <a:endParaRPr lang="de-AT" sz="2800" dirty="0"/>
           </a:p>
           <a:p>
             <a:pPr lvl="1">
@@ -8003,50 +9093,50 @@
               </a:lnSpc>
             </a:pPr>
             <a:r>
-              <a:rPr lang="de-AT" err="1"/>
+              <a:rPr lang="de-AT" sz="2800" dirty="0" err="1"/>
               <a:t>Stop</a:t>
             </a:r>
             <a:r>
-              <a:rPr lang="de-AT"/>
-              <a:t> </a:t>
-            </a:r>
-            <a:r>
-              <a:rPr lang="de-AT" err="1"/>
+              <a:rPr lang="de-AT" sz="2800" dirty="0"/>
+              <a:t> </a:t>
+            </a:r>
+            <a:r>
+              <a:rPr lang="de-AT" sz="2800" dirty="0" err="1"/>
               <a:t>the</a:t>
             </a:r>
             <a:r>
-              <a:rPr lang="de-AT"/>
-              <a:t> </a:t>
-            </a:r>
-            <a:r>
-              <a:rPr lang="de-AT" err="1"/>
+              <a:rPr lang="de-AT" sz="2800" dirty="0"/>
+              <a:t> </a:t>
+            </a:r>
+            <a:r>
+              <a:rPr lang="de-AT" sz="2800" dirty="0" err="1"/>
               <a:t>Undead</a:t>
             </a:r>
             <a:r>
-              <a:rPr lang="de-AT"/>
+              <a:rPr lang="de-AT" sz="2800" dirty="0"/>
               <a:t> King </a:t>
             </a:r>
             <a:r>
-              <a:rPr lang="de-AT" err="1"/>
+              <a:rPr lang="de-AT" sz="2800" dirty="0" err="1"/>
               <a:t>by</a:t>
             </a:r>
             <a:r>
-              <a:rPr lang="de-AT"/>
-              <a:t> </a:t>
-            </a:r>
-            <a:r>
-              <a:rPr lang="de-AT" err="1"/>
+              <a:rPr lang="de-AT" sz="2800" dirty="0"/>
+              <a:t> </a:t>
+            </a:r>
+            <a:r>
+              <a:rPr lang="de-AT" sz="2800" dirty="0" err="1"/>
               <a:t>sealing</a:t>
             </a:r>
             <a:r>
-              <a:rPr lang="de-AT"/>
-              <a:t> </a:t>
-            </a:r>
-            <a:r>
-              <a:rPr lang="de-AT" err="1"/>
+              <a:rPr lang="de-AT" sz="2800" dirty="0"/>
+              <a:t> </a:t>
+            </a:r>
+            <a:r>
+              <a:rPr lang="de-AT" sz="2800" dirty="0" err="1"/>
               <a:t>him</a:t>
             </a:r>
-            <a:endParaRPr lang="de-AT"/>
+            <a:endParaRPr lang="de-AT" sz="2800" dirty="0"/>
           </a:p>
           <a:p>
             <a:pPr>
@@ -8054,7 +9144,7 @@
                 <a:spcPct val="90000"/>
               </a:lnSpc>
             </a:pPr>
-            <a:endParaRPr lang="de-AT"/>
+            <a:endParaRPr lang="de-AT" sz="1600" dirty="0"/>
           </a:p>
           <a:p>
             <a:pPr>
@@ -8062,7 +9152,7 @@
                 <a:spcPct val="90000"/>
               </a:lnSpc>
             </a:pPr>
-            <a:endParaRPr lang="de-AT"/>
+            <a:endParaRPr lang="de-AT" sz="1600" dirty="0"/>
           </a:p>
           <a:p>
             <a:pPr>
@@ -8070,7 +9160,7 @@
                 <a:spcPct val="90000"/>
               </a:lnSpc>
             </a:pPr>
-            <a:endParaRPr lang="de-AT"/>
+            <a:endParaRPr lang="de-AT" sz="1600" dirty="0"/>
           </a:p>
         </p:txBody>
       </p:sp>
@@ -8087,7 +9177,7 @@
 </p:sld>
 </file>
 
-<file path=ppt/slides/slide6.xml><?xml version="1.0" encoding="utf-8"?>
+<file path=ppt/slides/slide7.xml><?xml version="1.0" encoding="utf-8"?>
 <p:sld xmlns:a="http://schemas.openxmlformats.org/drawingml/2006/main" xmlns:r="http://schemas.openxmlformats.org/officeDocument/2006/relationships" xmlns:p="http://schemas.openxmlformats.org/presentationml/2006/main">
   <p:cSld>
     <p:spTree>
@@ -8171,7 +9261,7 @@
 </p:sld>
 </file>
 
-<file path=ppt/slides/slide7.xml><?xml version="1.0" encoding="utf-8"?>
+<file path=ppt/slides/slide8.xml><?xml version="1.0" encoding="utf-8"?>
 <p:sld xmlns:a="http://schemas.openxmlformats.org/drawingml/2006/main" xmlns:r="http://schemas.openxmlformats.org/officeDocument/2006/relationships" xmlns:p="http://schemas.openxmlformats.org/presentationml/2006/main">
   <p:cSld>
     <p:spTree>
@@ -8400,6 +9490,71 @@
     <p:extLst>
       <p:ext uri="{BB962C8B-B14F-4D97-AF65-F5344CB8AC3E}">
         <p14:creationId xmlns:p14="http://schemas.microsoft.com/office/powerpoint/2010/main" val="233758426"/>
+      </p:ext>
+    </p:extLst>
+  </p:cSld>
+  <p:clrMapOvr>
+    <a:masterClrMapping/>
+  </p:clrMapOvr>
+</p:sld>
+</file>
+
+<file path=ppt/slides/slide9.xml><?xml version="1.0" encoding="utf-8"?>
+<p:sld xmlns:a="http://schemas.openxmlformats.org/drawingml/2006/main" xmlns:r="http://schemas.openxmlformats.org/officeDocument/2006/relationships" xmlns:p="http://schemas.openxmlformats.org/presentationml/2006/main">
+  <p:cSld>
+    <p:spTree>
+      <p:nvGrpSpPr>
+        <p:cNvPr id="1" name=""/>
+        <p:cNvGrpSpPr/>
+        <p:nvPr/>
+      </p:nvGrpSpPr>
+      <p:grpSpPr>
+        <a:xfrm>
+          <a:off x="0" y="0"/>
+          <a:ext cx="0" cy="0"/>
+          <a:chOff x="0" y="0"/>
+          <a:chExt cx="0" cy="0"/>
+        </a:xfrm>
+      </p:grpSpPr>
+      <p:sp>
+        <p:nvSpPr>
+          <p:cNvPr id="2" name="Titel 1">
+            <a:extLst>
+              <a:ext uri="{FF2B5EF4-FFF2-40B4-BE49-F238E27FC236}">
+                <a16:creationId xmlns:a16="http://schemas.microsoft.com/office/drawing/2014/main" id="{FDB8A47F-3660-439E-663A-DA6C5673F427}"/>
+              </a:ext>
+            </a:extLst>
+          </p:cNvPr>
+          <p:cNvSpPr>
+            <a:spLocks noGrp="1"/>
+          </p:cNvSpPr>
+          <p:nvPr>
+            <p:ph type="title"/>
+          </p:nvPr>
+        </p:nvSpPr>
+        <p:spPr>
+          <a:xfrm>
+            <a:off x="913795" y="609600"/>
+            <a:ext cx="10353762" cy="5054600"/>
+          </a:xfrm>
+        </p:spPr>
+        <p:txBody>
+          <a:bodyPr>
+            <a:normAutofit/>
+          </a:bodyPr>
+          <a:lstStyle/>
+          <a:p>
+            <a:r>
+              <a:rPr lang="de-AT" sz="11500" dirty="0"/>
+              <a:t>Live Demo</a:t>
+            </a:r>
+          </a:p>
+        </p:txBody>
+      </p:sp>
+    </p:spTree>
+    <p:extLst>
+      <p:ext uri="{BB962C8B-B14F-4D97-AF65-F5344CB8AC3E}">
+        <p14:creationId xmlns:p14="http://schemas.microsoft.com/office/powerpoint/2010/main" val="1996924763"/>
       </p:ext>
     </p:extLst>
   </p:cSld>

--- a/Presentation/Kingdom of Souls.pptx
+++ b/Presentation/Kingdom of Souls.pptx
@@ -14,6 +14,7 @@
     <p:sldId id="263" r:id="rId8"/>
     <p:sldId id="258" r:id="rId9"/>
     <p:sldId id="265" r:id="rId10"/>
+    <p:sldId id="266" r:id="rId11"/>
   </p:sldIdLst>
   <p:sldSz cx="12192000" cy="6858000"/>
   <p:notesSz cx="6858000" cy="9144000"/>
@@ -305,7 +306,7 @@
           <a:p>
             <a:fld id="{9379C374-18C6-4E53-9ACF-4A8973656D85}" type="datetimeFigureOut">
               <a:rPr lang="de-AT" smtClean="0"/>
-              <a:t>23.06.2022</a:t>
+              <a:t>24.06.2022</a:t>
             </a:fld>
             <a:endParaRPr lang="de-AT"/>
           </a:p>
@@ -603,7 +604,7 @@
           <a:p>
             <a:fld id="{9379C374-18C6-4E53-9ACF-4A8973656D85}" type="datetimeFigureOut">
               <a:rPr lang="de-AT" smtClean="0"/>
-              <a:t>23.06.2022</a:t>
+              <a:t>24.06.2022</a:t>
             </a:fld>
             <a:endParaRPr lang="de-AT"/>
           </a:p>
@@ -795,7 +796,7 @@
           <a:p>
             <a:fld id="{9379C374-18C6-4E53-9ACF-4A8973656D85}" type="datetimeFigureOut">
               <a:rPr lang="de-AT" smtClean="0"/>
-              <a:t>23.06.2022</a:t>
+              <a:t>24.06.2022</a:t>
             </a:fld>
             <a:endParaRPr lang="de-AT"/>
           </a:p>
@@ -1056,7 +1057,7 @@
           <a:p>
             <a:fld id="{9379C374-18C6-4E53-9ACF-4A8973656D85}" type="datetimeFigureOut">
               <a:rPr lang="de-AT" smtClean="0"/>
-              <a:t>23.06.2022</a:t>
+              <a:t>24.06.2022</a:t>
             </a:fld>
             <a:endParaRPr lang="de-AT"/>
           </a:p>
@@ -1480,7 +1481,7 @@
           <a:p>
             <a:fld id="{9379C374-18C6-4E53-9ACF-4A8973656D85}" type="datetimeFigureOut">
               <a:rPr lang="de-AT" smtClean="0"/>
-              <a:t>23.06.2022</a:t>
+              <a:t>24.06.2022</a:t>
             </a:fld>
             <a:endParaRPr lang="de-AT"/>
           </a:p>
@@ -2017,7 +2018,7 @@
           <a:p>
             <a:fld id="{9379C374-18C6-4E53-9ACF-4A8973656D85}" type="datetimeFigureOut">
               <a:rPr lang="de-AT" smtClean="0"/>
-              <a:t>23.06.2022</a:t>
+              <a:t>24.06.2022</a:t>
             </a:fld>
             <a:endParaRPr lang="de-AT"/>
           </a:p>
@@ -2881,7 +2882,7 @@
           <a:p>
             <a:fld id="{9379C374-18C6-4E53-9ACF-4A8973656D85}" type="datetimeFigureOut">
               <a:rPr lang="de-AT" smtClean="0"/>
-              <a:t>23.06.2022</a:t>
+              <a:t>24.06.2022</a:t>
             </a:fld>
             <a:endParaRPr lang="de-AT"/>
           </a:p>
@@ -3051,7 +3052,7 @@
           <a:p>
             <a:fld id="{9379C374-18C6-4E53-9ACF-4A8973656D85}" type="datetimeFigureOut">
               <a:rPr lang="de-AT" smtClean="0"/>
-              <a:t>23.06.2022</a:t>
+              <a:t>24.06.2022</a:t>
             </a:fld>
             <a:endParaRPr lang="de-AT"/>
           </a:p>
@@ -3235,7 +3236,7 @@
           <a:p>
             <a:fld id="{9379C374-18C6-4E53-9ACF-4A8973656D85}" type="datetimeFigureOut">
               <a:rPr lang="de-AT" smtClean="0"/>
-              <a:t>23.06.2022</a:t>
+              <a:t>24.06.2022</a:t>
             </a:fld>
             <a:endParaRPr lang="de-AT"/>
           </a:p>
@@ -3405,7 +3406,7 @@
           <a:p>
             <a:fld id="{9379C374-18C6-4E53-9ACF-4A8973656D85}" type="datetimeFigureOut">
               <a:rPr lang="de-AT" smtClean="0"/>
-              <a:t>23.06.2022</a:t>
+              <a:t>24.06.2022</a:t>
             </a:fld>
             <a:endParaRPr lang="de-AT"/>
           </a:p>
@@ -3649,7 +3650,7 @@
           <a:p>
             <a:fld id="{9379C374-18C6-4E53-9ACF-4A8973656D85}" type="datetimeFigureOut">
               <a:rPr lang="de-AT" smtClean="0"/>
-              <a:t>23.06.2022</a:t>
+              <a:t>24.06.2022</a:t>
             </a:fld>
             <a:endParaRPr lang="de-AT"/>
           </a:p>
@@ -3885,7 +3886,7 @@
           <a:p>
             <a:fld id="{9379C374-18C6-4E53-9ACF-4A8973656D85}" type="datetimeFigureOut">
               <a:rPr lang="de-AT" smtClean="0"/>
-              <a:t>23.06.2022</a:t>
+              <a:t>24.06.2022</a:t>
             </a:fld>
             <a:endParaRPr lang="de-AT"/>
           </a:p>
@@ -4351,7 +4352,7 @@
           <a:p>
             <a:fld id="{9379C374-18C6-4E53-9ACF-4A8973656D85}" type="datetimeFigureOut">
               <a:rPr lang="de-AT" smtClean="0"/>
-              <a:t>23.06.2022</a:t>
+              <a:t>24.06.2022</a:t>
             </a:fld>
             <a:endParaRPr lang="de-AT"/>
           </a:p>
@@ -4469,7 +4470,7 @@
           <a:p>
             <a:fld id="{9379C374-18C6-4E53-9ACF-4A8973656D85}" type="datetimeFigureOut">
               <a:rPr lang="de-AT" smtClean="0"/>
-              <a:t>23.06.2022</a:t>
+              <a:t>24.06.2022</a:t>
             </a:fld>
             <a:endParaRPr lang="de-AT"/>
           </a:p>
@@ -4564,7 +4565,7 @@
           <a:p>
             <a:fld id="{9379C374-18C6-4E53-9ACF-4A8973656D85}" type="datetimeFigureOut">
               <a:rPr lang="de-AT" smtClean="0"/>
-              <a:t>23.06.2022</a:t>
+              <a:t>24.06.2022</a:t>
             </a:fld>
             <a:endParaRPr lang="de-AT"/>
           </a:p>
@@ -4819,7 +4820,7 @@
           <a:p>
             <a:fld id="{9379C374-18C6-4E53-9ACF-4A8973656D85}" type="datetimeFigureOut">
               <a:rPr lang="de-AT" smtClean="0"/>
-              <a:t>23.06.2022</a:t>
+              <a:t>24.06.2022</a:t>
             </a:fld>
             <a:endParaRPr lang="de-AT"/>
           </a:p>
@@ -5119,7 +5120,7 @@
           <a:p>
             <a:fld id="{9379C374-18C6-4E53-9ACF-4A8973656D85}" type="datetimeFigureOut">
               <a:rPr lang="de-AT" smtClean="0"/>
-              <a:t>23.06.2022</a:t>
+              <a:t>24.06.2022</a:t>
             </a:fld>
             <a:endParaRPr lang="de-AT"/>
           </a:p>
@@ -5353,7 +5354,7 @@
           <a:p>
             <a:fld id="{9379C374-18C6-4E53-9ACF-4A8973656D85}" type="datetimeFigureOut">
               <a:rPr lang="de-AT" smtClean="0"/>
-              <a:t>23.06.2022</a:t>
+              <a:t>24.06.2022</a:t>
             </a:fld>
             <a:endParaRPr lang="de-AT"/>
           </a:p>
@@ -6165,6 +6166,156 @@
 </p:sld>
 </file>
 
+<file path=ppt/slides/slide10.xml><?xml version="1.0" encoding="utf-8"?>
+<p:sld xmlns:a="http://schemas.openxmlformats.org/drawingml/2006/main" xmlns:r="http://schemas.openxmlformats.org/officeDocument/2006/relationships" xmlns:p="http://schemas.openxmlformats.org/presentationml/2006/main">
+  <p:cSld>
+    <p:spTree>
+      <p:nvGrpSpPr>
+        <p:cNvPr id="1" name=""/>
+        <p:cNvGrpSpPr/>
+        <p:nvPr/>
+      </p:nvGrpSpPr>
+      <p:grpSpPr>
+        <a:xfrm>
+          <a:off x="0" y="0"/>
+          <a:ext cx="0" cy="0"/>
+          <a:chOff x="0" y="0"/>
+          <a:chExt cx="0" cy="0"/>
+        </a:xfrm>
+      </p:grpSpPr>
+      <p:sp>
+        <p:nvSpPr>
+          <p:cNvPr id="2" name="Titel 1">
+            <a:extLst>
+              <a:ext uri="{FF2B5EF4-FFF2-40B4-BE49-F238E27FC236}">
+                <a16:creationId xmlns:a16="http://schemas.microsoft.com/office/drawing/2014/main" id="{0CE14C8E-DBA3-0D34-290F-045FF0FAB431}"/>
+              </a:ext>
+            </a:extLst>
+          </p:cNvPr>
+          <p:cNvSpPr>
+            <a:spLocks noGrp="1"/>
+          </p:cNvSpPr>
+          <p:nvPr>
+            <p:ph type="ctrTitle"/>
+          </p:nvPr>
+        </p:nvSpPr>
+        <p:spPr/>
+        <p:txBody>
+          <a:bodyPr/>
+          <a:lstStyle/>
+          <a:p>
+            <a:r>
+              <a:rPr lang="de-AT" dirty="0" err="1"/>
+              <a:t>Thanks</a:t>
+            </a:r>
+            <a:r>
+              <a:rPr lang="de-AT" dirty="0"/>
+              <a:t> </a:t>
+            </a:r>
+            <a:r>
+              <a:rPr lang="de-AT" dirty="0" err="1"/>
+              <a:t>for</a:t>
+            </a:r>
+            <a:r>
+              <a:rPr lang="de-AT" dirty="0"/>
+              <a:t> </a:t>
+            </a:r>
+            <a:r>
+              <a:rPr lang="de-AT" dirty="0" err="1"/>
+              <a:t>listening</a:t>
+            </a:r>
+            <a:r>
+              <a:rPr lang="de-AT" dirty="0"/>
+              <a:t>!</a:t>
+            </a:r>
+          </a:p>
+        </p:txBody>
+      </p:sp>
+      <p:sp>
+        <p:nvSpPr>
+          <p:cNvPr id="3" name="Untertitel 2">
+            <a:extLst>
+              <a:ext uri="{FF2B5EF4-FFF2-40B4-BE49-F238E27FC236}">
+                <a16:creationId xmlns:a16="http://schemas.microsoft.com/office/drawing/2014/main" id="{52B10A4C-77AF-36A7-4F14-AF3F54EC7D4C}"/>
+              </a:ext>
+            </a:extLst>
+          </p:cNvPr>
+          <p:cNvSpPr>
+            <a:spLocks noGrp="1"/>
+          </p:cNvSpPr>
+          <p:nvPr>
+            <p:ph type="subTitle" idx="1"/>
+          </p:nvPr>
+        </p:nvSpPr>
+        <p:spPr/>
+        <p:txBody>
+          <a:bodyPr/>
+          <a:lstStyle/>
+          <a:p>
+            <a:r>
+              <a:rPr lang="de-AT" dirty="0" err="1"/>
+              <a:t>Feel</a:t>
+            </a:r>
+            <a:r>
+              <a:rPr lang="de-AT" dirty="0"/>
+              <a:t> </a:t>
+            </a:r>
+            <a:r>
+              <a:rPr lang="de-AT" dirty="0" err="1"/>
+              <a:t>free</a:t>
+            </a:r>
+            <a:r>
+              <a:rPr lang="de-AT" dirty="0"/>
+              <a:t> </a:t>
+            </a:r>
+            <a:r>
+              <a:rPr lang="de-AT" dirty="0" err="1"/>
+              <a:t>to</a:t>
+            </a:r>
+            <a:r>
+              <a:rPr lang="de-AT" dirty="0"/>
+              <a:t> </a:t>
+            </a:r>
+            <a:r>
+              <a:rPr lang="de-AT" dirty="0" err="1"/>
+              <a:t>ask</a:t>
+            </a:r>
+            <a:r>
+              <a:rPr lang="de-AT" dirty="0"/>
+              <a:t> </a:t>
+            </a:r>
+            <a:r>
+              <a:rPr lang="de-AT" dirty="0" err="1"/>
+              <a:t>any</a:t>
+            </a:r>
+            <a:r>
+              <a:rPr lang="de-AT" dirty="0"/>
+              <a:t> </a:t>
+            </a:r>
+            <a:r>
+              <a:rPr lang="de-AT" dirty="0" err="1"/>
+              <a:t>question</a:t>
+            </a:r>
+            <a:r>
+              <a:rPr lang="de-AT" dirty="0"/>
+              <a:t>!</a:t>
+            </a:r>
+          </a:p>
+        </p:txBody>
+      </p:sp>
+    </p:spTree>
+    <p:extLst>
+      <p:ext uri="{BB962C8B-B14F-4D97-AF65-F5344CB8AC3E}">
+        <p14:creationId xmlns:p14="http://schemas.microsoft.com/office/powerpoint/2010/main" val="3760356345"/>
+      </p:ext>
+    </p:extLst>
+  </p:cSld>
+  <p:clrMapOvr>
+    <a:masterClrMapping/>
+  </p:clrMapOvr>
+</p:sld>
+</file>
+
 <file path=ppt/slides/slide2.xml><?xml version="1.0" encoding="utf-8"?>
 <p:sld xmlns:a="http://schemas.openxmlformats.org/drawingml/2006/main" xmlns:r="http://schemas.openxmlformats.org/officeDocument/2006/relationships" xmlns:p="http://schemas.openxmlformats.org/presentationml/2006/main">
   <p:cSld>
@@ -9210,9 +9361,16 @@
             <p:ph type="title"/>
           </p:nvPr>
         </p:nvSpPr>
-        <p:spPr/>
-        <p:txBody>
-          <a:bodyPr/>
+        <p:spPr>
+          <a:xfrm>
+            <a:off x="913795" y="0"/>
+            <a:ext cx="10353762" cy="754428"/>
+          </a:xfrm>
+        </p:spPr>
+        <p:txBody>
+          <a:bodyPr>
+            <a:normAutofit/>
+          </a:bodyPr>
           <a:lstStyle/>
           <a:p>
             <a:r>
@@ -9223,31 +9381,41 @@
           </a:p>
         </p:txBody>
       </p:sp>
-      <p:sp>
-        <p:nvSpPr>
-          <p:cNvPr id="3" name="Inhaltsplatzhalter 2">
+      <p:pic>
+        <p:nvPicPr>
+          <p:cNvPr id="5" name="Inhaltsplatzhalter 4">
             <a:extLst>
               <a:ext uri="{FF2B5EF4-FFF2-40B4-BE49-F238E27FC236}">
-                <a16:creationId xmlns:a16="http://schemas.microsoft.com/office/drawing/2014/main" id="{E94222C2-994F-426B-1A9E-F62640CFA03C}"/>
+                <a16:creationId xmlns:a16="http://schemas.microsoft.com/office/drawing/2014/main" id="{19A7A6C5-F886-20DC-2A9D-A08EF0551C4B}"/>
               </a:ext>
             </a:extLst>
           </p:cNvPr>
-          <p:cNvSpPr>
-            <a:spLocks noGrp="1"/>
-          </p:cNvSpPr>
+          <p:cNvPicPr>
+            <a:picLocks noGrp="1" noChangeAspect="1"/>
+          </p:cNvPicPr>
           <p:nvPr>
             <p:ph idx="1"/>
           </p:nvPr>
-        </p:nvSpPr>
-        <p:spPr/>
-        <p:txBody>
-          <a:bodyPr/>
-          <a:lstStyle/>
-          <a:p>
-            <a:endParaRPr lang="de-AT"/>
-          </a:p>
-        </p:txBody>
-      </p:sp>
+        </p:nvPicPr>
+        <p:blipFill>
+          <a:blip r:embed="rId2">
+            <a:extLst>
+              <a:ext uri="{28A0092B-C50C-407E-A947-70E740481C1C}">
+                <a14:useLocalDpi xmlns:a14="http://schemas.microsoft.com/office/drawing/2010/main" val="0"/>
+              </a:ext>
+            </a:extLst>
+          </a:blip>
+          <a:stretch>
+            <a:fillRect/>
+          </a:stretch>
+        </p:blipFill>
+        <p:spPr>
+          <a:xfrm>
+            <a:off x="1987864" y="754428"/>
+            <a:ext cx="8205624" cy="5851637"/>
+          </a:xfrm>
+        </p:spPr>
+      </p:pic>
     </p:spTree>
     <p:extLst>
       <p:ext uri="{BB962C8B-B14F-4D97-AF65-F5344CB8AC3E}">
